--- a/paper/figures.pptx
+++ b/paper/figures.pptx
@@ -8,6 +8,10 @@
     <p:sldId id="256" r:id="rId2"/>
     <p:sldId id="257" r:id="rId3"/>
     <p:sldId id="258" r:id="rId4"/>
+    <p:sldId id="259" r:id="rId5"/>
+    <p:sldId id="260" r:id="rId6"/>
+    <p:sldId id="261" r:id="rId7"/>
+    <p:sldId id="262" r:id="rId8"/>
   </p:sldIdLst>
   <p:sldSz cx="12192000" cy="6858000"/>
   <p:notesSz cx="6858000" cy="9144000"/>
@@ -4413,7 +4417,7 @@
         <p:spPr>
           <a:xfrm>
             <a:off x="1020733" y="1425337"/>
-            <a:ext cx="2335426" cy="1123712"/>
+            <a:ext cx="2335426" cy="1055608"/>
           </a:xfrm>
           <a:prstGeom prst="roundRect">
             <a:avLst/>
@@ -4440,7 +4444,7 @@
           <a:lstStyle/>
           <a:p>
             <a:r>
-              <a:rPr lang="en-US" sz="1400" dirty="0"/>
+              <a:rPr lang="en-US" sz="1200" dirty="0"/>
               <a:t>1. Random Boolean Function Generators</a:t>
             </a:r>
           </a:p>
@@ -4505,7 +4509,7 @@
         <p:spPr>
           <a:xfrm>
             <a:off x="1020732" y="2974417"/>
-            <a:ext cx="2335426" cy="1259919"/>
+            <a:ext cx="2335426" cy="987504"/>
           </a:xfrm>
           <a:prstGeom prst="roundRect">
             <a:avLst/>
@@ -4532,7 +4536,7 @@
           <a:lstStyle/>
           <a:p>
             <a:r>
-              <a:rPr lang="en-US" sz="1400" dirty="0"/>
+              <a:rPr lang="en-US" sz="1200" dirty="0"/>
               <a:t>3. Boolean Function Analysis</a:t>
             </a:r>
           </a:p>
@@ -4630,8 +4634,8 @@
         </p:nvSpPr>
         <p:spPr>
           <a:xfrm>
-            <a:off x="3913359" y="2986325"/>
-            <a:ext cx="2335426" cy="1259919"/>
+            <a:off x="3913359" y="2974417"/>
+            <a:ext cx="2335426" cy="987504"/>
           </a:xfrm>
           <a:prstGeom prst="roundRect">
             <a:avLst/>
@@ -4658,7 +4662,7 @@
           <a:lstStyle/>
           <a:p>
             <a:r>
-              <a:rPr lang="en-US" sz="1400" dirty="0"/>
+              <a:rPr lang="en-US" sz="1200" dirty="0"/>
               <a:t>4. Boolean Network Analysis</a:t>
             </a:r>
           </a:p>
@@ -4721,7 +4725,7 @@
         <p:spPr>
           <a:xfrm>
             <a:off x="3913359" y="1425337"/>
-            <a:ext cx="2335426" cy="1123712"/>
+            <a:ext cx="2335426" cy="1055608"/>
           </a:xfrm>
           <a:prstGeom prst="roundRect">
             <a:avLst/>
@@ -4748,7 +4752,7 @@
           <a:lstStyle/>
           <a:p>
             <a:r>
-              <a:rPr lang="en-US" sz="1400" dirty="0"/>
+              <a:rPr lang="en-US" sz="1200" dirty="0"/>
               <a:t>2. Random Boolean Network Generators</a:t>
             </a:r>
           </a:p>
@@ -4829,8 +4833,8 @@
         </p:nvCxnSpPr>
         <p:spPr>
           <a:xfrm flipH="1">
-            <a:off x="2188445" y="2549049"/>
-            <a:ext cx="1" cy="425368"/>
+            <a:off x="2188445" y="2480945"/>
+            <a:ext cx="1" cy="493472"/>
           </a:xfrm>
           <a:prstGeom prst="straightConnector1">
             <a:avLst/>
@@ -4872,8 +4876,8 @@
         </p:nvCxnSpPr>
         <p:spPr>
           <a:xfrm>
-            <a:off x="5081072" y="2549049"/>
-            <a:ext cx="0" cy="437276"/>
+            <a:off x="5081072" y="2480945"/>
+            <a:ext cx="0" cy="493472"/>
           </a:xfrm>
           <a:prstGeom prst="straightConnector1">
             <a:avLst/>
@@ -4915,8 +4919,8 @@
         </p:nvCxnSpPr>
         <p:spPr>
           <a:xfrm>
-            <a:off x="6248785" y="1987193"/>
-            <a:ext cx="2695399" cy="709226"/>
+            <a:off x="6248785" y="1953141"/>
+            <a:ext cx="2695399" cy="743278"/>
           </a:xfrm>
           <a:prstGeom prst="straightConnector1">
             <a:avLst/>
@@ -4959,7 +4963,7 @@
         <p:spPr>
           <a:xfrm flipV="1">
             <a:off x="6248785" y="3105042"/>
-            <a:ext cx="2695399" cy="511243"/>
+            <a:ext cx="2695399" cy="363127"/>
           </a:xfrm>
           <a:prstGeom prst="straightConnector1">
             <a:avLst/>
@@ -5001,7 +5005,7 @@
         </p:nvCxnSpPr>
         <p:spPr>
           <a:xfrm>
-            <a:off x="3356159" y="1987193"/>
+            <a:off x="3356159" y="1953141"/>
             <a:ext cx="557200" cy="0"/>
           </a:xfrm>
           <a:prstGeom prst="straightConnector1">
@@ -5044,8 +5048,8 @@
         </p:nvCxnSpPr>
         <p:spPr>
           <a:xfrm>
-            <a:off x="3356158" y="3604377"/>
-            <a:ext cx="557201" cy="11908"/>
+            <a:off x="3356158" y="3468169"/>
+            <a:ext cx="557201" cy="0"/>
           </a:xfrm>
           <a:prstGeom prst="straightConnector1">
             <a:avLst/>
@@ -5073,6 +5077,4029 @@
     <p:extLst>
       <p:ext uri="{BB962C8B-B14F-4D97-AF65-F5344CB8AC3E}">
         <p14:creationId xmlns:p14="http://schemas.microsoft.com/office/powerpoint/2010/main" val="633140368"/>
+      </p:ext>
+    </p:extLst>
+  </p:cSld>
+  <p:clrMapOvr>
+    <a:masterClrMapping/>
+  </p:clrMapOvr>
+</p:sld>
+</file>
+
+<file path=ppt/slides/slide4.xml><?xml version="1.0" encoding="utf-8"?>
+<p:sld xmlns:a="http://schemas.openxmlformats.org/drawingml/2006/main" xmlns:r="http://schemas.openxmlformats.org/officeDocument/2006/relationships" xmlns:p="http://schemas.openxmlformats.org/presentationml/2006/main">
+  <p:cSld>
+    <p:spTree>
+      <p:nvGrpSpPr>
+        <p:cNvPr id="1" name="">
+          <a:extLst>
+            <a:ext uri="{FF2B5EF4-FFF2-40B4-BE49-F238E27FC236}">
+              <a16:creationId xmlns:a16="http://schemas.microsoft.com/office/drawing/2014/main" id="{DC5637A3-34E2-43B1-9D68-D771416A4F9D}"/>
+            </a:ext>
+          </a:extLst>
+        </p:cNvPr>
+        <p:cNvGrpSpPr/>
+        <p:nvPr/>
+      </p:nvGrpSpPr>
+      <p:grpSpPr>
+        <a:xfrm>
+          <a:off x="0" y="0"/>
+          <a:ext cx="0" cy="0"/>
+          <a:chOff x="0" y="0"/>
+          <a:chExt cx="0" cy="0"/>
+        </a:xfrm>
+      </p:grpSpPr>
+      <p:sp>
+        <p:nvSpPr>
+          <p:cNvPr id="4" name="TextBox 3">
+            <a:extLst>
+              <a:ext uri="{FF2B5EF4-FFF2-40B4-BE49-F238E27FC236}">
+                <a16:creationId xmlns:a16="http://schemas.microsoft.com/office/drawing/2014/main" id="{3300FF43-72FE-28C1-358F-28114D19422D}"/>
+              </a:ext>
+            </a:extLst>
+          </p:cNvPr>
+          <p:cNvSpPr txBox="1"/>
+          <p:nvPr/>
+        </p:nvSpPr>
+        <p:spPr>
+          <a:xfrm>
+            <a:off x="715477" y="1425337"/>
+            <a:ext cx="2335426" cy="1055608"/>
+          </a:xfrm>
+          <a:prstGeom prst="roundRect">
+            <a:avLst/>
+          </a:prstGeom>
+        </p:spPr>
+        <p:style>
+          <a:lnRef idx="2">
+            <a:schemeClr val="accent1"/>
+          </a:lnRef>
+          <a:fillRef idx="1">
+            <a:schemeClr val="lt1"/>
+          </a:fillRef>
+          <a:effectRef idx="0">
+            <a:schemeClr val="accent1"/>
+          </a:effectRef>
+          <a:fontRef idx="minor">
+            <a:schemeClr val="dk1"/>
+          </a:fontRef>
+        </p:style>
+        <p:txBody>
+          <a:bodyPr wrap="square" rtlCol="0">
+            <a:spAutoFit/>
+          </a:bodyPr>
+          <a:lstStyle/>
+          <a:p>
+            <a:r>
+              <a:rPr lang="en-US" sz="1200" dirty="0"/>
+              <a:t>1. Random Boolean Function Generators</a:t>
+            </a:r>
+          </a:p>
+          <a:p>
+            <a:r>
+              <a:rPr lang="en-US" sz="800" dirty="0" err="1"/>
+              <a:t>random_non_degenerated_function</a:t>
+            </a:r>
+            <a:r>
+              <a:rPr lang="en-US" sz="800" dirty="0"/>
+              <a:t>(n)</a:t>
+            </a:r>
+          </a:p>
+          <a:p>
+            <a:r>
+              <a:rPr lang="en-US" sz="800" dirty="0" err="1"/>
+              <a:t>random_k_canalizing_function</a:t>
+            </a:r>
+            <a:r>
+              <a:rPr lang="en-US" sz="800" dirty="0"/>
+              <a:t>(n, k)</a:t>
+            </a:r>
+          </a:p>
+          <a:p>
+            <a:r>
+              <a:rPr lang="en-US" sz="800" dirty="0" err="1"/>
+              <a:t>random_NCF</a:t>
+            </a:r>
+            <a:r>
+              <a:rPr lang="en-US" sz="800" dirty="0"/>
+              <a:t>(n, </a:t>
+            </a:r>
+            <a:r>
+              <a:rPr lang="en-US" sz="800" dirty="0" err="1"/>
+              <a:t>layer_structure</a:t>
+            </a:r>
+            <a:r>
+              <a:rPr lang="en-US" sz="800" dirty="0"/>
+              <a:t>)</a:t>
+            </a:r>
+          </a:p>
+          <a:p>
+            <a:r>
+              <a:rPr lang="en-US" sz="800" dirty="0"/>
+              <a:t>…</a:t>
+            </a:r>
+          </a:p>
+        </p:txBody>
+      </p:sp>
+      <p:sp>
+        <p:nvSpPr>
+          <p:cNvPr id="5" name="TextBox 4">
+            <a:extLst>
+              <a:ext uri="{FF2B5EF4-FFF2-40B4-BE49-F238E27FC236}">
+                <a16:creationId xmlns:a16="http://schemas.microsoft.com/office/drawing/2014/main" id="{F6E5F3F5-C06E-ED90-17CA-872855B3CEC7}"/>
+              </a:ext>
+            </a:extLst>
+          </p:cNvPr>
+          <p:cNvSpPr txBox="1"/>
+          <p:nvPr/>
+        </p:nvSpPr>
+        <p:spPr>
+          <a:xfrm>
+            <a:off x="715477" y="3633311"/>
+            <a:ext cx="2335426" cy="987504"/>
+          </a:xfrm>
+          <a:prstGeom prst="roundRect">
+            <a:avLst/>
+          </a:prstGeom>
+        </p:spPr>
+        <p:style>
+          <a:lnRef idx="2">
+            <a:schemeClr val="accent1"/>
+          </a:lnRef>
+          <a:fillRef idx="1">
+            <a:schemeClr val="lt1"/>
+          </a:fillRef>
+          <a:effectRef idx="0">
+            <a:schemeClr val="accent1"/>
+          </a:effectRef>
+          <a:fontRef idx="minor">
+            <a:schemeClr val="dk1"/>
+          </a:fontRef>
+        </p:style>
+        <p:txBody>
+          <a:bodyPr wrap="square" rtlCol="0">
+            <a:spAutoFit/>
+          </a:bodyPr>
+          <a:lstStyle/>
+          <a:p>
+            <a:r>
+              <a:rPr lang="en-US" sz="1200" dirty="0"/>
+              <a:t>3. Boolean Function Analysis</a:t>
+            </a:r>
+          </a:p>
+          <a:p>
+            <a:r>
+              <a:rPr lang="en-US" sz="800" dirty="0" err="1"/>
+              <a:t>is_monotonic</a:t>
+            </a:r>
+            <a:r>
+              <a:rPr lang="en-US" sz="800" dirty="0"/>
+              <a:t>()	</a:t>
+            </a:r>
+            <a:r>
+              <a:rPr lang="en-US" sz="800" dirty="0" err="1"/>
+              <a:t>get_symmetry_groups</a:t>
+            </a:r>
+            <a:r>
+              <a:rPr lang="en-US" sz="800" dirty="0"/>
+              <a:t>()</a:t>
+            </a:r>
+          </a:p>
+          <a:p>
+            <a:r>
+              <a:rPr lang="en-US" sz="800" dirty="0" err="1"/>
+              <a:t>is_degenerated</a:t>
+            </a:r>
+            <a:r>
+              <a:rPr lang="en-US" sz="800" dirty="0"/>
+              <a:t>()	</a:t>
+            </a:r>
+            <a:r>
+              <a:rPr lang="en-US" sz="800" dirty="0" err="1"/>
+              <a:t>get_sensitivity</a:t>
+            </a:r>
+            <a:r>
+              <a:rPr lang="en-US" sz="800" dirty="0"/>
+              <a:t>()</a:t>
+            </a:r>
+          </a:p>
+          <a:p>
+            <a:r>
+              <a:rPr lang="en-US" sz="800" dirty="0" err="1"/>
+              <a:t>Is_k_canalizing</a:t>
+            </a:r>
+            <a:r>
+              <a:rPr lang="en-US" sz="800" dirty="0"/>
+              <a:t>()	</a:t>
+            </a:r>
+            <a:r>
+              <a:rPr lang="en-US" sz="800" dirty="0" err="1"/>
+              <a:t>get_layer_structure</a:t>
+            </a:r>
+            <a:r>
+              <a:rPr lang="en-US" sz="800" dirty="0"/>
+              <a:t>()</a:t>
+            </a:r>
+          </a:p>
+          <a:p>
+            <a:r>
+              <a:rPr lang="en-US" sz="800" dirty="0" err="1"/>
+              <a:t>Is_kset_canalizing</a:t>
+            </a:r>
+            <a:r>
+              <a:rPr lang="en-US" sz="800" dirty="0"/>
+              <a:t>()	</a:t>
+            </a:r>
+            <a:r>
+              <a:rPr lang="en-US" sz="800" dirty="0" err="1"/>
+              <a:t>get_canalizing_strength</a:t>
+            </a:r>
+            <a:r>
+              <a:rPr lang="en-US" sz="800" dirty="0"/>
+              <a:t>()</a:t>
+            </a:r>
+          </a:p>
+          <a:p>
+            <a:r>
+              <a:rPr lang="en-US" sz="800" dirty="0"/>
+              <a:t>…</a:t>
+            </a:r>
+          </a:p>
+        </p:txBody>
+      </p:sp>
+      <p:sp>
+        <p:nvSpPr>
+          <p:cNvPr id="6" name="TextBox 5">
+            <a:extLst>
+              <a:ext uri="{FF2B5EF4-FFF2-40B4-BE49-F238E27FC236}">
+                <a16:creationId xmlns:a16="http://schemas.microsoft.com/office/drawing/2014/main" id="{0F86872E-3AF2-4CAC-DC44-0891850B84CD}"/>
+              </a:ext>
+            </a:extLst>
+          </p:cNvPr>
+          <p:cNvSpPr txBox="1"/>
+          <p:nvPr/>
+        </p:nvSpPr>
+        <p:spPr>
+          <a:xfrm>
+            <a:off x="3913359" y="3633311"/>
+            <a:ext cx="2335426" cy="987504"/>
+          </a:xfrm>
+          <a:prstGeom prst="roundRect">
+            <a:avLst/>
+          </a:prstGeom>
+        </p:spPr>
+        <p:style>
+          <a:lnRef idx="2">
+            <a:schemeClr val="accent1"/>
+          </a:lnRef>
+          <a:fillRef idx="1">
+            <a:schemeClr val="lt1"/>
+          </a:fillRef>
+          <a:effectRef idx="0">
+            <a:schemeClr val="accent1"/>
+          </a:effectRef>
+          <a:fontRef idx="minor">
+            <a:schemeClr val="dk1"/>
+          </a:fontRef>
+        </p:style>
+        <p:txBody>
+          <a:bodyPr wrap="square" rtlCol="0">
+            <a:spAutoFit/>
+          </a:bodyPr>
+          <a:lstStyle/>
+          <a:p>
+            <a:r>
+              <a:rPr lang="en-US" sz="1200" dirty="0"/>
+              <a:t>4. Boolean Network Analysis</a:t>
+            </a:r>
+          </a:p>
+          <a:p>
+            <a:r>
+              <a:rPr lang="en-US" sz="800" dirty="0" err="1"/>
+              <a:t>get_steady_states_asynchronous</a:t>
+            </a:r>
+            <a:r>
+              <a:rPr lang="en-US" sz="800" dirty="0"/>
+              <a:t>()</a:t>
+            </a:r>
+          </a:p>
+          <a:p>
+            <a:r>
+              <a:rPr lang="en-US" sz="800" dirty="0" err="1"/>
+              <a:t>get_Derrida_values</a:t>
+            </a:r>
+            <a:r>
+              <a:rPr lang="en-US" sz="800" dirty="0"/>
+              <a:t>()</a:t>
+            </a:r>
+          </a:p>
+          <a:p>
+            <a:r>
+              <a:rPr lang="en-US" sz="800" dirty="0" err="1"/>
+              <a:t>get_attractors_and_robustness_measures</a:t>
+            </a:r>
+            <a:r>
+              <a:rPr lang="en-US" sz="800" dirty="0"/>
+              <a:t>_</a:t>
+            </a:r>
+          </a:p>
+          <a:p>
+            <a:r>
+              <a:rPr lang="en-US" sz="800" dirty="0"/>
+              <a:t>synchronous()</a:t>
+            </a:r>
+          </a:p>
+          <a:p>
+            <a:r>
+              <a:rPr lang="en-US" sz="800" dirty="0"/>
+              <a:t>…</a:t>
+            </a:r>
+          </a:p>
+        </p:txBody>
+      </p:sp>
+      <p:sp>
+        <p:nvSpPr>
+          <p:cNvPr id="7" name="TextBox 6">
+            <a:extLst>
+              <a:ext uri="{FF2B5EF4-FFF2-40B4-BE49-F238E27FC236}">
+                <a16:creationId xmlns:a16="http://schemas.microsoft.com/office/drawing/2014/main" id="{F8774C9D-442F-A561-BCA2-D603A4036B17}"/>
+              </a:ext>
+            </a:extLst>
+          </p:cNvPr>
+          <p:cNvSpPr txBox="1"/>
+          <p:nvPr/>
+        </p:nvSpPr>
+        <p:spPr>
+          <a:xfrm>
+            <a:off x="3913359" y="1425337"/>
+            <a:ext cx="2335426" cy="1055608"/>
+          </a:xfrm>
+          <a:prstGeom prst="roundRect">
+            <a:avLst/>
+          </a:prstGeom>
+        </p:spPr>
+        <p:style>
+          <a:lnRef idx="2">
+            <a:schemeClr val="accent1"/>
+          </a:lnRef>
+          <a:fillRef idx="1">
+            <a:schemeClr val="lt1"/>
+          </a:fillRef>
+          <a:effectRef idx="0">
+            <a:schemeClr val="accent1"/>
+          </a:effectRef>
+          <a:fontRef idx="minor">
+            <a:schemeClr val="dk1"/>
+          </a:fontRef>
+        </p:style>
+        <p:txBody>
+          <a:bodyPr wrap="square" rtlCol="0">
+            <a:spAutoFit/>
+          </a:bodyPr>
+          <a:lstStyle/>
+          <a:p>
+            <a:r>
+              <a:rPr lang="en-US" sz="1200" dirty="0"/>
+              <a:t>2. Random Boolean Network Generators</a:t>
+            </a:r>
+          </a:p>
+          <a:p>
+            <a:r>
+              <a:rPr lang="en-US" sz="800" dirty="0"/>
+              <a:t>Generate random Boolean networks of defined size, degree distribution, canalizing depth or layer structure, bias, …</a:t>
+            </a:r>
+          </a:p>
+          <a:p>
+            <a:endParaRPr lang="en-US" sz="800" dirty="0"/>
+          </a:p>
+        </p:txBody>
+      </p:sp>
+      <p:sp>
+        <p:nvSpPr>
+          <p:cNvPr id="8" name="TextBox 7">
+            <a:extLst>
+              <a:ext uri="{FF2B5EF4-FFF2-40B4-BE49-F238E27FC236}">
+                <a16:creationId xmlns:a16="http://schemas.microsoft.com/office/drawing/2014/main" id="{DDF17099-C86C-BC57-9FA6-D7ABE3B28120}"/>
+              </a:ext>
+            </a:extLst>
+          </p:cNvPr>
+          <p:cNvSpPr txBox="1"/>
+          <p:nvPr/>
+        </p:nvSpPr>
+        <p:spPr>
+          <a:xfrm>
+            <a:off x="2212899" y="2699583"/>
+            <a:ext cx="2538465" cy="715089"/>
+          </a:xfrm>
+          <a:prstGeom prst="roundRect">
+            <a:avLst/>
+          </a:prstGeom>
+        </p:spPr>
+        <p:style>
+          <a:lnRef idx="2">
+            <a:schemeClr val="accent1"/>
+          </a:lnRef>
+          <a:fillRef idx="1">
+            <a:schemeClr val="lt1"/>
+          </a:fillRef>
+          <a:effectRef idx="0">
+            <a:schemeClr val="accent1"/>
+          </a:effectRef>
+          <a:fontRef idx="minor">
+            <a:schemeClr val="dk1"/>
+          </a:fontRef>
+        </p:style>
+        <p:txBody>
+          <a:bodyPr wrap="square" rtlCol="0">
+            <a:spAutoFit/>
+          </a:bodyPr>
+          <a:lstStyle/>
+          <a:p>
+            <a:r>
+              <a:rPr lang="en-US" sz="1200" dirty="0"/>
+              <a:t>5. Ensemble experiments</a:t>
+            </a:r>
+          </a:p>
+          <a:p>
+            <a:r>
+              <a:rPr lang="en-US" sz="800" dirty="0"/>
+              <a:t>Build reproducible pipelines for systematic studies</a:t>
+            </a:r>
+          </a:p>
+          <a:p>
+            <a:r>
+              <a:rPr lang="en-US" sz="800" dirty="0"/>
+              <a:t>Systematically vary parameters and study network properties across ensembles</a:t>
+            </a:r>
+          </a:p>
+        </p:txBody>
+      </p:sp>
+      <p:cxnSp>
+        <p:nvCxnSpPr>
+          <p:cNvPr id="11" name="Straight Arrow Connector 10">
+            <a:extLst>
+              <a:ext uri="{FF2B5EF4-FFF2-40B4-BE49-F238E27FC236}">
+                <a16:creationId xmlns:a16="http://schemas.microsoft.com/office/drawing/2014/main" id="{FDBDCD35-6B7E-127C-055B-7D5992528DDD}"/>
+              </a:ext>
+            </a:extLst>
+          </p:cNvPr>
+          <p:cNvCxnSpPr>
+            <a:cxnSpLocks/>
+            <a:stCxn id="4" idx="2"/>
+            <a:endCxn id="5" idx="0"/>
+          </p:cNvCxnSpPr>
+          <p:nvPr/>
+        </p:nvCxnSpPr>
+        <p:spPr>
+          <a:xfrm>
+            <a:off x="1883190" y="2480945"/>
+            <a:ext cx="0" cy="1152366"/>
+          </a:xfrm>
+          <a:prstGeom prst="straightConnector1">
+            <a:avLst/>
+          </a:prstGeom>
+          <a:ln>
+            <a:tailEnd type="triangle" w="lg" len="lg"/>
+          </a:ln>
+        </p:spPr>
+        <p:style>
+          <a:lnRef idx="2">
+            <a:schemeClr val="accent1"/>
+          </a:lnRef>
+          <a:fillRef idx="0">
+            <a:schemeClr val="accent1"/>
+          </a:fillRef>
+          <a:effectRef idx="1">
+            <a:schemeClr val="accent1"/>
+          </a:effectRef>
+          <a:fontRef idx="minor">
+            <a:schemeClr val="tx1"/>
+          </a:fontRef>
+        </p:style>
+      </p:cxnSp>
+      <p:cxnSp>
+        <p:nvCxnSpPr>
+          <p:cNvPr id="12" name="Straight Arrow Connector 11">
+            <a:extLst>
+              <a:ext uri="{FF2B5EF4-FFF2-40B4-BE49-F238E27FC236}">
+                <a16:creationId xmlns:a16="http://schemas.microsoft.com/office/drawing/2014/main" id="{D99D6680-0CF5-B87D-6F9E-95C2C3019A52}"/>
+              </a:ext>
+            </a:extLst>
+          </p:cNvPr>
+          <p:cNvCxnSpPr>
+            <a:cxnSpLocks/>
+            <a:stCxn id="7" idx="2"/>
+            <a:endCxn id="6" idx="0"/>
+          </p:cNvCxnSpPr>
+          <p:nvPr/>
+        </p:nvCxnSpPr>
+        <p:spPr>
+          <a:xfrm>
+            <a:off x="5081072" y="2480945"/>
+            <a:ext cx="0" cy="1152366"/>
+          </a:xfrm>
+          <a:prstGeom prst="straightConnector1">
+            <a:avLst/>
+          </a:prstGeom>
+          <a:ln>
+            <a:tailEnd type="triangle" w="lg" len="lg"/>
+          </a:ln>
+        </p:spPr>
+        <p:style>
+          <a:lnRef idx="2">
+            <a:schemeClr val="accent1"/>
+          </a:lnRef>
+          <a:fillRef idx="0">
+            <a:schemeClr val="accent1"/>
+          </a:fillRef>
+          <a:effectRef idx="1">
+            <a:schemeClr val="accent1"/>
+          </a:effectRef>
+          <a:fontRef idx="minor">
+            <a:schemeClr val="tx1"/>
+          </a:fontRef>
+        </p:style>
+      </p:cxnSp>
+      <p:cxnSp>
+        <p:nvCxnSpPr>
+          <p:cNvPr id="22" name="Straight Arrow Connector 21">
+            <a:extLst>
+              <a:ext uri="{FF2B5EF4-FFF2-40B4-BE49-F238E27FC236}">
+                <a16:creationId xmlns:a16="http://schemas.microsoft.com/office/drawing/2014/main" id="{FDAAFB58-CBF5-F4EC-6E1D-40FD5D6AB196}"/>
+              </a:ext>
+            </a:extLst>
+          </p:cNvPr>
+          <p:cNvCxnSpPr>
+            <a:cxnSpLocks/>
+            <a:stCxn id="4" idx="3"/>
+            <a:endCxn id="7" idx="1"/>
+          </p:cNvCxnSpPr>
+          <p:nvPr/>
+        </p:nvCxnSpPr>
+        <p:spPr>
+          <a:xfrm>
+            <a:off x="3050903" y="1953141"/>
+            <a:ext cx="862456" cy="0"/>
+          </a:xfrm>
+          <a:prstGeom prst="straightConnector1">
+            <a:avLst/>
+          </a:prstGeom>
+          <a:ln>
+            <a:tailEnd type="triangle" w="lg" len="lg"/>
+          </a:ln>
+        </p:spPr>
+        <p:style>
+          <a:lnRef idx="2">
+            <a:schemeClr val="accent1"/>
+          </a:lnRef>
+          <a:fillRef idx="0">
+            <a:schemeClr val="accent1"/>
+          </a:fillRef>
+          <a:effectRef idx="1">
+            <a:schemeClr val="accent1"/>
+          </a:effectRef>
+          <a:fontRef idx="minor">
+            <a:schemeClr val="tx1"/>
+          </a:fontRef>
+        </p:style>
+      </p:cxnSp>
+      <p:cxnSp>
+        <p:nvCxnSpPr>
+          <p:cNvPr id="25" name="Straight Arrow Connector 24">
+            <a:extLst>
+              <a:ext uri="{FF2B5EF4-FFF2-40B4-BE49-F238E27FC236}">
+                <a16:creationId xmlns:a16="http://schemas.microsoft.com/office/drawing/2014/main" id="{CF55827E-B68F-BB95-10B5-46819856295D}"/>
+              </a:ext>
+            </a:extLst>
+          </p:cNvPr>
+          <p:cNvCxnSpPr>
+            <a:cxnSpLocks/>
+            <a:stCxn id="5" idx="3"/>
+            <a:endCxn id="6" idx="1"/>
+          </p:cNvCxnSpPr>
+          <p:nvPr/>
+        </p:nvCxnSpPr>
+        <p:spPr>
+          <a:xfrm>
+            <a:off x="3050903" y="4127063"/>
+            <a:ext cx="862456" cy="0"/>
+          </a:xfrm>
+          <a:prstGeom prst="straightConnector1">
+            <a:avLst/>
+          </a:prstGeom>
+          <a:ln>
+            <a:tailEnd type="triangle" w="lg" len="lg"/>
+          </a:ln>
+        </p:spPr>
+        <p:style>
+          <a:lnRef idx="2">
+            <a:schemeClr val="accent1"/>
+          </a:lnRef>
+          <a:fillRef idx="0">
+            <a:schemeClr val="accent1"/>
+          </a:fillRef>
+          <a:effectRef idx="1">
+            <a:schemeClr val="accent1"/>
+          </a:effectRef>
+          <a:fontRef idx="minor">
+            <a:schemeClr val="tx1"/>
+          </a:fontRef>
+        </p:style>
+      </p:cxnSp>
+      <p:cxnSp>
+        <p:nvCxnSpPr>
+          <p:cNvPr id="27" name="Straight Arrow Connector 26">
+            <a:extLst>
+              <a:ext uri="{FF2B5EF4-FFF2-40B4-BE49-F238E27FC236}">
+                <a16:creationId xmlns:a16="http://schemas.microsoft.com/office/drawing/2014/main" id="{F8CD18FD-B643-9A76-951A-F9ED6B7CF340}"/>
+              </a:ext>
+            </a:extLst>
+          </p:cNvPr>
+          <p:cNvCxnSpPr>
+            <a:cxnSpLocks/>
+            <a:stCxn id="4" idx="2"/>
+          </p:cNvCxnSpPr>
+          <p:nvPr/>
+        </p:nvCxnSpPr>
+        <p:spPr>
+          <a:xfrm>
+            <a:off x="1883190" y="2480945"/>
+            <a:ext cx="355028" cy="262136"/>
+          </a:xfrm>
+          <a:prstGeom prst="straightConnector1">
+            <a:avLst/>
+          </a:prstGeom>
+          <a:ln>
+            <a:tailEnd type="triangle" w="lg" len="lg"/>
+          </a:ln>
+        </p:spPr>
+        <p:style>
+          <a:lnRef idx="2">
+            <a:schemeClr val="accent1"/>
+          </a:lnRef>
+          <a:fillRef idx="0">
+            <a:schemeClr val="accent1"/>
+          </a:fillRef>
+          <a:effectRef idx="1">
+            <a:schemeClr val="accent1"/>
+          </a:effectRef>
+          <a:fontRef idx="minor">
+            <a:schemeClr val="tx1"/>
+          </a:fontRef>
+        </p:style>
+      </p:cxnSp>
+      <p:cxnSp>
+        <p:nvCxnSpPr>
+          <p:cNvPr id="30" name="Straight Arrow Connector 29">
+            <a:extLst>
+              <a:ext uri="{FF2B5EF4-FFF2-40B4-BE49-F238E27FC236}">
+                <a16:creationId xmlns:a16="http://schemas.microsoft.com/office/drawing/2014/main" id="{563F5C5D-7F44-FD93-8CDF-1127C07507DB}"/>
+              </a:ext>
+            </a:extLst>
+          </p:cNvPr>
+          <p:cNvCxnSpPr>
+            <a:cxnSpLocks/>
+            <a:stCxn id="5" idx="0"/>
+          </p:cNvCxnSpPr>
+          <p:nvPr/>
+        </p:nvCxnSpPr>
+        <p:spPr>
+          <a:xfrm flipV="1">
+            <a:off x="1883190" y="3380204"/>
+            <a:ext cx="355028" cy="253107"/>
+          </a:xfrm>
+          <a:prstGeom prst="straightConnector1">
+            <a:avLst/>
+          </a:prstGeom>
+          <a:ln>
+            <a:tailEnd type="triangle" w="lg" len="lg"/>
+          </a:ln>
+        </p:spPr>
+        <p:style>
+          <a:lnRef idx="2">
+            <a:schemeClr val="accent1"/>
+          </a:lnRef>
+          <a:fillRef idx="0">
+            <a:schemeClr val="accent1"/>
+          </a:fillRef>
+          <a:effectRef idx="1">
+            <a:schemeClr val="accent1"/>
+          </a:effectRef>
+          <a:fontRef idx="minor">
+            <a:schemeClr val="tx1"/>
+          </a:fontRef>
+        </p:style>
+      </p:cxnSp>
+      <p:cxnSp>
+        <p:nvCxnSpPr>
+          <p:cNvPr id="34" name="Straight Arrow Connector 33">
+            <a:extLst>
+              <a:ext uri="{FF2B5EF4-FFF2-40B4-BE49-F238E27FC236}">
+                <a16:creationId xmlns:a16="http://schemas.microsoft.com/office/drawing/2014/main" id="{56941659-3284-CFEA-035A-A76C7FA4D85F}"/>
+              </a:ext>
+            </a:extLst>
+          </p:cNvPr>
+          <p:cNvCxnSpPr>
+            <a:cxnSpLocks/>
+            <a:stCxn id="6" idx="0"/>
+          </p:cNvCxnSpPr>
+          <p:nvPr/>
+        </p:nvCxnSpPr>
+        <p:spPr>
+          <a:xfrm flipH="1" flipV="1">
+            <a:off x="4751364" y="3380204"/>
+            <a:ext cx="329708" cy="253107"/>
+          </a:xfrm>
+          <a:prstGeom prst="straightConnector1">
+            <a:avLst/>
+          </a:prstGeom>
+          <a:ln>
+            <a:tailEnd type="triangle" w="lg" len="lg"/>
+          </a:ln>
+        </p:spPr>
+        <p:style>
+          <a:lnRef idx="2">
+            <a:schemeClr val="accent1"/>
+          </a:lnRef>
+          <a:fillRef idx="0">
+            <a:schemeClr val="accent1"/>
+          </a:fillRef>
+          <a:effectRef idx="1">
+            <a:schemeClr val="accent1"/>
+          </a:effectRef>
+          <a:fontRef idx="minor">
+            <a:schemeClr val="tx1"/>
+          </a:fontRef>
+        </p:style>
+      </p:cxnSp>
+      <p:cxnSp>
+        <p:nvCxnSpPr>
+          <p:cNvPr id="38" name="Straight Arrow Connector 37">
+            <a:extLst>
+              <a:ext uri="{FF2B5EF4-FFF2-40B4-BE49-F238E27FC236}">
+                <a16:creationId xmlns:a16="http://schemas.microsoft.com/office/drawing/2014/main" id="{B74CBBBA-2AA1-F473-5560-BC1DCE72EF33}"/>
+              </a:ext>
+            </a:extLst>
+          </p:cNvPr>
+          <p:cNvCxnSpPr>
+            <a:cxnSpLocks/>
+            <a:stCxn id="7" idx="2"/>
+          </p:cNvCxnSpPr>
+          <p:nvPr/>
+        </p:nvCxnSpPr>
+        <p:spPr>
+          <a:xfrm flipH="1">
+            <a:off x="4751363" y="2480945"/>
+            <a:ext cx="329709" cy="253107"/>
+          </a:xfrm>
+          <a:prstGeom prst="straightConnector1">
+            <a:avLst/>
+          </a:prstGeom>
+          <a:ln>
+            <a:tailEnd type="triangle" w="lg" len="lg"/>
+          </a:ln>
+        </p:spPr>
+        <p:style>
+          <a:lnRef idx="2">
+            <a:schemeClr val="accent1"/>
+          </a:lnRef>
+          <a:fillRef idx="0">
+            <a:schemeClr val="accent1"/>
+          </a:fillRef>
+          <a:effectRef idx="1">
+            <a:schemeClr val="accent1"/>
+          </a:effectRef>
+          <a:fontRef idx="minor">
+            <a:schemeClr val="tx1"/>
+          </a:fontRef>
+        </p:style>
+      </p:cxnSp>
+    </p:spTree>
+    <p:extLst>
+      <p:ext uri="{BB962C8B-B14F-4D97-AF65-F5344CB8AC3E}">
+        <p14:creationId xmlns:p14="http://schemas.microsoft.com/office/powerpoint/2010/main" val="3201668699"/>
+      </p:ext>
+    </p:extLst>
+  </p:cSld>
+  <p:clrMapOvr>
+    <a:masterClrMapping/>
+  </p:clrMapOvr>
+</p:sld>
+</file>
+
+<file path=ppt/slides/slide5.xml><?xml version="1.0" encoding="utf-8"?>
+<p:sld xmlns:a="http://schemas.openxmlformats.org/drawingml/2006/main" xmlns:r="http://schemas.openxmlformats.org/officeDocument/2006/relationships" xmlns:p="http://schemas.openxmlformats.org/presentationml/2006/main">
+  <p:cSld>
+    <p:spTree>
+      <p:nvGrpSpPr>
+        <p:cNvPr id="1" name="">
+          <a:extLst>
+            <a:ext uri="{FF2B5EF4-FFF2-40B4-BE49-F238E27FC236}">
+              <a16:creationId xmlns:a16="http://schemas.microsoft.com/office/drawing/2014/main" id="{E5248351-0DF7-98DA-19AF-16F1D64C1BBC}"/>
+            </a:ext>
+          </a:extLst>
+        </p:cNvPr>
+        <p:cNvGrpSpPr/>
+        <p:nvPr/>
+      </p:nvGrpSpPr>
+      <p:grpSpPr>
+        <a:xfrm>
+          <a:off x="0" y="0"/>
+          <a:ext cx="0" cy="0"/>
+          <a:chOff x="0" y="0"/>
+          <a:chExt cx="0" cy="0"/>
+        </a:xfrm>
+      </p:grpSpPr>
+      <p:sp>
+        <p:nvSpPr>
+          <p:cNvPr id="4" name="TextBox 3">
+            <a:extLst>
+              <a:ext uri="{FF2B5EF4-FFF2-40B4-BE49-F238E27FC236}">
+                <a16:creationId xmlns:a16="http://schemas.microsoft.com/office/drawing/2014/main" id="{4BE950E5-4062-BF9A-1E00-CF0AFEC38A9B}"/>
+              </a:ext>
+            </a:extLst>
+          </p:cNvPr>
+          <p:cNvSpPr txBox="1"/>
+          <p:nvPr/>
+        </p:nvSpPr>
+        <p:spPr>
+          <a:xfrm>
+            <a:off x="715477" y="1425337"/>
+            <a:ext cx="2335426" cy="1055608"/>
+          </a:xfrm>
+          <a:prstGeom prst="roundRect">
+            <a:avLst/>
+          </a:prstGeom>
+        </p:spPr>
+        <p:style>
+          <a:lnRef idx="2">
+            <a:schemeClr val="accent1"/>
+          </a:lnRef>
+          <a:fillRef idx="1">
+            <a:schemeClr val="lt1"/>
+          </a:fillRef>
+          <a:effectRef idx="0">
+            <a:schemeClr val="accent1"/>
+          </a:effectRef>
+          <a:fontRef idx="minor">
+            <a:schemeClr val="dk1"/>
+          </a:fontRef>
+        </p:style>
+        <p:txBody>
+          <a:bodyPr wrap="square" rtlCol="0">
+            <a:spAutoFit/>
+          </a:bodyPr>
+          <a:lstStyle/>
+          <a:p>
+            <a:r>
+              <a:rPr lang="en-US" sz="1200" dirty="0"/>
+              <a:t>1. Random Boolean Function Generators</a:t>
+            </a:r>
+          </a:p>
+          <a:p>
+            <a:r>
+              <a:rPr lang="en-US" sz="800" dirty="0" err="1"/>
+              <a:t>random_non_degenerated_function</a:t>
+            </a:r>
+            <a:r>
+              <a:rPr lang="en-US" sz="800" dirty="0"/>
+              <a:t>(n)</a:t>
+            </a:r>
+          </a:p>
+          <a:p>
+            <a:r>
+              <a:rPr lang="en-US" sz="800" dirty="0" err="1"/>
+              <a:t>random_k_canalizing_function</a:t>
+            </a:r>
+            <a:r>
+              <a:rPr lang="en-US" sz="800" dirty="0"/>
+              <a:t>(n, k)</a:t>
+            </a:r>
+          </a:p>
+          <a:p>
+            <a:r>
+              <a:rPr lang="en-US" sz="800" dirty="0" err="1"/>
+              <a:t>random_NCF</a:t>
+            </a:r>
+            <a:r>
+              <a:rPr lang="en-US" sz="800" dirty="0"/>
+              <a:t>(n, </a:t>
+            </a:r>
+            <a:r>
+              <a:rPr lang="en-US" sz="800" dirty="0" err="1"/>
+              <a:t>layer_structure</a:t>
+            </a:r>
+            <a:r>
+              <a:rPr lang="en-US" sz="800" dirty="0"/>
+              <a:t>)</a:t>
+            </a:r>
+          </a:p>
+          <a:p>
+            <a:r>
+              <a:rPr lang="en-US" sz="800" dirty="0"/>
+              <a:t>…</a:t>
+            </a:r>
+          </a:p>
+        </p:txBody>
+      </p:sp>
+      <p:sp>
+        <p:nvSpPr>
+          <p:cNvPr id="5" name="TextBox 4">
+            <a:extLst>
+              <a:ext uri="{FF2B5EF4-FFF2-40B4-BE49-F238E27FC236}">
+                <a16:creationId xmlns:a16="http://schemas.microsoft.com/office/drawing/2014/main" id="{E5AD405A-703B-81BD-DA2A-4A84AED98E9B}"/>
+              </a:ext>
+            </a:extLst>
+          </p:cNvPr>
+          <p:cNvSpPr txBox="1"/>
+          <p:nvPr/>
+        </p:nvSpPr>
+        <p:spPr>
+          <a:xfrm>
+            <a:off x="715477" y="3633311"/>
+            <a:ext cx="2335426" cy="987504"/>
+          </a:xfrm>
+          <a:prstGeom prst="roundRect">
+            <a:avLst/>
+          </a:prstGeom>
+        </p:spPr>
+        <p:style>
+          <a:lnRef idx="2">
+            <a:schemeClr val="accent1"/>
+          </a:lnRef>
+          <a:fillRef idx="1">
+            <a:schemeClr val="lt1"/>
+          </a:fillRef>
+          <a:effectRef idx="0">
+            <a:schemeClr val="accent1"/>
+          </a:effectRef>
+          <a:fontRef idx="minor">
+            <a:schemeClr val="dk1"/>
+          </a:fontRef>
+        </p:style>
+        <p:txBody>
+          <a:bodyPr wrap="square" rtlCol="0">
+            <a:spAutoFit/>
+          </a:bodyPr>
+          <a:lstStyle/>
+          <a:p>
+            <a:r>
+              <a:rPr lang="en-US" sz="1200" dirty="0"/>
+              <a:t>3. Boolean Function Analysis</a:t>
+            </a:r>
+          </a:p>
+          <a:p>
+            <a:r>
+              <a:rPr lang="en-US" sz="800" dirty="0" err="1"/>
+              <a:t>is_monotonic</a:t>
+            </a:r>
+            <a:r>
+              <a:rPr lang="en-US" sz="800" dirty="0"/>
+              <a:t>()	</a:t>
+            </a:r>
+            <a:r>
+              <a:rPr lang="en-US" sz="800" dirty="0" err="1"/>
+              <a:t>get_symmetry_groups</a:t>
+            </a:r>
+            <a:r>
+              <a:rPr lang="en-US" sz="800" dirty="0"/>
+              <a:t>()</a:t>
+            </a:r>
+          </a:p>
+          <a:p>
+            <a:r>
+              <a:rPr lang="en-US" sz="800" dirty="0" err="1"/>
+              <a:t>is_degenerated</a:t>
+            </a:r>
+            <a:r>
+              <a:rPr lang="en-US" sz="800" dirty="0"/>
+              <a:t>()	</a:t>
+            </a:r>
+            <a:r>
+              <a:rPr lang="en-US" sz="800" dirty="0" err="1"/>
+              <a:t>get_sensitivity</a:t>
+            </a:r>
+            <a:r>
+              <a:rPr lang="en-US" sz="800" dirty="0"/>
+              <a:t>()</a:t>
+            </a:r>
+          </a:p>
+          <a:p>
+            <a:r>
+              <a:rPr lang="en-US" sz="800" dirty="0" err="1"/>
+              <a:t>Is_k_canalizing</a:t>
+            </a:r>
+            <a:r>
+              <a:rPr lang="en-US" sz="800" dirty="0"/>
+              <a:t>()	</a:t>
+            </a:r>
+            <a:r>
+              <a:rPr lang="en-US" sz="800" dirty="0" err="1"/>
+              <a:t>get_layer_structure</a:t>
+            </a:r>
+            <a:r>
+              <a:rPr lang="en-US" sz="800" dirty="0"/>
+              <a:t>()</a:t>
+            </a:r>
+          </a:p>
+          <a:p>
+            <a:r>
+              <a:rPr lang="en-US" sz="800" dirty="0" err="1"/>
+              <a:t>Is_kset_canalizing</a:t>
+            </a:r>
+            <a:r>
+              <a:rPr lang="en-US" sz="800" dirty="0"/>
+              <a:t>()	</a:t>
+            </a:r>
+            <a:r>
+              <a:rPr lang="en-US" sz="800" dirty="0" err="1"/>
+              <a:t>get_canalizing_strength</a:t>
+            </a:r>
+            <a:r>
+              <a:rPr lang="en-US" sz="800" dirty="0"/>
+              <a:t>()</a:t>
+            </a:r>
+          </a:p>
+          <a:p>
+            <a:r>
+              <a:rPr lang="en-US" sz="800" dirty="0"/>
+              <a:t>…</a:t>
+            </a:r>
+          </a:p>
+        </p:txBody>
+      </p:sp>
+      <p:sp>
+        <p:nvSpPr>
+          <p:cNvPr id="6" name="TextBox 5">
+            <a:extLst>
+              <a:ext uri="{FF2B5EF4-FFF2-40B4-BE49-F238E27FC236}">
+                <a16:creationId xmlns:a16="http://schemas.microsoft.com/office/drawing/2014/main" id="{0D3972F6-8C12-E375-58CF-524228A5B119}"/>
+              </a:ext>
+            </a:extLst>
+          </p:cNvPr>
+          <p:cNvSpPr txBox="1"/>
+          <p:nvPr/>
+        </p:nvSpPr>
+        <p:spPr>
+          <a:xfrm>
+            <a:off x="3913359" y="3633311"/>
+            <a:ext cx="2335426" cy="987504"/>
+          </a:xfrm>
+          <a:prstGeom prst="roundRect">
+            <a:avLst/>
+          </a:prstGeom>
+        </p:spPr>
+        <p:style>
+          <a:lnRef idx="2">
+            <a:schemeClr val="accent1"/>
+          </a:lnRef>
+          <a:fillRef idx="1">
+            <a:schemeClr val="lt1"/>
+          </a:fillRef>
+          <a:effectRef idx="0">
+            <a:schemeClr val="accent1"/>
+          </a:effectRef>
+          <a:fontRef idx="minor">
+            <a:schemeClr val="dk1"/>
+          </a:fontRef>
+        </p:style>
+        <p:txBody>
+          <a:bodyPr wrap="square" rtlCol="0">
+            <a:spAutoFit/>
+          </a:bodyPr>
+          <a:lstStyle/>
+          <a:p>
+            <a:r>
+              <a:rPr lang="en-US" sz="1200" dirty="0"/>
+              <a:t>4. Boolean Network Analysis</a:t>
+            </a:r>
+          </a:p>
+          <a:p>
+            <a:r>
+              <a:rPr lang="en-US" sz="800" dirty="0" err="1"/>
+              <a:t>get_steady_states_asynchronous</a:t>
+            </a:r>
+            <a:r>
+              <a:rPr lang="en-US" sz="800" dirty="0"/>
+              <a:t>()</a:t>
+            </a:r>
+          </a:p>
+          <a:p>
+            <a:r>
+              <a:rPr lang="en-US" sz="800" dirty="0" err="1"/>
+              <a:t>get_Derrida_values</a:t>
+            </a:r>
+            <a:r>
+              <a:rPr lang="en-US" sz="800" dirty="0"/>
+              <a:t>()</a:t>
+            </a:r>
+          </a:p>
+          <a:p>
+            <a:r>
+              <a:rPr lang="en-US" sz="800" dirty="0" err="1"/>
+              <a:t>get_attractors_and_robustness_measures</a:t>
+            </a:r>
+            <a:r>
+              <a:rPr lang="en-US" sz="800" dirty="0"/>
+              <a:t>_</a:t>
+            </a:r>
+          </a:p>
+          <a:p>
+            <a:r>
+              <a:rPr lang="en-US" sz="800" dirty="0"/>
+              <a:t>synchronous()</a:t>
+            </a:r>
+          </a:p>
+          <a:p>
+            <a:r>
+              <a:rPr lang="en-US" sz="800" dirty="0"/>
+              <a:t>…</a:t>
+            </a:r>
+          </a:p>
+        </p:txBody>
+      </p:sp>
+      <p:sp>
+        <p:nvSpPr>
+          <p:cNvPr id="7" name="TextBox 6">
+            <a:extLst>
+              <a:ext uri="{FF2B5EF4-FFF2-40B4-BE49-F238E27FC236}">
+                <a16:creationId xmlns:a16="http://schemas.microsoft.com/office/drawing/2014/main" id="{36C6BAB6-5CB9-4604-8CD8-E496DEC7206E}"/>
+              </a:ext>
+            </a:extLst>
+          </p:cNvPr>
+          <p:cNvSpPr txBox="1"/>
+          <p:nvPr/>
+        </p:nvSpPr>
+        <p:spPr>
+          <a:xfrm>
+            <a:off x="3913359" y="1425337"/>
+            <a:ext cx="2335426" cy="1055608"/>
+          </a:xfrm>
+          <a:prstGeom prst="roundRect">
+            <a:avLst/>
+          </a:prstGeom>
+        </p:spPr>
+        <p:style>
+          <a:lnRef idx="2">
+            <a:schemeClr val="accent1"/>
+          </a:lnRef>
+          <a:fillRef idx="1">
+            <a:schemeClr val="lt1"/>
+          </a:fillRef>
+          <a:effectRef idx="0">
+            <a:schemeClr val="accent1"/>
+          </a:effectRef>
+          <a:fontRef idx="minor">
+            <a:schemeClr val="dk1"/>
+          </a:fontRef>
+        </p:style>
+        <p:txBody>
+          <a:bodyPr wrap="square" rtlCol="0">
+            <a:spAutoFit/>
+          </a:bodyPr>
+          <a:lstStyle/>
+          <a:p>
+            <a:r>
+              <a:rPr lang="en-US" sz="1200" dirty="0"/>
+              <a:t>2. Random Boolean Network Generators</a:t>
+            </a:r>
+          </a:p>
+          <a:p>
+            <a:r>
+              <a:rPr lang="en-US" sz="800" dirty="0"/>
+              <a:t>Generate random Boolean networks of defined size, degree distribution, canalizing depth or layer structure, bias, …</a:t>
+            </a:r>
+          </a:p>
+          <a:p>
+            <a:endParaRPr lang="en-US" sz="800" dirty="0"/>
+          </a:p>
+        </p:txBody>
+      </p:sp>
+      <p:sp>
+        <p:nvSpPr>
+          <p:cNvPr id="8" name="TextBox 7">
+            <a:extLst>
+              <a:ext uri="{FF2B5EF4-FFF2-40B4-BE49-F238E27FC236}">
+                <a16:creationId xmlns:a16="http://schemas.microsoft.com/office/drawing/2014/main" id="{CD9E3303-F139-DA18-E558-754BD02C67F6}"/>
+              </a:ext>
+            </a:extLst>
+          </p:cNvPr>
+          <p:cNvSpPr txBox="1"/>
+          <p:nvPr/>
+        </p:nvSpPr>
+        <p:spPr>
+          <a:xfrm>
+            <a:off x="2212899" y="2699583"/>
+            <a:ext cx="2538465" cy="715089"/>
+          </a:xfrm>
+          <a:prstGeom prst="roundRect">
+            <a:avLst/>
+          </a:prstGeom>
+        </p:spPr>
+        <p:style>
+          <a:lnRef idx="2">
+            <a:schemeClr val="accent1"/>
+          </a:lnRef>
+          <a:fillRef idx="1">
+            <a:schemeClr val="lt1"/>
+          </a:fillRef>
+          <a:effectRef idx="0">
+            <a:schemeClr val="accent1"/>
+          </a:effectRef>
+          <a:fontRef idx="minor">
+            <a:schemeClr val="dk1"/>
+          </a:fontRef>
+        </p:style>
+        <p:txBody>
+          <a:bodyPr wrap="square" rtlCol="0">
+            <a:spAutoFit/>
+          </a:bodyPr>
+          <a:lstStyle/>
+          <a:p>
+            <a:r>
+              <a:rPr lang="en-US" sz="1200" dirty="0"/>
+              <a:t>5. Ensemble experiments</a:t>
+            </a:r>
+          </a:p>
+          <a:p>
+            <a:r>
+              <a:rPr lang="en-US" sz="800" dirty="0"/>
+              <a:t>Build reproducible pipelines for systematic studies:</a:t>
+            </a:r>
+          </a:p>
+          <a:p>
+            <a:r>
+              <a:rPr lang="en-US" sz="800" dirty="0"/>
+              <a:t>vary parameters and study network properties across ensembles</a:t>
+            </a:r>
+          </a:p>
+        </p:txBody>
+      </p:sp>
+      <p:cxnSp>
+        <p:nvCxnSpPr>
+          <p:cNvPr id="11" name="Straight Arrow Connector 10">
+            <a:extLst>
+              <a:ext uri="{FF2B5EF4-FFF2-40B4-BE49-F238E27FC236}">
+                <a16:creationId xmlns:a16="http://schemas.microsoft.com/office/drawing/2014/main" id="{FE321F01-1A0F-F0EB-0A7F-73C66D74219E}"/>
+              </a:ext>
+            </a:extLst>
+          </p:cNvPr>
+          <p:cNvCxnSpPr>
+            <a:cxnSpLocks/>
+            <a:stCxn id="4" idx="2"/>
+            <a:endCxn id="5" idx="0"/>
+          </p:cNvCxnSpPr>
+          <p:nvPr/>
+        </p:nvCxnSpPr>
+        <p:spPr>
+          <a:xfrm>
+            <a:off x="1883190" y="2480945"/>
+            <a:ext cx="0" cy="1152366"/>
+          </a:xfrm>
+          <a:prstGeom prst="straightConnector1">
+            <a:avLst/>
+          </a:prstGeom>
+          <a:ln>
+            <a:tailEnd type="triangle" w="lg" len="lg"/>
+          </a:ln>
+        </p:spPr>
+        <p:style>
+          <a:lnRef idx="2">
+            <a:schemeClr val="accent1"/>
+          </a:lnRef>
+          <a:fillRef idx="0">
+            <a:schemeClr val="accent1"/>
+          </a:fillRef>
+          <a:effectRef idx="1">
+            <a:schemeClr val="accent1"/>
+          </a:effectRef>
+          <a:fontRef idx="minor">
+            <a:schemeClr val="tx1"/>
+          </a:fontRef>
+        </p:style>
+      </p:cxnSp>
+      <p:cxnSp>
+        <p:nvCxnSpPr>
+          <p:cNvPr id="12" name="Straight Arrow Connector 11">
+            <a:extLst>
+              <a:ext uri="{FF2B5EF4-FFF2-40B4-BE49-F238E27FC236}">
+                <a16:creationId xmlns:a16="http://schemas.microsoft.com/office/drawing/2014/main" id="{16F1CC3F-B47E-AD2F-E70A-8E70AFA55EE7}"/>
+              </a:ext>
+            </a:extLst>
+          </p:cNvPr>
+          <p:cNvCxnSpPr>
+            <a:cxnSpLocks/>
+            <a:stCxn id="7" idx="2"/>
+            <a:endCxn id="6" idx="0"/>
+          </p:cNvCxnSpPr>
+          <p:nvPr/>
+        </p:nvCxnSpPr>
+        <p:spPr>
+          <a:xfrm>
+            <a:off x="5081072" y="2480945"/>
+            <a:ext cx="0" cy="1152366"/>
+          </a:xfrm>
+          <a:prstGeom prst="straightConnector1">
+            <a:avLst/>
+          </a:prstGeom>
+          <a:ln>
+            <a:tailEnd type="triangle" w="lg" len="lg"/>
+          </a:ln>
+        </p:spPr>
+        <p:style>
+          <a:lnRef idx="2">
+            <a:schemeClr val="accent1"/>
+          </a:lnRef>
+          <a:fillRef idx="0">
+            <a:schemeClr val="accent1"/>
+          </a:fillRef>
+          <a:effectRef idx="1">
+            <a:schemeClr val="accent1"/>
+          </a:effectRef>
+          <a:fontRef idx="minor">
+            <a:schemeClr val="tx1"/>
+          </a:fontRef>
+        </p:style>
+      </p:cxnSp>
+      <p:cxnSp>
+        <p:nvCxnSpPr>
+          <p:cNvPr id="22" name="Straight Arrow Connector 21">
+            <a:extLst>
+              <a:ext uri="{FF2B5EF4-FFF2-40B4-BE49-F238E27FC236}">
+                <a16:creationId xmlns:a16="http://schemas.microsoft.com/office/drawing/2014/main" id="{DD92C94E-597B-A22B-F357-D1D2054FF6A9}"/>
+              </a:ext>
+            </a:extLst>
+          </p:cNvPr>
+          <p:cNvCxnSpPr>
+            <a:cxnSpLocks/>
+            <a:stCxn id="4" idx="3"/>
+            <a:endCxn id="7" idx="1"/>
+          </p:cNvCxnSpPr>
+          <p:nvPr/>
+        </p:nvCxnSpPr>
+        <p:spPr>
+          <a:xfrm>
+            <a:off x="3050903" y="1953141"/>
+            <a:ext cx="862456" cy="0"/>
+          </a:xfrm>
+          <a:prstGeom prst="straightConnector1">
+            <a:avLst/>
+          </a:prstGeom>
+          <a:ln>
+            <a:tailEnd type="triangle" w="lg" len="lg"/>
+          </a:ln>
+        </p:spPr>
+        <p:style>
+          <a:lnRef idx="2">
+            <a:schemeClr val="accent1"/>
+          </a:lnRef>
+          <a:fillRef idx="0">
+            <a:schemeClr val="accent1"/>
+          </a:fillRef>
+          <a:effectRef idx="1">
+            <a:schemeClr val="accent1"/>
+          </a:effectRef>
+          <a:fontRef idx="minor">
+            <a:schemeClr val="tx1"/>
+          </a:fontRef>
+        </p:style>
+      </p:cxnSp>
+      <p:cxnSp>
+        <p:nvCxnSpPr>
+          <p:cNvPr id="25" name="Straight Arrow Connector 24">
+            <a:extLst>
+              <a:ext uri="{FF2B5EF4-FFF2-40B4-BE49-F238E27FC236}">
+                <a16:creationId xmlns:a16="http://schemas.microsoft.com/office/drawing/2014/main" id="{3E3CCA0C-FF24-CB22-58D2-FEC9E9674EAC}"/>
+              </a:ext>
+            </a:extLst>
+          </p:cNvPr>
+          <p:cNvCxnSpPr>
+            <a:cxnSpLocks/>
+            <a:stCxn id="5" idx="3"/>
+            <a:endCxn id="6" idx="1"/>
+          </p:cNvCxnSpPr>
+          <p:nvPr/>
+        </p:nvCxnSpPr>
+        <p:spPr>
+          <a:xfrm>
+            <a:off x="3050903" y="4127063"/>
+            <a:ext cx="862456" cy="0"/>
+          </a:xfrm>
+          <a:prstGeom prst="straightConnector1">
+            <a:avLst/>
+          </a:prstGeom>
+          <a:ln>
+            <a:tailEnd type="triangle" w="lg" len="lg"/>
+          </a:ln>
+        </p:spPr>
+        <p:style>
+          <a:lnRef idx="2">
+            <a:schemeClr val="accent1"/>
+          </a:lnRef>
+          <a:fillRef idx="0">
+            <a:schemeClr val="accent1"/>
+          </a:fillRef>
+          <a:effectRef idx="1">
+            <a:schemeClr val="accent1"/>
+          </a:effectRef>
+          <a:fontRef idx="minor">
+            <a:schemeClr val="tx1"/>
+          </a:fontRef>
+        </p:style>
+      </p:cxnSp>
+      <p:cxnSp>
+        <p:nvCxnSpPr>
+          <p:cNvPr id="27" name="Straight Arrow Connector 26">
+            <a:extLst>
+              <a:ext uri="{FF2B5EF4-FFF2-40B4-BE49-F238E27FC236}">
+                <a16:creationId xmlns:a16="http://schemas.microsoft.com/office/drawing/2014/main" id="{08C87C70-90B7-665C-0D00-B6C018883FD5}"/>
+              </a:ext>
+            </a:extLst>
+          </p:cNvPr>
+          <p:cNvCxnSpPr>
+            <a:cxnSpLocks/>
+            <a:stCxn id="4" idx="2"/>
+          </p:cNvCxnSpPr>
+          <p:nvPr/>
+        </p:nvCxnSpPr>
+        <p:spPr>
+          <a:xfrm>
+            <a:off x="1883190" y="2480945"/>
+            <a:ext cx="355028" cy="262136"/>
+          </a:xfrm>
+          <a:prstGeom prst="straightConnector1">
+            <a:avLst/>
+          </a:prstGeom>
+          <a:ln>
+            <a:tailEnd type="triangle" w="lg" len="lg"/>
+          </a:ln>
+        </p:spPr>
+        <p:style>
+          <a:lnRef idx="2">
+            <a:schemeClr val="accent1"/>
+          </a:lnRef>
+          <a:fillRef idx="0">
+            <a:schemeClr val="accent1"/>
+          </a:fillRef>
+          <a:effectRef idx="1">
+            <a:schemeClr val="accent1"/>
+          </a:effectRef>
+          <a:fontRef idx="minor">
+            <a:schemeClr val="tx1"/>
+          </a:fontRef>
+        </p:style>
+      </p:cxnSp>
+      <p:cxnSp>
+        <p:nvCxnSpPr>
+          <p:cNvPr id="30" name="Straight Arrow Connector 29">
+            <a:extLst>
+              <a:ext uri="{FF2B5EF4-FFF2-40B4-BE49-F238E27FC236}">
+                <a16:creationId xmlns:a16="http://schemas.microsoft.com/office/drawing/2014/main" id="{6C2172A1-DFBE-5820-D4CA-A9465C1D6799}"/>
+              </a:ext>
+            </a:extLst>
+          </p:cNvPr>
+          <p:cNvCxnSpPr>
+            <a:cxnSpLocks/>
+            <a:stCxn id="5" idx="0"/>
+          </p:cNvCxnSpPr>
+          <p:nvPr/>
+        </p:nvCxnSpPr>
+        <p:spPr>
+          <a:xfrm flipV="1">
+            <a:off x="1883190" y="3380204"/>
+            <a:ext cx="355028" cy="253107"/>
+          </a:xfrm>
+          <a:prstGeom prst="straightConnector1">
+            <a:avLst/>
+          </a:prstGeom>
+          <a:ln>
+            <a:tailEnd type="triangle" w="lg" len="lg"/>
+          </a:ln>
+        </p:spPr>
+        <p:style>
+          <a:lnRef idx="2">
+            <a:schemeClr val="accent1"/>
+          </a:lnRef>
+          <a:fillRef idx="0">
+            <a:schemeClr val="accent1"/>
+          </a:fillRef>
+          <a:effectRef idx="1">
+            <a:schemeClr val="accent1"/>
+          </a:effectRef>
+          <a:fontRef idx="minor">
+            <a:schemeClr val="tx1"/>
+          </a:fontRef>
+        </p:style>
+      </p:cxnSp>
+      <p:cxnSp>
+        <p:nvCxnSpPr>
+          <p:cNvPr id="34" name="Straight Arrow Connector 33">
+            <a:extLst>
+              <a:ext uri="{FF2B5EF4-FFF2-40B4-BE49-F238E27FC236}">
+                <a16:creationId xmlns:a16="http://schemas.microsoft.com/office/drawing/2014/main" id="{EDA9EFFE-49F3-CA2A-0059-BE3772483990}"/>
+              </a:ext>
+            </a:extLst>
+          </p:cNvPr>
+          <p:cNvCxnSpPr>
+            <a:cxnSpLocks/>
+            <a:stCxn id="6" idx="0"/>
+          </p:cNvCxnSpPr>
+          <p:nvPr/>
+        </p:nvCxnSpPr>
+        <p:spPr>
+          <a:xfrm flipH="1" flipV="1">
+            <a:off x="4751364" y="3380204"/>
+            <a:ext cx="329708" cy="253107"/>
+          </a:xfrm>
+          <a:prstGeom prst="straightConnector1">
+            <a:avLst/>
+          </a:prstGeom>
+          <a:ln>
+            <a:tailEnd type="triangle" w="lg" len="lg"/>
+          </a:ln>
+        </p:spPr>
+        <p:style>
+          <a:lnRef idx="2">
+            <a:schemeClr val="accent1"/>
+          </a:lnRef>
+          <a:fillRef idx="0">
+            <a:schemeClr val="accent1"/>
+          </a:fillRef>
+          <a:effectRef idx="1">
+            <a:schemeClr val="accent1"/>
+          </a:effectRef>
+          <a:fontRef idx="minor">
+            <a:schemeClr val="tx1"/>
+          </a:fontRef>
+        </p:style>
+      </p:cxnSp>
+      <p:cxnSp>
+        <p:nvCxnSpPr>
+          <p:cNvPr id="38" name="Straight Arrow Connector 37">
+            <a:extLst>
+              <a:ext uri="{FF2B5EF4-FFF2-40B4-BE49-F238E27FC236}">
+                <a16:creationId xmlns:a16="http://schemas.microsoft.com/office/drawing/2014/main" id="{117A4252-8BAC-ADC8-E265-B1AFB881A510}"/>
+              </a:ext>
+            </a:extLst>
+          </p:cNvPr>
+          <p:cNvCxnSpPr>
+            <a:cxnSpLocks/>
+            <a:stCxn id="7" idx="2"/>
+          </p:cNvCxnSpPr>
+          <p:nvPr/>
+        </p:nvCxnSpPr>
+        <p:spPr>
+          <a:xfrm flipH="1">
+            <a:off x="4751363" y="2480945"/>
+            <a:ext cx="329709" cy="253107"/>
+          </a:xfrm>
+          <a:prstGeom prst="straightConnector1">
+            <a:avLst/>
+          </a:prstGeom>
+          <a:ln>
+            <a:tailEnd type="triangle" w="lg" len="lg"/>
+          </a:ln>
+        </p:spPr>
+        <p:style>
+          <a:lnRef idx="2">
+            <a:schemeClr val="accent1"/>
+          </a:lnRef>
+          <a:fillRef idx="0">
+            <a:schemeClr val="accent1"/>
+          </a:fillRef>
+          <a:effectRef idx="1">
+            <a:schemeClr val="accent1"/>
+          </a:effectRef>
+          <a:fontRef idx="minor">
+            <a:schemeClr val="tx1"/>
+          </a:fontRef>
+        </p:style>
+      </p:cxnSp>
+      <p:sp>
+        <p:nvSpPr>
+          <p:cNvPr id="2" name="TextBox 1">
+            <a:extLst>
+              <a:ext uri="{FF2B5EF4-FFF2-40B4-BE49-F238E27FC236}">
+                <a16:creationId xmlns:a16="http://schemas.microsoft.com/office/drawing/2014/main" id="{4D8FFC44-D612-A1FB-DD19-19CCD2EDA170}"/>
+              </a:ext>
+            </a:extLst>
+          </p:cNvPr>
+          <p:cNvSpPr txBox="1"/>
+          <p:nvPr/>
+        </p:nvSpPr>
+        <p:spPr>
+          <a:xfrm>
+            <a:off x="5410780" y="2507803"/>
+            <a:ext cx="1612396" cy="1031915"/>
+          </a:xfrm>
+          <a:prstGeom prst="hexagon">
+            <a:avLst>
+              <a:gd name="adj" fmla="val 6992"/>
+              <a:gd name="vf" fmla="val 115470"/>
+            </a:avLst>
+          </a:prstGeom>
+        </p:spPr>
+        <p:style>
+          <a:lnRef idx="2">
+            <a:schemeClr val="accent1"/>
+          </a:lnRef>
+          <a:fillRef idx="1">
+            <a:schemeClr val="lt1"/>
+          </a:fillRef>
+          <a:effectRef idx="0">
+            <a:schemeClr val="accent1"/>
+          </a:effectRef>
+          <a:fontRef idx="minor">
+            <a:schemeClr val="dk1"/>
+          </a:fontRef>
+        </p:style>
+        <p:txBody>
+          <a:bodyPr wrap="square" rtlCol="0">
+            <a:spAutoFit/>
+          </a:bodyPr>
+          <a:lstStyle/>
+          <a:p>
+            <a:r>
+              <a:rPr lang="en-US" sz="1200" dirty="0"/>
+              <a:t>class </a:t>
+            </a:r>
+            <a:r>
+              <a:rPr lang="en-US" sz="1200" dirty="0" err="1"/>
+              <a:t>BooleanNetwork</a:t>
+            </a:r>
+            <a:endParaRPr lang="en-US" sz="1200" dirty="0"/>
+          </a:p>
+          <a:p>
+            <a:r>
+              <a:rPr lang="en-US" sz="800" dirty="0"/>
+              <a:t>Interoperable with </a:t>
+            </a:r>
+            <a:r>
+              <a:rPr lang="en-US" sz="800" dirty="0" err="1"/>
+              <a:t>PyBoolNet</a:t>
+            </a:r>
+            <a:r>
+              <a:rPr lang="en-US" sz="800" dirty="0"/>
+              <a:t>, CANA</a:t>
+            </a:r>
+          </a:p>
+          <a:p>
+            <a:endParaRPr lang="en-US" sz="800" dirty="0"/>
+          </a:p>
+        </p:txBody>
+      </p:sp>
+    </p:spTree>
+    <p:extLst>
+      <p:ext uri="{BB962C8B-B14F-4D97-AF65-F5344CB8AC3E}">
+        <p14:creationId xmlns:p14="http://schemas.microsoft.com/office/powerpoint/2010/main" val="1096074743"/>
+      </p:ext>
+    </p:extLst>
+  </p:cSld>
+  <p:clrMapOvr>
+    <a:masterClrMapping/>
+  </p:clrMapOvr>
+</p:sld>
+</file>
+
+<file path=ppt/slides/slide6.xml><?xml version="1.0" encoding="utf-8"?>
+<p:sld xmlns:a="http://schemas.openxmlformats.org/drawingml/2006/main" xmlns:r="http://schemas.openxmlformats.org/officeDocument/2006/relationships" xmlns:p="http://schemas.openxmlformats.org/presentationml/2006/main">
+  <p:cSld>
+    <p:spTree>
+      <p:nvGrpSpPr>
+        <p:cNvPr id="1" name="">
+          <a:extLst>
+            <a:ext uri="{FF2B5EF4-FFF2-40B4-BE49-F238E27FC236}">
+              <a16:creationId xmlns:a16="http://schemas.microsoft.com/office/drawing/2014/main" id="{ACB20BAD-0DE0-C471-51F0-F6B73098D163}"/>
+            </a:ext>
+          </a:extLst>
+        </p:cNvPr>
+        <p:cNvGrpSpPr/>
+        <p:nvPr/>
+      </p:nvGrpSpPr>
+      <p:grpSpPr>
+        <a:xfrm>
+          <a:off x="0" y="0"/>
+          <a:ext cx="0" cy="0"/>
+          <a:chOff x="0" y="0"/>
+          <a:chExt cx="0" cy="0"/>
+        </a:xfrm>
+      </p:grpSpPr>
+      <p:sp>
+        <p:nvSpPr>
+          <p:cNvPr id="13" name="Rounded Rectangle 12">
+            <a:extLst>
+              <a:ext uri="{FF2B5EF4-FFF2-40B4-BE49-F238E27FC236}">
+                <a16:creationId xmlns:a16="http://schemas.microsoft.com/office/drawing/2014/main" id="{30E8E869-8CD1-325D-B8AD-CE1DFCDFE559}"/>
+              </a:ext>
+            </a:extLst>
+          </p:cNvPr>
+          <p:cNvSpPr/>
+          <p:nvPr/>
+        </p:nvSpPr>
+        <p:spPr>
+          <a:xfrm>
+            <a:off x="3703101" y="944880"/>
+            <a:ext cx="2982179" cy="3992880"/>
+          </a:xfrm>
+          <a:prstGeom prst="roundRect">
+            <a:avLst>
+              <a:gd name="adj" fmla="val 20354"/>
+            </a:avLst>
+          </a:prstGeom>
+          <a:solidFill>
+            <a:schemeClr val="accent2">
+              <a:lumMod val="20000"/>
+              <a:lumOff val="80000"/>
+              <a:alpha val="34000"/>
+            </a:schemeClr>
+          </a:solidFill>
+          <a:ln>
+            <a:noFill/>
+          </a:ln>
+        </p:spPr>
+        <p:style>
+          <a:lnRef idx="2">
+            <a:schemeClr val="accent1">
+              <a:shade val="15000"/>
+            </a:schemeClr>
+          </a:lnRef>
+          <a:fillRef idx="1">
+            <a:schemeClr val="accent1"/>
+          </a:fillRef>
+          <a:effectRef idx="0">
+            <a:schemeClr val="accent1"/>
+          </a:effectRef>
+          <a:fontRef idx="minor">
+            <a:schemeClr val="lt1"/>
+          </a:fontRef>
+        </p:style>
+        <p:txBody>
+          <a:bodyPr rtlCol="0" anchor="ctr"/>
+          <a:lstStyle/>
+          <a:p>
+            <a:pPr algn="ctr"/>
+            <a:endParaRPr lang="en-US"/>
+          </a:p>
+        </p:txBody>
+      </p:sp>
+      <p:sp>
+        <p:nvSpPr>
+          <p:cNvPr id="10" name="Rounded Rectangle 9">
+            <a:extLst>
+              <a:ext uri="{FF2B5EF4-FFF2-40B4-BE49-F238E27FC236}">
+                <a16:creationId xmlns:a16="http://schemas.microsoft.com/office/drawing/2014/main" id="{07C609A5-672E-3A7E-2435-4831FA0C9A53}"/>
+              </a:ext>
+            </a:extLst>
+          </p:cNvPr>
+          <p:cNvSpPr/>
+          <p:nvPr/>
+        </p:nvSpPr>
+        <p:spPr>
+          <a:xfrm>
+            <a:off x="525739" y="944880"/>
+            <a:ext cx="2755941" cy="3992880"/>
+          </a:xfrm>
+          <a:prstGeom prst="roundRect">
+            <a:avLst>
+              <a:gd name="adj" fmla="val 20354"/>
+            </a:avLst>
+          </a:prstGeom>
+          <a:solidFill>
+            <a:schemeClr val="accent2">
+              <a:lumMod val="20000"/>
+              <a:lumOff val="80000"/>
+              <a:alpha val="34000"/>
+            </a:schemeClr>
+          </a:solidFill>
+          <a:ln>
+            <a:noFill/>
+          </a:ln>
+        </p:spPr>
+        <p:style>
+          <a:lnRef idx="2">
+            <a:schemeClr val="accent1">
+              <a:shade val="15000"/>
+            </a:schemeClr>
+          </a:lnRef>
+          <a:fillRef idx="1">
+            <a:schemeClr val="accent1"/>
+          </a:fillRef>
+          <a:effectRef idx="0">
+            <a:schemeClr val="accent1"/>
+          </a:effectRef>
+          <a:fontRef idx="minor">
+            <a:schemeClr val="lt1"/>
+          </a:fontRef>
+        </p:style>
+        <p:txBody>
+          <a:bodyPr rtlCol="0" anchor="ctr"/>
+          <a:lstStyle/>
+          <a:p>
+            <a:pPr algn="ctr"/>
+            <a:endParaRPr lang="en-US"/>
+          </a:p>
+        </p:txBody>
+      </p:sp>
+      <p:sp>
+        <p:nvSpPr>
+          <p:cNvPr id="4" name="TextBox 3">
+            <a:extLst>
+              <a:ext uri="{FF2B5EF4-FFF2-40B4-BE49-F238E27FC236}">
+                <a16:creationId xmlns:a16="http://schemas.microsoft.com/office/drawing/2014/main" id="{7C30C0AD-E2BB-DCBD-8C86-A5C6F2BCA3EF}"/>
+              </a:ext>
+            </a:extLst>
+          </p:cNvPr>
+          <p:cNvSpPr txBox="1"/>
+          <p:nvPr/>
+        </p:nvSpPr>
+        <p:spPr>
+          <a:xfrm>
+            <a:off x="715477" y="1425337"/>
+            <a:ext cx="2335426" cy="1055608"/>
+          </a:xfrm>
+          <a:prstGeom prst="roundRect">
+            <a:avLst/>
+          </a:prstGeom>
+        </p:spPr>
+        <p:style>
+          <a:lnRef idx="2">
+            <a:schemeClr val="accent1"/>
+          </a:lnRef>
+          <a:fillRef idx="1">
+            <a:schemeClr val="lt1"/>
+          </a:fillRef>
+          <a:effectRef idx="0">
+            <a:schemeClr val="accent1"/>
+          </a:effectRef>
+          <a:fontRef idx="minor">
+            <a:schemeClr val="dk1"/>
+          </a:fontRef>
+        </p:style>
+        <p:txBody>
+          <a:bodyPr wrap="square" rtlCol="0">
+            <a:spAutoFit/>
+          </a:bodyPr>
+          <a:lstStyle/>
+          <a:p>
+            <a:r>
+              <a:rPr lang="en-US" sz="1200" dirty="0"/>
+              <a:t>1. Random Boolean Function Generators</a:t>
+            </a:r>
+          </a:p>
+          <a:p>
+            <a:r>
+              <a:rPr lang="en-US" sz="800" dirty="0" err="1"/>
+              <a:t>random_non_degenerated_function</a:t>
+            </a:r>
+            <a:r>
+              <a:rPr lang="en-US" sz="800" dirty="0"/>
+              <a:t>(n, bias)</a:t>
+            </a:r>
+          </a:p>
+          <a:p>
+            <a:r>
+              <a:rPr lang="en-US" sz="800" dirty="0" err="1"/>
+              <a:t>random_k_canalizing_function</a:t>
+            </a:r>
+            <a:r>
+              <a:rPr lang="en-US" sz="800" dirty="0"/>
+              <a:t>(n, k)</a:t>
+            </a:r>
+          </a:p>
+          <a:p>
+            <a:r>
+              <a:rPr lang="en-US" sz="800" dirty="0" err="1"/>
+              <a:t>random_NCF</a:t>
+            </a:r>
+            <a:r>
+              <a:rPr lang="en-US" sz="800" dirty="0"/>
+              <a:t>(n, </a:t>
+            </a:r>
+            <a:r>
+              <a:rPr lang="en-US" sz="800" dirty="0" err="1"/>
+              <a:t>layer_structure</a:t>
+            </a:r>
+            <a:r>
+              <a:rPr lang="en-US" sz="800" dirty="0"/>
+              <a:t>)</a:t>
+            </a:r>
+          </a:p>
+          <a:p>
+            <a:r>
+              <a:rPr lang="en-US" sz="800" dirty="0"/>
+              <a:t>…</a:t>
+            </a:r>
+          </a:p>
+        </p:txBody>
+      </p:sp>
+      <p:sp>
+        <p:nvSpPr>
+          <p:cNvPr id="5" name="TextBox 4">
+            <a:extLst>
+              <a:ext uri="{FF2B5EF4-FFF2-40B4-BE49-F238E27FC236}">
+                <a16:creationId xmlns:a16="http://schemas.microsoft.com/office/drawing/2014/main" id="{7D65A8E1-BCC5-C492-2CD7-8C1540562120}"/>
+              </a:ext>
+            </a:extLst>
+          </p:cNvPr>
+          <p:cNvSpPr txBox="1"/>
+          <p:nvPr/>
+        </p:nvSpPr>
+        <p:spPr>
+          <a:xfrm>
+            <a:off x="715477" y="3633311"/>
+            <a:ext cx="2335426" cy="987504"/>
+          </a:xfrm>
+          <a:prstGeom prst="roundRect">
+            <a:avLst/>
+          </a:prstGeom>
+        </p:spPr>
+        <p:style>
+          <a:lnRef idx="2">
+            <a:schemeClr val="accent1"/>
+          </a:lnRef>
+          <a:fillRef idx="1">
+            <a:schemeClr val="lt1"/>
+          </a:fillRef>
+          <a:effectRef idx="0">
+            <a:schemeClr val="accent1"/>
+          </a:effectRef>
+          <a:fontRef idx="minor">
+            <a:schemeClr val="dk1"/>
+          </a:fontRef>
+        </p:style>
+        <p:txBody>
+          <a:bodyPr wrap="square" rtlCol="0">
+            <a:spAutoFit/>
+          </a:bodyPr>
+          <a:lstStyle/>
+          <a:p>
+            <a:r>
+              <a:rPr lang="en-US" sz="1200" dirty="0"/>
+              <a:t>3. Boolean Function Analysis</a:t>
+            </a:r>
+          </a:p>
+          <a:p>
+            <a:r>
+              <a:rPr lang="en-US" sz="800" dirty="0" err="1"/>
+              <a:t>is_monotonic</a:t>
+            </a:r>
+            <a:r>
+              <a:rPr lang="en-US" sz="800" dirty="0"/>
+              <a:t>()	</a:t>
+            </a:r>
+            <a:r>
+              <a:rPr lang="en-US" sz="800" dirty="0" err="1"/>
+              <a:t>get_symmetry_groups</a:t>
+            </a:r>
+            <a:r>
+              <a:rPr lang="en-US" sz="800" dirty="0"/>
+              <a:t>()</a:t>
+            </a:r>
+          </a:p>
+          <a:p>
+            <a:r>
+              <a:rPr lang="en-US" sz="800" dirty="0" err="1"/>
+              <a:t>is_degenerated</a:t>
+            </a:r>
+            <a:r>
+              <a:rPr lang="en-US" sz="800" dirty="0"/>
+              <a:t>()	</a:t>
+            </a:r>
+            <a:r>
+              <a:rPr lang="en-US" sz="800" dirty="0" err="1"/>
+              <a:t>get_sensitivity</a:t>
+            </a:r>
+            <a:r>
+              <a:rPr lang="en-US" sz="800" dirty="0"/>
+              <a:t>()</a:t>
+            </a:r>
+          </a:p>
+          <a:p>
+            <a:r>
+              <a:rPr lang="en-US" sz="800" dirty="0" err="1"/>
+              <a:t>Is_k_canalizing</a:t>
+            </a:r>
+            <a:r>
+              <a:rPr lang="en-US" sz="800" dirty="0"/>
+              <a:t>()	</a:t>
+            </a:r>
+            <a:r>
+              <a:rPr lang="en-US" sz="800" dirty="0" err="1"/>
+              <a:t>get_layer_structure</a:t>
+            </a:r>
+            <a:r>
+              <a:rPr lang="en-US" sz="800" dirty="0"/>
+              <a:t>()</a:t>
+            </a:r>
+          </a:p>
+          <a:p>
+            <a:r>
+              <a:rPr lang="en-US" sz="800" dirty="0" err="1"/>
+              <a:t>Is_kset_canalizing</a:t>
+            </a:r>
+            <a:r>
+              <a:rPr lang="en-US" sz="800" dirty="0"/>
+              <a:t>()	</a:t>
+            </a:r>
+            <a:r>
+              <a:rPr lang="en-US" sz="800" dirty="0" err="1"/>
+              <a:t>get_canalizing_strength</a:t>
+            </a:r>
+            <a:r>
+              <a:rPr lang="en-US" sz="800" dirty="0"/>
+              <a:t>()</a:t>
+            </a:r>
+          </a:p>
+          <a:p>
+            <a:r>
+              <a:rPr lang="en-US" sz="800" dirty="0"/>
+              <a:t>…</a:t>
+            </a:r>
+          </a:p>
+        </p:txBody>
+      </p:sp>
+      <p:sp>
+        <p:nvSpPr>
+          <p:cNvPr id="6" name="TextBox 5">
+            <a:extLst>
+              <a:ext uri="{FF2B5EF4-FFF2-40B4-BE49-F238E27FC236}">
+                <a16:creationId xmlns:a16="http://schemas.microsoft.com/office/drawing/2014/main" id="{0AE93D43-9F6D-C312-57FA-EFF5AAFBDD1E}"/>
+              </a:ext>
+            </a:extLst>
+          </p:cNvPr>
+          <p:cNvSpPr txBox="1"/>
+          <p:nvPr/>
+        </p:nvSpPr>
+        <p:spPr>
+          <a:xfrm>
+            <a:off x="3913359" y="3633311"/>
+            <a:ext cx="2690640" cy="987504"/>
+          </a:xfrm>
+          <a:prstGeom prst="roundRect">
+            <a:avLst/>
+          </a:prstGeom>
+        </p:spPr>
+        <p:style>
+          <a:lnRef idx="2">
+            <a:schemeClr val="accent1"/>
+          </a:lnRef>
+          <a:fillRef idx="1">
+            <a:schemeClr val="lt1"/>
+          </a:fillRef>
+          <a:effectRef idx="0">
+            <a:schemeClr val="accent1"/>
+          </a:effectRef>
+          <a:fontRef idx="minor">
+            <a:schemeClr val="dk1"/>
+          </a:fontRef>
+        </p:style>
+        <p:txBody>
+          <a:bodyPr wrap="square" rtlCol="0">
+            <a:spAutoFit/>
+          </a:bodyPr>
+          <a:lstStyle/>
+          <a:p>
+            <a:r>
+              <a:rPr lang="en-US" sz="1200" dirty="0"/>
+              <a:t>4. Boolean Network Analysis</a:t>
+            </a:r>
+          </a:p>
+          <a:p>
+            <a:r>
+              <a:rPr lang="en-US" sz="800" dirty="0" err="1"/>
+              <a:t>get_steady_states_asynchronous</a:t>
+            </a:r>
+            <a:r>
+              <a:rPr lang="en-US" sz="800" dirty="0"/>
+              <a:t>()</a:t>
+            </a:r>
+          </a:p>
+          <a:p>
+            <a:r>
+              <a:rPr lang="en-US" sz="800" dirty="0" err="1"/>
+              <a:t>get_Derrida_values</a:t>
+            </a:r>
+            <a:r>
+              <a:rPr lang="en-US" sz="800" dirty="0"/>
+              <a:t>()</a:t>
+            </a:r>
+          </a:p>
+          <a:p>
+            <a:r>
+              <a:rPr lang="en-US" sz="800" dirty="0" err="1"/>
+              <a:t>get_attractors_and_robustness_measures</a:t>
+            </a:r>
+            <a:r>
+              <a:rPr lang="en-US" sz="800" dirty="0"/>
+              <a:t>_</a:t>
+            </a:r>
+          </a:p>
+          <a:p>
+            <a:r>
+              <a:rPr lang="en-US" sz="800" dirty="0"/>
+              <a:t>synchronous()</a:t>
+            </a:r>
+          </a:p>
+          <a:p>
+            <a:r>
+              <a:rPr lang="en-US" sz="800" dirty="0"/>
+              <a:t>…</a:t>
+            </a:r>
+          </a:p>
+        </p:txBody>
+      </p:sp>
+      <p:sp>
+        <p:nvSpPr>
+          <p:cNvPr id="7" name="TextBox 6">
+            <a:extLst>
+              <a:ext uri="{FF2B5EF4-FFF2-40B4-BE49-F238E27FC236}">
+                <a16:creationId xmlns:a16="http://schemas.microsoft.com/office/drawing/2014/main" id="{9946DDB8-E72E-6A34-BFFB-F00834FF9274}"/>
+              </a:ext>
+            </a:extLst>
+          </p:cNvPr>
+          <p:cNvSpPr txBox="1"/>
+          <p:nvPr/>
+        </p:nvSpPr>
+        <p:spPr>
+          <a:xfrm>
+            <a:off x="3913359" y="1425337"/>
+            <a:ext cx="2690640" cy="1055608"/>
+          </a:xfrm>
+          <a:prstGeom prst="roundRect">
+            <a:avLst/>
+          </a:prstGeom>
+        </p:spPr>
+        <p:style>
+          <a:lnRef idx="2">
+            <a:schemeClr val="accent1"/>
+          </a:lnRef>
+          <a:fillRef idx="1">
+            <a:schemeClr val="lt1"/>
+          </a:fillRef>
+          <a:effectRef idx="0">
+            <a:schemeClr val="accent1"/>
+          </a:effectRef>
+          <a:fontRef idx="minor">
+            <a:schemeClr val="dk1"/>
+          </a:fontRef>
+        </p:style>
+        <p:txBody>
+          <a:bodyPr wrap="square" rtlCol="0">
+            <a:spAutoFit/>
+          </a:bodyPr>
+          <a:lstStyle/>
+          <a:p>
+            <a:r>
+              <a:rPr lang="en-US" sz="1200" dirty="0"/>
+              <a:t>2. Random Boolean Network Generators</a:t>
+            </a:r>
+          </a:p>
+          <a:p>
+            <a:r>
+              <a:rPr lang="en-US" sz="800" dirty="0"/>
+              <a:t>Generate random Boolean networks of defined size, degree distribution, canalizing depth or layer structure, bias, …</a:t>
+            </a:r>
+          </a:p>
+          <a:p>
+            <a:endParaRPr lang="en-US" sz="800" dirty="0"/>
+          </a:p>
+        </p:txBody>
+      </p:sp>
+      <p:sp>
+        <p:nvSpPr>
+          <p:cNvPr id="8" name="TextBox 7">
+            <a:extLst>
+              <a:ext uri="{FF2B5EF4-FFF2-40B4-BE49-F238E27FC236}">
+                <a16:creationId xmlns:a16="http://schemas.microsoft.com/office/drawing/2014/main" id="{B80A1176-6492-53E4-830D-2FDA82078130}"/>
+              </a:ext>
+            </a:extLst>
+          </p:cNvPr>
+          <p:cNvSpPr txBox="1"/>
+          <p:nvPr/>
+        </p:nvSpPr>
+        <p:spPr>
+          <a:xfrm>
+            <a:off x="2212899" y="2699583"/>
+            <a:ext cx="2538465" cy="715089"/>
+          </a:xfrm>
+          <a:prstGeom prst="roundRect">
+            <a:avLst/>
+          </a:prstGeom>
+        </p:spPr>
+        <p:style>
+          <a:lnRef idx="2">
+            <a:schemeClr val="accent1"/>
+          </a:lnRef>
+          <a:fillRef idx="1">
+            <a:schemeClr val="lt1"/>
+          </a:fillRef>
+          <a:effectRef idx="0">
+            <a:schemeClr val="accent1"/>
+          </a:effectRef>
+          <a:fontRef idx="minor">
+            <a:schemeClr val="dk1"/>
+          </a:fontRef>
+        </p:style>
+        <p:txBody>
+          <a:bodyPr wrap="square" rtlCol="0">
+            <a:spAutoFit/>
+          </a:bodyPr>
+          <a:lstStyle/>
+          <a:p>
+            <a:r>
+              <a:rPr lang="en-US" sz="1200" dirty="0"/>
+              <a:t>5. Ensemble experiments</a:t>
+            </a:r>
+          </a:p>
+          <a:p>
+            <a:r>
+              <a:rPr lang="en-US" sz="800" dirty="0"/>
+              <a:t>Build reproducible pipelines for systematic studies:</a:t>
+            </a:r>
+          </a:p>
+          <a:p>
+            <a:r>
+              <a:rPr lang="en-US" sz="800" dirty="0"/>
+              <a:t>vary parameters and study function and network properties across ensembles</a:t>
+            </a:r>
+          </a:p>
+        </p:txBody>
+      </p:sp>
+      <p:cxnSp>
+        <p:nvCxnSpPr>
+          <p:cNvPr id="11" name="Straight Arrow Connector 10">
+            <a:extLst>
+              <a:ext uri="{FF2B5EF4-FFF2-40B4-BE49-F238E27FC236}">
+                <a16:creationId xmlns:a16="http://schemas.microsoft.com/office/drawing/2014/main" id="{F9403B9B-A14C-B3EB-CDB0-124300457DBA}"/>
+              </a:ext>
+            </a:extLst>
+          </p:cNvPr>
+          <p:cNvCxnSpPr>
+            <a:cxnSpLocks/>
+            <a:stCxn id="4" idx="2"/>
+            <a:endCxn id="5" idx="0"/>
+          </p:cNvCxnSpPr>
+          <p:nvPr/>
+        </p:nvCxnSpPr>
+        <p:spPr>
+          <a:xfrm>
+            <a:off x="1883190" y="2480945"/>
+            <a:ext cx="0" cy="1152366"/>
+          </a:xfrm>
+          <a:prstGeom prst="straightConnector1">
+            <a:avLst/>
+          </a:prstGeom>
+          <a:ln>
+            <a:tailEnd type="triangle" w="lg" len="lg"/>
+          </a:ln>
+        </p:spPr>
+        <p:style>
+          <a:lnRef idx="2">
+            <a:schemeClr val="accent1"/>
+          </a:lnRef>
+          <a:fillRef idx="0">
+            <a:schemeClr val="accent1"/>
+          </a:fillRef>
+          <a:effectRef idx="1">
+            <a:schemeClr val="accent1"/>
+          </a:effectRef>
+          <a:fontRef idx="minor">
+            <a:schemeClr val="tx1"/>
+          </a:fontRef>
+        </p:style>
+      </p:cxnSp>
+      <p:cxnSp>
+        <p:nvCxnSpPr>
+          <p:cNvPr id="12" name="Straight Arrow Connector 11">
+            <a:extLst>
+              <a:ext uri="{FF2B5EF4-FFF2-40B4-BE49-F238E27FC236}">
+                <a16:creationId xmlns:a16="http://schemas.microsoft.com/office/drawing/2014/main" id="{EDDC3916-02BD-2CD6-14BA-30313AB1033E}"/>
+              </a:ext>
+            </a:extLst>
+          </p:cNvPr>
+          <p:cNvCxnSpPr>
+            <a:cxnSpLocks/>
+          </p:cNvCxnSpPr>
+          <p:nvPr/>
+        </p:nvCxnSpPr>
+        <p:spPr>
+          <a:xfrm>
+            <a:off x="5069840" y="2480945"/>
+            <a:ext cx="11232" cy="1152366"/>
+          </a:xfrm>
+          <a:prstGeom prst="straightConnector1">
+            <a:avLst/>
+          </a:prstGeom>
+          <a:ln>
+            <a:tailEnd type="triangle" w="lg" len="lg"/>
+          </a:ln>
+        </p:spPr>
+        <p:style>
+          <a:lnRef idx="2">
+            <a:schemeClr val="accent1"/>
+          </a:lnRef>
+          <a:fillRef idx="0">
+            <a:schemeClr val="accent1"/>
+          </a:fillRef>
+          <a:effectRef idx="1">
+            <a:schemeClr val="accent1"/>
+          </a:effectRef>
+          <a:fontRef idx="minor">
+            <a:schemeClr val="tx1"/>
+          </a:fontRef>
+        </p:style>
+      </p:cxnSp>
+      <p:cxnSp>
+        <p:nvCxnSpPr>
+          <p:cNvPr id="22" name="Straight Arrow Connector 21">
+            <a:extLst>
+              <a:ext uri="{FF2B5EF4-FFF2-40B4-BE49-F238E27FC236}">
+                <a16:creationId xmlns:a16="http://schemas.microsoft.com/office/drawing/2014/main" id="{062C4D76-47CE-5E07-763C-C74A4F3A6D8F}"/>
+              </a:ext>
+            </a:extLst>
+          </p:cNvPr>
+          <p:cNvCxnSpPr>
+            <a:cxnSpLocks/>
+            <a:stCxn id="4" idx="3"/>
+            <a:endCxn id="7" idx="1"/>
+          </p:cNvCxnSpPr>
+          <p:nvPr/>
+        </p:nvCxnSpPr>
+        <p:spPr>
+          <a:xfrm>
+            <a:off x="3050903" y="1953141"/>
+            <a:ext cx="862456" cy="0"/>
+          </a:xfrm>
+          <a:prstGeom prst="straightConnector1">
+            <a:avLst/>
+          </a:prstGeom>
+          <a:ln>
+            <a:tailEnd type="triangle" w="lg" len="lg"/>
+          </a:ln>
+        </p:spPr>
+        <p:style>
+          <a:lnRef idx="2">
+            <a:schemeClr val="accent1"/>
+          </a:lnRef>
+          <a:fillRef idx="0">
+            <a:schemeClr val="accent1"/>
+          </a:fillRef>
+          <a:effectRef idx="1">
+            <a:schemeClr val="accent1"/>
+          </a:effectRef>
+          <a:fontRef idx="minor">
+            <a:schemeClr val="tx1"/>
+          </a:fontRef>
+        </p:style>
+      </p:cxnSp>
+      <p:cxnSp>
+        <p:nvCxnSpPr>
+          <p:cNvPr id="25" name="Straight Arrow Connector 24">
+            <a:extLst>
+              <a:ext uri="{FF2B5EF4-FFF2-40B4-BE49-F238E27FC236}">
+                <a16:creationId xmlns:a16="http://schemas.microsoft.com/office/drawing/2014/main" id="{60D959E0-D9BB-67A9-4ACF-14BF2229DF2F}"/>
+              </a:ext>
+            </a:extLst>
+          </p:cNvPr>
+          <p:cNvCxnSpPr>
+            <a:cxnSpLocks/>
+            <a:stCxn id="5" idx="3"/>
+            <a:endCxn id="6" idx="1"/>
+          </p:cNvCxnSpPr>
+          <p:nvPr/>
+        </p:nvCxnSpPr>
+        <p:spPr>
+          <a:xfrm>
+            <a:off x="3050903" y="4127063"/>
+            <a:ext cx="862456" cy="0"/>
+          </a:xfrm>
+          <a:prstGeom prst="straightConnector1">
+            <a:avLst/>
+          </a:prstGeom>
+          <a:ln>
+            <a:tailEnd type="triangle" w="lg" len="lg"/>
+          </a:ln>
+        </p:spPr>
+        <p:style>
+          <a:lnRef idx="2">
+            <a:schemeClr val="accent1"/>
+          </a:lnRef>
+          <a:fillRef idx="0">
+            <a:schemeClr val="accent1"/>
+          </a:fillRef>
+          <a:effectRef idx="1">
+            <a:schemeClr val="accent1"/>
+          </a:effectRef>
+          <a:fontRef idx="minor">
+            <a:schemeClr val="tx1"/>
+          </a:fontRef>
+        </p:style>
+      </p:cxnSp>
+      <p:cxnSp>
+        <p:nvCxnSpPr>
+          <p:cNvPr id="27" name="Straight Arrow Connector 26">
+            <a:extLst>
+              <a:ext uri="{FF2B5EF4-FFF2-40B4-BE49-F238E27FC236}">
+                <a16:creationId xmlns:a16="http://schemas.microsoft.com/office/drawing/2014/main" id="{91C43C74-F79F-9BD9-4B0D-C86AD3D8FF02}"/>
+              </a:ext>
+            </a:extLst>
+          </p:cNvPr>
+          <p:cNvCxnSpPr>
+            <a:cxnSpLocks/>
+            <a:stCxn id="4" idx="2"/>
+          </p:cNvCxnSpPr>
+          <p:nvPr/>
+        </p:nvCxnSpPr>
+        <p:spPr>
+          <a:xfrm>
+            <a:off x="1883190" y="2480945"/>
+            <a:ext cx="355028" cy="262136"/>
+          </a:xfrm>
+          <a:prstGeom prst="straightConnector1">
+            <a:avLst/>
+          </a:prstGeom>
+          <a:ln>
+            <a:tailEnd type="triangle" w="lg" len="lg"/>
+          </a:ln>
+        </p:spPr>
+        <p:style>
+          <a:lnRef idx="2">
+            <a:schemeClr val="accent1"/>
+          </a:lnRef>
+          <a:fillRef idx="0">
+            <a:schemeClr val="accent1"/>
+          </a:fillRef>
+          <a:effectRef idx="1">
+            <a:schemeClr val="accent1"/>
+          </a:effectRef>
+          <a:fontRef idx="minor">
+            <a:schemeClr val="tx1"/>
+          </a:fontRef>
+        </p:style>
+      </p:cxnSp>
+      <p:cxnSp>
+        <p:nvCxnSpPr>
+          <p:cNvPr id="30" name="Straight Arrow Connector 29">
+            <a:extLst>
+              <a:ext uri="{FF2B5EF4-FFF2-40B4-BE49-F238E27FC236}">
+                <a16:creationId xmlns:a16="http://schemas.microsoft.com/office/drawing/2014/main" id="{33CD7593-046B-3A4C-0B6F-B7EACAC98FEB}"/>
+              </a:ext>
+            </a:extLst>
+          </p:cNvPr>
+          <p:cNvCxnSpPr>
+            <a:cxnSpLocks/>
+            <a:stCxn id="5" idx="0"/>
+          </p:cNvCxnSpPr>
+          <p:nvPr/>
+        </p:nvCxnSpPr>
+        <p:spPr>
+          <a:xfrm flipV="1">
+            <a:off x="1883190" y="3380204"/>
+            <a:ext cx="355028" cy="253107"/>
+          </a:xfrm>
+          <a:prstGeom prst="straightConnector1">
+            <a:avLst/>
+          </a:prstGeom>
+          <a:ln>
+            <a:tailEnd type="triangle" w="lg" len="lg"/>
+          </a:ln>
+        </p:spPr>
+        <p:style>
+          <a:lnRef idx="2">
+            <a:schemeClr val="accent1"/>
+          </a:lnRef>
+          <a:fillRef idx="0">
+            <a:schemeClr val="accent1"/>
+          </a:fillRef>
+          <a:effectRef idx="1">
+            <a:schemeClr val="accent1"/>
+          </a:effectRef>
+          <a:fontRef idx="minor">
+            <a:schemeClr val="tx1"/>
+          </a:fontRef>
+        </p:style>
+      </p:cxnSp>
+      <p:cxnSp>
+        <p:nvCxnSpPr>
+          <p:cNvPr id="34" name="Straight Arrow Connector 33">
+            <a:extLst>
+              <a:ext uri="{FF2B5EF4-FFF2-40B4-BE49-F238E27FC236}">
+                <a16:creationId xmlns:a16="http://schemas.microsoft.com/office/drawing/2014/main" id="{2D9B5C6A-FE9E-E2AF-DB34-3817E4ACE0B9}"/>
+              </a:ext>
+            </a:extLst>
+          </p:cNvPr>
+          <p:cNvCxnSpPr>
+            <a:cxnSpLocks/>
+          </p:cNvCxnSpPr>
+          <p:nvPr/>
+        </p:nvCxnSpPr>
+        <p:spPr>
+          <a:xfrm flipH="1" flipV="1">
+            <a:off x="4751364" y="3380204"/>
+            <a:ext cx="318476" cy="253107"/>
+          </a:xfrm>
+          <a:prstGeom prst="straightConnector1">
+            <a:avLst/>
+          </a:prstGeom>
+          <a:ln>
+            <a:tailEnd type="triangle" w="lg" len="lg"/>
+          </a:ln>
+        </p:spPr>
+        <p:style>
+          <a:lnRef idx="2">
+            <a:schemeClr val="accent1"/>
+          </a:lnRef>
+          <a:fillRef idx="0">
+            <a:schemeClr val="accent1"/>
+          </a:fillRef>
+          <a:effectRef idx="1">
+            <a:schemeClr val="accent1"/>
+          </a:effectRef>
+          <a:fontRef idx="minor">
+            <a:schemeClr val="tx1"/>
+          </a:fontRef>
+        </p:style>
+      </p:cxnSp>
+      <p:cxnSp>
+        <p:nvCxnSpPr>
+          <p:cNvPr id="38" name="Straight Arrow Connector 37">
+            <a:extLst>
+              <a:ext uri="{FF2B5EF4-FFF2-40B4-BE49-F238E27FC236}">
+                <a16:creationId xmlns:a16="http://schemas.microsoft.com/office/drawing/2014/main" id="{82108598-656A-FF35-DE1F-BC0E925D3133}"/>
+              </a:ext>
+            </a:extLst>
+          </p:cNvPr>
+          <p:cNvCxnSpPr>
+            <a:cxnSpLocks/>
+          </p:cNvCxnSpPr>
+          <p:nvPr/>
+        </p:nvCxnSpPr>
+        <p:spPr>
+          <a:xfrm flipH="1">
+            <a:off x="4751363" y="2480945"/>
+            <a:ext cx="318476" cy="253107"/>
+          </a:xfrm>
+          <a:prstGeom prst="straightConnector1">
+            <a:avLst/>
+          </a:prstGeom>
+          <a:ln>
+            <a:tailEnd type="triangle" w="lg" len="lg"/>
+          </a:ln>
+        </p:spPr>
+        <p:style>
+          <a:lnRef idx="2">
+            <a:schemeClr val="accent1"/>
+          </a:lnRef>
+          <a:fillRef idx="0">
+            <a:schemeClr val="accent1"/>
+          </a:fillRef>
+          <a:effectRef idx="1">
+            <a:schemeClr val="accent1"/>
+          </a:effectRef>
+          <a:fontRef idx="minor">
+            <a:schemeClr val="tx1"/>
+          </a:fontRef>
+        </p:style>
+      </p:cxnSp>
+      <p:sp>
+        <p:nvSpPr>
+          <p:cNvPr id="3" name="TextBox 2">
+            <a:extLst>
+              <a:ext uri="{FF2B5EF4-FFF2-40B4-BE49-F238E27FC236}">
+                <a16:creationId xmlns:a16="http://schemas.microsoft.com/office/drawing/2014/main" id="{86E474E2-B899-5D6A-9107-9532F2ABFAA9}"/>
+              </a:ext>
+            </a:extLst>
+          </p:cNvPr>
+          <p:cNvSpPr txBox="1"/>
+          <p:nvPr/>
+        </p:nvSpPr>
+        <p:spPr>
+          <a:xfrm>
+            <a:off x="3869202" y="1029990"/>
+            <a:ext cx="1681999" cy="276999"/>
+          </a:xfrm>
+          <a:prstGeom prst="rect">
+            <a:avLst/>
+          </a:prstGeom>
+          <a:noFill/>
+        </p:spPr>
+        <p:txBody>
+          <a:bodyPr wrap="none" rtlCol="0">
+            <a:spAutoFit/>
+          </a:bodyPr>
+          <a:lstStyle/>
+          <a:p>
+            <a:r>
+              <a:rPr lang="en-US" sz="1200" dirty="0"/>
+              <a:t>class </a:t>
+            </a:r>
+            <a:r>
+              <a:rPr lang="en-US" sz="1200" dirty="0" err="1"/>
+              <a:t>BooleanNetwork</a:t>
+            </a:r>
+            <a:endParaRPr lang="en-US" sz="1200" dirty="0"/>
+          </a:p>
+        </p:txBody>
+      </p:sp>
+      <p:sp>
+        <p:nvSpPr>
+          <p:cNvPr id="9" name="TextBox 8">
+            <a:extLst>
+              <a:ext uri="{FF2B5EF4-FFF2-40B4-BE49-F238E27FC236}">
+                <a16:creationId xmlns:a16="http://schemas.microsoft.com/office/drawing/2014/main" id="{3FFBCD24-2AB5-DC48-3C85-7CAA41A6D546}"/>
+              </a:ext>
+            </a:extLst>
+          </p:cNvPr>
+          <p:cNvSpPr txBox="1"/>
+          <p:nvPr/>
+        </p:nvSpPr>
+        <p:spPr>
+          <a:xfrm>
+            <a:off x="715477" y="1046609"/>
+            <a:ext cx="1708353" cy="276999"/>
+          </a:xfrm>
+          <a:prstGeom prst="rect">
+            <a:avLst/>
+          </a:prstGeom>
+          <a:noFill/>
+        </p:spPr>
+        <p:txBody>
+          <a:bodyPr wrap="none" rtlCol="0">
+            <a:spAutoFit/>
+          </a:bodyPr>
+          <a:lstStyle/>
+          <a:p>
+            <a:r>
+              <a:rPr lang="en-US" sz="1200" dirty="0"/>
+              <a:t>class </a:t>
+            </a:r>
+            <a:r>
+              <a:rPr lang="en-US" sz="1200" dirty="0" err="1"/>
+              <a:t>BooleanFunction</a:t>
+            </a:r>
+            <a:endParaRPr lang="en-US" sz="1200" dirty="0"/>
+          </a:p>
+        </p:txBody>
+      </p:sp>
+      <p:sp>
+        <p:nvSpPr>
+          <p:cNvPr id="14" name="TextBox 13">
+            <a:extLst>
+              <a:ext uri="{FF2B5EF4-FFF2-40B4-BE49-F238E27FC236}">
+                <a16:creationId xmlns:a16="http://schemas.microsoft.com/office/drawing/2014/main" id="{BCA94C1F-2208-F6C3-1A03-DC0692915494}"/>
+              </a:ext>
+            </a:extLst>
+          </p:cNvPr>
+          <p:cNvSpPr txBox="1"/>
+          <p:nvPr/>
+        </p:nvSpPr>
+        <p:spPr>
+          <a:xfrm>
+            <a:off x="5172785" y="2767687"/>
+            <a:ext cx="1431214" cy="578882"/>
+          </a:xfrm>
+          <a:prstGeom prst="roundRect">
+            <a:avLst/>
+          </a:prstGeom>
+        </p:spPr>
+        <p:style>
+          <a:lnRef idx="2">
+            <a:schemeClr val="accent1"/>
+          </a:lnRef>
+          <a:fillRef idx="1">
+            <a:schemeClr val="lt1"/>
+          </a:fillRef>
+          <a:effectRef idx="0">
+            <a:schemeClr val="accent1"/>
+          </a:effectRef>
+          <a:fontRef idx="minor">
+            <a:schemeClr val="dk1"/>
+          </a:fontRef>
+        </p:style>
+        <p:txBody>
+          <a:bodyPr wrap="square" rtlCol="0">
+            <a:spAutoFit/>
+          </a:bodyPr>
+          <a:lstStyle/>
+          <a:p>
+            <a:r>
+              <a:rPr lang="en-US" sz="1200" dirty="0"/>
+              <a:t>6. Interoperability</a:t>
+            </a:r>
+          </a:p>
+          <a:p>
+            <a:r>
+              <a:rPr lang="en-US" sz="800" dirty="0"/>
+              <a:t>Export/Import </a:t>
+            </a:r>
+            <a:r>
+              <a:rPr lang="en-US" sz="800" dirty="0">
+                <a:sym typeface="Wingdings" pitchFamily="2" charset="2"/>
+              </a:rPr>
+              <a:t></a:t>
+            </a:r>
+            <a:br>
+              <a:rPr lang="en-US" sz="800" dirty="0">
+                <a:sym typeface="Wingdings" pitchFamily="2" charset="2"/>
+              </a:rPr>
+            </a:br>
+            <a:r>
+              <a:rPr lang="en-US" sz="800" dirty="0">
+                <a:sym typeface="Wingdings" pitchFamily="2" charset="2"/>
+              </a:rPr>
+              <a:t>CANA, </a:t>
+            </a:r>
+            <a:r>
+              <a:rPr lang="en-US" sz="800" dirty="0" err="1">
+                <a:sym typeface="Wingdings" pitchFamily="2" charset="2"/>
+              </a:rPr>
+              <a:t>PyBoolNet</a:t>
+            </a:r>
+            <a:r>
+              <a:rPr lang="en-US" sz="800" dirty="0">
+                <a:sym typeface="Wingdings" pitchFamily="2" charset="2"/>
+              </a:rPr>
+              <a:t>, …</a:t>
+            </a:r>
+            <a:endParaRPr lang="en-US" sz="800" dirty="0"/>
+          </a:p>
+        </p:txBody>
+      </p:sp>
+      <p:cxnSp>
+        <p:nvCxnSpPr>
+          <p:cNvPr id="15" name="Straight Arrow Connector 14">
+            <a:extLst>
+              <a:ext uri="{FF2B5EF4-FFF2-40B4-BE49-F238E27FC236}">
+                <a16:creationId xmlns:a16="http://schemas.microsoft.com/office/drawing/2014/main" id="{07FA7003-1E13-5AD6-BA51-7E9E3239DF79}"/>
+              </a:ext>
+            </a:extLst>
+          </p:cNvPr>
+          <p:cNvCxnSpPr>
+            <a:cxnSpLocks/>
+            <a:endCxn id="14" idx="0"/>
+          </p:cNvCxnSpPr>
+          <p:nvPr/>
+        </p:nvCxnSpPr>
+        <p:spPr>
+          <a:xfrm>
+            <a:off x="5888392" y="2480945"/>
+            <a:ext cx="0" cy="286742"/>
+          </a:xfrm>
+          <a:prstGeom prst="straightConnector1">
+            <a:avLst/>
+          </a:prstGeom>
+          <a:ln>
+            <a:tailEnd type="triangle" w="lg" len="lg"/>
+          </a:ln>
+        </p:spPr>
+        <p:style>
+          <a:lnRef idx="2">
+            <a:schemeClr val="accent1"/>
+          </a:lnRef>
+          <a:fillRef idx="0">
+            <a:schemeClr val="accent1"/>
+          </a:fillRef>
+          <a:effectRef idx="1">
+            <a:schemeClr val="accent1"/>
+          </a:effectRef>
+          <a:fontRef idx="minor">
+            <a:schemeClr val="tx1"/>
+          </a:fontRef>
+        </p:style>
+      </p:cxnSp>
+      <p:cxnSp>
+        <p:nvCxnSpPr>
+          <p:cNvPr id="18" name="Straight Arrow Connector 17">
+            <a:extLst>
+              <a:ext uri="{FF2B5EF4-FFF2-40B4-BE49-F238E27FC236}">
+                <a16:creationId xmlns:a16="http://schemas.microsoft.com/office/drawing/2014/main" id="{A82489BA-5D53-F025-080D-AC348AA85041}"/>
+              </a:ext>
+            </a:extLst>
+          </p:cNvPr>
+          <p:cNvCxnSpPr>
+            <a:cxnSpLocks/>
+          </p:cNvCxnSpPr>
+          <p:nvPr/>
+        </p:nvCxnSpPr>
+        <p:spPr>
+          <a:xfrm>
+            <a:off x="5888392" y="3346569"/>
+            <a:ext cx="0" cy="286742"/>
+          </a:xfrm>
+          <a:prstGeom prst="straightConnector1">
+            <a:avLst/>
+          </a:prstGeom>
+          <a:ln>
+            <a:tailEnd type="triangle" w="lg" len="lg"/>
+          </a:ln>
+        </p:spPr>
+        <p:style>
+          <a:lnRef idx="2">
+            <a:schemeClr val="accent1"/>
+          </a:lnRef>
+          <a:fillRef idx="0">
+            <a:schemeClr val="accent1"/>
+          </a:fillRef>
+          <a:effectRef idx="1">
+            <a:schemeClr val="accent1"/>
+          </a:effectRef>
+          <a:fontRef idx="minor">
+            <a:schemeClr val="tx1"/>
+          </a:fontRef>
+        </p:style>
+      </p:cxnSp>
+    </p:spTree>
+    <p:extLst>
+      <p:ext uri="{BB962C8B-B14F-4D97-AF65-F5344CB8AC3E}">
+        <p14:creationId xmlns:p14="http://schemas.microsoft.com/office/powerpoint/2010/main" val="593904460"/>
+      </p:ext>
+    </p:extLst>
+  </p:cSld>
+  <p:clrMapOvr>
+    <a:masterClrMapping/>
+  </p:clrMapOvr>
+</p:sld>
+</file>
+
+<file path=ppt/slides/slide7.xml><?xml version="1.0" encoding="utf-8"?>
+<p:sld xmlns:a="http://schemas.openxmlformats.org/drawingml/2006/main" xmlns:r="http://schemas.openxmlformats.org/officeDocument/2006/relationships" xmlns:p="http://schemas.openxmlformats.org/presentationml/2006/main">
+  <p:cSld>
+    <p:spTree>
+      <p:nvGrpSpPr>
+        <p:cNvPr id="1" name="">
+          <a:extLst>
+            <a:ext uri="{FF2B5EF4-FFF2-40B4-BE49-F238E27FC236}">
+              <a16:creationId xmlns:a16="http://schemas.microsoft.com/office/drawing/2014/main" id="{5A0BCC99-BFF3-2515-0634-2BBADF2F8677}"/>
+            </a:ext>
+          </a:extLst>
+        </p:cNvPr>
+        <p:cNvGrpSpPr/>
+        <p:nvPr/>
+      </p:nvGrpSpPr>
+      <p:grpSpPr>
+        <a:xfrm>
+          <a:off x="0" y="0"/>
+          <a:ext cx="0" cy="0"/>
+          <a:chOff x="0" y="0"/>
+          <a:chExt cx="0" cy="0"/>
+        </a:xfrm>
+      </p:grpSpPr>
+      <p:sp>
+        <p:nvSpPr>
+          <p:cNvPr id="64" name="Rounded Rectangle 63">
+            <a:extLst>
+              <a:ext uri="{FF2B5EF4-FFF2-40B4-BE49-F238E27FC236}">
+                <a16:creationId xmlns:a16="http://schemas.microsoft.com/office/drawing/2014/main" id="{C7F4E4D2-E099-F81C-A05E-4DDB135E817C}"/>
+              </a:ext>
+            </a:extLst>
+          </p:cNvPr>
+          <p:cNvSpPr/>
+          <p:nvPr/>
+        </p:nvSpPr>
+        <p:spPr>
+          <a:xfrm>
+            <a:off x="3716309" y="1061643"/>
+            <a:ext cx="2755941" cy="3705304"/>
+          </a:xfrm>
+          <a:prstGeom prst="roundRect">
+            <a:avLst>
+              <a:gd name="adj" fmla="val 20354"/>
+            </a:avLst>
+          </a:prstGeom>
+          <a:solidFill>
+            <a:schemeClr val="tx2">
+              <a:lumMod val="10000"/>
+              <a:lumOff val="90000"/>
+              <a:alpha val="34000"/>
+            </a:schemeClr>
+          </a:solidFill>
+          <a:ln>
+            <a:noFill/>
+          </a:ln>
+        </p:spPr>
+        <p:style>
+          <a:lnRef idx="2">
+            <a:schemeClr val="accent1">
+              <a:shade val="15000"/>
+            </a:schemeClr>
+          </a:lnRef>
+          <a:fillRef idx="1">
+            <a:schemeClr val="accent1"/>
+          </a:fillRef>
+          <a:effectRef idx="0">
+            <a:schemeClr val="accent1"/>
+          </a:effectRef>
+          <a:fontRef idx="minor">
+            <a:schemeClr val="lt1"/>
+          </a:fontRef>
+        </p:style>
+        <p:txBody>
+          <a:bodyPr rtlCol="0" anchor="ctr"/>
+          <a:lstStyle/>
+          <a:p>
+            <a:pPr algn="ctr"/>
+            <a:endParaRPr lang="en-US"/>
+          </a:p>
+        </p:txBody>
+      </p:sp>
+      <p:sp>
+        <p:nvSpPr>
+          <p:cNvPr id="10" name="Rounded Rectangle 9">
+            <a:extLst>
+              <a:ext uri="{FF2B5EF4-FFF2-40B4-BE49-F238E27FC236}">
+                <a16:creationId xmlns:a16="http://schemas.microsoft.com/office/drawing/2014/main" id="{69191552-C878-C93F-605F-DF57B0B30E03}"/>
+              </a:ext>
+            </a:extLst>
+          </p:cNvPr>
+          <p:cNvSpPr/>
+          <p:nvPr/>
+        </p:nvSpPr>
+        <p:spPr>
+          <a:xfrm>
+            <a:off x="525739" y="1090217"/>
+            <a:ext cx="2755941" cy="3705304"/>
+          </a:xfrm>
+          <a:prstGeom prst="roundRect">
+            <a:avLst>
+              <a:gd name="adj" fmla="val 20354"/>
+            </a:avLst>
+          </a:prstGeom>
+          <a:solidFill>
+            <a:schemeClr val="tx2">
+              <a:lumMod val="10000"/>
+              <a:lumOff val="90000"/>
+              <a:alpha val="34000"/>
+            </a:schemeClr>
+          </a:solidFill>
+          <a:ln>
+            <a:noFill/>
+          </a:ln>
+        </p:spPr>
+        <p:style>
+          <a:lnRef idx="2">
+            <a:schemeClr val="accent1">
+              <a:shade val="15000"/>
+            </a:schemeClr>
+          </a:lnRef>
+          <a:fillRef idx="1">
+            <a:schemeClr val="accent1"/>
+          </a:fillRef>
+          <a:effectRef idx="0">
+            <a:schemeClr val="accent1"/>
+          </a:effectRef>
+          <a:fontRef idx="minor">
+            <a:schemeClr val="lt1"/>
+          </a:fontRef>
+        </p:style>
+        <p:txBody>
+          <a:bodyPr rtlCol="0" anchor="ctr"/>
+          <a:lstStyle/>
+          <a:p>
+            <a:pPr algn="ctr"/>
+            <a:endParaRPr lang="en-US"/>
+          </a:p>
+        </p:txBody>
+      </p:sp>
+      <p:sp>
+        <p:nvSpPr>
+          <p:cNvPr id="4" name="TextBox 3">
+            <a:extLst>
+              <a:ext uri="{FF2B5EF4-FFF2-40B4-BE49-F238E27FC236}">
+                <a16:creationId xmlns:a16="http://schemas.microsoft.com/office/drawing/2014/main" id="{1DAA9EE6-11C5-A0A4-93B4-2D2087196CC4}"/>
+              </a:ext>
+            </a:extLst>
+          </p:cNvPr>
+          <p:cNvSpPr txBox="1"/>
+          <p:nvPr/>
+        </p:nvSpPr>
+        <p:spPr>
+          <a:xfrm>
+            <a:off x="640505" y="1428274"/>
+            <a:ext cx="2538465" cy="817245"/>
+          </a:xfrm>
+          <a:prstGeom prst="roundRect">
+            <a:avLst/>
+          </a:prstGeom>
+        </p:spPr>
+        <p:style>
+          <a:lnRef idx="2">
+            <a:schemeClr val="accent1"/>
+          </a:lnRef>
+          <a:fillRef idx="1">
+            <a:schemeClr val="lt1"/>
+          </a:fillRef>
+          <a:effectRef idx="0">
+            <a:schemeClr val="accent1"/>
+          </a:effectRef>
+          <a:fontRef idx="minor">
+            <a:schemeClr val="dk1"/>
+          </a:fontRef>
+        </p:style>
+        <p:txBody>
+          <a:bodyPr wrap="square" rtlCol="0">
+            <a:spAutoFit/>
+          </a:bodyPr>
+          <a:lstStyle/>
+          <a:p>
+            <a:r>
+              <a:rPr lang="en-US" sz="1000" dirty="0"/>
+              <a:t>1. Random Boolean Function Generators</a:t>
+            </a:r>
+          </a:p>
+          <a:p>
+            <a:r>
+              <a:rPr lang="en-US" sz="800" dirty="0" err="1"/>
+              <a:t>random_non_degenerated_function</a:t>
+            </a:r>
+            <a:r>
+              <a:rPr lang="en-US" sz="800" dirty="0"/>
+              <a:t>(n, bias)</a:t>
+            </a:r>
+          </a:p>
+          <a:p>
+            <a:r>
+              <a:rPr lang="en-US" sz="800" dirty="0" err="1"/>
+              <a:t>random_k_canalizing_function</a:t>
+            </a:r>
+            <a:r>
+              <a:rPr lang="en-US" sz="800" dirty="0"/>
+              <a:t>(n, k)</a:t>
+            </a:r>
+          </a:p>
+          <a:p>
+            <a:r>
+              <a:rPr lang="en-US" sz="800" dirty="0" err="1"/>
+              <a:t>random_NCF</a:t>
+            </a:r>
+            <a:r>
+              <a:rPr lang="en-US" sz="800" dirty="0"/>
+              <a:t>(n, </a:t>
+            </a:r>
+            <a:r>
+              <a:rPr lang="en-US" sz="800" dirty="0" err="1"/>
+              <a:t>layer_structure</a:t>
+            </a:r>
+            <a:r>
+              <a:rPr lang="en-US" sz="800" dirty="0"/>
+              <a:t>)</a:t>
+            </a:r>
+          </a:p>
+          <a:p>
+            <a:r>
+              <a:rPr lang="en-US" sz="800" dirty="0"/>
+              <a:t>…</a:t>
+            </a:r>
+          </a:p>
+        </p:txBody>
+      </p:sp>
+      <p:sp>
+        <p:nvSpPr>
+          <p:cNvPr id="5" name="TextBox 4">
+            <a:extLst>
+              <a:ext uri="{FF2B5EF4-FFF2-40B4-BE49-F238E27FC236}">
+                <a16:creationId xmlns:a16="http://schemas.microsoft.com/office/drawing/2014/main" id="{AA2A4C3D-B737-AE2F-71F6-77FDC7733A53}"/>
+              </a:ext>
+            </a:extLst>
+          </p:cNvPr>
+          <p:cNvSpPr txBox="1"/>
+          <p:nvPr/>
+        </p:nvSpPr>
+        <p:spPr>
+          <a:xfrm>
+            <a:off x="640505" y="3558222"/>
+            <a:ext cx="2538464" cy="987504"/>
+          </a:xfrm>
+          <a:prstGeom prst="roundRect">
+            <a:avLst/>
+          </a:prstGeom>
+        </p:spPr>
+        <p:style>
+          <a:lnRef idx="2">
+            <a:schemeClr val="accent1"/>
+          </a:lnRef>
+          <a:fillRef idx="1">
+            <a:schemeClr val="lt1"/>
+          </a:fillRef>
+          <a:effectRef idx="0">
+            <a:schemeClr val="accent1"/>
+          </a:effectRef>
+          <a:fontRef idx="minor">
+            <a:schemeClr val="dk1"/>
+          </a:fontRef>
+        </p:style>
+        <p:txBody>
+          <a:bodyPr wrap="square" rtlCol="0">
+            <a:spAutoFit/>
+          </a:bodyPr>
+          <a:lstStyle/>
+          <a:p>
+            <a:r>
+              <a:rPr lang="en-US" sz="1000" dirty="0"/>
+              <a:t>3. Boolean Function Analysis</a:t>
+            </a:r>
+          </a:p>
+          <a:p>
+            <a:r>
+              <a:rPr lang="en-US" sz="800" dirty="0" err="1"/>
+              <a:t>is_monotonic</a:t>
+            </a:r>
+            <a:r>
+              <a:rPr lang="en-US" sz="800" dirty="0"/>
+              <a:t>()	</a:t>
+            </a:r>
+            <a:r>
+              <a:rPr lang="en-US" sz="800" dirty="0" err="1"/>
+              <a:t>get_symmetry_groups</a:t>
+            </a:r>
+            <a:r>
+              <a:rPr lang="en-US" sz="800" dirty="0"/>
+              <a:t>()</a:t>
+            </a:r>
+          </a:p>
+          <a:p>
+            <a:r>
+              <a:rPr lang="en-US" sz="800" dirty="0" err="1"/>
+              <a:t>is_degenerated</a:t>
+            </a:r>
+            <a:r>
+              <a:rPr lang="en-US" sz="800" dirty="0"/>
+              <a:t>()	</a:t>
+            </a:r>
+            <a:r>
+              <a:rPr lang="en-US" sz="800" dirty="0" err="1"/>
+              <a:t>get_sensitivity</a:t>
+            </a:r>
+            <a:r>
+              <a:rPr lang="en-US" sz="800" dirty="0"/>
+              <a:t>()</a:t>
+            </a:r>
+          </a:p>
+          <a:p>
+            <a:r>
+              <a:rPr lang="en-US" sz="800" dirty="0" err="1"/>
+              <a:t>Is_k_canalizing</a:t>
+            </a:r>
+            <a:r>
+              <a:rPr lang="en-US" sz="800" dirty="0"/>
+              <a:t>()	</a:t>
+            </a:r>
+            <a:r>
+              <a:rPr lang="en-US" sz="800" dirty="0" err="1"/>
+              <a:t>get_layer_structure</a:t>
+            </a:r>
+            <a:r>
+              <a:rPr lang="en-US" sz="800" dirty="0"/>
+              <a:t>()</a:t>
+            </a:r>
+          </a:p>
+          <a:p>
+            <a:r>
+              <a:rPr lang="en-US" sz="800" dirty="0" err="1"/>
+              <a:t>Is_kset_canalizing</a:t>
+            </a:r>
+            <a:r>
+              <a:rPr lang="en-US" sz="800" dirty="0"/>
+              <a:t>()	</a:t>
+            </a:r>
+            <a:r>
+              <a:rPr lang="en-US" sz="800" dirty="0" err="1"/>
+              <a:t>get_canalizing_strength</a:t>
+            </a:r>
+            <a:r>
+              <a:rPr lang="en-US" sz="800" dirty="0"/>
+              <a:t>()</a:t>
+            </a:r>
+          </a:p>
+          <a:p>
+            <a:r>
+              <a:rPr lang="en-US" sz="800" dirty="0"/>
+              <a:t>…</a:t>
+            </a:r>
+          </a:p>
+        </p:txBody>
+      </p:sp>
+      <p:sp>
+        <p:nvSpPr>
+          <p:cNvPr id="6" name="TextBox 5">
+            <a:extLst>
+              <a:ext uri="{FF2B5EF4-FFF2-40B4-BE49-F238E27FC236}">
+                <a16:creationId xmlns:a16="http://schemas.microsoft.com/office/drawing/2014/main" id="{3F12174E-88D6-19D5-3E11-09A4E62118FD}"/>
+              </a:ext>
+            </a:extLst>
+          </p:cNvPr>
+          <p:cNvSpPr txBox="1"/>
+          <p:nvPr/>
+        </p:nvSpPr>
+        <p:spPr>
+          <a:xfrm>
+            <a:off x="3825048" y="3574573"/>
+            <a:ext cx="2538463" cy="953453"/>
+          </a:xfrm>
+          <a:prstGeom prst="roundRect">
+            <a:avLst/>
+          </a:prstGeom>
+        </p:spPr>
+        <p:style>
+          <a:lnRef idx="2">
+            <a:schemeClr val="accent1"/>
+          </a:lnRef>
+          <a:fillRef idx="1">
+            <a:schemeClr val="lt1"/>
+          </a:fillRef>
+          <a:effectRef idx="0">
+            <a:schemeClr val="accent1"/>
+          </a:effectRef>
+          <a:fontRef idx="minor">
+            <a:schemeClr val="dk1"/>
+          </a:fontRef>
+        </p:style>
+        <p:txBody>
+          <a:bodyPr wrap="square" rtlCol="0">
+            <a:spAutoFit/>
+          </a:bodyPr>
+          <a:lstStyle/>
+          <a:p>
+            <a:r>
+              <a:rPr lang="en-US" sz="1000" dirty="0"/>
+              <a:t>4. Boolean Network Analysis</a:t>
+            </a:r>
+          </a:p>
+          <a:p>
+            <a:r>
+              <a:rPr lang="en-US" sz="800" dirty="0" err="1"/>
+              <a:t>get_steady_states_asynchronous</a:t>
+            </a:r>
+            <a:r>
+              <a:rPr lang="en-US" sz="800" dirty="0"/>
+              <a:t>()</a:t>
+            </a:r>
+          </a:p>
+          <a:p>
+            <a:r>
+              <a:rPr lang="en-US" sz="800" dirty="0" err="1"/>
+              <a:t>get_attractors_and_robustness_synchronous</a:t>
+            </a:r>
+            <a:r>
+              <a:rPr lang="en-US" sz="800" dirty="0"/>
+              <a:t>()</a:t>
+            </a:r>
+          </a:p>
+          <a:p>
+            <a:r>
+              <a:rPr lang="en-US" sz="800" dirty="0" err="1"/>
+              <a:t>get_modular_structure</a:t>
+            </a:r>
+            <a:r>
+              <a:rPr lang="en-US" sz="800" dirty="0"/>
+              <a:t>()</a:t>
+            </a:r>
+          </a:p>
+          <a:p>
+            <a:r>
+              <a:rPr lang="en-US" sz="800" dirty="0" err="1"/>
+              <a:t>get_edge_controlled_network</a:t>
+            </a:r>
+            <a:r>
+              <a:rPr lang="en-US" sz="800" dirty="0"/>
+              <a:t>()</a:t>
+            </a:r>
+          </a:p>
+          <a:p>
+            <a:r>
+              <a:rPr lang="en-US" sz="800" dirty="0"/>
+              <a:t>…</a:t>
+            </a:r>
+          </a:p>
+        </p:txBody>
+      </p:sp>
+      <p:sp>
+        <p:nvSpPr>
+          <p:cNvPr id="7" name="TextBox 6">
+            <a:extLst>
+              <a:ext uri="{FF2B5EF4-FFF2-40B4-BE49-F238E27FC236}">
+                <a16:creationId xmlns:a16="http://schemas.microsoft.com/office/drawing/2014/main" id="{8E32BCFE-5A74-DD22-B5A0-DF806E4478F3}"/>
+              </a:ext>
+            </a:extLst>
+          </p:cNvPr>
+          <p:cNvSpPr txBox="1"/>
+          <p:nvPr/>
+        </p:nvSpPr>
+        <p:spPr>
+          <a:xfrm>
+            <a:off x="3825048" y="1428274"/>
+            <a:ext cx="2538465" cy="817245"/>
+          </a:xfrm>
+          <a:prstGeom prst="roundRect">
+            <a:avLst/>
+          </a:prstGeom>
+        </p:spPr>
+        <p:style>
+          <a:lnRef idx="2">
+            <a:schemeClr val="accent1"/>
+          </a:lnRef>
+          <a:fillRef idx="1">
+            <a:schemeClr val="lt1"/>
+          </a:fillRef>
+          <a:effectRef idx="0">
+            <a:schemeClr val="accent1"/>
+          </a:effectRef>
+          <a:fontRef idx="minor">
+            <a:schemeClr val="dk1"/>
+          </a:fontRef>
+        </p:style>
+        <p:txBody>
+          <a:bodyPr wrap="square" rtlCol="0">
+            <a:spAutoFit/>
+          </a:bodyPr>
+          <a:lstStyle/>
+          <a:p>
+            <a:r>
+              <a:rPr lang="en-US" sz="1000" dirty="0"/>
+              <a:t>2. Random Boolean Network Generators</a:t>
+            </a:r>
+          </a:p>
+          <a:p>
+            <a:r>
+              <a:rPr lang="en-US" sz="800" dirty="0"/>
+              <a:t>Generate random Boolean networks of defined size, degree distribution, canalizing depth or layer structure, bias, …</a:t>
+            </a:r>
+          </a:p>
+          <a:p>
+            <a:endParaRPr lang="en-US" sz="800" dirty="0"/>
+          </a:p>
+        </p:txBody>
+      </p:sp>
+      <p:sp>
+        <p:nvSpPr>
+          <p:cNvPr id="8" name="TextBox 7">
+            <a:extLst>
+              <a:ext uri="{FF2B5EF4-FFF2-40B4-BE49-F238E27FC236}">
+                <a16:creationId xmlns:a16="http://schemas.microsoft.com/office/drawing/2014/main" id="{82D1E615-0133-8E7A-494F-891A03D4F713}"/>
+              </a:ext>
+            </a:extLst>
+          </p:cNvPr>
+          <p:cNvSpPr txBox="1"/>
+          <p:nvPr/>
+        </p:nvSpPr>
+        <p:spPr>
+          <a:xfrm>
+            <a:off x="2196399" y="2575672"/>
+            <a:ext cx="2538465" cy="681038"/>
+          </a:xfrm>
+          <a:prstGeom prst="roundRect">
+            <a:avLst/>
+          </a:prstGeom>
+        </p:spPr>
+        <p:style>
+          <a:lnRef idx="2">
+            <a:schemeClr val="accent1"/>
+          </a:lnRef>
+          <a:fillRef idx="1">
+            <a:schemeClr val="lt1"/>
+          </a:fillRef>
+          <a:effectRef idx="0">
+            <a:schemeClr val="accent1"/>
+          </a:effectRef>
+          <a:fontRef idx="minor">
+            <a:schemeClr val="dk1"/>
+          </a:fontRef>
+        </p:style>
+        <p:txBody>
+          <a:bodyPr wrap="square" rtlCol="0">
+            <a:spAutoFit/>
+          </a:bodyPr>
+          <a:lstStyle/>
+          <a:p>
+            <a:r>
+              <a:rPr lang="en-US" sz="1000" dirty="0"/>
+              <a:t>5. Ensemble experiments</a:t>
+            </a:r>
+          </a:p>
+          <a:p>
+            <a:r>
+              <a:rPr lang="en-US" sz="800" dirty="0"/>
+              <a:t>Build reproducible pipelines for systematic studies:</a:t>
+            </a:r>
+          </a:p>
+          <a:p>
+            <a:r>
+              <a:rPr lang="en-US" sz="800" dirty="0"/>
+              <a:t>vary parameters and study function and network properties across ensembles</a:t>
+            </a:r>
+          </a:p>
+        </p:txBody>
+      </p:sp>
+      <p:cxnSp>
+        <p:nvCxnSpPr>
+          <p:cNvPr id="11" name="Straight Arrow Connector 10">
+            <a:extLst>
+              <a:ext uri="{FF2B5EF4-FFF2-40B4-BE49-F238E27FC236}">
+                <a16:creationId xmlns:a16="http://schemas.microsoft.com/office/drawing/2014/main" id="{06148DE3-88FE-2E45-57BC-6D81D3479281}"/>
+              </a:ext>
+            </a:extLst>
+          </p:cNvPr>
+          <p:cNvCxnSpPr>
+            <a:cxnSpLocks/>
+            <a:stCxn id="4" idx="2"/>
+            <a:endCxn id="5" idx="0"/>
+          </p:cNvCxnSpPr>
+          <p:nvPr/>
+        </p:nvCxnSpPr>
+        <p:spPr>
+          <a:xfrm flipH="1">
+            <a:off x="1909737" y="2245519"/>
+            <a:ext cx="1" cy="1312703"/>
+          </a:xfrm>
+          <a:prstGeom prst="straightConnector1">
+            <a:avLst/>
+          </a:prstGeom>
+          <a:ln>
+            <a:tailEnd type="triangle" w="lg" len="lg"/>
+          </a:ln>
+        </p:spPr>
+        <p:style>
+          <a:lnRef idx="2">
+            <a:schemeClr val="accent1"/>
+          </a:lnRef>
+          <a:fillRef idx="0">
+            <a:schemeClr val="accent1"/>
+          </a:fillRef>
+          <a:effectRef idx="1">
+            <a:schemeClr val="accent1"/>
+          </a:effectRef>
+          <a:fontRef idx="minor">
+            <a:schemeClr val="tx1"/>
+          </a:fontRef>
+        </p:style>
+      </p:cxnSp>
+      <p:cxnSp>
+        <p:nvCxnSpPr>
+          <p:cNvPr id="12" name="Straight Arrow Connector 11">
+            <a:extLst>
+              <a:ext uri="{FF2B5EF4-FFF2-40B4-BE49-F238E27FC236}">
+                <a16:creationId xmlns:a16="http://schemas.microsoft.com/office/drawing/2014/main" id="{08EC6788-9327-107F-F0BF-636E61972058}"/>
+              </a:ext>
+            </a:extLst>
+          </p:cNvPr>
+          <p:cNvCxnSpPr>
+            <a:cxnSpLocks/>
+          </p:cNvCxnSpPr>
+          <p:nvPr/>
+        </p:nvCxnSpPr>
+        <p:spPr>
+          <a:xfrm>
+            <a:off x="5018225" y="2246476"/>
+            <a:ext cx="0" cy="1310787"/>
+          </a:xfrm>
+          <a:prstGeom prst="straightConnector1">
+            <a:avLst/>
+          </a:prstGeom>
+          <a:ln>
+            <a:tailEnd type="triangle" w="lg" len="lg"/>
+          </a:ln>
+        </p:spPr>
+        <p:style>
+          <a:lnRef idx="2">
+            <a:schemeClr val="accent1"/>
+          </a:lnRef>
+          <a:fillRef idx="0">
+            <a:schemeClr val="accent1"/>
+          </a:fillRef>
+          <a:effectRef idx="1">
+            <a:schemeClr val="accent1"/>
+          </a:effectRef>
+          <a:fontRef idx="minor">
+            <a:schemeClr val="tx1"/>
+          </a:fontRef>
+        </p:style>
+      </p:cxnSp>
+      <p:cxnSp>
+        <p:nvCxnSpPr>
+          <p:cNvPr id="22" name="Straight Arrow Connector 21">
+            <a:extLst>
+              <a:ext uri="{FF2B5EF4-FFF2-40B4-BE49-F238E27FC236}">
+                <a16:creationId xmlns:a16="http://schemas.microsoft.com/office/drawing/2014/main" id="{4943056B-8E7C-22AC-384B-F6BFEC18C1FA}"/>
+              </a:ext>
+            </a:extLst>
+          </p:cNvPr>
+          <p:cNvCxnSpPr>
+            <a:cxnSpLocks/>
+            <a:stCxn id="4" idx="3"/>
+            <a:endCxn id="7" idx="1"/>
+          </p:cNvCxnSpPr>
+          <p:nvPr/>
+        </p:nvCxnSpPr>
+        <p:spPr>
+          <a:xfrm>
+            <a:off x="3178970" y="1836897"/>
+            <a:ext cx="646078" cy="0"/>
+          </a:xfrm>
+          <a:prstGeom prst="straightConnector1">
+            <a:avLst/>
+          </a:prstGeom>
+          <a:ln>
+            <a:tailEnd type="triangle" w="lg" len="lg"/>
+          </a:ln>
+        </p:spPr>
+        <p:style>
+          <a:lnRef idx="2">
+            <a:schemeClr val="accent1"/>
+          </a:lnRef>
+          <a:fillRef idx="0">
+            <a:schemeClr val="accent1"/>
+          </a:fillRef>
+          <a:effectRef idx="1">
+            <a:schemeClr val="accent1"/>
+          </a:effectRef>
+          <a:fontRef idx="minor">
+            <a:schemeClr val="tx1"/>
+          </a:fontRef>
+        </p:style>
+      </p:cxnSp>
+      <p:cxnSp>
+        <p:nvCxnSpPr>
+          <p:cNvPr id="25" name="Straight Arrow Connector 24">
+            <a:extLst>
+              <a:ext uri="{FF2B5EF4-FFF2-40B4-BE49-F238E27FC236}">
+                <a16:creationId xmlns:a16="http://schemas.microsoft.com/office/drawing/2014/main" id="{3800CD7F-F1D7-D141-A669-1C1E7121E604}"/>
+              </a:ext>
+            </a:extLst>
+          </p:cNvPr>
+          <p:cNvCxnSpPr>
+            <a:cxnSpLocks/>
+            <a:stCxn id="5" idx="3"/>
+            <a:endCxn id="6" idx="1"/>
+          </p:cNvCxnSpPr>
+          <p:nvPr/>
+        </p:nvCxnSpPr>
+        <p:spPr>
+          <a:xfrm flipV="1">
+            <a:off x="3178969" y="4051300"/>
+            <a:ext cx="646079" cy="674"/>
+          </a:xfrm>
+          <a:prstGeom prst="straightConnector1">
+            <a:avLst/>
+          </a:prstGeom>
+          <a:ln>
+            <a:tailEnd type="triangle" w="lg" len="lg"/>
+          </a:ln>
+        </p:spPr>
+        <p:style>
+          <a:lnRef idx="2">
+            <a:schemeClr val="accent1"/>
+          </a:lnRef>
+          <a:fillRef idx="0">
+            <a:schemeClr val="accent1"/>
+          </a:fillRef>
+          <a:effectRef idx="1">
+            <a:schemeClr val="accent1"/>
+          </a:effectRef>
+          <a:fontRef idx="minor">
+            <a:schemeClr val="tx1"/>
+          </a:fontRef>
+        </p:style>
+      </p:cxnSp>
+      <p:cxnSp>
+        <p:nvCxnSpPr>
+          <p:cNvPr id="27" name="Straight Arrow Connector 26">
+            <a:extLst>
+              <a:ext uri="{FF2B5EF4-FFF2-40B4-BE49-F238E27FC236}">
+                <a16:creationId xmlns:a16="http://schemas.microsoft.com/office/drawing/2014/main" id="{301BE3EE-4B2B-B9E9-807C-1432898E854C}"/>
+              </a:ext>
+            </a:extLst>
+          </p:cNvPr>
+          <p:cNvCxnSpPr>
+            <a:cxnSpLocks/>
+            <a:stCxn id="4" idx="2"/>
+          </p:cNvCxnSpPr>
+          <p:nvPr/>
+        </p:nvCxnSpPr>
+        <p:spPr>
+          <a:xfrm>
+            <a:off x="1909738" y="2245519"/>
+            <a:ext cx="308329" cy="333553"/>
+          </a:xfrm>
+          <a:prstGeom prst="straightConnector1">
+            <a:avLst/>
+          </a:prstGeom>
+          <a:ln>
+            <a:tailEnd type="triangle" w="lg" len="lg"/>
+          </a:ln>
+        </p:spPr>
+        <p:style>
+          <a:lnRef idx="2">
+            <a:schemeClr val="accent1"/>
+          </a:lnRef>
+          <a:fillRef idx="0">
+            <a:schemeClr val="accent1"/>
+          </a:fillRef>
+          <a:effectRef idx="1">
+            <a:schemeClr val="accent1"/>
+          </a:effectRef>
+          <a:fontRef idx="minor">
+            <a:schemeClr val="tx1"/>
+          </a:fontRef>
+        </p:style>
+      </p:cxnSp>
+      <p:cxnSp>
+        <p:nvCxnSpPr>
+          <p:cNvPr id="30" name="Straight Arrow Connector 29">
+            <a:extLst>
+              <a:ext uri="{FF2B5EF4-FFF2-40B4-BE49-F238E27FC236}">
+                <a16:creationId xmlns:a16="http://schemas.microsoft.com/office/drawing/2014/main" id="{B4D7F1A8-D56F-696A-F251-AB5438B83349}"/>
+              </a:ext>
+            </a:extLst>
+          </p:cNvPr>
+          <p:cNvCxnSpPr>
+            <a:cxnSpLocks/>
+            <a:stCxn id="5" idx="0"/>
+          </p:cNvCxnSpPr>
+          <p:nvPr/>
+        </p:nvCxnSpPr>
+        <p:spPr>
+          <a:xfrm flipV="1">
+            <a:off x="1909737" y="3265436"/>
+            <a:ext cx="308330" cy="292786"/>
+          </a:xfrm>
+          <a:prstGeom prst="straightConnector1">
+            <a:avLst/>
+          </a:prstGeom>
+          <a:ln>
+            <a:tailEnd type="triangle" w="lg" len="lg"/>
+          </a:ln>
+        </p:spPr>
+        <p:style>
+          <a:lnRef idx="2">
+            <a:schemeClr val="accent1"/>
+          </a:lnRef>
+          <a:fillRef idx="0">
+            <a:schemeClr val="accent1"/>
+          </a:fillRef>
+          <a:effectRef idx="1">
+            <a:schemeClr val="accent1"/>
+          </a:effectRef>
+          <a:fontRef idx="minor">
+            <a:schemeClr val="tx1"/>
+          </a:fontRef>
+        </p:style>
+      </p:cxnSp>
+      <p:cxnSp>
+        <p:nvCxnSpPr>
+          <p:cNvPr id="34" name="Straight Arrow Connector 33">
+            <a:extLst>
+              <a:ext uri="{FF2B5EF4-FFF2-40B4-BE49-F238E27FC236}">
+                <a16:creationId xmlns:a16="http://schemas.microsoft.com/office/drawing/2014/main" id="{8A92518D-6DA3-2B2A-CB61-817B8558B963}"/>
+              </a:ext>
+            </a:extLst>
+          </p:cNvPr>
+          <p:cNvCxnSpPr>
+            <a:cxnSpLocks/>
+          </p:cNvCxnSpPr>
+          <p:nvPr/>
+        </p:nvCxnSpPr>
+        <p:spPr>
+          <a:xfrm flipH="1" flipV="1">
+            <a:off x="4725699" y="3241020"/>
+            <a:ext cx="299965" cy="338721"/>
+          </a:xfrm>
+          <a:prstGeom prst="straightConnector1">
+            <a:avLst/>
+          </a:prstGeom>
+          <a:ln>
+            <a:tailEnd type="triangle" w="lg" len="lg"/>
+          </a:ln>
+        </p:spPr>
+        <p:style>
+          <a:lnRef idx="2">
+            <a:schemeClr val="accent1"/>
+          </a:lnRef>
+          <a:fillRef idx="0">
+            <a:schemeClr val="accent1"/>
+          </a:fillRef>
+          <a:effectRef idx="1">
+            <a:schemeClr val="accent1"/>
+          </a:effectRef>
+          <a:fontRef idx="minor">
+            <a:schemeClr val="tx1"/>
+          </a:fontRef>
+        </p:style>
+      </p:cxnSp>
+      <p:cxnSp>
+        <p:nvCxnSpPr>
+          <p:cNvPr id="38" name="Straight Arrow Connector 37">
+            <a:extLst>
+              <a:ext uri="{FF2B5EF4-FFF2-40B4-BE49-F238E27FC236}">
+                <a16:creationId xmlns:a16="http://schemas.microsoft.com/office/drawing/2014/main" id="{EF19AB48-8110-2536-48CE-AB5D6500F3EC}"/>
+              </a:ext>
+            </a:extLst>
+          </p:cNvPr>
+          <p:cNvCxnSpPr>
+            <a:cxnSpLocks/>
+          </p:cNvCxnSpPr>
+          <p:nvPr/>
+        </p:nvCxnSpPr>
+        <p:spPr>
+          <a:xfrm flipH="1">
+            <a:off x="4692254" y="2245519"/>
+            <a:ext cx="329366" cy="333553"/>
+          </a:xfrm>
+          <a:prstGeom prst="straightConnector1">
+            <a:avLst/>
+          </a:prstGeom>
+          <a:ln>
+            <a:tailEnd type="triangle" w="lg" len="lg"/>
+          </a:ln>
+        </p:spPr>
+        <p:style>
+          <a:lnRef idx="2">
+            <a:schemeClr val="accent1"/>
+          </a:lnRef>
+          <a:fillRef idx="0">
+            <a:schemeClr val="accent1"/>
+          </a:fillRef>
+          <a:effectRef idx="1">
+            <a:schemeClr val="accent1"/>
+          </a:effectRef>
+          <a:fontRef idx="minor">
+            <a:schemeClr val="tx1"/>
+          </a:fontRef>
+        </p:style>
+      </p:cxnSp>
+      <p:sp>
+        <p:nvSpPr>
+          <p:cNvPr id="3" name="TextBox 2">
+            <a:extLst>
+              <a:ext uri="{FF2B5EF4-FFF2-40B4-BE49-F238E27FC236}">
+                <a16:creationId xmlns:a16="http://schemas.microsoft.com/office/drawing/2014/main" id="{9C2D3A4E-CD9B-2F16-65A6-5F750E1EC401}"/>
+              </a:ext>
+            </a:extLst>
+          </p:cNvPr>
+          <p:cNvSpPr txBox="1"/>
+          <p:nvPr/>
+        </p:nvSpPr>
+        <p:spPr>
+          <a:xfrm>
+            <a:off x="3912362" y="1153099"/>
+            <a:ext cx="1431802" cy="246221"/>
+          </a:xfrm>
+          <a:prstGeom prst="rect">
+            <a:avLst/>
+          </a:prstGeom>
+          <a:noFill/>
+        </p:spPr>
+        <p:txBody>
+          <a:bodyPr wrap="none" rtlCol="0">
+            <a:spAutoFit/>
+          </a:bodyPr>
+          <a:lstStyle/>
+          <a:p>
+            <a:r>
+              <a:rPr lang="en-US" sz="1000" dirty="0">
+                <a:solidFill>
+                  <a:schemeClr val="accent1"/>
+                </a:solidFill>
+              </a:rPr>
+              <a:t>class </a:t>
+            </a:r>
+            <a:r>
+              <a:rPr lang="en-US" sz="1000" dirty="0" err="1">
+                <a:solidFill>
+                  <a:schemeClr val="accent1"/>
+                </a:solidFill>
+              </a:rPr>
+              <a:t>BooleanNetwork</a:t>
+            </a:r>
+            <a:endParaRPr lang="en-US" sz="1000" dirty="0">
+              <a:solidFill>
+                <a:schemeClr val="accent1"/>
+              </a:solidFill>
+            </a:endParaRPr>
+          </a:p>
+        </p:txBody>
+      </p:sp>
+      <p:sp>
+        <p:nvSpPr>
+          <p:cNvPr id="9" name="TextBox 8">
+            <a:extLst>
+              <a:ext uri="{FF2B5EF4-FFF2-40B4-BE49-F238E27FC236}">
+                <a16:creationId xmlns:a16="http://schemas.microsoft.com/office/drawing/2014/main" id="{530460BE-3EB7-DDD9-1615-745592F348E6}"/>
+              </a:ext>
+            </a:extLst>
+          </p:cNvPr>
+          <p:cNvSpPr txBox="1"/>
+          <p:nvPr/>
+        </p:nvSpPr>
+        <p:spPr>
+          <a:xfrm>
+            <a:off x="715476" y="1153100"/>
+            <a:ext cx="1454244" cy="246221"/>
+          </a:xfrm>
+          <a:prstGeom prst="rect">
+            <a:avLst/>
+          </a:prstGeom>
+          <a:noFill/>
+        </p:spPr>
+        <p:txBody>
+          <a:bodyPr wrap="none" rtlCol="0">
+            <a:spAutoFit/>
+          </a:bodyPr>
+          <a:lstStyle/>
+          <a:p>
+            <a:r>
+              <a:rPr lang="en-US" sz="1000" dirty="0">
+                <a:solidFill>
+                  <a:schemeClr val="accent1"/>
+                </a:solidFill>
+              </a:rPr>
+              <a:t>class </a:t>
+            </a:r>
+            <a:r>
+              <a:rPr lang="en-US" sz="1000" dirty="0" err="1">
+                <a:solidFill>
+                  <a:schemeClr val="accent1"/>
+                </a:solidFill>
+              </a:rPr>
+              <a:t>BooleanFunction</a:t>
+            </a:r>
+            <a:endParaRPr lang="en-US" sz="1000" dirty="0">
+              <a:solidFill>
+                <a:schemeClr val="accent1"/>
+              </a:solidFill>
+            </a:endParaRPr>
+          </a:p>
+        </p:txBody>
+      </p:sp>
+      <p:sp>
+        <p:nvSpPr>
+          <p:cNvPr id="14" name="TextBox 13">
+            <a:extLst>
+              <a:ext uri="{FF2B5EF4-FFF2-40B4-BE49-F238E27FC236}">
+                <a16:creationId xmlns:a16="http://schemas.microsoft.com/office/drawing/2014/main" id="{64715B86-B7FF-611D-0EC6-4ACE7C5D2932}"/>
+              </a:ext>
+            </a:extLst>
+          </p:cNvPr>
+          <p:cNvSpPr txBox="1"/>
+          <p:nvPr/>
+        </p:nvSpPr>
+        <p:spPr>
+          <a:xfrm>
+            <a:off x="5084467" y="2641880"/>
+            <a:ext cx="1279037" cy="544830"/>
+          </a:xfrm>
+          <a:prstGeom prst="roundRect">
+            <a:avLst/>
+          </a:prstGeom>
+        </p:spPr>
+        <p:style>
+          <a:lnRef idx="2">
+            <a:schemeClr val="accent1"/>
+          </a:lnRef>
+          <a:fillRef idx="1">
+            <a:schemeClr val="lt1"/>
+          </a:fillRef>
+          <a:effectRef idx="0">
+            <a:schemeClr val="accent1"/>
+          </a:effectRef>
+          <a:fontRef idx="minor">
+            <a:schemeClr val="dk1"/>
+          </a:fontRef>
+        </p:style>
+        <p:txBody>
+          <a:bodyPr wrap="square" rtlCol="0">
+            <a:spAutoFit/>
+          </a:bodyPr>
+          <a:lstStyle/>
+          <a:p>
+            <a:r>
+              <a:rPr lang="en-US" sz="1000" dirty="0"/>
+              <a:t>6. Interoperability</a:t>
+            </a:r>
+          </a:p>
+          <a:p>
+            <a:r>
+              <a:rPr lang="en-US" sz="800" dirty="0"/>
+              <a:t>Export/Import </a:t>
+            </a:r>
+            <a:r>
+              <a:rPr lang="en-US" sz="800" dirty="0">
+                <a:sym typeface="Wingdings" pitchFamily="2" charset="2"/>
+              </a:rPr>
+              <a:t></a:t>
+            </a:r>
+            <a:br>
+              <a:rPr lang="en-US" sz="800" dirty="0">
+                <a:sym typeface="Wingdings" pitchFamily="2" charset="2"/>
+              </a:rPr>
+            </a:br>
+            <a:r>
+              <a:rPr lang="en-US" sz="800" dirty="0">
+                <a:sym typeface="Wingdings" pitchFamily="2" charset="2"/>
+              </a:rPr>
+              <a:t>CANA, </a:t>
+            </a:r>
+            <a:r>
+              <a:rPr lang="en-US" sz="800" dirty="0" err="1">
+                <a:sym typeface="Wingdings" pitchFamily="2" charset="2"/>
+              </a:rPr>
+              <a:t>PyBoolNet</a:t>
+            </a:r>
+            <a:r>
+              <a:rPr lang="en-US" sz="800" dirty="0">
+                <a:sym typeface="Wingdings" pitchFamily="2" charset="2"/>
+              </a:rPr>
+              <a:t>, …</a:t>
+            </a:r>
+            <a:endParaRPr lang="en-US" sz="800" dirty="0"/>
+          </a:p>
+        </p:txBody>
+      </p:sp>
+      <p:cxnSp>
+        <p:nvCxnSpPr>
+          <p:cNvPr id="15" name="Straight Arrow Connector 14">
+            <a:extLst>
+              <a:ext uri="{FF2B5EF4-FFF2-40B4-BE49-F238E27FC236}">
+                <a16:creationId xmlns:a16="http://schemas.microsoft.com/office/drawing/2014/main" id="{4F164AEA-7EA9-8E24-5FA2-BB0FEB00F400}"/>
+              </a:ext>
+            </a:extLst>
+          </p:cNvPr>
+          <p:cNvCxnSpPr>
+            <a:cxnSpLocks/>
+            <a:endCxn id="14" idx="0"/>
+          </p:cNvCxnSpPr>
+          <p:nvPr/>
+        </p:nvCxnSpPr>
+        <p:spPr>
+          <a:xfrm>
+            <a:off x="5723986" y="2245519"/>
+            <a:ext cx="0" cy="396361"/>
+          </a:xfrm>
+          <a:prstGeom prst="straightConnector1">
+            <a:avLst/>
+          </a:prstGeom>
+          <a:ln>
+            <a:tailEnd type="triangle" w="lg" len="lg"/>
+          </a:ln>
+        </p:spPr>
+        <p:style>
+          <a:lnRef idx="2">
+            <a:schemeClr val="accent1"/>
+          </a:lnRef>
+          <a:fillRef idx="0">
+            <a:schemeClr val="accent1"/>
+          </a:fillRef>
+          <a:effectRef idx="1">
+            <a:schemeClr val="accent1"/>
+          </a:effectRef>
+          <a:fontRef idx="minor">
+            <a:schemeClr val="tx1"/>
+          </a:fontRef>
+        </p:style>
+      </p:cxnSp>
+      <p:cxnSp>
+        <p:nvCxnSpPr>
+          <p:cNvPr id="59" name="Straight Arrow Connector 58">
+            <a:extLst>
+              <a:ext uri="{FF2B5EF4-FFF2-40B4-BE49-F238E27FC236}">
+                <a16:creationId xmlns:a16="http://schemas.microsoft.com/office/drawing/2014/main" id="{2519C661-BC02-A57D-0B10-50C9B361B8D5}"/>
+              </a:ext>
+            </a:extLst>
+          </p:cNvPr>
+          <p:cNvCxnSpPr>
+            <a:cxnSpLocks/>
+          </p:cNvCxnSpPr>
+          <p:nvPr/>
+        </p:nvCxnSpPr>
+        <p:spPr>
+          <a:xfrm>
+            <a:off x="5743399" y="3186710"/>
+            <a:ext cx="0" cy="396361"/>
+          </a:xfrm>
+          <a:prstGeom prst="straightConnector1">
+            <a:avLst/>
+          </a:prstGeom>
+          <a:ln>
+            <a:tailEnd type="triangle" w="lg" len="lg"/>
+          </a:ln>
+        </p:spPr>
+        <p:style>
+          <a:lnRef idx="2">
+            <a:schemeClr val="accent1"/>
+          </a:lnRef>
+          <a:fillRef idx="0">
+            <a:schemeClr val="accent1"/>
+          </a:fillRef>
+          <a:effectRef idx="1">
+            <a:schemeClr val="accent1"/>
+          </a:effectRef>
+          <a:fontRef idx="minor">
+            <a:schemeClr val="tx1"/>
+          </a:fontRef>
+        </p:style>
+      </p:cxnSp>
+    </p:spTree>
+    <p:extLst>
+      <p:ext uri="{BB962C8B-B14F-4D97-AF65-F5344CB8AC3E}">
+        <p14:creationId xmlns:p14="http://schemas.microsoft.com/office/powerpoint/2010/main" val="3842302640"/>
       </p:ext>
     </p:extLst>
   </p:cSld>

--- a/paper/figures.pptx
+++ b/paper/figures.pptx
@@ -110,7 +110,129 @@
       </a:defRPr>
     </a:lvl9pPr>
   </p:defaultTextStyle>
+  <p:extLst>
+    <p:ext uri="{EFAFB233-063F-42B5-8137-9DF3F51BA10A}">
+      <p15:sldGuideLst xmlns:p15="http://schemas.microsoft.com/office/powerpoint/2012/main"/>
+    </p:ext>
+  </p:extLst>
 </p:presentation>
+</file>
+
+<file path=ppt/revisionInfo.xml><?xml version="1.0" encoding="utf-8"?>
+<p1510:revInfo xmlns:a="http://schemas.openxmlformats.org/drawingml/2006/main" xmlns:r="http://schemas.openxmlformats.org/officeDocument/2006/relationships" xmlns:p1510="http://schemas.microsoft.com/office/powerpoint/2015/10/main">
+  <p1510:revLst>
+    <p1510:client id="{58176077-7511-DA4D-8290-77F28AB65BEC}" v="4" dt="2026-02-10T05:59:23.904"/>
+  </p1510:revLst>
+</p1510:revInfo>
+</file>
+
+<file path=ppt/changesInfos/changesInfo1.xml><?xml version="1.0" encoding="utf-8"?>
+<pc:chgInfo xmlns:a="http://schemas.openxmlformats.org/drawingml/2006/main" xmlns:r="http://schemas.openxmlformats.org/officeDocument/2006/relationships" xmlns:ac="http://schemas.microsoft.com/office/drawing/2013/main/command" xmlns:pc="http://schemas.microsoft.com/office/powerpoint/2013/main/command">
+  <pc:docChgLst>
+    <pc:chgData name="Kadelka, Claus [MATH]" userId="3587954921_tp_box_2" providerId="OAuth2" clId="{3A5D34D3-13CC-588F-87D8-4157F9E149E9}"/>
+    <pc:docChg chg="undo custSel modSld">
+      <pc:chgData name="Kadelka, Claus [MATH]" userId="3587954921_tp_box_2" providerId="OAuth2" clId="{3A5D34D3-13CC-588F-87D8-4157F9E149E9}" dt="2026-02-10T05:59:23.904" v="67"/>
+      <pc:docMkLst>
+        <pc:docMk/>
+      </pc:docMkLst>
+      <pc:sldChg chg="modSp mod">
+        <pc:chgData name="Kadelka, Claus [MATH]" userId="3587954921_tp_box_2" providerId="OAuth2" clId="{3A5D34D3-13CC-588F-87D8-4157F9E149E9}" dt="2026-02-10T05:59:23.904" v="67"/>
+        <pc:sldMkLst>
+          <pc:docMk/>
+          <pc:sldMk cId="3842302640" sldId="262"/>
+        </pc:sldMkLst>
+        <pc:spChg chg="mod">
+          <ac:chgData name="Kadelka, Claus [MATH]" userId="3587954921_tp_box_2" providerId="OAuth2" clId="{3A5D34D3-13CC-588F-87D8-4157F9E149E9}" dt="2026-02-10T05:55:03.707" v="33" actId="20577"/>
+          <ac:spMkLst>
+            <pc:docMk/>
+            <pc:sldMk cId="3842302640" sldId="262"/>
+            <ac:spMk id="4" creationId="{1DAA9EE6-11C5-A0A4-93B4-2D2087196CC4}"/>
+          </ac:spMkLst>
+        </pc:spChg>
+        <pc:spChg chg="mod">
+          <ac:chgData name="Kadelka, Claus [MATH]" userId="3587954921_tp_box_2" providerId="OAuth2" clId="{3A5D34D3-13CC-588F-87D8-4157F9E149E9}" dt="2026-02-10T05:54:43.476" v="30" actId="20577"/>
+          <ac:spMkLst>
+            <pc:docMk/>
+            <pc:sldMk cId="3842302640" sldId="262"/>
+            <ac:spMk id="5" creationId="{AA2A4C3D-B737-AE2F-71F6-77FDC7733A53}"/>
+          </ac:spMkLst>
+        </pc:spChg>
+        <pc:spChg chg="mod">
+          <ac:chgData name="Kadelka, Claus [MATH]" userId="3587954921_tp_box_2" providerId="OAuth2" clId="{3A5D34D3-13CC-588F-87D8-4157F9E149E9}" dt="2026-02-10T05:59:23.904" v="67"/>
+          <ac:spMkLst>
+            <pc:docMk/>
+            <pc:sldMk cId="3842302640" sldId="262"/>
+            <ac:spMk id="6" creationId="{3F12174E-88D6-19D5-3E11-09A4E62118FD}"/>
+          </ac:spMkLst>
+        </pc:spChg>
+        <pc:spChg chg="mod">
+          <ac:chgData name="Kadelka, Claus [MATH]" userId="3587954921_tp_box_2" providerId="OAuth2" clId="{3A5D34D3-13CC-588F-87D8-4157F9E149E9}" dt="2026-02-10T05:55:28.436" v="38" actId="14100"/>
+          <ac:spMkLst>
+            <pc:docMk/>
+            <pc:sldMk cId="3842302640" sldId="262"/>
+            <ac:spMk id="7" creationId="{8E32BCFE-5A74-DD22-B5A0-DF806E4478F3}"/>
+          </ac:spMkLst>
+        </pc:spChg>
+        <pc:spChg chg="mod">
+          <ac:chgData name="Kadelka, Claus [MATH]" userId="3587954921_tp_box_2" providerId="OAuth2" clId="{3A5D34D3-13CC-588F-87D8-4157F9E149E9}" dt="2026-02-10T05:54:11.731" v="19" actId="20577"/>
+          <ac:spMkLst>
+            <pc:docMk/>
+            <pc:sldMk cId="3842302640" sldId="262"/>
+            <ac:spMk id="8" creationId="{82D1E615-0133-8E7A-494F-891A03D4F713}"/>
+          </ac:spMkLst>
+        </pc:spChg>
+        <pc:spChg chg="mod">
+          <ac:chgData name="Kadelka, Claus [MATH]" userId="3587954921_tp_box_2" providerId="OAuth2" clId="{3A5D34D3-13CC-588F-87D8-4157F9E149E9}" dt="2026-02-10T05:53:59.593" v="14" actId="20577"/>
+          <ac:spMkLst>
+            <pc:docMk/>
+            <pc:sldMk cId="3842302640" sldId="262"/>
+            <ac:spMk id="14" creationId="{64715B86-B7FF-611D-0EC6-4ACE7C5D2932}"/>
+          </ac:spMkLst>
+        </pc:spChg>
+        <pc:spChg chg="mod">
+          <ac:chgData name="Kadelka, Claus [MATH]" userId="3587954921_tp_box_2" providerId="OAuth2" clId="{3A5D34D3-13CC-588F-87D8-4157F9E149E9}" dt="2026-02-10T05:55:35.647" v="40" actId="14100"/>
+          <ac:spMkLst>
+            <pc:docMk/>
+            <pc:sldMk cId="3842302640" sldId="262"/>
+            <ac:spMk id="64" creationId="{C7F4E4D2-E099-F81C-A05E-4DDB135E817C}"/>
+          </ac:spMkLst>
+        </pc:spChg>
+        <pc:cxnChg chg="mod">
+          <ac:chgData name="Kadelka, Claus [MATH]" userId="3587954921_tp_box_2" providerId="OAuth2" clId="{3A5D34D3-13CC-588F-87D8-4157F9E149E9}" dt="2026-02-10T05:54:28.558" v="21" actId="20578"/>
+          <ac:cxnSpMkLst>
+            <pc:docMk/>
+            <pc:sldMk cId="3842302640" sldId="262"/>
+            <ac:cxnSpMk id="11" creationId="{06148DE3-88FE-2E45-57BC-6D81D3479281}"/>
+          </ac:cxnSpMkLst>
+        </pc:cxnChg>
+        <pc:cxnChg chg="mod">
+          <ac:chgData name="Kadelka, Claus [MATH]" userId="3587954921_tp_box_2" providerId="OAuth2" clId="{3A5D34D3-13CC-588F-87D8-4157F9E149E9}" dt="2026-02-10T05:55:28.436" v="38" actId="14100"/>
+          <ac:cxnSpMkLst>
+            <pc:docMk/>
+            <pc:sldMk cId="3842302640" sldId="262"/>
+            <ac:cxnSpMk id="22" creationId="{4943056B-8E7C-22AC-384B-F6BFEC18C1FA}"/>
+          </ac:cxnSpMkLst>
+        </pc:cxnChg>
+        <pc:cxnChg chg="mod">
+          <ac:chgData name="Kadelka, Claus [MATH]" userId="3587954921_tp_box_2" providerId="OAuth2" clId="{3A5D34D3-13CC-588F-87D8-4157F9E149E9}" dt="2026-02-10T05:59:23.904" v="67"/>
+          <ac:cxnSpMkLst>
+            <pc:docMk/>
+            <pc:sldMk cId="3842302640" sldId="262"/>
+            <ac:cxnSpMk id="25" creationId="{3800CD7F-F1D7-D141-A669-1C1E7121E604}"/>
+          </ac:cxnSpMkLst>
+        </pc:cxnChg>
+        <pc:cxnChg chg="mod">
+          <ac:chgData name="Kadelka, Claus [MATH]" userId="3587954921_tp_box_2" providerId="OAuth2" clId="{3A5D34D3-13CC-588F-87D8-4157F9E149E9}" dt="2026-02-10T05:54:28.558" v="21" actId="20578"/>
+          <ac:cxnSpMkLst>
+            <pc:docMk/>
+            <pc:sldMk cId="3842302640" sldId="262"/>
+            <ac:cxnSpMk id="30" creationId="{B4D7F1A8-D56F-696A-F251-AB5438B83349}"/>
+          </ac:cxnSpMkLst>
+        </pc:cxnChg>
+      </pc:sldChg>
+    </pc:docChg>
+  </pc:docChgLst>
+</pc:chgInfo>
 </file>
 
 <file path=ppt/slideLayouts/slideLayout1.xml><?xml version="1.0" encoding="utf-8"?>
@@ -260,7 +382,7 @@
           <a:p>
             <a:fld id="{ABBB5E58-55BA-1E41-8676-D73EB213C571}" type="datetimeFigureOut">
               <a:rPr lang="en-US" smtClean="0"/>
-              <a:t>8/21/25</a:t>
+              <a:t>2/9/26</a:t>
             </a:fld>
             <a:endParaRPr lang="en-US"/>
           </a:p>
@@ -458,7 +580,7 @@
           <a:p>
             <a:fld id="{ABBB5E58-55BA-1E41-8676-D73EB213C571}" type="datetimeFigureOut">
               <a:rPr lang="en-US" smtClean="0"/>
-              <a:t>8/21/25</a:t>
+              <a:t>2/9/26</a:t>
             </a:fld>
             <a:endParaRPr lang="en-US"/>
           </a:p>
@@ -666,7 +788,7 @@
           <a:p>
             <a:fld id="{ABBB5E58-55BA-1E41-8676-D73EB213C571}" type="datetimeFigureOut">
               <a:rPr lang="en-US" smtClean="0"/>
-              <a:t>8/21/25</a:t>
+              <a:t>2/9/26</a:t>
             </a:fld>
             <a:endParaRPr lang="en-US"/>
           </a:p>
@@ -864,7 +986,7 @@
           <a:p>
             <a:fld id="{ABBB5E58-55BA-1E41-8676-D73EB213C571}" type="datetimeFigureOut">
               <a:rPr lang="en-US" smtClean="0"/>
-              <a:t>8/21/25</a:t>
+              <a:t>2/9/26</a:t>
             </a:fld>
             <a:endParaRPr lang="en-US"/>
           </a:p>
@@ -1139,7 +1261,7 @@
           <a:p>
             <a:fld id="{ABBB5E58-55BA-1E41-8676-D73EB213C571}" type="datetimeFigureOut">
               <a:rPr lang="en-US" smtClean="0"/>
-              <a:t>8/21/25</a:t>
+              <a:t>2/9/26</a:t>
             </a:fld>
             <a:endParaRPr lang="en-US"/>
           </a:p>
@@ -1404,7 +1526,7 @@
           <a:p>
             <a:fld id="{ABBB5E58-55BA-1E41-8676-D73EB213C571}" type="datetimeFigureOut">
               <a:rPr lang="en-US" smtClean="0"/>
-              <a:t>8/21/25</a:t>
+              <a:t>2/9/26</a:t>
             </a:fld>
             <a:endParaRPr lang="en-US"/>
           </a:p>
@@ -1816,7 +1938,7 @@
           <a:p>
             <a:fld id="{ABBB5E58-55BA-1E41-8676-D73EB213C571}" type="datetimeFigureOut">
               <a:rPr lang="en-US" smtClean="0"/>
-              <a:t>8/21/25</a:t>
+              <a:t>2/9/26</a:t>
             </a:fld>
             <a:endParaRPr lang="en-US"/>
           </a:p>
@@ -1957,7 +2079,7 @@
           <a:p>
             <a:fld id="{ABBB5E58-55BA-1E41-8676-D73EB213C571}" type="datetimeFigureOut">
               <a:rPr lang="en-US" smtClean="0"/>
-              <a:t>8/21/25</a:t>
+              <a:t>2/9/26</a:t>
             </a:fld>
             <a:endParaRPr lang="en-US"/>
           </a:p>
@@ -2070,7 +2192,7 @@
           <a:p>
             <a:fld id="{ABBB5E58-55BA-1E41-8676-D73EB213C571}" type="datetimeFigureOut">
               <a:rPr lang="en-US" smtClean="0"/>
-              <a:t>8/21/25</a:t>
+              <a:t>2/9/26</a:t>
             </a:fld>
             <a:endParaRPr lang="en-US"/>
           </a:p>
@@ -2381,7 +2503,7 @@
           <a:p>
             <a:fld id="{ABBB5E58-55BA-1E41-8676-D73EB213C571}" type="datetimeFigureOut">
               <a:rPr lang="en-US" smtClean="0"/>
-              <a:t>8/21/25</a:t>
+              <a:t>2/9/26</a:t>
             </a:fld>
             <a:endParaRPr lang="en-US"/>
           </a:p>
@@ -2669,7 +2791,7 @@
           <a:p>
             <a:fld id="{ABBB5E58-55BA-1E41-8676-D73EB213C571}" type="datetimeFigureOut">
               <a:rPr lang="en-US" smtClean="0"/>
-              <a:t>8/21/25</a:t>
+              <a:t>2/9/26</a:t>
             </a:fld>
             <a:endParaRPr lang="en-US"/>
           </a:p>
@@ -2910,7 +3032,7 @@
           <a:p>
             <a:fld id="{ABBB5E58-55BA-1E41-8676-D73EB213C571}" type="datetimeFigureOut">
               <a:rPr lang="en-US" smtClean="0"/>
-              <a:t>8/21/25</a:t>
+              <a:t>2/9/26</a:t>
             </a:fld>
             <a:endParaRPr lang="en-US"/>
           </a:p>
@@ -8103,13 +8225,13 @@
           <a:p>
             <a:r>
               <a:rPr lang="en-US" sz="1000" dirty="0"/>
-              <a:t>1. Random Boolean Function Generators</a:t>
+              <a:t>Random Boolean Function Generators</a:t>
             </a:r>
           </a:p>
           <a:p>
             <a:r>
               <a:rPr lang="en-US" sz="800" dirty="0" err="1"/>
-              <a:t>random_non_degenerated_function</a:t>
+              <a:t>random_non_degenerate_function</a:t>
             </a:r>
             <a:r>
               <a:rPr lang="en-US" sz="800" dirty="0"/>
@@ -8195,7 +8317,7 @@
           <a:p>
             <a:r>
               <a:rPr lang="en-US" sz="1000" dirty="0"/>
-              <a:t>3. Boolean Function Analysis</a:t>
+              <a:t>Boolean Function Analysis</a:t>
             </a:r>
           </a:p>
           <a:p>
@@ -8219,7 +8341,7 @@
           <a:p>
             <a:r>
               <a:rPr lang="en-US" sz="800" dirty="0" err="1"/>
-              <a:t>is_degenerated</a:t>
+              <a:t>is_degenerate</a:t>
             </a:r>
             <a:r>
               <a:rPr lang="en-US" sz="800" dirty="0"/>
@@ -8227,7 +8349,7 @@
             </a:r>
             <a:r>
               <a:rPr lang="en-US" sz="800" dirty="0" err="1"/>
-              <a:t>get_sensitivity</a:t>
+              <a:t>get_average_sensitivity</a:t>
             </a:r>
             <a:r>
               <a:rPr lang="en-US" sz="800" dirty="0"/>
@@ -8321,7 +8443,7 @@
           <a:p>
             <a:r>
               <a:rPr lang="en-US" sz="1000" dirty="0"/>
-              <a:t>4. Boolean Network Analysis</a:t>
+              <a:t>Boolean Network Analysis</a:t>
             </a:r>
           </a:p>
           <a:p>
@@ -8347,7 +8469,7 @@
           <a:p>
             <a:r>
               <a:rPr lang="en-US" sz="800" dirty="0" err="1"/>
-              <a:t>get_modular_structure</a:t>
+              <a:t>get_types_of_regulation</a:t>
             </a:r>
             <a:r>
               <a:rPr lang="en-US" sz="800" dirty="0"/>
@@ -8357,7 +8479,7 @@
           <a:p>
             <a:r>
               <a:rPr lang="en-US" sz="800" dirty="0" err="1"/>
-              <a:t>get_edge_controlled_network</a:t>
+              <a:t>get_ffls</a:t>
             </a:r>
             <a:r>
               <a:rPr lang="en-US" sz="800" dirty="0"/>
@@ -8386,8 +8508,8 @@
         </p:nvSpPr>
         <p:spPr>
           <a:xfrm>
-            <a:off x="3825048" y="1428274"/>
-            <a:ext cx="2538465" cy="817245"/>
+            <a:off x="3825049" y="1428274"/>
+            <a:ext cx="2538456" cy="817245"/>
           </a:xfrm>
           <a:prstGeom prst="roundRect">
             <a:avLst/>
@@ -8415,13 +8537,13 @@
           <a:p>
             <a:r>
               <a:rPr lang="en-US" sz="1000" dirty="0"/>
-              <a:t>2. Random Boolean Network Generators</a:t>
-            </a:r>
-          </a:p>
-          <a:p>
-            <a:r>
-              <a:rPr lang="en-US" sz="800" dirty="0"/>
-              <a:t>Generate random Boolean networks of defined size, degree distribution, canalizing depth or layer structure, bias, …</a:t>
+              <a:t>Random Boolean Network Generators</a:t>
+            </a:r>
+          </a:p>
+          <a:p>
+            <a:r>
+              <a:rPr lang="en-US" sz="800" dirty="0"/>
+              <a:t>Generate random Boolean networks of defined size, degree distribution, canalizing depth, layer structure, bias, …</a:t>
             </a:r>
           </a:p>
           <a:p>
@@ -8472,7 +8594,7 @@
           <a:p>
             <a:r>
               <a:rPr lang="en-US" sz="1000" dirty="0"/>
-              <a:t>5. Ensemble experiments</a:t>
+              <a:t>Ensemble Experiments</a:t>
             </a:r>
           </a:p>
           <a:p>
@@ -8592,7 +8714,7 @@
         <p:spPr>
           <a:xfrm>
             <a:off x="3178970" y="1836897"/>
-            <a:ext cx="646078" cy="0"/>
+            <a:ext cx="646079" cy="0"/>
           </a:xfrm>
           <a:prstGeom prst="straightConnector1">
             <a:avLst/>
@@ -8972,7 +9094,7 @@
           <a:p>
             <a:r>
               <a:rPr lang="en-US" sz="1000" dirty="0"/>
-              <a:t>6. Interoperability</a:t>
+              <a:t>Interoperability</a:t>
             </a:r>
           </a:p>
           <a:p>

--- a/paper/figures.pptx
+++ b/paper/figures.pptx
@@ -12,6 +12,8 @@
     <p:sldId id="260" r:id="rId6"/>
     <p:sldId id="261" r:id="rId7"/>
     <p:sldId id="262" r:id="rId8"/>
+    <p:sldId id="263" r:id="rId9"/>
+    <p:sldId id="264" r:id="rId10"/>
   </p:sldIdLst>
   <p:sldSz cx="12192000" cy="6858000"/>
   <p:notesSz cx="6858000" cy="9144000"/>
@@ -121,7 +123,7 @@
 <file path=ppt/revisionInfo.xml><?xml version="1.0" encoding="utf-8"?>
 <p1510:revInfo xmlns:a="http://schemas.openxmlformats.org/drawingml/2006/main" xmlns:r="http://schemas.openxmlformats.org/officeDocument/2006/relationships" xmlns:p1510="http://schemas.microsoft.com/office/powerpoint/2015/10/main">
   <p1510:revLst>
-    <p1510:client id="{58176077-7511-DA4D-8290-77F28AB65BEC}" v="4" dt="2026-02-10T05:59:23.904"/>
+    <p1510:client id="{58176077-7511-DA4D-8290-77F28AB65BEC}" v="13" dt="2026-02-13T16:12:08.089"/>
   </p1510:revLst>
 </p1510:revInfo>
 </file>
@@ -130,8 +132,8 @@
 <pc:chgInfo xmlns:a="http://schemas.openxmlformats.org/drawingml/2006/main" xmlns:r="http://schemas.openxmlformats.org/officeDocument/2006/relationships" xmlns:ac="http://schemas.microsoft.com/office/drawing/2013/main/command" xmlns:pc="http://schemas.microsoft.com/office/powerpoint/2013/main/command">
   <pc:docChgLst>
     <pc:chgData name="Kadelka, Claus [MATH]" userId="3587954921_tp_box_2" providerId="OAuth2" clId="{3A5D34D3-13CC-588F-87D8-4157F9E149E9}"/>
-    <pc:docChg chg="undo custSel modSld">
-      <pc:chgData name="Kadelka, Claus [MATH]" userId="3587954921_tp_box_2" providerId="OAuth2" clId="{3A5D34D3-13CC-588F-87D8-4157F9E149E9}" dt="2026-02-10T05:59:23.904" v="67"/>
+    <pc:docChg chg="undo custSel addSld modSld">
+      <pc:chgData name="Kadelka, Claus [MATH]" userId="3587954921_tp_box_2" providerId="OAuth2" clId="{3A5D34D3-13CC-588F-87D8-4157F9E149E9}" dt="2026-02-13T16:12:11.065" v="655" actId="1076"/>
       <pc:docMkLst>
         <pc:docMk/>
       </pc:docMkLst>
@@ -229,6 +231,148 @@
             <ac:cxnSpMk id="30" creationId="{B4D7F1A8-D56F-696A-F251-AB5438B83349}"/>
           </ac:cxnSpMkLst>
         </pc:cxnChg>
+      </pc:sldChg>
+      <pc:sldChg chg="modSp add mod">
+        <pc:chgData name="Kadelka, Claus [MATH]" userId="3587954921_tp_box_2" providerId="OAuth2" clId="{3A5D34D3-13CC-588F-87D8-4157F9E149E9}" dt="2026-02-13T15:57:59.965" v="545" actId="15"/>
+        <pc:sldMkLst>
+          <pc:docMk/>
+          <pc:sldMk cId="3918560306" sldId="263"/>
+        </pc:sldMkLst>
+        <pc:spChg chg="mod">
+          <ac:chgData name="Kadelka, Claus [MATH]" userId="3587954921_tp_box_2" providerId="OAuth2" clId="{3A5D34D3-13CC-588F-87D8-4157F9E149E9}" dt="2026-02-13T15:53:13.497" v="513" actId="20577"/>
+          <ac:spMkLst>
+            <pc:docMk/>
+            <pc:sldMk cId="3918560306" sldId="263"/>
+            <ac:spMk id="4" creationId="{BDC52EDB-2031-7665-3923-E5B5993B1B7A}"/>
+          </ac:spMkLst>
+        </pc:spChg>
+        <pc:spChg chg="mod">
+          <ac:chgData name="Kadelka, Claus [MATH]" userId="3587954921_tp_box_2" providerId="OAuth2" clId="{3A5D34D3-13CC-588F-87D8-4157F9E149E9}" dt="2026-02-13T15:52:19.945" v="477" actId="14100"/>
+          <ac:spMkLst>
+            <pc:docMk/>
+            <pc:sldMk cId="3918560306" sldId="263"/>
+            <ac:spMk id="5" creationId="{7B0391BC-A567-4AA6-B146-24F684DC7C4B}"/>
+          </ac:spMkLst>
+        </pc:spChg>
+        <pc:spChg chg="mod">
+          <ac:chgData name="Kadelka, Claus [MATH]" userId="3587954921_tp_box_2" providerId="OAuth2" clId="{3A5D34D3-13CC-588F-87D8-4157F9E149E9}" dt="2026-02-13T15:54:15.372" v="544" actId="20577"/>
+          <ac:spMkLst>
+            <pc:docMk/>
+            <pc:sldMk cId="3918560306" sldId="263"/>
+            <ac:spMk id="6" creationId="{785A3C15-DA6E-0030-3CA8-281CD248ECEE}"/>
+          </ac:spMkLst>
+        </pc:spChg>
+        <pc:spChg chg="mod">
+          <ac:chgData name="Kadelka, Claus [MATH]" userId="3587954921_tp_box_2" providerId="OAuth2" clId="{3A5D34D3-13CC-588F-87D8-4157F9E149E9}" dt="2026-02-13T15:57:59.965" v="545" actId="15"/>
+          <ac:spMkLst>
+            <pc:docMk/>
+            <pc:sldMk cId="3918560306" sldId="263"/>
+            <ac:spMk id="7" creationId="{5DCA17D7-E1C9-6887-5A39-5E13A8559D88}"/>
+          </ac:spMkLst>
+        </pc:spChg>
+        <pc:spChg chg="mod">
+          <ac:chgData name="Kadelka, Claus [MATH]" userId="3587954921_tp_box_2" providerId="OAuth2" clId="{3A5D34D3-13CC-588F-87D8-4157F9E149E9}" dt="2026-02-13T15:53:38.794" v="516" actId="1076"/>
+          <ac:spMkLst>
+            <pc:docMk/>
+            <pc:sldMk cId="3918560306" sldId="263"/>
+            <ac:spMk id="8" creationId="{92DE0923-6F4C-9C47-EB15-6B708E8D13B7}"/>
+          </ac:spMkLst>
+        </pc:spChg>
+        <pc:cxnChg chg="mod">
+          <ac:chgData name="Kadelka, Claus [MATH]" userId="3587954921_tp_box_2" providerId="OAuth2" clId="{3A5D34D3-13CC-588F-87D8-4157F9E149E9}" dt="2026-02-13T15:52:19.945" v="477" actId="14100"/>
+          <ac:cxnSpMkLst>
+            <pc:docMk/>
+            <pc:sldMk cId="3918560306" sldId="263"/>
+            <ac:cxnSpMk id="11" creationId="{AF089599-FBE1-9120-0B48-5B67E543806C}"/>
+          </ac:cxnSpMkLst>
+        </pc:cxnChg>
+        <pc:cxnChg chg="mod">
+          <ac:chgData name="Kadelka, Claus [MATH]" userId="3587954921_tp_box_2" providerId="OAuth2" clId="{3A5D34D3-13CC-588F-87D8-4157F9E149E9}" dt="2026-02-13T15:57:59.965" v="545" actId="15"/>
+          <ac:cxnSpMkLst>
+            <pc:docMk/>
+            <pc:sldMk cId="3918560306" sldId="263"/>
+            <ac:cxnSpMk id="22" creationId="{C92BEAD4-AB3F-F6AD-6CDA-BED74B79A387}"/>
+          </ac:cxnSpMkLst>
+        </pc:cxnChg>
+        <pc:cxnChg chg="mod">
+          <ac:chgData name="Kadelka, Claus [MATH]" userId="3587954921_tp_box_2" providerId="OAuth2" clId="{3A5D34D3-13CC-588F-87D8-4157F9E149E9}" dt="2026-02-13T15:54:06.473" v="539" actId="20577"/>
+          <ac:cxnSpMkLst>
+            <pc:docMk/>
+            <pc:sldMk cId="3918560306" sldId="263"/>
+            <ac:cxnSpMk id="25" creationId="{5EDDB56A-C114-C385-569F-409B01C198DC}"/>
+          </ac:cxnSpMkLst>
+        </pc:cxnChg>
+        <pc:cxnChg chg="mod">
+          <ac:chgData name="Kadelka, Claus [MATH]" userId="3587954921_tp_box_2" providerId="OAuth2" clId="{3A5D34D3-13CC-588F-87D8-4157F9E149E9}" dt="2026-02-13T15:52:14.586" v="476" actId="14100"/>
+          <ac:cxnSpMkLst>
+            <pc:docMk/>
+            <pc:sldMk cId="3918560306" sldId="263"/>
+            <ac:cxnSpMk id="27" creationId="{BBF53E0A-B02D-112A-A7D2-4396469776D2}"/>
+          </ac:cxnSpMkLst>
+        </pc:cxnChg>
+        <pc:cxnChg chg="mod">
+          <ac:chgData name="Kadelka, Claus [MATH]" userId="3587954921_tp_box_2" providerId="OAuth2" clId="{3A5D34D3-13CC-588F-87D8-4157F9E149E9}" dt="2026-02-13T15:52:19.945" v="477" actId="14100"/>
+          <ac:cxnSpMkLst>
+            <pc:docMk/>
+            <pc:sldMk cId="3918560306" sldId="263"/>
+            <ac:cxnSpMk id="30" creationId="{5B489A06-47F0-6FF0-18B3-04BCBBF9F369}"/>
+          </ac:cxnSpMkLst>
+        </pc:cxnChg>
+      </pc:sldChg>
+      <pc:sldChg chg="addSp modSp add mod">
+        <pc:chgData name="Kadelka, Claus [MATH]" userId="3587954921_tp_box_2" providerId="OAuth2" clId="{3A5D34D3-13CC-588F-87D8-4157F9E149E9}" dt="2026-02-13T16:12:11.065" v="655" actId="1076"/>
+        <pc:sldMkLst>
+          <pc:docMk/>
+          <pc:sldMk cId="1824653240" sldId="264"/>
+        </pc:sldMkLst>
+        <pc:spChg chg="add mod">
+          <ac:chgData name="Kadelka, Claus [MATH]" userId="3587954921_tp_box_2" providerId="OAuth2" clId="{3A5D34D3-13CC-588F-87D8-4157F9E149E9}" dt="2026-02-13T16:12:03.886" v="653" actId="1076"/>
+          <ac:spMkLst>
+            <pc:docMk/>
+            <pc:sldMk cId="1824653240" sldId="264"/>
+            <ac:spMk id="2" creationId="{BBEF3BA4-62FE-10A2-F798-432A682F68A0}"/>
+          </ac:spMkLst>
+        </pc:spChg>
+        <pc:spChg chg="add">
+          <ac:chgData name="Kadelka, Claus [MATH]" userId="3587954921_tp_box_2" providerId="OAuth2" clId="{3A5D34D3-13CC-588F-87D8-4157F9E149E9}" dt="2026-02-13T16:07:09.399" v="563"/>
+          <ac:spMkLst>
+            <pc:docMk/>
+            <pc:sldMk cId="1824653240" sldId="264"/>
+            <ac:spMk id="13" creationId="{3D4BC458-63EF-D67C-42E7-40C425761186}"/>
+          </ac:spMkLst>
+        </pc:spChg>
+        <pc:spChg chg="add">
+          <ac:chgData name="Kadelka, Claus [MATH]" userId="3587954921_tp_box_2" providerId="OAuth2" clId="{3A5D34D3-13CC-588F-87D8-4157F9E149E9}" dt="2026-02-13T16:07:20.923" v="564"/>
+          <ac:spMkLst>
+            <pc:docMk/>
+            <pc:sldMk cId="1824653240" sldId="264"/>
+            <ac:spMk id="16" creationId="{2ACAC20C-179C-670B-8206-4900DE92CFBA}"/>
+          </ac:spMkLst>
+        </pc:spChg>
+        <pc:spChg chg="add mod">
+          <ac:chgData name="Kadelka, Claus [MATH]" userId="3587954921_tp_box_2" providerId="OAuth2" clId="{3A5D34D3-13CC-588F-87D8-4157F9E149E9}" dt="2026-02-13T16:12:03.886" v="653" actId="1076"/>
+          <ac:spMkLst>
+            <pc:docMk/>
+            <pc:sldMk cId="1824653240" sldId="264"/>
+            <ac:spMk id="17" creationId="{A6DFA139-0033-1D87-5965-1612A7046E0A}"/>
+          </ac:spMkLst>
+        </pc:spChg>
+        <pc:spChg chg="add mod">
+          <ac:chgData name="Kadelka, Claus [MATH]" userId="3587954921_tp_box_2" providerId="OAuth2" clId="{3A5D34D3-13CC-588F-87D8-4157F9E149E9}" dt="2026-02-13T16:12:03.886" v="653" actId="1076"/>
+          <ac:spMkLst>
+            <pc:docMk/>
+            <pc:sldMk cId="1824653240" sldId="264"/>
+            <ac:spMk id="18" creationId="{AAE02E2B-C70B-A642-1E2A-F43C49D2DC31}"/>
+          </ac:spMkLst>
+        </pc:spChg>
+        <pc:spChg chg="add mod">
+          <ac:chgData name="Kadelka, Claus [MATH]" userId="3587954921_tp_box_2" providerId="OAuth2" clId="{3A5D34D3-13CC-588F-87D8-4157F9E149E9}" dt="2026-02-13T16:12:11.065" v="655" actId="1076"/>
+          <ac:spMkLst>
+            <pc:docMk/>
+            <pc:sldMk cId="1824653240" sldId="264"/>
+            <ac:spMk id="19" creationId="{B127E6E4-2E41-6DC0-D66A-4CF32E7E8EBA}"/>
+          </ac:spMkLst>
+        </pc:spChg>
       </pc:sldChg>
     </pc:docChg>
   </pc:docChgLst>
@@ -9222,6 +9366,2444 @@
     <p:extLst>
       <p:ext uri="{BB962C8B-B14F-4D97-AF65-F5344CB8AC3E}">
         <p14:creationId xmlns:p14="http://schemas.microsoft.com/office/powerpoint/2010/main" val="3842302640"/>
+      </p:ext>
+    </p:extLst>
+  </p:cSld>
+  <p:clrMapOvr>
+    <a:masterClrMapping/>
+  </p:clrMapOvr>
+</p:sld>
+</file>
+
+<file path=ppt/slides/slide8.xml><?xml version="1.0" encoding="utf-8"?>
+<p:sld xmlns:a="http://schemas.openxmlformats.org/drawingml/2006/main" xmlns:r="http://schemas.openxmlformats.org/officeDocument/2006/relationships" xmlns:p="http://schemas.openxmlformats.org/presentationml/2006/main">
+  <p:cSld>
+    <p:spTree>
+      <p:nvGrpSpPr>
+        <p:cNvPr id="1" name="">
+          <a:extLst>
+            <a:ext uri="{FF2B5EF4-FFF2-40B4-BE49-F238E27FC236}">
+              <a16:creationId xmlns:a16="http://schemas.microsoft.com/office/drawing/2014/main" id="{5257EC9E-7322-44B4-DF74-47B0AD2CD101}"/>
+            </a:ext>
+          </a:extLst>
+        </p:cNvPr>
+        <p:cNvGrpSpPr/>
+        <p:nvPr/>
+      </p:nvGrpSpPr>
+      <p:grpSpPr>
+        <a:xfrm>
+          <a:off x="0" y="0"/>
+          <a:ext cx="0" cy="0"/>
+          <a:chOff x="0" y="0"/>
+          <a:chExt cx="0" cy="0"/>
+        </a:xfrm>
+      </p:grpSpPr>
+      <p:sp>
+        <p:nvSpPr>
+          <p:cNvPr id="64" name="Rounded Rectangle 63">
+            <a:extLst>
+              <a:ext uri="{FF2B5EF4-FFF2-40B4-BE49-F238E27FC236}">
+                <a16:creationId xmlns:a16="http://schemas.microsoft.com/office/drawing/2014/main" id="{07E38AE7-025E-3F1C-42EE-7EF17DAEBD02}"/>
+              </a:ext>
+            </a:extLst>
+          </p:cNvPr>
+          <p:cNvSpPr/>
+          <p:nvPr/>
+        </p:nvSpPr>
+        <p:spPr>
+          <a:xfrm>
+            <a:off x="3716309" y="1061643"/>
+            <a:ext cx="2755941" cy="3705304"/>
+          </a:xfrm>
+          <a:prstGeom prst="roundRect">
+            <a:avLst>
+              <a:gd name="adj" fmla="val 20354"/>
+            </a:avLst>
+          </a:prstGeom>
+          <a:solidFill>
+            <a:schemeClr val="tx2">
+              <a:lumMod val="10000"/>
+              <a:lumOff val="90000"/>
+              <a:alpha val="34000"/>
+            </a:schemeClr>
+          </a:solidFill>
+          <a:ln>
+            <a:noFill/>
+          </a:ln>
+        </p:spPr>
+        <p:style>
+          <a:lnRef idx="2">
+            <a:schemeClr val="accent1">
+              <a:shade val="15000"/>
+            </a:schemeClr>
+          </a:lnRef>
+          <a:fillRef idx="1">
+            <a:schemeClr val="accent1"/>
+          </a:fillRef>
+          <a:effectRef idx="0">
+            <a:schemeClr val="accent1"/>
+          </a:effectRef>
+          <a:fontRef idx="minor">
+            <a:schemeClr val="lt1"/>
+          </a:fontRef>
+        </p:style>
+        <p:txBody>
+          <a:bodyPr rtlCol="0" anchor="ctr"/>
+          <a:lstStyle/>
+          <a:p>
+            <a:pPr algn="ctr"/>
+            <a:endParaRPr lang="en-US"/>
+          </a:p>
+        </p:txBody>
+      </p:sp>
+      <p:sp>
+        <p:nvSpPr>
+          <p:cNvPr id="10" name="Rounded Rectangle 9">
+            <a:extLst>
+              <a:ext uri="{FF2B5EF4-FFF2-40B4-BE49-F238E27FC236}">
+                <a16:creationId xmlns:a16="http://schemas.microsoft.com/office/drawing/2014/main" id="{469E375E-7E20-2571-23BD-EBFDC5B52EDD}"/>
+              </a:ext>
+            </a:extLst>
+          </p:cNvPr>
+          <p:cNvSpPr/>
+          <p:nvPr/>
+        </p:nvSpPr>
+        <p:spPr>
+          <a:xfrm>
+            <a:off x="525739" y="1090217"/>
+            <a:ext cx="2755941" cy="3705304"/>
+          </a:xfrm>
+          <a:prstGeom prst="roundRect">
+            <a:avLst>
+              <a:gd name="adj" fmla="val 20354"/>
+            </a:avLst>
+          </a:prstGeom>
+          <a:solidFill>
+            <a:schemeClr val="tx2">
+              <a:lumMod val="10000"/>
+              <a:lumOff val="90000"/>
+              <a:alpha val="34000"/>
+            </a:schemeClr>
+          </a:solidFill>
+          <a:ln>
+            <a:noFill/>
+          </a:ln>
+        </p:spPr>
+        <p:style>
+          <a:lnRef idx="2">
+            <a:schemeClr val="accent1">
+              <a:shade val="15000"/>
+            </a:schemeClr>
+          </a:lnRef>
+          <a:fillRef idx="1">
+            <a:schemeClr val="accent1"/>
+          </a:fillRef>
+          <a:effectRef idx="0">
+            <a:schemeClr val="accent1"/>
+          </a:effectRef>
+          <a:fontRef idx="minor">
+            <a:schemeClr val="lt1"/>
+          </a:fontRef>
+        </p:style>
+        <p:txBody>
+          <a:bodyPr rtlCol="0" anchor="ctr"/>
+          <a:lstStyle/>
+          <a:p>
+            <a:pPr algn="ctr"/>
+            <a:endParaRPr lang="en-US"/>
+          </a:p>
+        </p:txBody>
+      </p:sp>
+      <p:sp>
+        <p:nvSpPr>
+          <p:cNvPr id="4" name="TextBox 3">
+            <a:extLst>
+              <a:ext uri="{FF2B5EF4-FFF2-40B4-BE49-F238E27FC236}">
+                <a16:creationId xmlns:a16="http://schemas.microsoft.com/office/drawing/2014/main" id="{BDC52EDB-2031-7665-3923-E5B5993B1B7A}"/>
+              </a:ext>
+            </a:extLst>
+          </p:cNvPr>
+          <p:cNvSpPr txBox="1"/>
+          <p:nvPr/>
+        </p:nvSpPr>
+        <p:spPr>
+          <a:xfrm>
+            <a:off x="640505" y="1428274"/>
+            <a:ext cx="2356083" cy="544830"/>
+          </a:xfrm>
+          <a:prstGeom prst="roundRect">
+            <a:avLst/>
+          </a:prstGeom>
+        </p:spPr>
+        <p:style>
+          <a:lnRef idx="2">
+            <a:schemeClr val="accent1"/>
+          </a:lnRef>
+          <a:fillRef idx="1">
+            <a:schemeClr val="lt1"/>
+          </a:fillRef>
+          <a:effectRef idx="0">
+            <a:schemeClr val="accent1"/>
+          </a:effectRef>
+          <a:fontRef idx="minor">
+            <a:schemeClr val="dk1"/>
+          </a:fontRef>
+        </p:style>
+        <p:txBody>
+          <a:bodyPr wrap="square" rtlCol="0">
+            <a:spAutoFit/>
+          </a:bodyPr>
+          <a:lstStyle/>
+          <a:p>
+            <a:r>
+              <a:rPr lang="en-US" sz="1000" dirty="0"/>
+              <a:t>Random Boolean Function Generators</a:t>
+            </a:r>
+          </a:p>
+          <a:p>
+            <a:r>
+              <a:rPr lang="en-US" sz="800" dirty="0"/>
+              <a:t>Sample functions with prescribed structural features uniformly at random</a:t>
+            </a:r>
+          </a:p>
+        </p:txBody>
+      </p:sp>
+      <p:sp>
+        <p:nvSpPr>
+          <p:cNvPr id="5" name="TextBox 4">
+            <a:extLst>
+              <a:ext uri="{FF2B5EF4-FFF2-40B4-BE49-F238E27FC236}">
+                <a16:creationId xmlns:a16="http://schemas.microsoft.com/office/drawing/2014/main" id="{7B0391BC-A567-4AA6-B146-24F684DC7C4B}"/>
+              </a:ext>
+            </a:extLst>
+          </p:cNvPr>
+          <p:cNvSpPr txBox="1"/>
+          <p:nvPr/>
+        </p:nvSpPr>
+        <p:spPr>
+          <a:xfrm>
+            <a:off x="640505" y="3558222"/>
+            <a:ext cx="2346954" cy="544830"/>
+          </a:xfrm>
+          <a:prstGeom prst="roundRect">
+            <a:avLst/>
+          </a:prstGeom>
+        </p:spPr>
+        <p:style>
+          <a:lnRef idx="2">
+            <a:schemeClr val="accent1"/>
+          </a:lnRef>
+          <a:fillRef idx="1">
+            <a:schemeClr val="lt1"/>
+          </a:fillRef>
+          <a:effectRef idx="0">
+            <a:schemeClr val="accent1"/>
+          </a:effectRef>
+          <a:fontRef idx="minor">
+            <a:schemeClr val="dk1"/>
+          </a:fontRef>
+        </p:style>
+        <p:txBody>
+          <a:bodyPr wrap="square" rtlCol="0">
+            <a:spAutoFit/>
+          </a:bodyPr>
+          <a:lstStyle/>
+          <a:p>
+            <a:r>
+              <a:rPr lang="en-US" sz="1000" dirty="0"/>
+              <a:t>Boolean Function Analysis</a:t>
+            </a:r>
+            <a:br>
+              <a:rPr lang="en-US" sz="1000" dirty="0"/>
+            </a:br>
+            <a:r>
+              <a:rPr lang="en-US" sz="800" dirty="0"/>
+              <a:t>canalization; collective canalization; symmetry; sensitivity; degeneracy; …</a:t>
+            </a:r>
+          </a:p>
+        </p:txBody>
+      </p:sp>
+      <p:sp>
+        <p:nvSpPr>
+          <p:cNvPr id="6" name="TextBox 5">
+            <a:extLst>
+              <a:ext uri="{FF2B5EF4-FFF2-40B4-BE49-F238E27FC236}">
+                <a16:creationId xmlns:a16="http://schemas.microsoft.com/office/drawing/2014/main" id="{785A3C15-DA6E-0030-3CA8-281CD248ECEE}"/>
+              </a:ext>
+            </a:extLst>
+          </p:cNvPr>
+          <p:cNvSpPr txBox="1"/>
+          <p:nvPr/>
+        </p:nvSpPr>
+        <p:spPr>
+          <a:xfrm>
+            <a:off x="3825048" y="3574573"/>
+            <a:ext cx="2538463" cy="544830"/>
+          </a:xfrm>
+          <a:prstGeom prst="roundRect">
+            <a:avLst/>
+          </a:prstGeom>
+        </p:spPr>
+        <p:style>
+          <a:lnRef idx="2">
+            <a:schemeClr val="accent1"/>
+          </a:lnRef>
+          <a:fillRef idx="1">
+            <a:schemeClr val="lt1"/>
+          </a:fillRef>
+          <a:effectRef idx="0">
+            <a:schemeClr val="accent1"/>
+          </a:effectRef>
+          <a:fontRef idx="minor">
+            <a:schemeClr val="dk1"/>
+          </a:fontRef>
+        </p:style>
+        <p:txBody>
+          <a:bodyPr wrap="square" rtlCol="0">
+            <a:spAutoFit/>
+          </a:bodyPr>
+          <a:lstStyle/>
+          <a:p>
+            <a:r>
+              <a:rPr lang="en-US" sz="1000" dirty="0"/>
+              <a:t>Boolean Network Analysis</a:t>
+            </a:r>
+          </a:p>
+          <a:p>
+            <a:r>
+              <a:rPr lang="en-US" sz="800" dirty="0"/>
+              <a:t>attractors under synchronous &amp; asynchronous update; network motifs; stability &amp; robustness; …</a:t>
+            </a:r>
+          </a:p>
+        </p:txBody>
+      </p:sp>
+      <p:sp>
+        <p:nvSpPr>
+          <p:cNvPr id="7" name="TextBox 6">
+            <a:extLst>
+              <a:ext uri="{FF2B5EF4-FFF2-40B4-BE49-F238E27FC236}">
+                <a16:creationId xmlns:a16="http://schemas.microsoft.com/office/drawing/2014/main" id="{5DCA17D7-E1C9-6887-5A39-5E13A8559D88}"/>
+              </a:ext>
+            </a:extLst>
+          </p:cNvPr>
+          <p:cNvSpPr txBox="1"/>
+          <p:nvPr/>
+        </p:nvSpPr>
+        <p:spPr>
+          <a:xfrm>
+            <a:off x="3825049" y="1428274"/>
+            <a:ext cx="2538456" cy="851297"/>
+          </a:xfrm>
+          <a:prstGeom prst="roundRect">
+            <a:avLst/>
+          </a:prstGeom>
+        </p:spPr>
+        <p:style>
+          <a:lnRef idx="2">
+            <a:schemeClr val="accent1"/>
+          </a:lnRef>
+          <a:fillRef idx="1">
+            <a:schemeClr val="lt1"/>
+          </a:fillRef>
+          <a:effectRef idx="0">
+            <a:schemeClr val="accent1"/>
+          </a:effectRef>
+          <a:fontRef idx="minor">
+            <a:schemeClr val="dk1"/>
+          </a:fontRef>
+        </p:style>
+        <p:txBody>
+          <a:bodyPr wrap="square" rtlCol="0">
+            <a:spAutoFit/>
+          </a:bodyPr>
+          <a:lstStyle/>
+          <a:p>
+            <a:pPr lvl="1"/>
+            <a:r>
+              <a:rPr lang="en-US" sz="1000" dirty="0"/>
+              <a:t>Random Boolean Network Generators</a:t>
+            </a:r>
+          </a:p>
+          <a:p>
+            <a:pPr lvl="1"/>
+            <a:r>
+              <a:rPr lang="en-US" sz="800" dirty="0"/>
+              <a:t>Generate random Boolean networks of defined size, degree distribution, canalizing properties, bias, …</a:t>
+            </a:r>
+          </a:p>
+        </p:txBody>
+      </p:sp>
+      <p:sp>
+        <p:nvSpPr>
+          <p:cNvPr id="8" name="TextBox 7">
+            <a:extLst>
+              <a:ext uri="{FF2B5EF4-FFF2-40B4-BE49-F238E27FC236}">
+                <a16:creationId xmlns:a16="http://schemas.microsoft.com/office/drawing/2014/main" id="{92DE0923-6F4C-9C47-EB15-6B708E8D13B7}"/>
+              </a:ext>
+            </a:extLst>
+          </p:cNvPr>
+          <p:cNvSpPr txBox="1"/>
+          <p:nvPr/>
+        </p:nvSpPr>
+        <p:spPr>
+          <a:xfrm>
+            <a:off x="2169720" y="2190509"/>
+            <a:ext cx="2538465" cy="408623"/>
+          </a:xfrm>
+          <a:prstGeom prst="roundRect">
+            <a:avLst/>
+          </a:prstGeom>
+        </p:spPr>
+        <p:style>
+          <a:lnRef idx="2">
+            <a:schemeClr val="accent1"/>
+          </a:lnRef>
+          <a:fillRef idx="1">
+            <a:schemeClr val="lt1"/>
+          </a:fillRef>
+          <a:effectRef idx="0">
+            <a:schemeClr val="accent1"/>
+          </a:effectRef>
+          <a:fontRef idx="minor">
+            <a:schemeClr val="dk1"/>
+          </a:fontRef>
+        </p:style>
+        <p:txBody>
+          <a:bodyPr wrap="square" rtlCol="0">
+            <a:spAutoFit/>
+          </a:bodyPr>
+          <a:lstStyle/>
+          <a:p>
+            <a:r>
+              <a:rPr lang="en-US" sz="1000" dirty="0"/>
+              <a:t>Ensemble Experiments</a:t>
+            </a:r>
+          </a:p>
+          <a:p>
+            <a:r>
+              <a:rPr lang="en-US" sz="800" dirty="0"/>
+              <a:t>Systematic analysis of </a:t>
+            </a:r>
+          </a:p>
+        </p:txBody>
+      </p:sp>
+      <p:cxnSp>
+        <p:nvCxnSpPr>
+          <p:cNvPr id="11" name="Straight Arrow Connector 10">
+            <a:extLst>
+              <a:ext uri="{FF2B5EF4-FFF2-40B4-BE49-F238E27FC236}">
+                <a16:creationId xmlns:a16="http://schemas.microsoft.com/office/drawing/2014/main" id="{AF089599-FBE1-9120-0B48-5B67E543806C}"/>
+              </a:ext>
+            </a:extLst>
+          </p:cNvPr>
+          <p:cNvCxnSpPr>
+            <a:cxnSpLocks/>
+            <a:stCxn id="4" idx="2"/>
+            <a:endCxn id="5" idx="0"/>
+          </p:cNvCxnSpPr>
+          <p:nvPr/>
+        </p:nvCxnSpPr>
+        <p:spPr>
+          <a:xfrm flipH="1">
+            <a:off x="1813982" y="1973104"/>
+            <a:ext cx="4565" cy="1585118"/>
+          </a:xfrm>
+          <a:prstGeom prst="straightConnector1">
+            <a:avLst/>
+          </a:prstGeom>
+          <a:ln>
+            <a:tailEnd type="triangle" w="lg" len="lg"/>
+          </a:ln>
+        </p:spPr>
+        <p:style>
+          <a:lnRef idx="2">
+            <a:schemeClr val="accent1"/>
+          </a:lnRef>
+          <a:fillRef idx="0">
+            <a:schemeClr val="accent1"/>
+          </a:fillRef>
+          <a:effectRef idx="1">
+            <a:schemeClr val="accent1"/>
+          </a:effectRef>
+          <a:fontRef idx="minor">
+            <a:schemeClr val="tx1"/>
+          </a:fontRef>
+        </p:style>
+      </p:cxnSp>
+      <p:cxnSp>
+        <p:nvCxnSpPr>
+          <p:cNvPr id="12" name="Straight Arrow Connector 11">
+            <a:extLst>
+              <a:ext uri="{FF2B5EF4-FFF2-40B4-BE49-F238E27FC236}">
+                <a16:creationId xmlns:a16="http://schemas.microsoft.com/office/drawing/2014/main" id="{FEF573A6-8AF2-4D88-EA9C-3FD69E919F1D}"/>
+              </a:ext>
+            </a:extLst>
+          </p:cNvPr>
+          <p:cNvCxnSpPr>
+            <a:cxnSpLocks/>
+          </p:cNvCxnSpPr>
+          <p:nvPr/>
+        </p:nvCxnSpPr>
+        <p:spPr>
+          <a:xfrm>
+            <a:off x="5018225" y="2246476"/>
+            <a:ext cx="0" cy="1310787"/>
+          </a:xfrm>
+          <a:prstGeom prst="straightConnector1">
+            <a:avLst/>
+          </a:prstGeom>
+          <a:ln>
+            <a:tailEnd type="triangle" w="lg" len="lg"/>
+          </a:ln>
+        </p:spPr>
+        <p:style>
+          <a:lnRef idx="2">
+            <a:schemeClr val="accent1"/>
+          </a:lnRef>
+          <a:fillRef idx="0">
+            <a:schemeClr val="accent1"/>
+          </a:fillRef>
+          <a:effectRef idx="1">
+            <a:schemeClr val="accent1"/>
+          </a:effectRef>
+          <a:fontRef idx="minor">
+            <a:schemeClr val="tx1"/>
+          </a:fontRef>
+        </p:style>
+      </p:cxnSp>
+      <p:cxnSp>
+        <p:nvCxnSpPr>
+          <p:cNvPr id="22" name="Straight Arrow Connector 21">
+            <a:extLst>
+              <a:ext uri="{FF2B5EF4-FFF2-40B4-BE49-F238E27FC236}">
+                <a16:creationId xmlns:a16="http://schemas.microsoft.com/office/drawing/2014/main" id="{C92BEAD4-AB3F-F6AD-6CDA-BED74B79A387}"/>
+              </a:ext>
+            </a:extLst>
+          </p:cNvPr>
+          <p:cNvCxnSpPr>
+            <a:cxnSpLocks/>
+            <a:stCxn id="4" idx="3"/>
+            <a:endCxn id="7" idx="1"/>
+          </p:cNvCxnSpPr>
+          <p:nvPr/>
+        </p:nvCxnSpPr>
+        <p:spPr>
+          <a:xfrm>
+            <a:off x="2996588" y="1700689"/>
+            <a:ext cx="828461" cy="153234"/>
+          </a:xfrm>
+          <a:prstGeom prst="straightConnector1">
+            <a:avLst/>
+          </a:prstGeom>
+          <a:ln>
+            <a:tailEnd type="triangle" w="lg" len="lg"/>
+          </a:ln>
+        </p:spPr>
+        <p:style>
+          <a:lnRef idx="2">
+            <a:schemeClr val="accent1"/>
+          </a:lnRef>
+          <a:fillRef idx="0">
+            <a:schemeClr val="accent1"/>
+          </a:fillRef>
+          <a:effectRef idx="1">
+            <a:schemeClr val="accent1"/>
+          </a:effectRef>
+          <a:fontRef idx="minor">
+            <a:schemeClr val="tx1"/>
+          </a:fontRef>
+        </p:style>
+      </p:cxnSp>
+      <p:cxnSp>
+        <p:nvCxnSpPr>
+          <p:cNvPr id="25" name="Straight Arrow Connector 24">
+            <a:extLst>
+              <a:ext uri="{FF2B5EF4-FFF2-40B4-BE49-F238E27FC236}">
+                <a16:creationId xmlns:a16="http://schemas.microsoft.com/office/drawing/2014/main" id="{5EDDB56A-C114-C385-569F-409B01C198DC}"/>
+              </a:ext>
+            </a:extLst>
+          </p:cNvPr>
+          <p:cNvCxnSpPr>
+            <a:cxnSpLocks/>
+            <a:stCxn id="5" idx="3"/>
+            <a:endCxn id="6" idx="1"/>
+          </p:cNvCxnSpPr>
+          <p:nvPr/>
+        </p:nvCxnSpPr>
+        <p:spPr>
+          <a:xfrm>
+            <a:off x="2987459" y="3830637"/>
+            <a:ext cx="837589" cy="16351"/>
+          </a:xfrm>
+          <a:prstGeom prst="straightConnector1">
+            <a:avLst/>
+          </a:prstGeom>
+          <a:ln>
+            <a:tailEnd type="triangle" w="lg" len="lg"/>
+          </a:ln>
+        </p:spPr>
+        <p:style>
+          <a:lnRef idx="2">
+            <a:schemeClr val="accent1"/>
+          </a:lnRef>
+          <a:fillRef idx="0">
+            <a:schemeClr val="accent1"/>
+          </a:fillRef>
+          <a:effectRef idx="1">
+            <a:schemeClr val="accent1"/>
+          </a:effectRef>
+          <a:fontRef idx="minor">
+            <a:schemeClr val="tx1"/>
+          </a:fontRef>
+        </p:style>
+      </p:cxnSp>
+      <p:cxnSp>
+        <p:nvCxnSpPr>
+          <p:cNvPr id="27" name="Straight Arrow Connector 26">
+            <a:extLst>
+              <a:ext uri="{FF2B5EF4-FFF2-40B4-BE49-F238E27FC236}">
+                <a16:creationId xmlns:a16="http://schemas.microsoft.com/office/drawing/2014/main" id="{BBF53E0A-B02D-112A-A7D2-4396469776D2}"/>
+              </a:ext>
+            </a:extLst>
+          </p:cNvPr>
+          <p:cNvCxnSpPr>
+            <a:cxnSpLocks/>
+            <a:stCxn id="4" idx="2"/>
+          </p:cNvCxnSpPr>
+          <p:nvPr/>
+        </p:nvCxnSpPr>
+        <p:spPr>
+          <a:xfrm>
+            <a:off x="1818547" y="1973104"/>
+            <a:ext cx="399520" cy="605968"/>
+          </a:xfrm>
+          <a:prstGeom prst="straightConnector1">
+            <a:avLst/>
+          </a:prstGeom>
+          <a:ln>
+            <a:tailEnd type="triangle" w="lg" len="lg"/>
+          </a:ln>
+        </p:spPr>
+        <p:style>
+          <a:lnRef idx="2">
+            <a:schemeClr val="accent1"/>
+          </a:lnRef>
+          <a:fillRef idx="0">
+            <a:schemeClr val="accent1"/>
+          </a:fillRef>
+          <a:effectRef idx="1">
+            <a:schemeClr val="accent1"/>
+          </a:effectRef>
+          <a:fontRef idx="minor">
+            <a:schemeClr val="tx1"/>
+          </a:fontRef>
+        </p:style>
+      </p:cxnSp>
+      <p:cxnSp>
+        <p:nvCxnSpPr>
+          <p:cNvPr id="30" name="Straight Arrow Connector 29">
+            <a:extLst>
+              <a:ext uri="{FF2B5EF4-FFF2-40B4-BE49-F238E27FC236}">
+                <a16:creationId xmlns:a16="http://schemas.microsoft.com/office/drawing/2014/main" id="{5B489A06-47F0-6FF0-18B3-04BCBBF9F369}"/>
+              </a:ext>
+            </a:extLst>
+          </p:cNvPr>
+          <p:cNvCxnSpPr>
+            <a:cxnSpLocks/>
+            <a:stCxn id="5" idx="0"/>
+          </p:cNvCxnSpPr>
+          <p:nvPr/>
+        </p:nvCxnSpPr>
+        <p:spPr>
+          <a:xfrm flipV="1">
+            <a:off x="1813982" y="3265436"/>
+            <a:ext cx="404085" cy="292786"/>
+          </a:xfrm>
+          <a:prstGeom prst="straightConnector1">
+            <a:avLst/>
+          </a:prstGeom>
+          <a:ln>
+            <a:tailEnd type="triangle" w="lg" len="lg"/>
+          </a:ln>
+        </p:spPr>
+        <p:style>
+          <a:lnRef idx="2">
+            <a:schemeClr val="accent1"/>
+          </a:lnRef>
+          <a:fillRef idx="0">
+            <a:schemeClr val="accent1"/>
+          </a:fillRef>
+          <a:effectRef idx="1">
+            <a:schemeClr val="accent1"/>
+          </a:effectRef>
+          <a:fontRef idx="minor">
+            <a:schemeClr val="tx1"/>
+          </a:fontRef>
+        </p:style>
+      </p:cxnSp>
+      <p:cxnSp>
+        <p:nvCxnSpPr>
+          <p:cNvPr id="34" name="Straight Arrow Connector 33">
+            <a:extLst>
+              <a:ext uri="{FF2B5EF4-FFF2-40B4-BE49-F238E27FC236}">
+                <a16:creationId xmlns:a16="http://schemas.microsoft.com/office/drawing/2014/main" id="{242C2428-94BC-9399-1EF7-32F96997761E}"/>
+              </a:ext>
+            </a:extLst>
+          </p:cNvPr>
+          <p:cNvCxnSpPr>
+            <a:cxnSpLocks/>
+          </p:cNvCxnSpPr>
+          <p:nvPr/>
+        </p:nvCxnSpPr>
+        <p:spPr>
+          <a:xfrm flipH="1" flipV="1">
+            <a:off x="4725699" y="3241020"/>
+            <a:ext cx="299965" cy="338721"/>
+          </a:xfrm>
+          <a:prstGeom prst="straightConnector1">
+            <a:avLst/>
+          </a:prstGeom>
+          <a:ln>
+            <a:tailEnd type="triangle" w="lg" len="lg"/>
+          </a:ln>
+        </p:spPr>
+        <p:style>
+          <a:lnRef idx="2">
+            <a:schemeClr val="accent1"/>
+          </a:lnRef>
+          <a:fillRef idx="0">
+            <a:schemeClr val="accent1"/>
+          </a:fillRef>
+          <a:effectRef idx="1">
+            <a:schemeClr val="accent1"/>
+          </a:effectRef>
+          <a:fontRef idx="minor">
+            <a:schemeClr val="tx1"/>
+          </a:fontRef>
+        </p:style>
+      </p:cxnSp>
+      <p:cxnSp>
+        <p:nvCxnSpPr>
+          <p:cNvPr id="38" name="Straight Arrow Connector 37">
+            <a:extLst>
+              <a:ext uri="{FF2B5EF4-FFF2-40B4-BE49-F238E27FC236}">
+                <a16:creationId xmlns:a16="http://schemas.microsoft.com/office/drawing/2014/main" id="{CD637304-8670-97DE-A479-776A5EFE60B2}"/>
+              </a:ext>
+            </a:extLst>
+          </p:cNvPr>
+          <p:cNvCxnSpPr>
+            <a:cxnSpLocks/>
+          </p:cNvCxnSpPr>
+          <p:nvPr/>
+        </p:nvCxnSpPr>
+        <p:spPr>
+          <a:xfrm flipH="1">
+            <a:off x="4692254" y="2245519"/>
+            <a:ext cx="329366" cy="333553"/>
+          </a:xfrm>
+          <a:prstGeom prst="straightConnector1">
+            <a:avLst/>
+          </a:prstGeom>
+          <a:ln>
+            <a:tailEnd type="triangle" w="lg" len="lg"/>
+          </a:ln>
+        </p:spPr>
+        <p:style>
+          <a:lnRef idx="2">
+            <a:schemeClr val="accent1"/>
+          </a:lnRef>
+          <a:fillRef idx="0">
+            <a:schemeClr val="accent1"/>
+          </a:fillRef>
+          <a:effectRef idx="1">
+            <a:schemeClr val="accent1"/>
+          </a:effectRef>
+          <a:fontRef idx="minor">
+            <a:schemeClr val="tx1"/>
+          </a:fontRef>
+        </p:style>
+      </p:cxnSp>
+      <p:sp>
+        <p:nvSpPr>
+          <p:cNvPr id="3" name="TextBox 2">
+            <a:extLst>
+              <a:ext uri="{FF2B5EF4-FFF2-40B4-BE49-F238E27FC236}">
+                <a16:creationId xmlns:a16="http://schemas.microsoft.com/office/drawing/2014/main" id="{AF424E94-092B-07C6-9A8F-8B9F8229CD77}"/>
+              </a:ext>
+            </a:extLst>
+          </p:cNvPr>
+          <p:cNvSpPr txBox="1"/>
+          <p:nvPr/>
+        </p:nvSpPr>
+        <p:spPr>
+          <a:xfrm>
+            <a:off x="3912362" y="1153099"/>
+            <a:ext cx="1431802" cy="246221"/>
+          </a:xfrm>
+          <a:prstGeom prst="rect">
+            <a:avLst/>
+          </a:prstGeom>
+          <a:noFill/>
+        </p:spPr>
+        <p:txBody>
+          <a:bodyPr wrap="none" rtlCol="0">
+            <a:spAutoFit/>
+          </a:bodyPr>
+          <a:lstStyle/>
+          <a:p>
+            <a:r>
+              <a:rPr lang="en-US" sz="1000" dirty="0">
+                <a:solidFill>
+                  <a:schemeClr val="accent1"/>
+                </a:solidFill>
+              </a:rPr>
+              <a:t>class </a:t>
+            </a:r>
+            <a:r>
+              <a:rPr lang="en-US" sz="1000" dirty="0" err="1">
+                <a:solidFill>
+                  <a:schemeClr val="accent1"/>
+                </a:solidFill>
+              </a:rPr>
+              <a:t>BooleanNetwork</a:t>
+            </a:r>
+            <a:endParaRPr lang="en-US" sz="1000" dirty="0">
+              <a:solidFill>
+                <a:schemeClr val="accent1"/>
+              </a:solidFill>
+            </a:endParaRPr>
+          </a:p>
+        </p:txBody>
+      </p:sp>
+      <p:sp>
+        <p:nvSpPr>
+          <p:cNvPr id="9" name="TextBox 8">
+            <a:extLst>
+              <a:ext uri="{FF2B5EF4-FFF2-40B4-BE49-F238E27FC236}">
+                <a16:creationId xmlns:a16="http://schemas.microsoft.com/office/drawing/2014/main" id="{C47915A2-B4AC-650F-E214-ABF8DA25ACC4}"/>
+              </a:ext>
+            </a:extLst>
+          </p:cNvPr>
+          <p:cNvSpPr txBox="1"/>
+          <p:nvPr/>
+        </p:nvSpPr>
+        <p:spPr>
+          <a:xfrm>
+            <a:off x="715476" y="1153100"/>
+            <a:ext cx="1454244" cy="246221"/>
+          </a:xfrm>
+          <a:prstGeom prst="rect">
+            <a:avLst/>
+          </a:prstGeom>
+          <a:noFill/>
+        </p:spPr>
+        <p:txBody>
+          <a:bodyPr wrap="none" rtlCol="0">
+            <a:spAutoFit/>
+          </a:bodyPr>
+          <a:lstStyle/>
+          <a:p>
+            <a:r>
+              <a:rPr lang="en-US" sz="1000" dirty="0">
+                <a:solidFill>
+                  <a:schemeClr val="accent1"/>
+                </a:solidFill>
+              </a:rPr>
+              <a:t>class </a:t>
+            </a:r>
+            <a:r>
+              <a:rPr lang="en-US" sz="1000" dirty="0" err="1">
+                <a:solidFill>
+                  <a:schemeClr val="accent1"/>
+                </a:solidFill>
+              </a:rPr>
+              <a:t>BooleanFunction</a:t>
+            </a:r>
+            <a:endParaRPr lang="en-US" sz="1000" dirty="0">
+              <a:solidFill>
+                <a:schemeClr val="accent1"/>
+              </a:solidFill>
+            </a:endParaRPr>
+          </a:p>
+        </p:txBody>
+      </p:sp>
+      <p:sp>
+        <p:nvSpPr>
+          <p:cNvPr id="14" name="TextBox 13">
+            <a:extLst>
+              <a:ext uri="{FF2B5EF4-FFF2-40B4-BE49-F238E27FC236}">
+                <a16:creationId xmlns:a16="http://schemas.microsoft.com/office/drawing/2014/main" id="{02C3FDDD-0928-63D0-8B7B-50CB28D80384}"/>
+              </a:ext>
+            </a:extLst>
+          </p:cNvPr>
+          <p:cNvSpPr txBox="1"/>
+          <p:nvPr/>
+        </p:nvSpPr>
+        <p:spPr>
+          <a:xfrm>
+            <a:off x="5084467" y="2641880"/>
+            <a:ext cx="1279037" cy="544830"/>
+          </a:xfrm>
+          <a:prstGeom prst="roundRect">
+            <a:avLst/>
+          </a:prstGeom>
+        </p:spPr>
+        <p:style>
+          <a:lnRef idx="2">
+            <a:schemeClr val="accent1"/>
+          </a:lnRef>
+          <a:fillRef idx="1">
+            <a:schemeClr val="lt1"/>
+          </a:fillRef>
+          <a:effectRef idx="0">
+            <a:schemeClr val="accent1"/>
+          </a:effectRef>
+          <a:fontRef idx="minor">
+            <a:schemeClr val="dk1"/>
+          </a:fontRef>
+        </p:style>
+        <p:txBody>
+          <a:bodyPr wrap="square" rtlCol="0">
+            <a:spAutoFit/>
+          </a:bodyPr>
+          <a:lstStyle/>
+          <a:p>
+            <a:r>
+              <a:rPr lang="en-US" sz="1000" dirty="0"/>
+              <a:t>Interoperability</a:t>
+            </a:r>
+          </a:p>
+          <a:p>
+            <a:r>
+              <a:rPr lang="en-US" sz="800" dirty="0"/>
+              <a:t>Export/Import </a:t>
+            </a:r>
+            <a:r>
+              <a:rPr lang="en-US" sz="800" dirty="0">
+                <a:sym typeface="Wingdings" pitchFamily="2" charset="2"/>
+              </a:rPr>
+              <a:t></a:t>
+            </a:r>
+            <a:br>
+              <a:rPr lang="en-US" sz="800" dirty="0">
+                <a:sym typeface="Wingdings" pitchFamily="2" charset="2"/>
+              </a:rPr>
+            </a:br>
+            <a:r>
+              <a:rPr lang="en-US" sz="800" dirty="0">
+                <a:sym typeface="Wingdings" pitchFamily="2" charset="2"/>
+              </a:rPr>
+              <a:t>CANA, </a:t>
+            </a:r>
+            <a:r>
+              <a:rPr lang="en-US" sz="800" dirty="0" err="1">
+                <a:sym typeface="Wingdings" pitchFamily="2" charset="2"/>
+              </a:rPr>
+              <a:t>PyBoolNet</a:t>
+            </a:r>
+            <a:r>
+              <a:rPr lang="en-US" sz="800" dirty="0">
+                <a:sym typeface="Wingdings" pitchFamily="2" charset="2"/>
+              </a:rPr>
+              <a:t>, …</a:t>
+            </a:r>
+            <a:endParaRPr lang="en-US" sz="800" dirty="0"/>
+          </a:p>
+        </p:txBody>
+      </p:sp>
+      <p:cxnSp>
+        <p:nvCxnSpPr>
+          <p:cNvPr id="15" name="Straight Arrow Connector 14">
+            <a:extLst>
+              <a:ext uri="{FF2B5EF4-FFF2-40B4-BE49-F238E27FC236}">
+                <a16:creationId xmlns:a16="http://schemas.microsoft.com/office/drawing/2014/main" id="{6BE4D534-C544-7AB6-AAE7-54BE79E438F5}"/>
+              </a:ext>
+            </a:extLst>
+          </p:cNvPr>
+          <p:cNvCxnSpPr>
+            <a:cxnSpLocks/>
+            <a:endCxn id="14" idx="0"/>
+          </p:cNvCxnSpPr>
+          <p:nvPr/>
+        </p:nvCxnSpPr>
+        <p:spPr>
+          <a:xfrm>
+            <a:off x="5723986" y="2245519"/>
+            <a:ext cx="0" cy="396361"/>
+          </a:xfrm>
+          <a:prstGeom prst="straightConnector1">
+            <a:avLst/>
+          </a:prstGeom>
+          <a:ln>
+            <a:tailEnd type="triangle" w="lg" len="lg"/>
+          </a:ln>
+        </p:spPr>
+        <p:style>
+          <a:lnRef idx="2">
+            <a:schemeClr val="accent1"/>
+          </a:lnRef>
+          <a:fillRef idx="0">
+            <a:schemeClr val="accent1"/>
+          </a:fillRef>
+          <a:effectRef idx="1">
+            <a:schemeClr val="accent1"/>
+          </a:effectRef>
+          <a:fontRef idx="minor">
+            <a:schemeClr val="tx1"/>
+          </a:fontRef>
+        </p:style>
+      </p:cxnSp>
+      <p:cxnSp>
+        <p:nvCxnSpPr>
+          <p:cNvPr id="59" name="Straight Arrow Connector 58">
+            <a:extLst>
+              <a:ext uri="{FF2B5EF4-FFF2-40B4-BE49-F238E27FC236}">
+                <a16:creationId xmlns:a16="http://schemas.microsoft.com/office/drawing/2014/main" id="{2685A585-E2F8-7127-FD1F-8B0AD9F7725F}"/>
+              </a:ext>
+            </a:extLst>
+          </p:cNvPr>
+          <p:cNvCxnSpPr>
+            <a:cxnSpLocks/>
+          </p:cNvCxnSpPr>
+          <p:nvPr/>
+        </p:nvCxnSpPr>
+        <p:spPr>
+          <a:xfrm>
+            <a:off x="5743399" y="3186710"/>
+            <a:ext cx="0" cy="396361"/>
+          </a:xfrm>
+          <a:prstGeom prst="straightConnector1">
+            <a:avLst/>
+          </a:prstGeom>
+          <a:ln>
+            <a:tailEnd type="triangle" w="lg" len="lg"/>
+          </a:ln>
+        </p:spPr>
+        <p:style>
+          <a:lnRef idx="2">
+            <a:schemeClr val="accent1"/>
+          </a:lnRef>
+          <a:fillRef idx="0">
+            <a:schemeClr val="accent1"/>
+          </a:fillRef>
+          <a:effectRef idx="1">
+            <a:schemeClr val="accent1"/>
+          </a:effectRef>
+          <a:fontRef idx="minor">
+            <a:schemeClr val="tx1"/>
+          </a:fontRef>
+        </p:style>
+      </p:cxnSp>
+    </p:spTree>
+    <p:extLst>
+      <p:ext uri="{BB962C8B-B14F-4D97-AF65-F5344CB8AC3E}">
+        <p14:creationId xmlns:p14="http://schemas.microsoft.com/office/powerpoint/2010/main" val="3918560306"/>
+      </p:ext>
+    </p:extLst>
+  </p:cSld>
+  <p:clrMapOvr>
+    <a:masterClrMapping/>
+  </p:clrMapOvr>
+</p:sld>
+</file>
+
+<file path=ppt/slides/slide9.xml><?xml version="1.0" encoding="utf-8"?>
+<p:sld xmlns:a="http://schemas.openxmlformats.org/drawingml/2006/main" xmlns:r="http://schemas.openxmlformats.org/officeDocument/2006/relationships" xmlns:p="http://schemas.openxmlformats.org/presentationml/2006/main">
+  <p:cSld>
+    <p:spTree>
+      <p:nvGrpSpPr>
+        <p:cNvPr id="1" name="">
+          <a:extLst>
+            <a:ext uri="{FF2B5EF4-FFF2-40B4-BE49-F238E27FC236}">
+              <a16:creationId xmlns:a16="http://schemas.microsoft.com/office/drawing/2014/main" id="{F889A9A4-1082-FBC0-54AE-FE2376B692BA}"/>
+            </a:ext>
+          </a:extLst>
+        </p:cNvPr>
+        <p:cNvGrpSpPr/>
+        <p:nvPr/>
+      </p:nvGrpSpPr>
+      <p:grpSpPr>
+        <a:xfrm>
+          <a:off x="0" y="0"/>
+          <a:ext cx="0" cy="0"/>
+          <a:chOff x="0" y="0"/>
+          <a:chExt cx="0" cy="0"/>
+        </a:xfrm>
+      </p:grpSpPr>
+      <p:sp>
+        <p:nvSpPr>
+          <p:cNvPr id="64" name="Rounded Rectangle 63">
+            <a:extLst>
+              <a:ext uri="{FF2B5EF4-FFF2-40B4-BE49-F238E27FC236}">
+                <a16:creationId xmlns:a16="http://schemas.microsoft.com/office/drawing/2014/main" id="{DAE05BDB-37EF-1776-CE64-E37C4D5AB336}"/>
+              </a:ext>
+            </a:extLst>
+          </p:cNvPr>
+          <p:cNvSpPr/>
+          <p:nvPr/>
+        </p:nvSpPr>
+        <p:spPr>
+          <a:xfrm>
+            <a:off x="3716309" y="1061643"/>
+            <a:ext cx="2755941" cy="3705304"/>
+          </a:xfrm>
+          <a:prstGeom prst="roundRect">
+            <a:avLst>
+              <a:gd name="adj" fmla="val 20354"/>
+            </a:avLst>
+          </a:prstGeom>
+          <a:solidFill>
+            <a:schemeClr val="tx2">
+              <a:lumMod val="10000"/>
+              <a:lumOff val="90000"/>
+              <a:alpha val="34000"/>
+            </a:schemeClr>
+          </a:solidFill>
+          <a:ln>
+            <a:noFill/>
+          </a:ln>
+        </p:spPr>
+        <p:style>
+          <a:lnRef idx="2">
+            <a:schemeClr val="accent1">
+              <a:shade val="15000"/>
+            </a:schemeClr>
+          </a:lnRef>
+          <a:fillRef idx="1">
+            <a:schemeClr val="accent1"/>
+          </a:fillRef>
+          <a:effectRef idx="0">
+            <a:schemeClr val="accent1"/>
+          </a:effectRef>
+          <a:fontRef idx="minor">
+            <a:schemeClr val="lt1"/>
+          </a:fontRef>
+        </p:style>
+        <p:txBody>
+          <a:bodyPr rtlCol="0" anchor="ctr"/>
+          <a:lstStyle/>
+          <a:p>
+            <a:pPr algn="ctr"/>
+            <a:endParaRPr lang="en-US"/>
+          </a:p>
+        </p:txBody>
+      </p:sp>
+      <p:sp>
+        <p:nvSpPr>
+          <p:cNvPr id="10" name="Rounded Rectangle 9">
+            <a:extLst>
+              <a:ext uri="{FF2B5EF4-FFF2-40B4-BE49-F238E27FC236}">
+                <a16:creationId xmlns:a16="http://schemas.microsoft.com/office/drawing/2014/main" id="{3EDE5DB8-D1DE-5625-9952-54C8436DF443}"/>
+              </a:ext>
+            </a:extLst>
+          </p:cNvPr>
+          <p:cNvSpPr/>
+          <p:nvPr/>
+        </p:nvSpPr>
+        <p:spPr>
+          <a:xfrm>
+            <a:off x="525739" y="1090217"/>
+            <a:ext cx="2755941" cy="3705304"/>
+          </a:xfrm>
+          <a:prstGeom prst="roundRect">
+            <a:avLst>
+              <a:gd name="adj" fmla="val 20354"/>
+            </a:avLst>
+          </a:prstGeom>
+          <a:solidFill>
+            <a:schemeClr val="tx2">
+              <a:lumMod val="10000"/>
+              <a:lumOff val="90000"/>
+              <a:alpha val="34000"/>
+            </a:schemeClr>
+          </a:solidFill>
+          <a:ln>
+            <a:noFill/>
+          </a:ln>
+        </p:spPr>
+        <p:style>
+          <a:lnRef idx="2">
+            <a:schemeClr val="accent1">
+              <a:shade val="15000"/>
+            </a:schemeClr>
+          </a:lnRef>
+          <a:fillRef idx="1">
+            <a:schemeClr val="accent1"/>
+          </a:fillRef>
+          <a:effectRef idx="0">
+            <a:schemeClr val="accent1"/>
+          </a:effectRef>
+          <a:fontRef idx="minor">
+            <a:schemeClr val="lt1"/>
+          </a:fontRef>
+        </p:style>
+        <p:txBody>
+          <a:bodyPr rtlCol="0" anchor="ctr"/>
+          <a:lstStyle/>
+          <a:p>
+            <a:pPr algn="ctr"/>
+            <a:endParaRPr lang="en-US"/>
+          </a:p>
+        </p:txBody>
+      </p:sp>
+      <p:sp>
+        <p:nvSpPr>
+          <p:cNvPr id="4" name="TextBox 3">
+            <a:extLst>
+              <a:ext uri="{FF2B5EF4-FFF2-40B4-BE49-F238E27FC236}">
+                <a16:creationId xmlns:a16="http://schemas.microsoft.com/office/drawing/2014/main" id="{0369CE56-7B43-38DB-A4D7-2CC68BD4AF2F}"/>
+              </a:ext>
+            </a:extLst>
+          </p:cNvPr>
+          <p:cNvSpPr txBox="1"/>
+          <p:nvPr/>
+        </p:nvSpPr>
+        <p:spPr>
+          <a:xfrm>
+            <a:off x="640505" y="1428274"/>
+            <a:ext cx="2356083" cy="544830"/>
+          </a:xfrm>
+          <a:prstGeom prst="roundRect">
+            <a:avLst/>
+          </a:prstGeom>
+        </p:spPr>
+        <p:style>
+          <a:lnRef idx="2">
+            <a:schemeClr val="accent1"/>
+          </a:lnRef>
+          <a:fillRef idx="1">
+            <a:schemeClr val="lt1"/>
+          </a:fillRef>
+          <a:effectRef idx="0">
+            <a:schemeClr val="accent1"/>
+          </a:effectRef>
+          <a:fontRef idx="minor">
+            <a:schemeClr val="dk1"/>
+          </a:fontRef>
+        </p:style>
+        <p:txBody>
+          <a:bodyPr wrap="square" rtlCol="0">
+            <a:spAutoFit/>
+          </a:bodyPr>
+          <a:lstStyle/>
+          <a:p>
+            <a:r>
+              <a:rPr lang="en-US" sz="1000" dirty="0"/>
+              <a:t>Random Boolean Function Generators</a:t>
+            </a:r>
+          </a:p>
+          <a:p>
+            <a:r>
+              <a:rPr lang="en-US" sz="800" dirty="0"/>
+              <a:t>Sample functions with prescribed structural features uniformly at random</a:t>
+            </a:r>
+          </a:p>
+        </p:txBody>
+      </p:sp>
+      <p:sp>
+        <p:nvSpPr>
+          <p:cNvPr id="5" name="TextBox 4">
+            <a:extLst>
+              <a:ext uri="{FF2B5EF4-FFF2-40B4-BE49-F238E27FC236}">
+                <a16:creationId xmlns:a16="http://schemas.microsoft.com/office/drawing/2014/main" id="{EDBEDA5E-92FC-4ED3-B196-392579CE3D88}"/>
+              </a:ext>
+            </a:extLst>
+          </p:cNvPr>
+          <p:cNvSpPr txBox="1"/>
+          <p:nvPr/>
+        </p:nvSpPr>
+        <p:spPr>
+          <a:xfrm>
+            <a:off x="640505" y="3558222"/>
+            <a:ext cx="2346954" cy="544830"/>
+          </a:xfrm>
+          <a:prstGeom prst="roundRect">
+            <a:avLst/>
+          </a:prstGeom>
+        </p:spPr>
+        <p:style>
+          <a:lnRef idx="2">
+            <a:schemeClr val="accent1"/>
+          </a:lnRef>
+          <a:fillRef idx="1">
+            <a:schemeClr val="lt1"/>
+          </a:fillRef>
+          <a:effectRef idx="0">
+            <a:schemeClr val="accent1"/>
+          </a:effectRef>
+          <a:fontRef idx="minor">
+            <a:schemeClr val="dk1"/>
+          </a:fontRef>
+        </p:style>
+        <p:txBody>
+          <a:bodyPr wrap="square" rtlCol="0">
+            <a:spAutoFit/>
+          </a:bodyPr>
+          <a:lstStyle/>
+          <a:p>
+            <a:r>
+              <a:rPr lang="en-US" sz="1000" dirty="0"/>
+              <a:t>Boolean Function Analysis</a:t>
+            </a:r>
+            <a:br>
+              <a:rPr lang="en-US" sz="1000" dirty="0"/>
+            </a:br>
+            <a:r>
+              <a:rPr lang="en-US" sz="800" dirty="0"/>
+              <a:t>canalization; collective canalization; symmetry; sensitivity; degeneracy; …</a:t>
+            </a:r>
+          </a:p>
+        </p:txBody>
+      </p:sp>
+      <p:sp>
+        <p:nvSpPr>
+          <p:cNvPr id="6" name="TextBox 5">
+            <a:extLst>
+              <a:ext uri="{FF2B5EF4-FFF2-40B4-BE49-F238E27FC236}">
+                <a16:creationId xmlns:a16="http://schemas.microsoft.com/office/drawing/2014/main" id="{073F7244-04F4-800D-28DE-68B66325DF9D}"/>
+              </a:ext>
+            </a:extLst>
+          </p:cNvPr>
+          <p:cNvSpPr txBox="1"/>
+          <p:nvPr/>
+        </p:nvSpPr>
+        <p:spPr>
+          <a:xfrm>
+            <a:off x="3825048" y="3574573"/>
+            <a:ext cx="2538463" cy="544830"/>
+          </a:xfrm>
+          <a:prstGeom prst="roundRect">
+            <a:avLst/>
+          </a:prstGeom>
+        </p:spPr>
+        <p:style>
+          <a:lnRef idx="2">
+            <a:schemeClr val="accent1"/>
+          </a:lnRef>
+          <a:fillRef idx="1">
+            <a:schemeClr val="lt1"/>
+          </a:fillRef>
+          <a:effectRef idx="0">
+            <a:schemeClr val="accent1"/>
+          </a:effectRef>
+          <a:fontRef idx="minor">
+            <a:schemeClr val="dk1"/>
+          </a:fontRef>
+        </p:style>
+        <p:txBody>
+          <a:bodyPr wrap="square" rtlCol="0">
+            <a:spAutoFit/>
+          </a:bodyPr>
+          <a:lstStyle/>
+          <a:p>
+            <a:r>
+              <a:rPr lang="en-US" sz="1000" dirty="0"/>
+              <a:t>Boolean Network Analysis</a:t>
+            </a:r>
+          </a:p>
+          <a:p>
+            <a:r>
+              <a:rPr lang="en-US" sz="800" dirty="0"/>
+              <a:t>attractors under synchronous &amp; asynchronous update; network motifs; stability &amp; robustness; …</a:t>
+            </a:r>
+          </a:p>
+        </p:txBody>
+      </p:sp>
+      <p:sp>
+        <p:nvSpPr>
+          <p:cNvPr id="7" name="TextBox 6">
+            <a:extLst>
+              <a:ext uri="{FF2B5EF4-FFF2-40B4-BE49-F238E27FC236}">
+                <a16:creationId xmlns:a16="http://schemas.microsoft.com/office/drawing/2014/main" id="{24FE043E-DFBC-160A-7040-D5B8CD3BEC3C}"/>
+              </a:ext>
+            </a:extLst>
+          </p:cNvPr>
+          <p:cNvSpPr txBox="1"/>
+          <p:nvPr/>
+        </p:nvSpPr>
+        <p:spPr>
+          <a:xfrm>
+            <a:off x="3825049" y="1428274"/>
+            <a:ext cx="2538456" cy="851297"/>
+          </a:xfrm>
+          <a:prstGeom prst="roundRect">
+            <a:avLst/>
+          </a:prstGeom>
+        </p:spPr>
+        <p:style>
+          <a:lnRef idx="2">
+            <a:schemeClr val="accent1"/>
+          </a:lnRef>
+          <a:fillRef idx="1">
+            <a:schemeClr val="lt1"/>
+          </a:fillRef>
+          <a:effectRef idx="0">
+            <a:schemeClr val="accent1"/>
+          </a:effectRef>
+          <a:fontRef idx="minor">
+            <a:schemeClr val="dk1"/>
+          </a:fontRef>
+        </p:style>
+        <p:txBody>
+          <a:bodyPr wrap="square" rtlCol="0">
+            <a:spAutoFit/>
+          </a:bodyPr>
+          <a:lstStyle/>
+          <a:p>
+            <a:pPr lvl="1"/>
+            <a:r>
+              <a:rPr lang="en-US" sz="1000" dirty="0"/>
+              <a:t>Random Boolean Network Generators</a:t>
+            </a:r>
+          </a:p>
+          <a:p>
+            <a:pPr lvl="1"/>
+            <a:r>
+              <a:rPr lang="en-US" sz="800" dirty="0"/>
+              <a:t>Generate random Boolean networks of defined size, degree distribution, canalizing properties, bias, …</a:t>
+            </a:r>
+          </a:p>
+        </p:txBody>
+      </p:sp>
+      <p:sp>
+        <p:nvSpPr>
+          <p:cNvPr id="8" name="TextBox 7">
+            <a:extLst>
+              <a:ext uri="{FF2B5EF4-FFF2-40B4-BE49-F238E27FC236}">
+                <a16:creationId xmlns:a16="http://schemas.microsoft.com/office/drawing/2014/main" id="{BF352D68-4734-1AC7-EF41-5FF1ED52B734}"/>
+              </a:ext>
+            </a:extLst>
+          </p:cNvPr>
+          <p:cNvSpPr txBox="1"/>
+          <p:nvPr/>
+        </p:nvSpPr>
+        <p:spPr>
+          <a:xfrm>
+            <a:off x="2169720" y="2190509"/>
+            <a:ext cx="2538465" cy="408623"/>
+          </a:xfrm>
+          <a:prstGeom prst="roundRect">
+            <a:avLst/>
+          </a:prstGeom>
+        </p:spPr>
+        <p:style>
+          <a:lnRef idx="2">
+            <a:schemeClr val="accent1"/>
+          </a:lnRef>
+          <a:fillRef idx="1">
+            <a:schemeClr val="lt1"/>
+          </a:fillRef>
+          <a:effectRef idx="0">
+            <a:schemeClr val="accent1"/>
+          </a:effectRef>
+          <a:fontRef idx="minor">
+            <a:schemeClr val="dk1"/>
+          </a:fontRef>
+        </p:style>
+        <p:txBody>
+          <a:bodyPr wrap="square" rtlCol="0">
+            <a:spAutoFit/>
+          </a:bodyPr>
+          <a:lstStyle/>
+          <a:p>
+            <a:r>
+              <a:rPr lang="en-US" sz="1000" dirty="0"/>
+              <a:t>Ensemble Experiments</a:t>
+            </a:r>
+          </a:p>
+          <a:p>
+            <a:r>
+              <a:rPr lang="en-US" sz="800" dirty="0"/>
+              <a:t>Systematic analysis of </a:t>
+            </a:r>
+          </a:p>
+        </p:txBody>
+      </p:sp>
+      <p:cxnSp>
+        <p:nvCxnSpPr>
+          <p:cNvPr id="11" name="Straight Arrow Connector 10">
+            <a:extLst>
+              <a:ext uri="{FF2B5EF4-FFF2-40B4-BE49-F238E27FC236}">
+                <a16:creationId xmlns:a16="http://schemas.microsoft.com/office/drawing/2014/main" id="{B835776B-8BD5-A5F9-944D-10ADCB069A1E}"/>
+              </a:ext>
+            </a:extLst>
+          </p:cNvPr>
+          <p:cNvCxnSpPr>
+            <a:cxnSpLocks/>
+            <a:stCxn id="4" idx="2"/>
+            <a:endCxn id="5" idx="0"/>
+          </p:cNvCxnSpPr>
+          <p:nvPr/>
+        </p:nvCxnSpPr>
+        <p:spPr>
+          <a:xfrm flipH="1">
+            <a:off x="1813982" y="1973104"/>
+            <a:ext cx="4565" cy="1585118"/>
+          </a:xfrm>
+          <a:prstGeom prst="straightConnector1">
+            <a:avLst/>
+          </a:prstGeom>
+          <a:ln>
+            <a:tailEnd type="triangle" w="lg" len="lg"/>
+          </a:ln>
+        </p:spPr>
+        <p:style>
+          <a:lnRef idx="2">
+            <a:schemeClr val="accent1"/>
+          </a:lnRef>
+          <a:fillRef idx="0">
+            <a:schemeClr val="accent1"/>
+          </a:fillRef>
+          <a:effectRef idx="1">
+            <a:schemeClr val="accent1"/>
+          </a:effectRef>
+          <a:fontRef idx="minor">
+            <a:schemeClr val="tx1"/>
+          </a:fontRef>
+        </p:style>
+      </p:cxnSp>
+      <p:cxnSp>
+        <p:nvCxnSpPr>
+          <p:cNvPr id="12" name="Straight Arrow Connector 11">
+            <a:extLst>
+              <a:ext uri="{FF2B5EF4-FFF2-40B4-BE49-F238E27FC236}">
+                <a16:creationId xmlns:a16="http://schemas.microsoft.com/office/drawing/2014/main" id="{44249617-F85A-F2CA-FC1A-9A7F3A914A49}"/>
+              </a:ext>
+            </a:extLst>
+          </p:cNvPr>
+          <p:cNvCxnSpPr>
+            <a:cxnSpLocks/>
+          </p:cNvCxnSpPr>
+          <p:nvPr/>
+        </p:nvCxnSpPr>
+        <p:spPr>
+          <a:xfrm>
+            <a:off x="5018225" y="2246476"/>
+            <a:ext cx="0" cy="1310787"/>
+          </a:xfrm>
+          <a:prstGeom prst="straightConnector1">
+            <a:avLst/>
+          </a:prstGeom>
+          <a:ln>
+            <a:tailEnd type="triangle" w="lg" len="lg"/>
+          </a:ln>
+        </p:spPr>
+        <p:style>
+          <a:lnRef idx="2">
+            <a:schemeClr val="accent1"/>
+          </a:lnRef>
+          <a:fillRef idx="0">
+            <a:schemeClr val="accent1"/>
+          </a:fillRef>
+          <a:effectRef idx="1">
+            <a:schemeClr val="accent1"/>
+          </a:effectRef>
+          <a:fontRef idx="minor">
+            <a:schemeClr val="tx1"/>
+          </a:fontRef>
+        </p:style>
+      </p:cxnSp>
+      <p:cxnSp>
+        <p:nvCxnSpPr>
+          <p:cNvPr id="22" name="Straight Arrow Connector 21">
+            <a:extLst>
+              <a:ext uri="{FF2B5EF4-FFF2-40B4-BE49-F238E27FC236}">
+                <a16:creationId xmlns:a16="http://schemas.microsoft.com/office/drawing/2014/main" id="{081F11BA-7BA2-5C58-2F84-994EB087396E}"/>
+              </a:ext>
+            </a:extLst>
+          </p:cNvPr>
+          <p:cNvCxnSpPr>
+            <a:cxnSpLocks/>
+            <a:stCxn id="4" idx="3"/>
+            <a:endCxn id="7" idx="1"/>
+          </p:cNvCxnSpPr>
+          <p:nvPr/>
+        </p:nvCxnSpPr>
+        <p:spPr>
+          <a:xfrm>
+            <a:off x="2996588" y="1700689"/>
+            <a:ext cx="828461" cy="153234"/>
+          </a:xfrm>
+          <a:prstGeom prst="straightConnector1">
+            <a:avLst/>
+          </a:prstGeom>
+          <a:ln>
+            <a:tailEnd type="triangle" w="lg" len="lg"/>
+          </a:ln>
+        </p:spPr>
+        <p:style>
+          <a:lnRef idx="2">
+            <a:schemeClr val="accent1"/>
+          </a:lnRef>
+          <a:fillRef idx="0">
+            <a:schemeClr val="accent1"/>
+          </a:fillRef>
+          <a:effectRef idx="1">
+            <a:schemeClr val="accent1"/>
+          </a:effectRef>
+          <a:fontRef idx="minor">
+            <a:schemeClr val="tx1"/>
+          </a:fontRef>
+        </p:style>
+      </p:cxnSp>
+      <p:cxnSp>
+        <p:nvCxnSpPr>
+          <p:cNvPr id="25" name="Straight Arrow Connector 24">
+            <a:extLst>
+              <a:ext uri="{FF2B5EF4-FFF2-40B4-BE49-F238E27FC236}">
+                <a16:creationId xmlns:a16="http://schemas.microsoft.com/office/drawing/2014/main" id="{E724C952-B33C-AB8B-42B8-2E3ED9A9A978}"/>
+              </a:ext>
+            </a:extLst>
+          </p:cNvPr>
+          <p:cNvCxnSpPr>
+            <a:cxnSpLocks/>
+            <a:stCxn id="5" idx="3"/>
+            <a:endCxn id="6" idx="1"/>
+          </p:cNvCxnSpPr>
+          <p:nvPr/>
+        </p:nvCxnSpPr>
+        <p:spPr>
+          <a:xfrm>
+            <a:off x="2987459" y="3830637"/>
+            <a:ext cx="837589" cy="16351"/>
+          </a:xfrm>
+          <a:prstGeom prst="straightConnector1">
+            <a:avLst/>
+          </a:prstGeom>
+          <a:ln>
+            <a:tailEnd type="triangle" w="lg" len="lg"/>
+          </a:ln>
+        </p:spPr>
+        <p:style>
+          <a:lnRef idx="2">
+            <a:schemeClr val="accent1"/>
+          </a:lnRef>
+          <a:fillRef idx="0">
+            <a:schemeClr val="accent1"/>
+          </a:fillRef>
+          <a:effectRef idx="1">
+            <a:schemeClr val="accent1"/>
+          </a:effectRef>
+          <a:fontRef idx="minor">
+            <a:schemeClr val="tx1"/>
+          </a:fontRef>
+        </p:style>
+      </p:cxnSp>
+      <p:cxnSp>
+        <p:nvCxnSpPr>
+          <p:cNvPr id="27" name="Straight Arrow Connector 26">
+            <a:extLst>
+              <a:ext uri="{FF2B5EF4-FFF2-40B4-BE49-F238E27FC236}">
+                <a16:creationId xmlns:a16="http://schemas.microsoft.com/office/drawing/2014/main" id="{5C9E2167-B8B5-36AB-956E-44977017B8B5}"/>
+              </a:ext>
+            </a:extLst>
+          </p:cNvPr>
+          <p:cNvCxnSpPr>
+            <a:cxnSpLocks/>
+            <a:stCxn id="4" idx="2"/>
+          </p:cNvCxnSpPr>
+          <p:nvPr/>
+        </p:nvCxnSpPr>
+        <p:spPr>
+          <a:xfrm>
+            <a:off x="1818547" y="1973104"/>
+            <a:ext cx="399520" cy="605968"/>
+          </a:xfrm>
+          <a:prstGeom prst="straightConnector1">
+            <a:avLst/>
+          </a:prstGeom>
+          <a:ln>
+            <a:tailEnd type="triangle" w="lg" len="lg"/>
+          </a:ln>
+        </p:spPr>
+        <p:style>
+          <a:lnRef idx="2">
+            <a:schemeClr val="accent1"/>
+          </a:lnRef>
+          <a:fillRef idx="0">
+            <a:schemeClr val="accent1"/>
+          </a:fillRef>
+          <a:effectRef idx="1">
+            <a:schemeClr val="accent1"/>
+          </a:effectRef>
+          <a:fontRef idx="minor">
+            <a:schemeClr val="tx1"/>
+          </a:fontRef>
+        </p:style>
+      </p:cxnSp>
+      <p:cxnSp>
+        <p:nvCxnSpPr>
+          <p:cNvPr id="30" name="Straight Arrow Connector 29">
+            <a:extLst>
+              <a:ext uri="{FF2B5EF4-FFF2-40B4-BE49-F238E27FC236}">
+                <a16:creationId xmlns:a16="http://schemas.microsoft.com/office/drawing/2014/main" id="{5E37970C-1A2B-A40D-F3A5-1E4D8821A173}"/>
+              </a:ext>
+            </a:extLst>
+          </p:cNvPr>
+          <p:cNvCxnSpPr>
+            <a:cxnSpLocks/>
+            <a:stCxn id="5" idx="0"/>
+          </p:cNvCxnSpPr>
+          <p:nvPr/>
+        </p:nvCxnSpPr>
+        <p:spPr>
+          <a:xfrm flipV="1">
+            <a:off x="1813982" y="3265436"/>
+            <a:ext cx="404085" cy="292786"/>
+          </a:xfrm>
+          <a:prstGeom prst="straightConnector1">
+            <a:avLst/>
+          </a:prstGeom>
+          <a:ln>
+            <a:tailEnd type="triangle" w="lg" len="lg"/>
+          </a:ln>
+        </p:spPr>
+        <p:style>
+          <a:lnRef idx="2">
+            <a:schemeClr val="accent1"/>
+          </a:lnRef>
+          <a:fillRef idx="0">
+            <a:schemeClr val="accent1"/>
+          </a:fillRef>
+          <a:effectRef idx="1">
+            <a:schemeClr val="accent1"/>
+          </a:effectRef>
+          <a:fontRef idx="minor">
+            <a:schemeClr val="tx1"/>
+          </a:fontRef>
+        </p:style>
+      </p:cxnSp>
+      <p:cxnSp>
+        <p:nvCxnSpPr>
+          <p:cNvPr id="34" name="Straight Arrow Connector 33">
+            <a:extLst>
+              <a:ext uri="{FF2B5EF4-FFF2-40B4-BE49-F238E27FC236}">
+                <a16:creationId xmlns:a16="http://schemas.microsoft.com/office/drawing/2014/main" id="{D5B12348-E175-0CDF-9E26-CA48940B3B42}"/>
+              </a:ext>
+            </a:extLst>
+          </p:cNvPr>
+          <p:cNvCxnSpPr>
+            <a:cxnSpLocks/>
+          </p:cNvCxnSpPr>
+          <p:nvPr/>
+        </p:nvCxnSpPr>
+        <p:spPr>
+          <a:xfrm flipH="1" flipV="1">
+            <a:off x="4725699" y="3241020"/>
+            <a:ext cx="299965" cy="338721"/>
+          </a:xfrm>
+          <a:prstGeom prst="straightConnector1">
+            <a:avLst/>
+          </a:prstGeom>
+          <a:ln>
+            <a:tailEnd type="triangle" w="lg" len="lg"/>
+          </a:ln>
+        </p:spPr>
+        <p:style>
+          <a:lnRef idx="2">
+            <a:schemeClr val="accent1"/>
+          </a:lnRef>
+          <a:fillRef idx="0">
+            <a:schemeClr val="accent1"/>
+          </a:fillRef>
+          <a:effectRef idx="1">
+            <a:schemeClr val="accent1"/>
+          </a:effectRef>
+          <a:fontRef idx="minor">
+            <a:schemeClr val="tx1"/>
+          </a:fontRef>
+        </p:style>
+      </p:cxnSp>
+      <p:cxnSp>
+        <p:nvCxnSpPr>
+          <p:cNvPr id="38" name="Straight Arrow Connector 37">
+            <a:extLst>
+              <a:ext uri="{FF2B5EF4-FFF2-40B4-BE49-F238E27FC236}">
+                <a16:creationId xmlns:a16="http://schemas.microsoft.com/office/drawing/2014/main" id="{37F8B623-0783-D5FD-2821-D2A152F65454}"/>
+              </a:ext>
+            </a:extLst>
+          </p:cNvPr>
+          <p:cNvCxnSpPr>
+            <a:cxnSpLocks/>
+          </p:cNvCxnSpPr>
+          <p:nvPr/>
+        </p:nvCxnSpPr>
+        <p:spPr>
+          <a:xfrm flipH="1">
+            <a:off x="4692254" y="2245519"/>
+            <a:ext cx="329366" cy="333553"/>
+          </a:xfrm>
+          <a:prstGeom prst="straightConnector1">
+            <a:avLst/>
+          </a:prstGeom>
+          <a:ln>
+            <a:tailEnd type="triangle" w="lg" len="lg"/>
+          </a:ln>
+        </p:spPr>
+        <p:style>
+          <a:lnRef idx="2">
+            <a:schemeClr val="accent1"/>
+          </a:lnRef>
+          <a:fillRef idx="0">
+            <a:schemeClr val="accent1"/>
+          </a:fillRef>
+          <a:effectRef idx="1">
+            <a:schemeClr val="accent1"/>
+          </a:effectRef>
+          <a:fontRef idx="minor">
+            <a:schemeClr val="tx1"/>
+          </a:fontRef>
+        </p:style>
+      </p:cxnSp>
+      <p:sp>
+        <p:nvSpPr>
+          <p:cNvPr id="3" name="TextBox 2">
+            <a:extLst>
+              <a:ext uri="{FF2B5EF4-FFF2-40B4-BE49-F238E27FC236}">
+                <a16:creationId xmlns:a16="http://schemas.microsoft.com/office/drawing/2014/main" id="{795B80F1-D9E0-8617-5C32-65544A6D8B73}"/>
+              </a:ext>
+            </a:extLst>
+          </p:cNvPr>
+          <p:cNvSpPr txBox="1"/>
+          <p:nvPr/>
+        </p:nvSpPr>
+        <p:spPr>
+          <a:xfrm>
+            <a:off x="3912362" y="1153099"/>
+            <a:ext cx="1431802" cy="246221"/>
+          </a:xfrm>
+          <a:prstGeom prst="rect">
+            <a:avLst/>
+          </a:prstGeom>
+          <a:noFill/>
+        </p:spPr>
+        <p:txBody>
+          <a:bodyPr wrap="none" rtlCol="0">
+            <a:spAutoFit/>
+          </a:bodyPr>
+          <a:lstStyle/>
+          <a:p>
+            <a:r>
+              <a:rPr lang="en-US" sz="1000" dirty="0">
+                <a:solidFill>
+                  <a:schemeClr val="accent1"/>
+                </a:solidFill>
+              </a:rPr>
+              <a:t>class </a:t>
+            </a:r>
+            <a:r>
+              <a:rPr lang="en-US" sz="1000" dirty="0" err="1">
+                <a:solidFill>
+                  <a:schemeClr val="accent1"/>
+                </a:solidFill>
+              </a:rPr>
+              <a:t>BooleanNetwork</a:t>
+            </a:r>
+            <a:endParaRPr lang="en-US" sz="1000" dirty="0">
+              <a:solidFill>
+                <a:schemeClr val="accent1"/>
+              </a:solidFill>
+            </a:endParaRPr>
+          </a:p>
+        </p:txBody>
+      </p:sp>
+      <p:sp>
+        <p:nvSpPr>
+          <p:cNvPr id="9" name="TextBox 8">
+            <a:extLst>
+              <a:ext uri="{FF2B5EF4-FFF2-40B4-BE49-F238E27FC236}">
+                <a16:creationId xmlns:a16="http://schemas.microsoft.com/office/drawing/2014/main" id="{E2B8648D-EE53-7ABF-C3D6-83E81490D0DF}"/>
+              </a:ext>
+            </a:extLst>
+          </p:cNvPr>
+          <p:cNvSpPr txBox="1"/>
+          <p:nvPr/>
+        </p:nvSpPr>
+        <p:spPr>
+          <a:xfrm>
+            <a:off x="715476" y="1153100"/>
+            <a:ext cx="1454244" cy="246221"/>
+          </a:xfrm>
+          <a:prstGeom prst="rect">
+            <a:avLst/>
+          </a:prstGeom>
+          <a:noFill/>
+        </p:spPr>
+        <p:txBody>
+          <a:bodyPr wrap="none" rtlCol="0">
+            <a:spAutoFit/>
+          </a:bodyPr>
+          <a:lstStyle/>
+          <a:p>
+            <a:r>
+              <a:rPr lang="en-US" sz="1000" dirty="0">
+                <a:solidFill>
+                  <a:schemeClr val="accent1"/>
+                </a:solidFill>
+              </a:rPr>
+              <a:t>class </a:t>
+            </a:r>
+            <a:r>
+              <a:rPr lang="en-US" sz="1000" dirty="0" err="1">
+                <a:solidFill>
+                  <a:schemeClr val="accent1"/>
+                </a:solidFill>
+              </a:rPr>
+              <a:t>BooleanFunction</a:t>
+            </a:r>
+            <a:endParaRPr lang="en-US" sz="1000" dirty="0">
+              <a:solidFill>
+                <a:schemeClr val="accent1"/>
+              </a:solidFill>
+            </a:endParaRPr>
+          </a:p>
+        </p:txBody>
+      </p:sp>
+      <p:sp>
+        <p:nvSpPr>
+          <p:cNvPr id="14" name="TextBox 13">
+            <a:extLst>
+              <a:ext uri="{FF2B5EF4-FFF2-40B4-BE49-F238E27FC236}">
+                <a16:creationId xmlns:a16="http://schemas.microsoft.com/office/drawing/2014/main" id="{2C14E69B-95C9-B191-43C8-A733B2A30931}"/>
+              </a:ext>
+            </a:extLst>
+          </p:cNvPr>
+          <p:cNvSpPr txBox="1"/>
+          <p:nvPr/>
+        </p:nvSpPr>
+        <p:spPr>
+          <a:xfrm>
+            <a:off x="5084467" y="2641880"/>
+            <a:ext cx="1279037" cy="544830"/>
+          </a:xfrm>
+          <a:prstGeom prst="roundRect">
+            <a:avLst/>
+          </a:prstGeom>
+        </p:spPr>
+        <p:style>
+          <a:lnRef idx="2">
+            <a:schemeClr val="accent1"/>
+          </a:lnRef>
+          <a:fillRef idx="1">
+            <a:schemeClr val="lt1"/>
+          </a:fillRef>
+          <a:effectRef idx="0">
+            <a:schemeClr val="accent1"/>
+          </a:effectRef>
+          <a:fontRef idx="minor">
+            <a:schemeClr val="dk1"/>
+          </a:fontRef>
+        </p:style>
+        <p:txBody>
+          <a:bodyPr wrap="square" rtlCol="0">
+            <a:spAutoFit/>
+          </a:bodyPr>
+          <a:lstStyle/>
+          <a:p>
+            <a:r>
+              <a:rPr lang="en-US" sz="1000" dirty="0"/>
+              <a:t>Interoperability</a:t>
+            </a:r>
+          </a:p>
+          <a:p>
+            <a:r>
+              <a:rPr lang="en-US" sz="800" dirty="0"/>
+              <a:t>Export/Import </a:t>
+            </a:r>
+            <a:r>
+              <a:rPr lang="en-US" sz="800" dirty="0">
+                <a:sym typeface="Wingdings" pitchFamily="2" charset="2"/>
+              </a:rPr>
+              <a:t></a:t>
+            </a:r>
+            <a:br>
+              <a:rPr lang="en-US" sz="800" dirty="0">
+                <a:sym typeface="Wingdings" pitchFamily="2" charset="2"/>
+              </a:rPr>
+            </a:br>
+            <a:r>
+              <a:rPr lang="en-US" sz="800" dirty="0">
+                <a:sym typeface="Wingdings" pitchFamily="2" charset="2"/>
+              </a:rPr>
+              <a:t>CANA, </a:t>
+            </a:r>
+            <a:r>
+              <a:rPr lang="en-US" sz="800" dirty="0" err="1">
+                <a:sym typeface="Wingdings" pitchFamily="2" charset="2"/>
+              </a:rPr>
+              <a:t>PyBoolNet</a:t>
+            </a:r>
+            <a:r>
+              <a:rPr lang="en-US" sz="800" dirty="0">
+                <a:sym typeface="Wingdings" pitchFamily="2" charset="2"/>
+              </a:rPr>
+              <a:t>, …</a:t>
+            </a:r>
+            <a:endParaRPr lang="en-US" sz="800" dirty="0"/>
+          </a:p>
+        </p:txBody>
+      </p:sp>
+      <p:cxnSp>
+        <p:nvCxnSpPr>
+          <p:cNvPr id="15" name="Straight Arrow Connector 14">
+            <a:extLst>
+              <a:ext uri="{FF2B5EF4-FFF2-40B4-BE49-F238E27FC236}">
+                <a16:creationId xmlns:a16="http://schemas.microsoft.com/office/drawing/2014/main" id="{74C6DA81-A99A-379C-C36C-C58F7162FFC6}"/>
+              </a:ext>
+            </a:extLst>
+          </p:cNvPr>
+          <p:cNvCxnSpPr>
+            <a:cxnSpLocks/>
+            <a:endCxn id="14" idx="0"/>
+          </p:cNvCxnSpPr>
+          <p:nvPr/>
+        </p:nvCxnSpPr>
+        <p:spPr>
+          <a:xfrm>
+            <a:off x="5723986" y="2245519"/>
+            <a:ext cx="0" cy="396361"/>
+          </a:xfrm>
+          <a:prstGeom prst="straightConnector1">
+            <a:avLst/>
+          </a:prstGeom>
+          <a:ln>
+            <a:tailEnd type="triangle" w="lg" len="lg"/>
+          </a:ln>
+        </p:spPr>
+        <p:style>
+          <a:lnRef idx="2">
+            <a:schemeClr val="accent1"/>
+          </a:lnRef>
+          <a:fillRef idx="0">
+            <a:schemeClr val="accent1"/>
+          </a:fillRef>
+          <a:effectRef idx="1">
+            <a:schemeClr val="accent1"/>
+          </a:effectRef>
+          <a:fontRef idx="minor">
+            <a:schemeClr val="tx1"/>
+          </a:fontRef>
+        </p:style>
+      </p:cxnSp>
+      <p:cxnSp>
+        <p:nvCxnSpPr>
+          <p:cNvPr id="59" name="Straight Arrow Connector 58">
+            <a:extLst>
+              <a:ext uri="{FF2B5EF4-FFF2-40B4-BE49-F238E27FC236}">
+                <a16:creationId xmlns:a16="http://schemas.microsoft.com/office/drawing/2014/main" id="{20C0977D-BEE6-D88B-FDCB-5A58A8EBEB63}"/>
+              </a:ext>
+            </a:extLst>
+          </p:cNvPr>
+          <p:cNvCxnSpPr>
+            <a:cxnSpLocks/>
+          </p:cNvCxnSpPr>
+          <p:nvPr/>
+        </p:nvCxnSpPr>
+        <p:spPr>
+          <a:xfrm>
+            <a:off x="5743399" y="3186710"/>
+            <a:ext cx="0" cy="396361"/>
+          </a:xfrm>
+          <a:prstGeom prst="straightConnector1">
+            <a:avLst/>
+          </a:prstGeom>
+          <a:ln>
+            <a:tailEnd type="triangle" w="lg" len="lg"/>
+          </a:ln>
+        </p:spPr>
+        <p:style>
+          <a:lnRef idx="2">
+            <a:schemeClr val="accent1"/>
+          </a:lnRef>
+          <a:fillRef idx="0">
+            <a:schemeClr val="accent1"/>
+          </a:fillRef>
+          <a:effectRef idx="1">
+            <a:schemeClr val="accent1"/>
+          </a:effectRef>
+          <a:fontRef idx="minor">
+            <a:schemeClr val="tx1"/>
+          </a:fontRef>
+        </p:style>
+      </p:cxnSp>
+      <p:sp>
+        <p:nvSpPr>
+          <p:cNvPr id="2" name="TextBox 1">
+            <a:extLst>
+              <a:ext uri="{FF2B5EF4-FFF2-40B4-BE49-F238E27FC236}">
+                <a16:creationId xmlns:a16="http://schemas.microsoft.com/office/drawing/2014/main" id="{BBEF3BA4-62FE-10A2-F798-432A682F68A0}"/>
+              </a:ext>
+            </a:extLst>
+          </p:cNvPr>
+          <p:cNvSpPr txBox="1"/>
+          <p:nvPr/>
+        </p:nvSpPr>
+        <p:spPr>
+          <a:xfrm>
+            <a:off x="6782291" y="2510287"/>
+            <a:ext cx="2356083" cy="817245"/>
+          </a:xfrm>
+          <a:prstGeom prst="roundRect">
+            <a:avLst/>
+          </a:prstGeom>
+        </p:spPr>
+        <p:style>
+          <a:lnRef idx="2">
+            <a:schemeClr val="accent1"/>
+          </a:lnRef>
+          <a:fillRef idx="1">
+            <a:schemeClr val="lt1"/>
+          </a:fillRef>
+          <a:effectRef idx="0">
+            <a:schemeClr val="accent1"/>
+          </a:effectRef>
+          <a:fontRef idx="minor">
+            <a:schemeClr val="dk1"/>
+          </a:fontRef>
+        </p:style>
+        <p:txBody>
+          <a:bodyPr wrap="square" rtlCol="0">
+            <a:spAutoFit/>
+          </a:bodyPr>
+          <a:lstStyle/>
+          <a:p>
+            <a:r>
+              <a:rPr lang="en-US" sz="1000" b="1" dirty="0"/>
+              <a:t>User Input</a:t>
+            </a:r>
+          </a:p>
+          <a:p>
+            <a:pPr marL="171450" indent="-171450">
+              <a:buFont typeface="Arial" panose="020B0604020202020204" pitchFamily="34" charset="0"/>
+              <a:buChar char="•"/>
+            </a:pPr>
+            <a:r>
+              <a:rPr lang="en-US" sz="800" dirty="0"/>
+              <a:t>Network parameters</a:t>
+            </a:r>
+          </a:p>
+          <a:p>
+            <a:pPr marL="171450" indent="-171450">
+              <a:buFont typeface="Arial" panose="020B0604020202020204" pitchFamily="34" charset="0"/>
+              <a:buChar char="•"/>
+            </a:pPr>
+            <a:r>
+              <a:rPr lang="en-US" sz="800" dirty="0"/>
+              <a:t>Constraints on topology</a:t>
+            </a:r>
+          </a:p>
+          <a:p>
+            <a:pPr marL="171450" indent="-171450">
+              <a:buFont typeface="Arial" panose="020B0604020202020204" pitchFamily="34" charset="0"/>
+              <a:buChar char="•"/>
+            </a:pPr>
+            <a:r>
+              <a:rPr lang="en-US" sz="800" dirty="0"/>
+              <a:t>Constraints on functions</a:t>
+            </a:r>
+          </a:p>
+          <a:p>
+            <a:pPr marL="171450" indent="-171450">
+              <a:buFont typeface="Arial" panose="020B0604020202020204" pitchFamily="34" charset="0"/>
+              <a:buChar char="•"/>
+            </a:pPr>
+            <a:r>
+              <a:rPr lang="en-US" sz="800" dirty="0"/>
+              <a:t>Optional: Network for null model matching</a:t>
+            </a:r>
+          </a:p>
+        </p:txBody>
+      </p:sp>
+      <p:sp>
+        <p:nvSpPr>
+          <p:cNvPr id="17" name="TextBox 16">
+            <a:extLst>
+              <a:ext uri="{FF2B5EF4-FFF2-40B4-BE49-F238E27FC236}">
+                <a16:creationId xmlns:a16="http://schemas.microsoft.com/office/drawing/2014/main" id="{A6DFA139-0033-1D87-5965-1612A7046E0A}"/>
+              </a:ext>
+            </a:extLst>
+          </p:cNvPr>
+          <p:cNvSpPr txBox="1"/>
+          <p:nvPr/>
+        </p:nvSpPr>
+        <p:spPr>
+          <a:xfrm>
+            <a:off x="6782290" y="3492690"/>
+            <a:ext cx="2356083" cy="1362075"/>
+          </a:xfrm>
+          <a:prstGeom prst="roundRect">
+            <a:avLst/>
+          </a:prstGeom>
+        </p:spPr>
+        <p:style>
+          <a:lnRef idx="2">
+            <a:schemeClr val="accent1"/>
+          </a:lnRef>
+          <a:fillRef idx="1">
+            <a:schemeClr val="lt1"/>
+          </a:fillRef>
+          <a:effectRef idx="0">
+            <a:schemeClr val="accent1"/>
+          </a:effectRef>
+          <a:fontRef idx="minor">
+            <a:schemeClr val="dk1"/>
+          </a:fontRef>
+        </p:style>
+        <p:txBody>
+          <a:bodyPr wrap="square" rtlCol="0">
+            <a:spAutoFit/>
+          </a:bodyPr>
+          <a:lstStyle/>
+          <a:p>
+            <a:r>
+              <a:rPr lang="en-US" sz="1000" b="1" dirty="0"/>
+              <a:t>Generation</a:t>
+            </a:r>
+            <a:r>
+              <a:rPr lang="en-US" sz="800" dirty="0"/>
+              <a:t> </a:t>
+            </a:r>
+          </a:p>
+          <a:p>
+            <a:pPr marL="171450" indent="-171450">
+              <a:buFont typeface="Arial" panose="020B0604020202020204" pitchFamily="34" charset="0"/>
+              <a:buChar char="•"/>
+            </a:pPr>
+            <a:r>
+              <a:rPr lang="en-US" sz="800" b="1" dirty="0"/>
+              <a:t>Random Boolean Function Generators </a:t>
+            </a:r>
+            <a:br>
+              <a:rPr lang="en-US" sz="800" dirty="0"/>
+            </a:br>
+            <a:r>
+              <a:rPr lang="en-US" sz="800" i="1" dirty="0"/>
+              <a:t>Sample functions with prescribed structural features</a:t>
+            </a:r>
+          </a:p>
+          <a:p>
+            <a:pPr marL="171450" indent="-171450">
+              <a:buFont typeface="Arial" panose="020B0604020202020204" pitchFamily="34" charset="0"/>
+              <a:buChar char="•"/>
+            </a:pPr>
+            <a:r>
+              <a:rPr lang="en-US" sz="800" b="1" dirty="0"/>
+              <a:t>Random Boolean Network Generators</a:t>
+            </a:r>
+            <a:br>
+              <a:rPr lang="en-US" sz="800" dirty="0"/>
+            </a:br>
+            <a:r>
+              <a:rPr lang="en-US" sz="800" i="1" dirty="0"/>
+              <a:t>Generate networks with controlled properties</a:t>
+            </a:r>
+            <a:r>
+              <a:rPr lang="en-US" sz="800" dirty="0"/>
+              <a:t> </a:t>
+            </a:r>
+          </a:p>
+          <a:p>
+            <a:pPr marL="171450" indent="-171450">
+              <a:buFont typeface="Arial" panose="020B0604020202020204" pitchFamily="34" charset="0"/>
+              <a:buChar char="•"/>
+            </a:pPr>
+            <a:r>
+              <a:rPr lang="en-US" sz="800" dirty="0"/>
+              <a:t>Output: Single networks, large ensembles, or customized null models</a:t>
+            </a:r>
+          </a:p>
+        </p:txBody>
+      </p:sp>
+      <p:sp>
+        <p:nvSpPr>
+          <p:cNvPr id="18" name="TextBox 17">
+            <a:extLst>
+              <a:ext uri="{FF2B5EF4-FFF2-40B4-BE49-F238E27FC236}">
+                <a16:creationId xmlns:a16="http://schemas.microsoft.com/office/drawing/2014/main" id="{AAE02E2B-C70B-A642-1E2A-F43C49D2DC31}"/>
+              </a:ext>
+            </a:extLst>
+          </p:cNvPr>
+          <p:cNvSpPr txBox="1"/>
+          <p:nvPr/>
+        </p:nvSpPr>
+        <p:spPr>
+          <a:xfrm>
+            <a:off x="9448370" y="3866458"/>
+            <a:ext cx="2356083" cy="953453"/>
+          </a:xfrm>
+          <a:prstGeom prst="roundRect">
+            <a:avLst/>
+          </a:prstGeom>
+        </p:spPr>
+        <p:style>
+          <a:lnRef idx="2">
+            <a:schemeClr val="accent1"/>
+          </a:lnRef>
+          <a:fillRef idx="1">
+            <a:schemeClr val="lt1"/>
+          </a:fillRef>
+          <a:effectRef idx="0">
+            <a:schemeClr val="accent1"/>
+          </a:effectRef>
+          <a:fontRef idx="minor">
+            <a:schemeClr val="dk1"/>
+          </a:fontRef>
+        </p:style>
+        <p:txBody>
+          <a:bodyPr wrap="square" rtlCol="0">
+            <a:spAutoFit/>
+          </a:bodyPr>
+          <a:lstStyle/>
+          <a:p>
+            <a:r>
+              <a:rPr lang="en-US" sz="1000" b="1" dirty="0"/>
+              <a:t>Analysis</a:t>
+            </a:r>
+            <a:r>
+              <a:rPr lang="en-US" sz="800" dirty="0"/>
+              <a:t> </a:t>
+            </a:r>
+          </a:p>
+          <a:p>
+            <a:pPr marL="171450" indent="-171450">
+              <a:buFont typeface="Arial" panose="020B0604020202020204" pitchFamily="34" charset="0"/>
+              <a:buChar char="•"/>
+            </a:pPr>
+            <a:r>
+              <a:rPr lang="en-US" sz="800" dirty="0"/>
+              <a:t>Function-level metrics </a:t>
+            </a:r>
+            <a:br>
+              <a:rPr lang="en-US" sz="800" dirty="0"/>
+            </a:br>
+            <a:r>
+              <a:rPr lang="en-US" sz="800" i="1" dirty="0"/>
+              <a:t>canalization, redundancy, symmetry, sensitivity</a:t>
+            </a:r>
+          </a:p>
+          <a:p>
+            <a:pPr marL="171450" indent="-171450">
+              <a:buFont typeface="Arial" panose="020B0604020202020204" pitchFamily="34" charset="0"/>
+              <a:buChar char="•"/>
+            </a:pPr>
+            <a:r>
+              <a:rPr lang="en-US" sz="800" dirty="0"/>
+              <a:t>Network-level metrics </a:t>
+            </a:r>
+            <a:br>
+              <a:rPr lang="en-US" sz="800" dirty="0"/>
+            </a:br>
+            <a:r>
+              <a:rPr lang="en-US" sz="800" i="1" dirty="0"/>
+              <a:t>attractors, robustness, motifs, coherence</a:t>
+            </a:r>
+          </a:p>
+        </p:txBody>
+      </p:sp>
+      <p:sp>
+        <p:nvSpPr>
+          <p:cNvPr id="19" name="TextBox 18">
+            <a:extLst>
+              <a:ext uri="{FF2B5EF4-FFF2-40B4-BE49-F238E27FC236}">
+                <a16:creationId xmlns:a16="http://schemas.microsoft.com/office/drawing/2014/main" id="{B127E6E4-2E41-6DC0-D66A-4CF32E7E8EBA}"/>
+              </a:ext>
+            </a:extLst>
+          </p:cNvPr>
+          <p:cNvSpPr txBox="1"/>
+          <p:nvPr/>
+        </p:nvSpPr>
+        <p:spPr>
+          <a:xfrm>
+            <a:off x="9448369" y="2337766"/>
+            <a:ext cx="2356083" cy="1362075"/>
+          </a:xfrm>
+          <a:prstGeom prst="roundRect">
+            <a:avLst/>
+          </a:prstGeom>
+        </p:spPr>
+        <p:style>
+          <a:lnRef idx="2">
+            <a:schemeClr val="accent1"/>
+          </a:lnRef>
+          <a:fillRef idx="1">
+            <a:schemeClr val="lt1"/>
+          </a:fillRef>
+          <a:effectRef idx="0">
+            <a:schemeClr val="accent1"/>
+          </a:effectRef>
+          <a:fontRef idx="minor">
+            <a:schemeClr val="dk1"/>
+          </a:fontRef>
+        </p:style>
+        <p:txBody>
+          <a:bodyPr wrap="square" rtlCol="0">
+            <a:spAutoFit/>
+          </a:bodyPr>
+          <a:lstStyle/>
+          <a:p>
+            <a:r>
+              <a:rPr lang="en-US" sz="1000" b="1" dirty="0"/>
+              <a:t>Generation</a:t>
+            </a:r>
+            <a:r>
+              <a:rPr lang="en-US" sz="800" dirty="0"/>
+              <a:t> </a:t>
+            </a:r>
+          </a:p>
+          <a:p>
+            <a:pPr marL="171450" indent="-171450">
+              <a:buFont typeface="Arial" panose="020B0604020202020204" pitchFamily="34" charset="0"/>
+              <a:buChar char="•"/>
+            </a:pPr>
+            <a:r>
+              <a:rPr lang="en-US" sz="800" b="1" dirty="0"/>
+              <a:t>Random Boolean Function Generators </a:t>
+            </a:r>
+            <a:br>
+              <a:rPr lang="en-US" sz="800" dirty="0"/>
+            </a:br>
+            <a:r>
+              <a:rPr lang="en-US" sz="800" i="1" dirty="0"/>
+              <a:t>Sample functions with prescribed structural features</a:t>
+            </a:r>
+          </a:p>
+          <a:p>
+            <a:pPr marL="171450" indent="-171450">
+              <a:buFont typeface="Arial" panose="020B0604020202020204" pitchFamily="34" charset="0"/>
+              <a:buChar char="•"/>
+            </a:pPr>
+            <a:r>
+              <a:rPr lang="en-US" sz="800" b="1" dirty="0"/>
+              <a:t>Random Boolean Network Generators</a:t>
+            </a:r>
+            <a:br>
+              <a:rPr lang="en-US" sz="800" dirty="0"/>
+            </a:br>
+            <a:r>
+              <a:rPr lang="en-US" sz="800" i="1" dirty="0"/>
+              <a:t>Generate networks with controlled properties</a:t>
+            </a:r>
+            <a:r>
+              <a:rPr lang="en-US" sz="800" dirty="0"/>
+              <a:t> </a:t>
+            </a:r>
+          </a:p>
+          <a:p>
+            <a:pPr marL="171450" indent="-171450">
+              <a:buFont typeface="Arial" panose="020B0604020202020204" pitchFamily="34" charset="0"/>
+              <a:buChar char="•"/>
+            </a:pPr>
+            <a:r>
+              <a:rPr lang="en-US" sz="800" dirty="0"/>
+              <a:t>Output: Single networks, large ensembles, or customized null models</a:t>
+            </a:r>
+          </a:p>
+        </p:txBody>
+      </p:sp>
+    </p:spTree>
+    <p:extLst>
+      <p:ext uri="{BB962C8B-B14F-4D97-AF65-F5344CB8AC3E}">
+        <p14:creationId xmlns:p14="http://schemas.microsoft.com/office/powerpoint/2010/main" val="1824653240"/>
       </p:ext>
     </p:extLst>
   </p:cSld>

--- a/paper/figures.pptx
+++ b/paper/figures.pptx
@@ -4,6 +4,9 @@
   <p:sldMasterIdLst>
     <p:sldMasterId id="2147483648" r:id="rId1"/>
   </p:sldMasterIdLst>
+  <p:notesMasterIdLst>
+    <p:notesMasterId r:id="rId16"/>
+  </p:notesMasterIdLst>
   <p:sldIdLst>
     <p:sldId id="256" r:id="rId2"/>
     <p:sldId id="257" r:id="rId3"/>
@@ -14,6 +17,11 @@
     <p:sldId id="262" r:id="rId8"/>
     <p:sldId id="263" r:id="rId9"/>
     <p:sldId id="264" r:id="rId10"/>
+    <p:sldId id="266" r:id="rId11"/>
+    <p:sldId id="267" r:id="rId12"/>
+    <p:sldId id="269" r:id="rId13"/>
+    <p:sldId id="265" r:id="rId14"/>
+    <p:sldId id="268" r:id="rId15"/>
   </p:sldIdLst>
   <p:sldSz cx="12192000" cy="6858000"/>
   <p:notesSz cx="6858000" cy="9144000"/>
@@ -123,7 +131,7 @@
 <file path=ppt/revisionInfo.xml><?xml version="1.0" encoding="utf-8"?>
 <p1510:revInfo xmlns:a="http://schemas.openxmlformats.org/drawingml/2006/main" xmlns:r="http://schemas.openxmlformats.org/officeDocument/2006/relationships" xmlns:p1510="http://schemas.microsoft.com/office/powerpoint/2015/10/main">
   <p1510:revLst>
-    <p1510:client id="{58176077-7511-DA4D-8290-77F28AB65BEC}" v="13" dt="2026-02-13T16:12:08.089"/>
+    <p1510:client id="{58176077-7511-DA4D-8290-77F28AB65BEC}" v="111" dt="2026-02-15T04:28:16.277"/>
   </p1510:revLst>
 </p1510:revInfo>
 </file>
@@ -133,7 +141,7 @@
   <pc:docChgLst>
     <pc:chgData name="Kadelka, Claus [MATH]" userId="3587954921_tp_box_2" providerId="OAuth2" clId="{3A5D34D3-13CC-588F-87D8-4157F9E149E9}"/>
     <pc:docChg chg="undo custSel addSld modSld">
-      <pc:chgData name="Kadelka, Claus [MATH]" userId="3587954921_tp_box_2" providerId="OAuth2" clId="{3A5D34D3-13CC-588F-87D8-4157F9E149E9}" dt="2026-02-13T16:12:11.065" v="655" actId="1076"/>
+      <pc:chgData name="Kadelka, Claus [MATH]" userId="3587954921_tp_box_2" providerId="OAuth2" clId="{3A5D34D3-13CC-588F-87D8-4157F9E149E9}" dt="2026-02-15T04:29:40.342" v="3799" actId="1076"/>
       <pc:docMkLst>
         <pc:docMk/>
       </pc:docMkLst>
@@ -319,38 +327,94 @@
           </ac:cxnSpMkLst>
         </pc:cxnChg>
       </pc:sldChg>
-      <pc:sldChg chg="addSp modSp add mod">
-        <pc:chgData name="Kadelka, Claus [MATH]" userId="3587954921_tp_box_2" providerId="OAuth2" clId="{3A5D34D3-13CC-588F-87D8-4157F9E149E9}" dt="2026-02-13T16:12:11.065" v="655" actId="1076"/>
+      <pc:sldChg chg="addSp delSp modSp add mod">
+        <pc:chgData name="Kadelka, Claus [MATH]" userId="3587954921_tp_box_2" providerId="OAuth2" clId="{3A5D34D3-13CC-588F-87D8-4157F9E149E9}" dt="2026-02-14T04:26:58.922" v="2286" actId="1076"/>
         <pc:sldMkLst>
           <pc:docMk/>
           <pc:sldMk cId="1824653240" sldId="264"/>
         </pc:sldMkLst>
         <pc:spChg chg="add mod">
-          <ac:chgData name="Kadelka, Claus [MATH]" userId="3587954921_tp_box_2" providerId="OAuth2" clId="{3A5D34D3-13CC-588F-87D8-4157F9E149E9}" dt="2026-02-13T16:12:03.886" v="653" actId="1076"/>
+          <ac:chgData name="Kadelka, Claus [MATH]" userId="3587954921_tp_box_2" providerId="OAuth2" clId="{3A5D34D3-13CC-588F-87D8-4157F9E149E9}" dt="2026-02-14T04:23:23.725" v="2273" actId="1076"/>
           <ac:spMkLst>
             <pc:docMk/>
             <pc:sldMk cId="1824653240" sldId="264"/>
             <ac:spMk id="2" creationId="{BBEF3BA4-62FE-10A2-F798-432A682F68A0}"/>
           </ac:spMkLst>
         </pc:spChg>
-        <pc:spChg chg="add">
-          <ac:chgData name="Kadelka, Claus [MATH]" userId="3587954921_tp_box_2" providerId="OAuth2" clId="{3A5D34D3-13CC-588F-87D8-4157F9E149E9}" dt="2026-02-13T16:07:09.399" v="563"/>
+        <pc:spChg chg="del">
+          <ac:chgData name="Kadelka, Claus [MATH]" userId="3587954921_tp_box_2" providerId="OAuth2" clId="{3A5D34D3-13CC-588F-87D8-4157F9E149E9}" dt="2026-02-14T00:39:31.197" v="843" actId="478"/>
           <ac:spMkLst>
             <pc:docMk/>
             <pc:sldMk cId="1824653240" sldId="264"/>
-            <ac:spMk id="13" creationId="{3D4BC458-63EF-D67C-42E7-40C425761186}"/>
+            <ac:spMk id="3" creationId="{795B80F1-D9E0-8617-5C32-65544A6D8B73}"/>
           </ac:spMkLst>
         </pc:spChg>
-        <pc:spChg chg="add">
-          <ac:chgData name="Kadelka, Claus [MATH]" userId="3587954921_tp_box_2" providerId="OAuth2" clId="{3A5D34D3-13CC-588F-87D8-4157F9E149E9}" dt="2026-02-13T16:07:20.923" v="564"/>
+        <pc:spChg chg="del">
+          <ac:chgData name="Kadelka, Claus [MATH]" userId="3587954921_tp_box_2" providerId="OAuth2" clId="{3A5D34D3-13CC-588F-87D8-4157F9E149E9}" dt="2026-02-14T00:39:31.197" v="843" actId="478"/>
           <ac:spMkLst>
             <pc:docMk/>
             <pc:sldMk cId="1824653240" sldId="264"/>
-            <ac:spMk id="16" creationId="{2ACAC20C-179C-670B-8206-4900DE92CFBA}"/>
+            <ac:spMk id="4" creationId="{0369CE56-7B43-38DB-A4D7-2CC68BD4AF2F}"/>
+          </ac:spMkLst>
+        </pc:spChg>
+        <pc:spChg chg="del">
+          <ac:chgData name="Kadelka, Claus [MATH]" userId="3587954921_tp_box_2" providerId="OAuth2" clId="{3A5D34D3-13CC-588F-87D8-4157F9E149E9}" dt="2026-02-14T00:39:31.197" v="843" actId="478"/>
+          <ac:spMkLst>
+            <pc:docMk/>
+            <pc:sldMk cId="1824653240" sldId="264"/>
+            <ac:spMk id="5" creationId="{EDBEDA5E-92FC-4ED3-B196-392579CE3D88}"/>
+          </ac:spMkLst>
+        </pc:spChg>
+        <pc:spChg chg="del">
+          <ac:chgData name="Kadelka, Claus [MATH]" userId="3587954921_tp_box_2" providerId="OAuth2" clId="{3A5D34D3-13CC-588F-87D8-4157F9E149E9}" dt="2026-02-14T00:39:31.197" v="843" actId="478"/>
+          <ac:spMkLst>
+            <pc:docMk/>
+            <pc:sldMk cId="1824653240" sldId="264"/>
+            <ac:spMk id="6" creationId="{073F7244-04F4-800D-28DE-68B66325DF9D}"/>
+          </ac:spMkLst>
+        </pc:spChg>
+        <pc:spChg chg="del">
+          <ac:chgData name="Kadelka, Claus [MATH]" userId="3587954921_tp_box_2" providerId="OAuth2" clId="{3A5D34D3-13CC-588F-87D8-4157F9E149E9}" dt="2026-02-14T00:39:31.197" v="843" actId="478"/>
+          <ac:spMkLst>
+            <pc:docMk/>
+            <pc:sldMk cId="1824653240" sldId="264"/>
+            <ac:spMk id="7" creationId="{24FE043E-DFBC-160A-7040-D5B8CD3BEC3C}"/>
+          </ac:spMkLst>
+        </pc:spChg>
+        <pc:spChg chg="del">
+          <ac:chgData name="Kadelka, Claus [MATH]" userId="3587954921_tp_box_2" providerId="OAuth2" clId="{3A5D34D3-13CC-588F-87D8-4157F9E149E9}" dt="2026-02-14T00:39:31.197" v="843" actId="478"/>
+          <ac:spMkLst>
+            <pc:docMk/>
+            <pc:sldMk cId="1824653240" sldId="264"/>
+            <ac:spMk id="8" creationId="{BF352D68-4734-1AC7-EF41-5FF1ED52B734}"/>
+          </ac:spMkLst>
+        </pc:spChg>
+        <pc:spChg chg="del">
+          <ac:chgData name="Kadelka, Claus [MATH]" userId="3587954921_tp_box_2" providerId="OAuth2" clId="{3A5D34D3-13CC-588F-87D8-4157F9E149E9}" dt="2026-02-14T00:39:31.197" v="843" actId="478"/>
+          <ac:spMkLst>
+            <pc:docMk/>
+            <pc:sldMk cId="1824653240" sldId="264"/>
+            <ac:spMk id="9" creationId="{E2B8648D-EE53-7ABF-C3D6-83E81490D0DF}"/>
+          </ac:spMkLst>
+        </pc:spChg>
+        <pc:spChg chg="del">
+          <ac:chgData name="Kadelka, Claus [MATH]" userId="3587954921_tp_box_2" providerId="OAuth2" clId="{3A5D34D3-13CC-588F-87D8-4157F9E149E9}" dt="2026-02-14T00:39:31.197" v="843" actId="478"/>
+          <ac:spMkLst>
+            <pc:docMk/>
+            <pc:sldMk cId="1824653240" sldId="264"/>
+            <ac:spMk id="10" creationId="{3EDE5DB8-D1DE-5625-9952-54C8436DF443}"/>
+          </ac:spMkLst>
+        </pc:spChg>
+        <pc:spChg chg="del">
+          <ac:chgData name="Kadelka, Claus [MATH]" userId="3587954921_tp_box_2" providerId="OAuth2" clId="{3A5D34D3-13CC-588F-87D8-4157F9E149E9}" dt="2026-02-14T00:39:31.197" v="843" actId="478"/>
+          <ac:spMkLst>
+            <pc:docMk/>
+            <pc:sldMk cId="1824653240" sldId="264"/>
+            <ac:spMk id="14" creationId="{2C14E69B-95C9-B191-43C8-A733B2A30931}"/>
           </ac:spMkLst>
         </pc:spChg>
         <pc:spChg chg="add mod">
-          <ac:chgData name="Kadelka, Claus [MATH]" userId="3587954921_tp_box_2" providerId="OAuth2" clId="{3A5D34D3-13CC-588F-87D8-4157F9E149E9}" dt="2026-02-13T16:12:03.886" v="653" actId="1076"/>
+          <ac:chgData name="Kadelka, Claus [MATH]" userId="3587954921_tp_box_2" providerId="OAuth2" clId="{3A5D34D3-13CC-588F-87D8-4157F9E149E9}" dt="2026-02-14T04:26:58.922" v="2286" actId="1076"/>
           <ac:spMkLst>
             <pc:docMk/>
             <pc:sldMk cId="1824653240" sldId="264"/>
@@ -358,7 +422,7 @@
           </ac:spMkLst>
         </pc:spChg>
         <pc:spChg chg="add mod">
-          <ac:chgData name="Kadelka, Claus [MATH]" userId="3587954921_tp_box_2" providerId="OAuth2" clId="{3A5D34D3-13CC-588F-87D8-4157F9E149E9}" dt="2026-02-13T16:12:03.886" v="653" actId="1076"/>
+          <ac:chgData name="Kadelka, Claus [MATH]" userId="3587954921_tp_box_2" providerId="OAuth2" clId="{3A5D34D3-13CC-588F-87D8-4157F9E149E9}" dt="2026-02-14T04:23:18.768" v="2271" actId="14100"/>
           <ac:spMkLst>
             <pc:docMk/>
             <pc:sldMk cId="1824653240" sldId="264"/>
@@ -366,17 +430,1481 @@
           </ac:spMkLst>
         </pc:spChg>
         <pc:spChg chg="add mod">
-          <ac:chgData name="Kadelka, Claus [MATH]" userId="3587954921_tp_box_2" providerId="OAuth2" clId="{3A5D34D3-13CC-588F-87D8-4157F9E149E9}" dt="2026-02-13T16:12:11.065" v="655" actId="1076"/>
+          <ac:chgData name="Kadelka, Claus [MATH]" userId="3587954921_tp_box_2" providerId="OAuth2" clId="{3A5D34D3-13CC-588F-87D8-4157F9E149E9}" dt="2026-02-14T04:23:21.530" v="2272" actId="1076"/>
           <ac:spMkLst>
             <pc:docMk/>
             <pc:sldMk cId="1824653240" sldId="264"/>
             <ac:spMk id="19" creationId="{B127E6E4-2E41-6DC0-D66A-4CF32E7E8EBA}"/>
           </ac:spMkLst>
         </pc:spChg>
+        <pc:spChg chg="del">
+          <ac:chgData name="Kadelka, Claus [MATH]" userId="3587954921_tp_box_2" providerId="OAuth2" clId="{3A5D34D3-13CC-588F-87D8-4157F9E149E9}" dt="2026-02-14T00:39:31.197" v="843" actId="478"/>
+          <ac:spMkLst>
+            <pc:docMk/>
+            <pc:sldMk cId="1824653240" sldId="264"/>
+            <ac:spMk id="64" creationId="{DAE05BDB-37EF-1776-CE64-E37C4D5AB336}"/>
+          </ac:spMkLst>
+        </pc:spChg>
+        <pc:cxnChg chg="add mod">
+          <ac:chgData name="Kadelka, Claus [MATH]" userId="3587954921_tp_box_2" providerId="OAuth2" clId="{3A5D34D3-13CC-588F-87D8-4157F9E149E9}" dt="2026-02-14T04:26:58.922" v="2286" actId="1076"/>
+          <ac:cxnSpMkLst>
+            <pc:docMk/>
+            <pc:sldMk cId="1824653240" sldId="264"/>
+            <ac:cxnSpMk id="20" creationId="{4BE494B3-1C38-AE25-9A12-52B1E330AB0A}"/>
+          </ac:cxnSpMkLst>
+        </pc:cxnChg>
+        <pc:cxnChg chg="add mod">
+          <ac:chgData name="Kadelka, Claus [MATH]" userId="3587954921_tp_box_2" providerId="OAuth2" clId="{3A5D34D3-13CC-588F-87D8-4157F9E149E9}" dt="2026-02-14T04:26:58.922" v="2286" actId="1076"/>
+          <ac:cxnSpMkLst>
+            <pc:docMk/>
+            <pc:sldMk cId="1824653240" sldId="264"/>
+            <ac:cxnSpMk id="24" creationId="{77604F8A-E310-3EFD-9412-5D29BE5284C8}"/>
+          </ac:cxnSpMkLst>
+        </pc:cxnChg>
+        <pc:cxnChg chg="add mod">
+          <ac:chgData name="Kadelka, Claus [MATH]" userId="3587954921_tp_box_2" providerId="OAuth2" clId="{3A5D34D3-13CC-588F-87D8-4157F9E149E9}" dt="2026-02-14T04:23:45.196" v="2282" actId="14100"/>
+          <ac:cxnSpMkLst>
+            <pc:docMk/>
+            <pc:sldMk cId="1824653240" sldId="264"/>
+            <ac:cxnSpMk id="29" creationId="{C14D94DD-3A07-3830-6ECC-67BD852BF7C0}"/>
+          </ac:cxnSpMkLst>
+        </pc:cxnChg>
+      </pc:sldChg>
+      <pc:sldChg chg="addSp delSp modSp add mod">
+        <pc:chgData name="Kadelka, Claus [MATH]" userId="3587954921_tp_box_2" providerId="OAuth2" clId="{3A5D34D3-13CC-588F-87D8-4157F9E149E9}" dt="2026-02-14T00:54:45.748" v="1643" actId="1076"/>
+        <pc:sldMkLst>
+          <pc:docMk/>
+          <pc:sldMk cId="401518677" sldId="265"/>
+        </pc:sldMkLst>
+        <pc:spChg chg="del">
+          <ac:chgData name="Kadelka, Claus [MATH]" userId="3587954921_tp_box_2" providerId="OAuth2" clId="{3A5D34D3-13CC-588F-87D8-4157F9E149E9}" dt="2026-02-14T00:48:43.305" v="1147" actId="478"/>
+          <ac:spMkLst>
+            <pc:docMk/>
+            <pc:sldMk cId="401518677" sldId="265"/>
+            <ac:spMk id="2" creationId="{CC96EF0D-8062-09D2-6C46-15854902BB21}"/>
+          </ac:spMkLst>
+        </pc:spChg>
+        <pc:spChg chg="add mod">
+          <ac:chgData name="Kadelka, Claus [MATH]" userId="3587954921_tp_box_2" providerId="OAuth2" clId="{3A5D34D3-13CC-588F-87D8-4157F9E149E9}" dt="2026-02-14T00:49:24.445" v="1229" actId="20577"/>
+          <ac:spMkLst>
+            <pc:docMk/>
+            <pc:sldMk cId="401518677" sldId="265"/>
+            <ac:spMk id="3" creationId="{60F3A772-A2C7-01E5-95CF-B6FC792A1454}"/>
+          </ac:spMkLst>
+        </pc:spChg>
+        <pc:spChg chg="add mod">
+          <ac:chgData name="Kadelka, Claus [MATH]" userId="3587954921_tp_box_2" providerId="OAuth2" clId="{3A5D34D3-13CC-588F-87D8-4157F9E149E9}" dt="2026-02-14T00:50:00.489" v="1281" actId="1076"/>
+          <ac:spMkLst>
+            <pc:docMk/>
+            <pc:sldMk cId="401518677" sldId="265"/>
+            <ac:spMk id="4" creationId="{7FBAC9DB-401B-87D0-D304-E9CD4FFEA054}"/>
+          </ac:spMkLst>
+        </pc:spChg>
+        <pc:spChg chg="add del mod">
+          <ac:chgData name="Kadelka, Claus [MATH]" userId="3587954921_tp_box_2" providerId="OAuth2" clId="{3A5D34D3-13CC-588F-87D8-4157F9E149E9}" dt="2026-02-14T00:50:24.665" v="1367"/>
+          <ac:spMkLst>
+            <pc:docMk/>
+            <pc:sldMk cId="401518677" sldId="265"/>
+            <ac:spMk id="5" creationId="{A3A3B4C3-321A-E097-90F7-1534C82FFFBF}"/>
+          </ac:spMkLst>
+        </pc:spChg>
+        <pc:spChg chg="add mod">
+          <ac:chgData name="Kadelka, Claus [MATH]" userId="3587954921_tp_box_2" providerId="OAuth2" clId="{3A5D34D3-13CC-588F-87D8-4157F9E149E9}" dt="2026-02-14T00:54:45.748" v="1643" actId="1076"/>
+          <ac:spMkLst>
+            <pc:docMk/>
+            <pc:sldMk cId="401518677" sldId="265"/>
+            <ac:spMk id="6" creationId="{6E2F1E61-07CB-A9B6-192C-5D856BEB279B}"/>
+          </ac:spMkLst>
+        </pc:spChg>
+        <pc:spChg chg="add mod">
+          <ac:chgData name="Kadelka, Claus [MATH]" userId="3587954921_tp_box_2" providerId="OAuth2" clId="{3A5D34D3-13CC-588F-87D8-4157F9E149E9}" dt="2026-02-14T00:54:29.905" v="1642" actId="1076"/>
+          <ac:spMkLst>
+            <pc:docMk/>
+            <pc:sldMk cId="401518677" sldId="265"/>
+            <ac:spMk id="7" creationId="{B109F9C5-CD3C-6F8D-4102-05DBE9D49E80}"/>
+          </ac:spMkLst>
+        </pc:spChg>
+        <pc:spChg chg="add mod">
+          <ac:chgData name="Kadelka, Claus [MATH]" userId="3587954921_tp_box_2" providerId="OAuth2" clId="{3A5D34D3-13CC-588F-87D8-4157F9E149E9}" dt="2026-02-14T00:51:20.326" v="1559" actId="313"/>
+          <ac:spMkLst>
+            <pc:docMk/>
+            <pc:sldMk cId="401518677" sldId="265"/>
+            <ac:spMk id="8" creationId="{9D6A2D28-B59E-CB79-79A4-5C7011DBAB95}"/>
+          </ac:spMkLst>
+        </pc:spChg>
+        <pc:spChg chg="add mod">
+          <ac:chgData name="Kadelka, Claus [MATH]" userId="3587954921_tp_box_2" providerId="OAuth2" clId="{3A5D34D3-13CC-588F-87D8-4157F9E149E9}" dt="2026-02-14T00:53:36.040" v="1625" actId="20577"/>
+          <ac:spMkLst>
+            <pc:docMk/>
+            <pc:sldMk cId="401518677" sldId="265"/>
+            <ac:spMk id="9" creationId="{78D4F520-DE3C-2AC9-ED94-3684C37AF8C5}"/>
+          </ac:spMkLst>
+        </pc:spChg>
+        <pc:spChg chg="del">
+          <ac:chgData name="Kadelka, Claus [MATH]" userId="3587954921_tp_box_2" providerId="OAuth2" clId="{3A5D34D3-13CC-588F-87D8-4157F9E149E9}" dt="2026-02-14T00:48:43.305" v="1147" actId="478"/>
+          <ac:spMkLst>
+            <pc:docMk/>
+            <pc:sldMk cId="401518677" sldId="265"/>
+            <ac:spMk id="17" creationId="{7E5A23D6-23E8-F156-6427-CA580CFAE4AE}"/>
+          </ac:spMkLst>
+        </pc:spChg>
+        <pc:spChg chg="del">
+          <ac:chgData name="Kadelka, Claus [MATH]" userId="3587954921_tp_box_2" providerId="OAuth2" clId="{3A5D34D3-13CC-588F-87D8-4157F9E149E9}" dt="2026-02-14T00:48:43.305" v="1147" actId="478"/>
+          <ac:spMkLst>
+            <pc:docMk/>
+            <pc:sldMk cId="401518677" sldId="265"/>
+            <ac:spMk id="18" creationId="{3596E652-90A2-6331-A523-6D57A371B131}"/>
+          </ac:spMkLst>
+        </pc:spChg>
+        <pc:spChg chg="del">
+          <ac:chgData name="Kadelka, Claus [MATH]" userId="3587954921_tp_box_2" providerId="OAuth2" clId="{3A5D34D3-13CC-588F-87D8-4157F9E149E9}" dt="2026-02-14T00:48:43.305" v="1147" actId="478"/>
+          <ac:spMkLst>
+            <pc:docMk/>
+            <pc:sldMk cId="401518677" sldId="265"/>
+            <ac:spMk id="19" creationId="{E1EBFB5E-9B87-29E7-6C71-6FD35043B38C}"/>
+          </ac:spMkLst>
+        </pc:spChg>
+      </pc:sldChg>
+      <pc:sldChg chg="modSp add mod">
+        <pc:chgData name="Kadelka, Claus [MATH]" userId="3587954921_tp_box_2" providerId="OAuth2" clId="{3A5D34D3-13CC-588F-87D8-4157F9E149E9}" dt="2026-02-14T04:51:37.615" v="2683" actId="114"/>
+        <pc:sldMkLst>
+          <pc:docMk/>
+          <pc:sldMk cId="1259902216" sldId="266"/>
+        </pc:sldMkLst>
+        <pc:spChg chg="mod">
+          <ac:chgData name="Kadelka, Claus [MATH]" userId="3587954921_tp_box_2" providerId="OAuth2" clId="{3A5D34D3-13CC-588F-87D8-4157F9E149E9}" dt="2026-02-14T04:49:35.384" v="2668" actId="14100"/>
+          <ac:spMkLst>
+            <pc:docMk/>
+            <pc:sldMk cId="1259902216" sldId="266"/>
+            <ac:spMk id="2" creationId="{36D0AC01-FE54-4085-1975-447DEA318C94}"/>
+          </ac:spMkLst>
+        </pc:spChg>
+        <pc:spChg chg="mod">
+          <ac:chgData name="Kadelka, Claus [MATH]" userId="3587954921_tp_box_2" providerId="OAuth2" clId="{3A5D34D3-13CC-588F-87D8-4157F9E149E9}" dt="2026-02-14T04:51:37.615" v="2683" actId="114"/>
+          <ac:spMkLst>
+            <pc:docMk/>
+            <pc:sldMk cId="1259902216" sldId="266"/>
+            <ac:spMk id="17" creationId="{DCE35789-5F2F-7726-7B85-FDB12FE10BE2}"/>
+          </ac:spMkLst>
+        </pc:spChg>
+        <pc:spChg chg="mod">
+          <ac:chgData name="Kadelka, Claus [MATH]" userId="3587954921_tp_box_2" providerId="OAuth2" clId="{3A5D34D3-13CC-588F-87D8-4157F9E149E9}" dt="2026-02-14T04:36:25.409" v="2549" actId="207"/>
+          <ac:spMkLst>
+            <pc:docMk/>
+            <pc:sldMk cId="1259902216" sldId="266"/>
+            <ac:spMk id="18" creationId="{FCE41792-2E31-D344-F837-D9E5F1917539}"/>
+          </ac:spMkLst>
+        </pc:spChg>
+        <pc:spChg chg="mod">
+          <ac:chgData name="Kadelka, Claus [MATH]" userId="3587954921_tp_box_2" providerId="OAuth2" clId="{3A5D34D3-13CC-588F-87D8-4157F9E149E9}" dt="2026-02-14T04:50:53.840" v="2676" actId="20577"/>
+          <ac:spMkLst>
+            <pc:docMk/>
+            <pc:sldMk cId="1259902216" sldId="266"/>
+            <ac:spMk id="19" creationId="{760B4262-C410-82C9-7060-8A4B80A5DCAD}"/>
+          </ac:spMkLst>
+        </pc:spChg>
+        <pc:cxnChg chg="mod">
+          <ac:chgData name="Kadelka, Claus [MATH]" userId="3587954921_tp_box_2" providerId="OAuth2" clId="{3A5D34D3-13CC-588F-87D8-4157F9E149E9}" dt="2026-02-14T04:49:35.384" v="2668" actId="14100"/>
+          <ac:cxnSpMkLst>
+            <pc:docMk/>
+            <pc:sldMk cId="1259902216" sldId="266"/>
+            <ac:cxnSpMk id="20" creationId="{D9E1893C-10B0-4EB4-271E-36DB21C0759D}"/>
+          </ac:cxnSpMkLst>
+        </pc:cxnChg>
+        <pc:cxnChg chg="mod">
+          <ac:chgData name="Kadelka, Claus [MATH]" userId="3587954921_tp_box_2" providerId="OAuth2" clId="{3A5D34D3-13CC-588F-87D8-4157F9E149E9}" dt="2026-02-14T04:32:01.687" v="2475" actId="14100"/>
+          <ac:cxnSpMkLst>
+            <pc:docMk/>
+            <pc:sldMk cId="1259902216" sldId="266"/>
+            <ac:cxnSpMk id="24" creationId="{9B758DCF-4FFB-E8A7-F4B1-F970AFEE391E}"/>
+          </ac:cxnSpMkLst>
+        </pc:cxnChg>
+        <pc:cxnChg chg="mod">
+          <ac:chgData name="Kadelka, Claus [MATH]" userId="3587954921_tp_box_2" providerId="OAuth2" clId="{3A5D34D3-13CC-588F-87D8-4157F9E149E9}" dt="2026-02-14T04:32:01.687" v="2475" actId="14100"/>
+          <ac:cxnSpMkLst>
+            <pc:docMk/>
+            <pc:sldMk cId="1259902216" sldId="266"/>
+            <ac:cxnSpMk id="29" creationId="{45BBD938-382A-FF54-6DE7-145EB8C52946}"/>
+          </ac:cxnSpMkLst>
+        </pc:cxnChg>
+      </pc:sldChg>
+      <pc:sldChg chg="addSp delSp modSp add mod">
+        <pc:chgData name="Kadelka, Claus [MATH]" userId="3587954921_tp_box_2" providerId="OAuth2" clId="{3A5D34D3-13CC-588F-87D8-4157F9E149E9}" dt="2026-02-15T04:26:43.637" v="3767" actId="20577"/>
+        <pc:sldMkLst>
+          <pc:docMk/>
+          <pc:sldMk cId="3969123646" sldId="267"/>
+        </pc:sldMkLst>
+        <pc:spChg chg="del mod">
+          <ac:chgData name="Kadelka, Claus [MATH]" userId="3587954921_tp_box_2" providerId="OAuth2" clId="{3A5D34D3-13CC-588F-87D8-4157F9E149E9}" dt="2026-02-14T05:04:56.130" v="2691" actId="478"/>
+          <ac:spMkLst>
+            <pc:docMk/>
+            <pc:sldMk cId="3969123646" sldId="267"/>
+            <ac:spMk id="2" creationId="{8E7901C3-C151-22FF-9FFD-EB5613DD0D9F}"/>
+          </ac:spMkLst>
+        </pc:spChg>
+        <pc:spChg chg="del mod">
+          <ac:chgData name="Kadelka, Claus [MATH]" userId="3587954921_tp_box_2" providerId="OAuth2" clId="{3A5D34D3-13CC-588F-87D8-4157F9E149E9}" dt="2026-02-14T05:04:56.130" v="2691" actId="478"/>
+          <ac:spMkLst>
+            <pc:docMk/>
+            <pc:sldMk cId="3969123646" sldId="267"/>
+            <ac:spMk id="17" creationId="{8B284048-34B6-E4DE-CB92-0B6C6DECF9F4}"/>
+          </ac:spMkLst>
+        </pc:spChg>
+        <pc:spChg chg="del mod">
+          <ac:chgData name="Kadelka, Claus [MATH]" userId="3587954921_tp_box_2" providerId="OAuth2" clId="{3A5D34D3-13CC-588F-87D8-4157F9E149E9}" dt="2026-02-14T05:04:56.130" v="2691" actId="478"/>
+          <ac:spMkLst>
+            <pc:docMk/>
+            <pc:sldMk cId="3969123646" sldId="267"/>
+            <ac:spMk id="18" creationId="{47ED38E3-FAD9-7E8B-AFDC-916FEA9E4C2E}"/>
+          </ac:spMkLst>
+        </pc:spChg>
+        <pc:spChg chg="del mod">
+          <ac:chgData name="Kadelka, Claus [MATH]" userId="3587954921_tp_box_2" providerId="OAuth2" clId="{3A5D34D3-13CC-588F-87D8-4157F9E149E9}" dt="2026-02-14T05:04:56.130" v="2691" actId="478"/>
+          <ac:spMkLst>
+            <pc:docMk/>
+            <pc:sldMk cId="3969123646" sldId="267"/>
+            <ac:spMk id="19" creationId="{118FEB16-4D15-D57C-84DD-6AD0F1BAE153}"/>
+          </ac:spMkLst>
+        </pc:spChg>
+        <pc:spChg chg="add mod">
+          <ac:chgData name="Kadelka, Claus [MATH]" userId="3587954921_tp_box_2" providerId="OAuth2" clId="{3A5D34D3-13CC-588F-87D8-4157F9E149E9}" dt="2026-02-14T18:06:50.580" v="3136" actId="1036"/>
+          <ac:spMkLst>
+            <pc:docMk/>
+            <pc:sldMk cId="3969123646" sldId="267"/>
+            <ac:spMk id="36" creationId="{131ACEFB-B5E1-2746-DCB1-B4C31FDC71D8}"/>
+          </ac:spMkLst>
+        </pc:spChg>
+        <pc:spChg chg="add mod">
+          <ac:chgData name="Kadelka, Claus [MATH]" userId="3587954921_tp_box_2" providerId="OAuth2" clId="{3A5D34D3-13CC-588F-87D8-4157F9E149E9}" dt="2026-02-14T05:20:01.433" v="2933" actId="207"/>
+          <ac:spMkLst>
+            <pc:docMk/>
+            <pc:sldMk cId="3969123646" sldId="267"/>
+            <ac:spMk id="37" creationId="{B945F9C1-5CEF-3EFF-E473-8E8CCE8BBFBA}"/>
+          </ac:spMkLst>
+        </pc:spChg>
+        <pc:spChg chg="add mod">
+          <ac:chgData name="Kadelka, Claus [MATH]" userId="3587954921_tp_box_2" providerId="OAuth2" clId="{3A5D34D3-13CC-588F-87D8-4157F9E149E9}" dt="2026-02-14T06:43:18.645" v="3023" actId="1037"/>
+          <ac:spMkLst>
+            <pc:docMk/>
+            <pc:sldMk cId="3969123646" sldId="267"/>
+            <ac:spMk id="38" creationId="{68F4EB2E-74E3-76DC-FD09-BDF426F85D80}"/>
+          </ac:spMkLst>
+        </pc:spChg>
+        <pc:spChg chg="add mod">
+          <ac:chgData name="Kadelka, Claus [MATH]" userId="3587954921_tp_box_2" providerId="OAuth2" clId="{3A5D34D3-13CC-588F-87D8-4157F9E149E9}" dt="2026-02-15T04:26:31.705" v="3761" actId="20577"/>
+          <ac:spMkLst>
+            <pc:docMk/>
+            <pc:sldMk cId="3969123646" sldId="267"/>
+            <ac:spMk id="47" creationId="{F47B4280-0D5A-295A-B080-5052EB8749A3}"/>
+          </ac:spMkLst>
+        </pc:spChg>
+        <pc:spChg chg="add del mod">
+          <ac:chgData name="Kadelka, Claus [MATH]" userId="3587954921_tp_box_2" providerId="OAuth2" clId="{3A5D34D3-13CC-588F-87D8-4157F9E149E9}" dt="2026-02-14T06:43:15.954" v="3020"/>
+          <ac:spMkLst>
+            <pc:docMk/>
+            <pc:sldMk cId="3969123646" sldId="267"/>
+            <ac:spMk id="49" creationId="{AECBDF3B-6FB0-76B7-ABC0-2F16C009FE9E}"/>
+          </ac:spMkLst>
+        </pc:spChg>
+        <pc:spChg chg="add del mod">
+          <ac:chgData name="Kadelka, Claus [MATH]" userId="3587954921_tp_box_2" providerId="OAuth2" clId="{3A5D34D3-13CC-588F-87D8-4157F9E149E9}" dt="2026-02-14T06:43:45.033" v="3026" actId="478"/>
+          <ac:spMkLst>
+            <pc:docMk/>
+            <pc:sldMk cId="3969123646" sldId="267"/>
+            <ac:spMk id="50" creationId="{9655597D-DB31-4B0B-3D2E-A1F5F6543D09}"/>
+          </ac:spMkLst>
+        </pc:spChg>
+        <pc:spChg chg="add mod">
+          <ac:chgData name="Kadelka, Claus [MATH]" userId="3587954921_tp_box_2" providerId="OAuth2" clId="{3A5D34D3-13CC-588F-87D8-4157F9E149E9}" dt="2026-02-14T18:24:16.791" v="3432" actId="11530"/>
+          <ac:spMkLst>
+            <pc:docMk/>
+            <pc:sldMk cId="3969123646" sldId="267"/>
+            <ac:spMk id="51" creationId="{266DE118-998B-5FAA-4E26-07B60CD83234}"/>
+          </ac:spMkLst>
+        </pc:spChg>
+        <pc:spChg chg="add mod">
+          <ac:chgData name="Kadelka, Claus [MATH]" userId="3587954921_tp_box_2" providerId="OAuth2" clId="{3A5D34D3-13CC-588F-87D8-4157F9E149E9}" dt="2026-02-14T18:24:16.791" v="3432" actId="11530"/>
+          <ac:spMkLst>
+            <pc:docMk/>
+            <pc:sldMk cId="3969123646" sldId="267"/>
+            <ac:spMk id="52" creationId="{C5244DB0-CD46-E988-A775-889C8ECFF9EE}"/>
+          </ac:spMkLst>
+        </pc:spChg>
+        <pc:spChg chg="add mod">
+          <ac:chgData name="Kadelka, Claus [MATH]" userId="3587954921_tp_box_2" providerId="OAuth2" clId="{3A5D34D3-13CC-588F-87D8-4157F9E149E9}" dt="2026-02-14T18:24:16.791" v="3432" actId="11530"/>
+          <ac:spMkLst>
+            <pc:docMk/>
+            <pc:sldMk cId="3969123646" sldId="267"/>
+            <ac:spMk id="53" creationId="{AEB96B36-A652-B35B-F6A4-A225C3BEC564}"/>
+          </ac:spMkLst>
+        </pc:spChg>
+        <pc:spChg chg="add mod">
+          <ac:chgData name="Kadelka, Claus [MATH]" userId="3587954921_tp_box_2" providerId="OAuth2" clId="{3A5D34D3-13CC-588F-87D8-4157F9E149E9}" dt="2026-02-14T18:11:01.123" v="3219" actId="1035"/>
+          <ac:spMkLst>
+            <pc:docMk/>
+            <pc:sldMk cId="3969123646" sldId="267"/>
+            <ac:spMk id="54" creationId="{0A4274D3-4387-9EC2-E996-40E01D28DBEF}"/>
+          </ac:spMkLst>
+        </pc:spChg>
+        <pc:spChg chg="add mod">
+          <ac:chgData name="Kadelka, Claus [MATH]" userId="3587954921_tp_box_2" providerId="OAuth2" clId="{3A5D34D3-13CC-588F-87D8-4157F9E149E9}" dt="2026-02-14T18:11:01.123" v="3219" actId="1035"/>
+          <ac:spMkLst>
+            <pc:docMk/>
+            <pc:sldMk cId="3969123646" sldId="267"/>
+            <ac:spMk id="55" creationId="{F69C56C5-144C-FD08-DDF9-B0EA26B33740}"/>
+          </ac:spMkLst>
+        </pc:spChg>
+        <pc:spChg chg="add mod">
+          <ac:chgData name="Kadelka, Claus [MATH]" userId="3587954921_tp_box_2" providerId="OAuth2" clId="{3A5D34D3-13CC-588F-87D8-4157F9E149E9}" dt="2026-02-14T18:11:01.123" v="3219" actId="1035"/>
+          <ac:spMkLst>
+            <pc:docMk/>
+            <pc:sldMk cId="3969123646" sldId="267"/>
+            <ac:spMk id="56" creationId="{EAF82B84-58B5-FA6D-8D7C-E8E7C454C28D}"/>
+          </ac:spMkLst>
+        </pc:spChg>
+        <pc:spChg chg="add mod">
+          <ac:chgData name="Kadelka, Claus [MATH]" userId="3587954921_tp_box_2" providerId="OAuth2" clId="{3A5D34D3-13CC-588F-87D8-4157F9E149E9}" dt="2026-02-14T18:11:54.706" v="3264" actId="1038"/>
+          <ac:spMkLst>
+            <pc:docMk/>
+            <pc:sldMk cId="3969123646" sldId="267"/>
+            <ac:spMk id="60" creationId="{E5A1A7DD-9DB7-E932-3880-3AC817E012BD}"/>
+          </ac:spMkLst>
+        </pc:spChg>
+        <pc:spChg chg="add mod">
+          <ac:chgData name="Kadelka, Claus [MATH]" userId="3587954921_tp_box_2" providerId="OAuth2" clId="{3A5D34D3-13CC-588F-87D8-4157F9E149E9}" dt="2026-02-14T18:11:47.030" v="3262" actId="1038"/>
+          <ac:spMkLst>
+            <pc:docMk/>
+            <pc:sldMk cId="3969123646" sldId="267"/>
+            <ac:spMk id="62" creationId="{0CCB232B-36D2-B648-1A2C-8CA41ED16F0B}"/>
+          </ac:spMkLst>
+        </pc:spChg>
+        <pc:spChg chg="add mod">
+          <ac:chgData name="Kadelka, Claus [MATH]" userId="3587954921_tp_box_2" providerId="OAuth2" clId="{3A5D34D3-13CC-588F-87D8-4157F9E149E9}" dt="2026-02-14T18:11:58.174" v="3270" actId="1038"/>
+          <ac:spMkLst>
+            <pc:docMk/>
+            <pc:sldMk cId="3969123646" sldId="267"/>
+            <ac:spMk id="63" creationId="{9ECA746E-418E-C1B1-F936-22F64F2AF81B}"/>
+          </ac:spMkLst>
+        </pc:spChg>
+        <pc:spChg chg="add del mod">
+          <ac:chgData name="Kadelka, Claus [MATH]" userId="3587954921_tp_box_2" providerId="OAuth2" clId="{3A5D34D3-13CC-588F-87D8-4157F9E149E9}" dt="2026-02-14T18:14:36.555" v="3296" actId="478"/>
+          <ac:spMkLst>
+            <pc:docMk/>
+            <pc:sldMk cId="3969123646" sldId="267"/>
+            <ac:spMk id="64" creationId="{4E9A4386-100D-4EB4-1580-796BC7C398EF}"/>
+          </ac:spMkLst>
+        </pc:spChg>
+        <pc:spChg chg="add mod">
+          <ac:chgData name="Kadelka, Claus [MATH]" userId="3587954921_tp_box_2" providerId="OAuth2" clId="{3A5D34D3-13CC-588F-87D8-4157F9E149E9}" dt="2026-02-15T04:26:41.938" v="3765" actId="20577"/>
+          <ac:spMkLst>
+            <pc:docMk/>
+            <pc:sldMk cId="3969123646" sldId="267"/>
+            <ac:spMk id="65" creationId="{9D5E9689-B409-C04C-CCB1-1A01D2CFDABD}"/>
+          </ac:spMkLst>
+        </pc:spChg>
+        <pc:spChg chg="add mod">
+          <ac:chgData name="Kadelka, Claus [MATH]" userId="3587954921_tp_box_2" providerId="OAuth2" clId="{3A5D34D3-13CC-588F-87D8-4157F9E149E9}" dt="2026-02-15T04:26:43.637" v="3767" actId="20577"/>
+          <ac:spMkLst>
+            <pc:docMk/>
+            <pc:sldMk cId="3969123646" sldId="267"/>
+            <ac:spMk id="68" creationId="{A04EBBE0-AD4F-1313-9DD7-3B41CA465944}"/>
+          </ac:spMkLst>
+        </pc:spChg>
+        <pc:spChg chg="add del mod">
+          <ac:chgData name="Kadelka, Claus [MATH]" userId="3587954921_tp_box_2" providerId="OAuth2" clId="{3A5D34D3-13CC-588F-87D8-4157F9E149E9}" dt="2026-02-14T18:28:22.155" v="3585" actId="478"/>
+          <ac:spMkLst>
+            <pc:docMk/>
+            <pc:sldMk cId="3969123646" sldId="267"/>
+            <ac:spMk id="69" creationId="{F9252300-3930-569C-CE9A-ACA174035FD2}"/>
+          </ac:spMkLst>
+        </pc:spChg>
+        <pc:spChg chg="add del mod">
+          <ac:chgData name="Kadelka, Claus [MATH]" userId="3587954921_tp_box_2" providerId="OAuth2" clId="{3A5D34D3-13CC-588F-87D8-4157F9E149E9}" dt="2026-02-15T04:22:24.752" v="3727" actId="478"/>
+          <ac:spMkLst>
+            <pc:docMk/>
+            <pc:sldMk cId="3969123646" sldId="267"/>
+            <ac:spMk id="70" creationId="{3E3C00BC-EF6A-22C5-045C-727C5E8EE49D}"/>
+          </ac:spMkLst>
+        </pc:spChg>
+        <pc:spChg chg="add del mod">
+          <ac:chgData name="Kadelka, Claus [MATH]" userId="3587954921_tp_box_2" providerId="OAuth2" clId="{3A5D34D3-13CC-588F-87D8-4157F9E149E9}" dt="2026-02-15T04:22:00.578" v="3712" actId="478"/>
+          <ac:spMkLst>
+            <pc:docMk/>
+            <pc:sldMk cId="3969123646" sldId="267"/>
+            <ac:spMk id="71" creationId="{57A0C900-BDBF-7602-76C7-C8179C3D8585}"/>
+          </ac:spMkLst>
+        </pc:spChg>
+        <pc:spChg chg="add del mod">
+          <ac:chgData name="Kadelka, Claus [MATH]" userId="3587954921_tp_box_2" providerId="OAuth2" clId="{3A5D34D3-13CC-588F-87D8-4157F9E149E9}" dt="2026-02-15T04:22:22.535" v="3726" actId="478"/>
+          <ac:spMkLst>
+            <pc:docMk/>
+            <pc:sldMk cId="3969123646" sldId="267"/>
+            <ac:spMk id="72" creationId="{A08DDC07-5D06-B6FA-E8D1-FBB934EEE446}"/>
+          </ac:spMkLst>
+        </pc:spChg>
+        <pc:grpChg chg="add mod">
+          <ac:chgData name="Kadelka, Claus [MATH]" userId="3587954921_tp_box_2" providerId="OAuth2" clId="{3A5D34D3-13CC-588F-87D8-4157F9E149E9}" dt="2026-02-14T05:18:51.099" v="2925" actId="1035"/>
+          <ac:grpSpMkLst>
+            <pc:docMk/>
+            <pc:sldMk cId="3969123646" sldId="267"/>
+            <ac:grpSpMk id="10" creationId="{26F90DE5-C098-4DBB-D4DB-170DF595F6F9}"/>
+          </ac:grpSpMkLst>
+        </pc:grpChg>
+        <pc:grpChg chg="add mod">
+          <ac:chgData name="Kadelka, Claus [MATH]" userId="3587954921_tp_box_2" providerId="OAuth2" clId="{3A5D34D3-13CC-588F-87D8-4157F9E149E9}" dt="2026-02-14T06:40:32.442" v="2964" actId="1076"/>
+          <ac:grpSpMkLst>
+            <pc:docMk/>
+            <pc:sldMk cId="3969123646" sldId="267"/>
+            <ac:grpSpMk id="39" creationId="{8C1D2C70-D422-9BB2-3C35-B127ABEC36EF}"/>
+          </ac:grpSpMkLst>
+        </pc:grpChg>
+        <pc:grpChg chg="add mod">
+          <ac:chgData name="Kadelka, Claus [MATH]" userId="3587954921_tp_box_2" providerId="OAuth2" clId="{3A5D34D3-13CC-588F-87D8-4157F9E149E9}" dt="2026-02-14T06:44:53.358" v="3044" actId="1076"/>
+          <ac:grpSpMkLst>
+            <pc:docMk/>
+            <pc:sldMk cId="3969123646" sldId="267"/>
+            <ac:grpSpMk id="48" creationId="{B1400C4D-310A-AA57-EC29-A25F552824B5}"/>
+          </ac:grpSpMkLst>
+        </pc:grpChg>
+        <pc:grpChg chg="add mod">
+          <ac:chgData name="Kadelka, Claus [MATH]" userId="3587954921_tp_box_2" providerId="OAuth2" clId="{3A5D34D3-13CC-588F-87D8-4157F9E149E9}" dt="2026-02-14T18:05:54.453" v="3101" actId="14100"/>
+          <ac:grpSpMkLst>
+            <pc:docMk/>
+            <pc:sldMk cId="3969123646" sldId="267"/>
+            <ac:grpSpMk id="59" creationId="{155FAC3B-1467-7B95-DDD0-7BC68F32E7F5}"/>
+          </ac:grpSpMkLst>
+        </pc:grpChg>
+        <pc:picChg chg="add mod modCrop">
+          <ac:chgData name="Kadelka, Claus [MATH]" userId="3587954921_tp_box_2" providerId="OAuth2" clId="{3A5D34D3-13CC-588F-87D8-4157F9E149E9}" dt="2026-02-14T18:08:05.157" v="3161" actId="14100"/>
+          <ac:picMkLst>
+            <pc:docMk/>
+            <pc:sldMk cId="3969123646" sldId="267"/>
+            <ac:picMk id="4" creationId="{B8A2E544-5711-3568-286D-4624EB7E5AD5}"/>
+          </ac:picMkLst>
+        </pc:picChg>
+        <pc:picChg chg="add mod modCrop">
+          <ac:chgData name="Kadelka, Claus [MATH]" userId="3587954921_tp_box_2" providerId="OAuth2" clId="{3A5D34D3-13CC-588F-87D8-4157F9E149E9}" dt="2026-02-14T18:08:05.157" v="3161" actId="14100"/>
+          <ac:picMkLst>
+            <pc:docMk/>
+            <pc:sldMk cId="3969123646" sldId="267"/>
+            <ac:picMk id="5" creationId="{C9F8EB2C-EBD8-EE54-53F2-21E9A89DEDE6}"/>
+          </ac:picMkLst>
+        </pc:picChg>
+        <pc:picChg chg="add mod modCrop">
+          <ac:chgData name="Kadelka, Claus [MATH]" userId="3587954921_tp_box_2" providerId="OAuth2" clId="{3A5D34D3-13CC-588F-87D8-4157F9E149E9}" dt="2026-02-14T18:08:05.157" v="3161" actId="14100"/>
+          <ac:picMkLst>
+            <pc:docMk/>
+            <pc:sldMk cId="3969123646" sldId="267"/>
+            <ac:picMk id="6" creationId="{478A1481-D713-2A5B-4F72-6C1583451A48}"/>
+          </ac:picMkLst>
+        </pc:picChg>
+        <pc:picChg chg="add del mod">
+          <ac:chgData name="Kadelka, Claus [MATH]" userId="3587954921_tp_box_2" providerId="OAuth2" clId="{3A5D34D3-13CC-588F-87D8-4157F9E149E9}" dt="2026-02-14T05:18:20.259" v="2917" actId="478"/>
+          <ac:picMkLst>
+            <pc:docMk/>
+            <pc:sldMk cId="3969123646" sldId="267"/>
+            <ac:picMk id="8" creationId="{C815C8C4-9C61-851D-C365-E5E67BCA78AE}"/>
+          </ac:picMkLst>
+        </pc:picChg>
+        <pc:picChg chg="add mod modCrop">
+          <ac:chgData name="Kadelka, Claus [MATH]" userId="3587954921_tp_box_2" providerId="OAuth2" clId="{3A5D34D3-13CC-588F-87D8-4157F9E149E9}" dt="2026-02-14T18:06:22.131" v="3110" actId="14100"/>
+          <ac:picMkLst>
+            <pc:docMk/>
+            <pc:sldMk cId="3969123646" sldId="267"/>
+            <ac:picMk id="9" creationId="{7337774E-51DF-27FD-E0FA-A7E000912091}"/>
+          </ac:picMkLst>
+        </pc:picChg>
+        <pc:picChg chg="add del mod">
+          <ac:chgData name="Kadelka, Claus [MATH]" userId="3587954921_tp_box_2" providerId="OAuth2" clId="{3A5D34D3-13CC-588F-87D8-4157F9E149E9}" dt="2026-02-14T05:09:39.850" v="2736" actId="478"/>
+          <ac:picMkLst>
+            <pc:docMk/>
+            <pc:sldMk cId="3969123646" sldId="267"/>
+            <ac:picMk id="12" creationId="{66DAEFED-18F9-5834-8C1B-ED7D3D932452}"/>
+          </ac:picMkLst>
+        </pc:picChg>
+        <pc:picChg chg="add del mod">
+          <ac:chgData name="Kadelka, Claus [MATH]" userId="3587954921_tp_box_2" providerId="OAuth2" clId="{3A5D34D3-13CC-588F-87D8-4157F9E149E9}" dt="2026-02-14T05:10:32.676" v="2749" actId="478"/>
+          <ac:picMkLst>
+            <pc:docMk/>
+            <pc:sldMk cId="3969123646" sldId="267"/>
+            <ac:picMk id="14" creationId="{39F28755-B438-511A-CDCC-D260A065B455}"/>
+          </ac:picMkLst>
+        </pc:picChg>
+        <pc:picChg chg="add del mod">
+          <ac:chgData name="Kadelka, Claus [MATH]" userId="3587954921_tp_box_2" providerId="OAuth2" clId="{3A5D34D3-13CC-588F-87D8-4157F9E149E9}" dt="2026-02-14T05:10:53.535" v="2752" actId="478"/>
+          <ac:picMkLst>
+            <pc:docMk/>
+            <pc:sldMk cId="3969123646" sldId="267"/>
+            <ac:picMk id="16" creationId="{B9FE26E4-C66E-2CCF-7F5C-C244F818B71E}"/>
+          </ac:picMkLst>
+        </pc:picChg>
+        <pc:picChg chg="add mod">
+          <ac:chgData name="Kadelka, Claus [MATH]" userId="3587954921_tp_box_2" providerId="OAuth2" clId="{3A5D34D3-13CC-588F-87D8-4157F9E149E9}" dt="2026-02-14T06:44:53.358" v="3044" actId="1076"/>
+          <ac:picMkLst>
+            <pc:docMk/>
+            <pc:sldMk cId="3969123646" sldId="267"/>
+            <ac:picMk id="22" creationId="{033A2937-DAA1-04A9-3BAC-58541A026B26}"/>
+          </ac:picMkLst>
+        </pc:picChg>
+        <pc:picChg chg="add del mod">
+          <ac:chgData name="Kadelka, Claus [MATH]" userId="3587954921_tp_box_2" providerId="OAuth2" clId="{3A5D34D3-13CC-588F-87D8-4157F9E149E9}" dt="2026-02-14T05:12:47.462" v="2772" actId="478"/>
+          <ac:picMkLst>
+            <pc:docMk/>
+            <pc:sldMk cId="3969123646" sldId="267"/>
+            <ac:picMk id="25" creationId="{45EBEE73-6752-3BFA-EFA9-589E559CB3A9}"/>
+          </ac:picMkLst>
+        </pc:picChg>
+        <pc:picChg chg="add del mod">
+          <ac:chgData name="Kadelka, Claus [MATH]" userId="3587954921_tp_box_2" providerId="OAuth2" clId="{3A5D34D3-13CC-588F-87D8-4157F9E149E9}" dt="2026-02-14T05:13:01.615" v="2777" actId="478"/>
+          <ac:picMkLst>
+            <pc:docMk/>
+            <pc:sldMk cId="3969123646" sldId="267"/>
+            <ac:picMk id="27" creationId="{AE33E902-AF38-1BDA-34BB-B4DAC15840F9}"/>
+          </ac:picMkLst>
+        </pc:picChg>
+        <pc:picChg chg="add del mod">
+          <ac:chgData name="Kadelka, Claus [MATH]" userId="3587954921_tp_box_2" providerId="OAuth2" clId="{3A5D34D3-13CC-588F-87D8-4157F9E149E9}" dt="2026-02-14T05:13:47.012" v="2802" actId="478"/>
+          <ac:picMkLst>
+            <pc:docMk/>
+            <pc:sldMk cId="3969123646" sldId="267"/>
+            <ac:picMk id="30" creationId="{91A38B06-8333-7438-2F16-ABC7691AECAA}"/>
+          </ac:picMkLst>
+        </pc:picChg>
+        <pc:picChg chg="add del mod">
+          <ac:chgData name="Kadelka, Claus [MATH]" userId="3587954921_tp_box_2" providerId="OAuth2" clId="{3A5D34D3-13CC-588F-87D8-4157F9E149E9}" dt="2026-02-14T05:16:21.678" v="2834" actId="478"/>
+          <ac:picMkLst>
+            <pc:docMk/>
+            <pc:sldMk cId="3969123646" sldId="267"/>
+            <ac:picMk id="32" creationId="{64D2C8FF-7AC7-1A61-E370-E8F0AB8E9C5B}"/>
+          </ac:picMkLst>
+        </pc:picChg>
+        <pc:picChg chg="add del mod">
+          <ac:chgData name="Kadelka, Claus [MATH]" userId="3587954921_tp_box_2" providerId="OAuth2" clId="{3A5D34D3-13CC-588F-87D8-4157F9E149E9}" dt="2026-02-14T05:16:20.234" v="2833" actId="478"/>
+          <ac:picMkLst>
+            <pc:docMk/>
+            <pc:sldMk cId="3969123646" sldId="267"/>
+            <ac:picMk id="33" creationId="{C7310022-F1CB-D975-71FC-1A4CAEED96E5}"/>
+          </ac:picMkLst>
+        </pc:picChg>
+        <pc:picChg chg="add del mod">
+          <ac:chgData name="Kadelka, Claus [MATH]" userId="3587954921_tp_box_2" providerId="OAuth2" clId="{3A5D34D3-13CC-588F-87D8-4157F9E149E9}" dt="2026-02-14T18:07:02.688" v="3155" actId="478"/>
+          <ac:picMkLst>
+            <pc:docMk/>
+            <pc:sldMk cId="3969123646" sldId="267"/>
+            <ac:picMk id="35" creationId="{4159879C-5554-3CC6-8063-D6DF12751BE3}"/>
+          </ac:picMkLst>
+        </pc:picChg>
+        <pc:picChg chg="add del mod">
+          <ac:chgData name="Kadelka, Claus [MATH]" userId="3587954921_tp_box_2" providerId="OAuth2" clId="{3A5D34D3-13CC-588F-87D8-4157F9E149E9}" dt="2026-02-14T06:38:25.889" v="2941" actId="478"/>
+          <ac:picMkLst>
+            <pc:docMk/>
+            <pc:sldMk cId="3969123646" sldId="267"/>
+            <ac:picMk id="41" creationId="{2639B38F-AA13-2FAE-DA9A-4AF115DAFB54}"/>
+          </ac:picMkLst>
+        </pc:picChg>
+        <pc:picChg chg="add del mod modCrop">
+          <ac:chgData name="Kadelka, Claus [MATH]" userId="3587954921_tp_box_2" providerId="OAuth2" clId="{3A5D34D3-13CC-588F-87D8-4157F9E149E9}" dt="2026-02-15T04:25:36.880" v="3744" actId="478"/>
+          <ac:picMkLst>
+            <pc:docMk/>
+            <pc:sldMk cId="3969123646" sldId="267"/>
+            <ac:picMk id="43" creationId="{387325A1-D7F8-28C0-6559-F87AFC2047CC}"/>
+          </ac:picMkLst>
+        </pc:picChg>
+        <pc:picChg chg="add mod modCrop">
+          <ac:chgData name="Kadelka, Claus [MATH]" userId="3587954921_tp_box_2" providerId="OAuth2" clId="{3A5D34D3-13CC-588F-87D8-4157F9E149E9}" dt="2026-02-14T06:41:40.205" v="2982" actId="1076"/>
+          <ac:picMkLst>
+            <pc:docMk/>
+            <pc:sldMk cId="3969123646" sldId="267"/>
+            <ac:picMk id="45" creationId="{F5B7A53E-C96F-CC75-8D8C-0272B1423DD8}"/>
+          </ac:picMkLst>
+        </pc:picChg>
+        <pc:picChg chg="add mod modCrop">
+          <ac:chgData name="Kadelka, Claus [MATH]" userId="3587954921_tp_box_2" providerId="OAuth2" clId="{3A5D34D3-13CC-588F-87D8-4157F9E149E9}" dt="2026-02-14T06:41:40.205" v="2982" actId="1076"/>
+          <ac:picMkLst>
+            <pc:docMk/>
+            <pc:sldMk cId="3969123646" sldId="267"/>
+            <ac:picMk id="46" creationId="{1E61C540-0E45-59F5-3212-1A7A29D09FD9}"/>
+          </ac:picMkLst>
+        </pc:picChg>
+        <pc:picChg chg="add mod">
+          <ac:chgData name="Kadelka, Claus [MATH]" userId="3587954921_tp_box_2" providerId="OAuth2" clId="{3A5D34D3-13CC-588F-87D8-4157F9E149E9}" dt="2026-02-14T18:06:30.211" v="3120" actId="1036"/>
+          <ac:picMkLst>
+            <pc:docMk/>
+            <pc:sldMk cId="3969123646" sldId="267"/>
+            <ac:picMk id="58" creationId="{03DA70CE-505C-172E-40ED-997C44F92CCA}"/>
+          </ac:picMkLst>
+        </pc:picChg>
+        <pc:picChg chg="add del mod">
+          <ac:chgData name="Kadelka, Claus [MATH]" userId="3587954921_tp_box_2" providerId="OAuth2" clId="{3A5D34D3-13CC-588F-87D8-4157F9E149E9}" dt="2026-02-14T18:16:43.103" v="3327" actId="478"/>
+          <ac:picMkLst>
+            <pc:docMk/>
+            <pc:sldMk cId="3969123646" sldId="267"/>
+            <ac:picMk id="67" creationId="{B85E9254-FAF0-869A-DB0F-94BD5A0836C6}"/>
+          </ac:picMkLst>
+        </pc:picChg>
+        <pc:picChg chg="add del mod">
+          <ac:chgData name="Kadelka, Claus [MATH]" userId="3587954921_tp_box_2" providerId="OAuth2" clId="{3A5D34D3-13CC-588F-87D8-4157F9E149E9}" dt="2026-02-15T04:25:17.033" v="3741" actId="478"/>
+          <ac:picMkLst>
+            <pc:docMk/>
+            <pc:sldMk cId="3969123646" sldId="267"/>
+            <ac:picMk id="74" creationId="{4F402392-8EC2-9A08-627B-B2A75F31A1A4}"/>
+          </ac:picMkLst>
+        </pc:picChg>
+        <pc:picChg chg="add mod modCrop">
+          <ac:chgData name="Kadelka, Claus [MATH]" userId="3587954921_tp_box_2" providerId="OAuth2" clId="{3A5D34D3-13CC-588F-87D8-4157F9E149E9}" dt="2026-02-15T04:26:02.219" v="3756" actId="732"/>
+          <ac:picMkLst>
+            <pc:docMk/>
+            <pc:sldMk cId="3969123646" sldId="267"/>
+            <ac:picMk id="76" creationId="{BDEA4C74-EAE5-68AB-D3AA-C4D815969BB6}"/>
+          </ac:picMkLst>
+        </pc:picChg>
+        <pc:cxnChg chg="del mod">
+          <ac:chgData name="Kadelka, Claus [MATH]" userId="3587954921_tp_box_2" providerId="OAuth2" clId="{3A5D34D3-13CC-588F-87D8-4157F9E149E9}" dt="2026-02-14T05:04:56.130" v="2691" actId="478"/>
+          <ac:cxnSpMkLst>
+            <pc:docMk/>
+            <pc:sldMk cId="3969123646" sldId="267"/>
+            <ac:cxnSpMk id="20" creationId="{2C250E5E-7D61-1D28-DBA1-AF1CAE232509}"/>
+          </ac:cxnSpMkLst>
+        </pc:cxnChg>
+        <pc:cxnChg chg="del mod">
+          <ac:chgData name="Kadelka, Claus [MATH]" userId="3587954921_tp_box_2" providerId="OAuth2" clId="{3A5D34D3-13CC-588F-87D8-4157F9E149E9}" dt="2026-02-14T05:04:56.130" v="2691" actId="478"/>
+          <ac:cxnSpMkLst>
+            <pc:docMk/>
+            <pc:sldMk cId="3969123646" sldId="267"/>
+            <ac:cxnSpMk id="24" creationId="{00954D0B-929E-929B-8E93-285A3D16A569}"/>
+          </ac:cxnSpMkLst>
+        </pc:cxnChg>
+        <pc:cxnChg chg="del mod">
+          <ac:chgData name="Kadelka, Claus [MATH]" userId="3587954921_tp_box_2" providerId="OAuth2" clId="{3A5D34D3-13CC-588F-87D8-4157F9E149E9}" dt="2026-02-14T05:04:56.130" v="2691" actId="478"/>
+          <ac:cxnSpMkLst>
+            <pc:docMk/>
+            <pc:sldMk cId="3969123646" sldId="267"/>
+            <ac:cxnSpMk id="29" creationId="{AB77435C-61D2-DE38-C3DD-42F285A2A0F7}"/>
+          </ac:cxnSpMkLst>
+        </pc:cxnChg>
+      </pc:sldChg>
+      <pc:sldChg chg="addSp delSp modSp add mod">
+        <pc:chgData name="Kadelka, Claus [MATH]" userId="3587954921_tp_box_2" providerId="OAuth2" clId="{3A5D34D3-13CC-588F-87D8-4157F9E149E9}" dt="2026-02-14T18:21:00.629" v="3384" actId="478"/>
+        <pc:sldMkLst>
+          <pc:docMk/>
+          <pc:sldMk cId="2485313455" sldId="268"/>
+        </pc:sldMkLst>
+        <pc:spChg chg="del">
+          <ac:chgData name="Kadelka, Claus [MATH]" userId="3587954921_tp_box_2" providerId="OAuth2" clId="{3A5D34D3-13CC-588F-87D8-4157F9E149E9}" dt="2026-02-14T18:20:03.219" v="3374" actId="478"/>
+          <ac:spMkLst>
+            <pc:docMk/>
+            <pc:sldMk cId="2485313455" sldId="268"/>
+            <ac:spMk id="3" creationId="{FBE52A69-C8FB-0CA9-1B14-942382A241C2}"/>
+          </ac:spMkLst>
+        </pc:spChg>
+        <pc:spChg chg="del">
+          <ac:chgData name="Kadelka, Claus [MATH]" userId="3587954921_tp_box_2" providerId="OAuth2" clId="{3A5D34D3-13CC-588F-87D8-4157F9E149E9}" dt="2026-02-14T18:20:03.219" v="3374" actId="478"/>
+          <ac:spMkLst>
+            <pc:docMk/>
+            <pc:sldMk cId="2485313455" sldId="268"/>
+            <ac:spMk id="4" creationId="{148679FC-B5BA-F6D1-4F67-C4C5762AA3F7}"/>
+          </ac:spMkLst>
+        </pc:spChg>
+        <pc:spChg chg="del">
+          <ac:chgData name="Kadelka, Claus [MATH]" userId="3587954921_tp_box_2" providerId="OAuth2" clId="{3A5D34D3-13CC-588F-87D8-4157F9E149E9}" dt="2026-02-14T18:20:03.219" v="3374" actId="478"/>
+          <ac:spMkLst>
+            <pc:docMk/>
+            <pc:sldMk cId="2485313455" sldId="268"/>
+            <ac:spMk id="6" creationId="{54BC3702-1249-0979-E64C-907678C0FAC2}"/>
+          </ac:spMkLst>
+        </pc:spChg>
+        <pc:spChg chg="del">
+          <ac:chgData name="Kadelka, Claus [MATH]" userId="3587954921_tp_box_2" providerId="OAuth2" clId="{3A5D34D3-13CC-588F-87D8-4157F9E149E9}" dt="2026-02-14T18:20:03.219" v="3374" actId="478"/>
+          <ac:spMkLst>
+            <pc:docMk/>
+            <pc:sldMk cId="2485313455" sldId="268"/>
+            <ac:spMk id="7" creationId="{284282C1-671E-CAB9-1DD6-00DCC8808F3D}"/>
+          </ac:spMkLst>
+        </pc:spChg>
+        <pc:spChg chg="del">
+          <ac:chgData name="Kadelka, Claus [MATH]" userId="3587954921_tp_box_2" providerId="OAuth2" clId="{3A5D34D3-13CC-588F-87D8-4157F9E149E9}" dt="2026-02-14T18:20:03.219" v="3374" actId="478"/>
+          <ac:spMkLst>
+            <pc:docMk/>
+            <pc:sldMk cId="2485313455" sldId="268"/>
+            <ac:spMk id="8" creationId="{2AA73344-F50E-D848-38D9-668BBC074716}"/>
+          </ac:spMkLst>
+        </pc:spChg>
+        <pc:spChg chg="del">
+          <ac:chgData name="Kadelka, Claus [MATH]" userId="3587954921_tp_box_2" providerId="OAuth2" clId="{3A5D34D3-13CC-588F-87D8-4157F9E149E9}" dt="2026-02-14T18:20:03.219" v="3374" actId="478"/>
+          <ac:spMkLst>
+            <pc:docMk/>
+            <pc:sldMk cId="2485313455" sldId="268"/>
+            <ac:spMk id="9" creationId="{CF516D7A-4080-9A06-0B6F-D0DB0A685A27}"/>
+          </ac:spMkLst>
+        </pc:spChg>
+        <pc:picChg chg="add mod">
+          <ac:chgData name="Kadelka, Claus [MATH]" userId="3587954921_tp_box_2" providerId="OAuth2" clId="{3A5D34D3-13CC-588F-87D8-4157F9E149E9}" dt="2026-02-14T18:20:12.894" v="3378" actId="1076"/>
+          <ac:picMkLst>
+            <pc:docMk/>
+            <pc:sldMk cId="2485313455" sldId="268"/>
+            <ac:picMk id="5" creationId="{D6B92E9B-2B62-9813-9B2E-E99C5A75D26E}"/>
+          </ac:picMkLst>
+        </pc:picChg>
+        <pc:picChg chg="add del mod">
+          <ac:chgData name="Kadelka, Claus [MATH]" userId="3587954921_tp_box_2" providerId="OAuth2" clId="{3A5D34D3-13CC-588F-87D8-4157F9E149E9}" dt="2026-02-14T18:21:00.629" v="3384" actId="478"/>
+          <ac:picMkLst>
+            <pc:docMk/>
+            <pc:sldMk cId="2485313455" sldId="268"/>
+            <ac:picMk id="11" creationId="{8C5D8695-F63D-4871-7E28-7832E2B3843A}"/>
+          </ac:picMkLst>
+        </pc:picChg>
+      </pc:sldChg>
+      <pc:sldChg chg="addSp delSp modSp add mod">
+        <pc:chgData name="Kadelka, Claus [MATH]" userId="3587954921_tp_box_2" providerId="OAuth2" clId="{3A5D34D3-13CC-588F-87D8-4157F9E149E9}" dt="2026-02-15T04:29:40.342" v="3799" actId="1076"/>
+        <pc:sldMkLst>
+          <pc:docMk/>
+          <pc:sldMk cId="3162223427" sldId="269"/>
+        </pc:sldMkLst>
+        <pc:spChg chg="add mod">
+          <ac:chgData name="Kadelka, Claus [MATH]" userId="3587954921_tp_box_2" providerId="OAuth2" clId="{3A5D34D3-13CC-588F-87D8-4157F9E149E9}" dt="2026-02-14T18:30:21.287" v="3620" actId="167"/>
+          <ac:spMkLst>
+            <pc:docMk/>
+            <pc:sldMk cId="3162223427" sldId="269"/>
+            <ac:spMk id="2" creationId="{1C75393A-D68B-FAA7-E82F-EC538291B8B8}"/>
+          </ac:spMkLst>
+        </pc:spChg>
+        <pc:spChg chg="add mod">
+          <ac:chgData name="Kadelka, Claus [MATH]" userId="3587954921_tp_box_2" providerId="OAuth2" clId="{3A5D34D3-13CC-588F-87D8-4157F9E149E9}" dt="2026-02-14T18:30:33.112" v="3622" actId="167"/>
+          <ac:spMkLst>
+            <pc:docMk/>
+            <pc:sldMk cId="3162223427" sldId="269"/>
+            <ac:spMk id="3" creationId="{FFD36978-2F52-9BDA-24D8-EA3DEC8724EF}"/>
+          </ac:spMkLst>
+        </pc:spChg>
+        <pc:spChg chg="add mod">
+          <ac:chgData name="Kadelka, Claus [MATH]" userId="3587954921_tp_box_2" providerId="OAuth2" clId="{3A5D34D3-13CC-588F-87D8-4157F9E149E9}" dt="2026-02-15T04:27:16.978" v="3769"/>
+          <ac:spMkLst>
+            <pc:docMk/>
+            <pc:sldMk cId="3162223427" sldId="269"/>
+            <ac:spMk id="8" creationId="{92E97A4B-9EDF-C370-1523-722C9B41B650}"/>
+          </ac:spMkLst>
+        </pc:spChg>
+        <pc:spChg chg="add mod">
+          <ac:chgData name="Kadelka, Claus [MATH]" userId="3587954921_tp_box_2" providerId="OAuth2" clId="{3A5D34D3-13CC-588F-87D8-4157F9E149E9}" dt="2026-02-15T04:27:16.978" v="3769"/>
+          <ac:spMkLst>
+            <pc:docMk/>
+            <pc:sldMk cId="3162223427" sldId="269"/>
+            <ac:spMk id="11" creationId="{C929C0AB-4AA7-59E4-717A-A7B3DC6DB4D2}"/>
+          </ac:spMkLst>
+        </pc:spChg>
+        <pc:spChg chg="mod">
+          <ac:chgData name="Kadelka, Claus [MATH]" userId="3587954921_tp_box_2" providerId="OAuth2" clId="{3A5D34D3-13CC-588F-87D8-4157F9E149E9}" dt="2026-02-15T04:29:40.342" v="3799" actId="1076"/>
+          <ac:spMkLst>
+            <pc:docMk/>
+            <pc:sldMk cId="3162223427" sldId="269"/>
+            <ac:spMk id="47" creationId="{097B63C5-14A5-B148-DC44-26176E6F7DD9}"/>
+          </ac:spMkLst>
+        </pc:spChg>
+        <pc:spChg chg="del">
+          <ac:chgData name="Kadelka, Claus [MATH]" userId="3587954921_tp_box_2" providerId="OAuth2" clId="{3A5D34D3-13CC-588F-87D8-4157F9E149E9}" dt="2026-02-14T18:26:13.618" v="3487" actId="478"/>
+          <ac:spMkLst>
+            <pc:docMk/>
+            <pc:sldMk cId="3162223427" sldId="269"/>
+            <ac:spMk id="51" creationId="{CECDC3F8-86D2-C046-747B-C7EE2DE1CD27}"/>
+          </ac:spMkLst>
+        </pc:spChg>
+        <pc:spChg chg="del">
+          <ac:chgData name="Kadelka, Claus [MATH]" userId="3587954921_tp_box_2" providerId="OAuth2" clId="{3A5D34D3-13CC-588F-87D8-4157F9E149E9}" dt="2026-02-14T18:26:15.134" v="3488" actId="478"/>
+          <ac:spMkLst>
+            <pc:docMk/>
+            <pc:sldMk cId="3162223427" sldId="269"/>
+            <ac:spMk id="52" creationId="{E3B146AE-12AC-8514-9D2C-4B43716F3E5C}"/>
+          </ac:spMkLst>
+        </pc:spChg>
+        <pc:spChg chg="del">
+          <ac:chgData name="Kadelka, Claus [MATH]" userId="3587954921_tp_box_2" providerId="OAuth2" clId="{3A5D34D3-13CC-588F-87D8-4157F9E149E9}" dt="2026-02-14T18:25:04.301" v="3470" actId="478"/>
+          <ac:spMkLst>
+            <pc:docMk/>
+            <pc:sldMk cId="3162223427" sldId="269"/>
+            <ac:spMk id="53" creationId="{D0930292-5B95-81E2-7070-EAE83B75AC15}"/>
+          </ac:spMkLst>
+        </pc:spChg>
+        <pc:spChg chg="mod">
+          <ac:chgData name="Kadelka, Claus [MATH]" userId="3587954921_tp_box_2" providerId="OAuth2" clId="{3A5D34D3-13CC-588F-87D8-4157F9E149E9}" dt="2026-02-14T18:30:41.606" v="3623" actId="555"/>
+          <ac:spMkLst>
+            <pc:docMk/>
+            <pc:sldMk cId="3162223427" sldId="269"/>
+            <ac:spMk id="54" creationId="{DCDD72F6-F348-9F5B-B442-6CFA46160C7E}"/>
+          </ac:spMkLst>
+        </pc:spChg>
+        <pc:spChg chg="mod">
+          <ac:chgData name="Kadelka, Claus [MATH]" userId="3587954921_tp_box_2" providerId="OAuth2" clId="{3A5D34D3-13CC-588F-87D8-4157F9E149E9}" dt="2026-02-14T18:30:41.606" v="3623" actId="555"/>
+          <ac:spMkLst>
+            <pc:docMk/>
+            <pc:sldMk cId="3162223427" sldId="269"/>
+            <ac:spMk id="55" creationId="{8598C547-479B-5180-5D7B-0FFF61DFE239}"/>
+          </ac:spMkLst>
+        </pc:spChg>
+        <pc:spChg chg="mod">
+          <ac:chgData name="Kadelka, Claus [MATH]" userId="3587954921_tp_box_2" providerId="OAuth2" clId="{3A5D34D3-13CC-588F-87D8-4157F9E149E9}" dt="2026-02-14T18:30:41.606" v="3623" actId="555"/>
+          <ac:spMkLst>
+            <pc:docMk/>
+            <pc:sldMk cId="3162223427" sldId="269"/>
+            <ac:spMk id="56" creationId="{F0C64C76-D9EF-6A87-0C7D-42E0A292EF24}"/>
+          </ac:spMkLst>
+        </pc:spChg>
+        <pc:spChg chg="mod">
+          <ac:chgData name="Kadelka, Claus [MATH]" userId="3587954921_tp_box_2" providerId="OAuth2" clId="{3A5D34D3-13CC-588F-87D8-4157F9E149E9}" dt="2026-02-14T18:30:41.606" v="3623" actId="555"/>
+          <ac:spMkLst>
+            <pc:docMk/>
+            <pc:sldMk cId="3162223427" sldId="269"/>
+            <ac:spMk id="60" creationId="{08910065-785D-152B-2397-AEF3339E2453}"/>
+          </ac:spMkLst>
+        </pc:spChg>
+        <pc:spChg chg="mod">
+          <ac:chgData name="Kadelka, Claus [MATH]" userId="3587954921_tp_box_2" providerId="OAuth2" clId="{3A5D34D3-13CC-588F-87D8-4157F9E149E9}" dt="2026-02-14T18:30:41.606" v="3623" actId="555"/>
+          <ac:spMkLst>
+            <pc:docMk/>
+            <pc:sldMk cId="3162223427" sldId="269"/>
+            <ac:spMk id="62" creationId="{126B8307-9282-5407-F5DD-9F3424F89B25}"/>
+          </ac:spMkLst>
+        </pc:spChg>
+        <pc:spChg chg="mod">
+          <ac:chgData name="Kadelka, Claus [MATH]" userId="3587954921_tp_box_2" providerId="OAuth2" clId="{3A5D34D3-13CC-588F-87D8-4157F9E149E9}" dt="2026-02-14T18:30:41.606" v="3623" actId="555"/>
+          <ac:spMkLst>
+            <pc:docMk/>
+            <pc:sldMk cId="3162223427" sldId="269"/>
+            <ac:spMk id="63" creationId="{9C7CB346-79F3-6D54-98C8-7C8C562C9FD5}"/>
+          </ac:spMkLst>
+        </pc:spChg>
+        <pc:spChg chg="del mod">
+          <ac:chgData name="Kadelka, Claus [MATH]" userId="3587954921_tp_box_2" providerId="OAuth2" clId="{3A5D34D3-13CC-588F-87D8-4157F9E149E9}" dt="2026-02-15T04:27:16.098" v="3768" actId="478"/>
+          <ac:spMkLst>
+            <pc:docMk/>
+            <pc:sldMk cId="3162223427" sldId="269"/>
+            <ac:spMk id="65" creationId="{2C6FABD1-DE7F-99E6-C3BE-C376677413E8}"/>
+          </ac:spMkLst>
+        </pc:spChg>
+        <pc:spChg chg="del mod">
+          <ac:chgData name="Kadelka, Claus [MATH]" userId="3587954921_tp_box_2" providerId="OAuth2" clId="{3A5D34D3-13CC-588F-87D8-4157F9E149E9}" dt="2026-02-15T04:27:16.098" v="3768" actId="478"/>
+          <ac:spMkLst>
+            <pc:docMk/>
+            <pc:sldMk cId="3162223427" sldId="269"/>
+            <ac:spMk id="68" creationId="{FD6AAC02-EA95-C33A-2D21-4C3462843D1C}"/>
+          </ac:spMkLst>
+        </pc:spChg>
+        <pc:spChg chg="mod">
+          <ac:chgData name="Kadelka, Claus [MATH]" userId="3587954921_tp_box_2" providerId="OAuth2" clId="{3A5D34D3-13CC-588F-87D8-4157F9E149E9}" dt="2026-02-15T04:28:52.265" v="3779" actId="1076"/>
+          <ac:spMkLst>
+            <pc:docMk/>
+            <pc:sldMk cId="3162223427" sldId="269"/>
+            <ac:spMk id="69" creationId="{7C8B8A7B-878F-CF7F-E31B-6D3821A1A314}"/>
+          </ac:spMkLst>
+        </pc:spChg>
+        <pc:grpChg chg="mod">
+          <ac:chgData name="Kadelka, Claus [MATH]" userId="3587954921_tp_box_2" providerId="OAuth2" clId="{3A5D34D3-13CC-588F-87D8-4157F9E149E9}" dt="2026-02-15T00:18:11.889" v="3634" actId="1038"/>
+          <ac:grpSpMkLst>
+            <pc:docMk/>
+            <pc:sldMk cId="3162223427" sldId="269"/>
+            <ac:grpSpMk id="48" creationId="{4791505F-F5BE-5E96-FA79-F5B3726EEFF1}"/>
+          </ac:grpSpMkLst>
+        </pc:grpChg>
+        <pc:grpChg chg="mod">
+          <ac:chgData name="Kadelka, Claus [MATH]" userId="3587954921_tp_box_2" providerId="OAuth2" clId="{3A5D34D3-13CC-588F-87D8-4157F9E149E9}" dt="2026-02-14T18:28:00.025" v="3584" actId="1037"/>
+          <ac:grpSpMkLst>
+            <pc:docMk/>
+            <pc:sldMk cId="3162223427" sldId="269"/>
+            <ac:grpSpMk id="59" creationId="{36F3556B-48FB-1B00-0EFA-BC952FA012B7}"/>
+          </ac:grpSpMkLst>
+        </pc:grpChg>
+        <pc:picChg chg="mod">
+          <ac:chgData name="Kadelka, Claus [MATH]" userId="3587954921_tp_box_2" providerId="OAuth2" clId="{3A5D34D3-13CC-588F-87D8-4157F9E149E9}" dt="2026-02-15T00:18:16.358" v="3637" actId="1037"/>
+          <ac:picMkLst>
+            <pc:docMk/>
+            <pc:sldMk cId="3162223427" sldId="269"/>
+            <ac:picMk id="6" creationId="{5D7F8D4C-68A0-009E-C65D-72E7A4D3B0A6}"/>
+          </ac:picMkLst>
+        </pc:picChg>
+        <pc:picChg chg="add del mod">
+          <ac:chgData name="Kadelka, Claus [MATH]" userId="3587954921_tp_box_2" providerId="OAuth2" clId="{3A5D34D3-13CC-588F-87D8-4157F9E149E9}" dt="2026-02-15T04:27:57.420" v="3770" actId="478"/>
+          <ac:picMkLst>
+            <pc:docMk/>
+            <pc:sldMk cId="3162223427" sldId="269"/>
+            <ac:picMk id="7" creationId="{9EFA6167-2CC3-FD40-920B-7A7CFCE9A716}"/>
+          </ac:picMkLst>
+        </pc:picChg>
+        <pc:picChg chg="add mod modCrop">
+          <ac:chgData name="Kadelka, Claus [MATH]" userId="3587954921_tp_box_2" providerId="OAuth2" clId="{3A5D34D3-13CC-588F-87D8-4157F9E149E9}" dt="2026-02-15T04:28:46.512" v="3778" actId="1076"/>
+          <ac:picMkLst>
+            <pc:docMk/>
+            <pc:sldMk cId="3162223427" sldId="269"/>
+            <ac:picMk id="13" creationId="{6950CB7C-7B4E-B27A-913F-AD37BF6EDF83}"/>
+          </ac:picMkLst>
+        </pc:picChg>
+        <pc:picChg chg="mod">
+          <ac:chgData name="Kadelka, Claus [MATH]" userId="3587954921_tp_box_2" providerId="OAuth2" clId="{3A5D34D3-13CC-588F-87D8-4157F9E149E9}" dt="2026-02-14T18:30:00.496" v="3619" actId="1038"/>
+          <ac:picMkLst>
+            <pc:docMk/>
+            <pc:sldMk cId="3162223427" sldId="269"/>
+            <ac:picMk id="22" creationId="{A7814195-DAFB-B146-A8FA-B9CF176BAC8C}"/>
+          </ac:picMkLst>
+        </pc:picChg>
+        <pc:picChg chg="del mod">
+          <ac:chgData name="Kadelka, Claus [MATH]" userId="3587954921_tp_box_2" providerId="OAuth2" clId="{3A5D34D3-13CC-588F-87D8-4157F9E149E9}" dt="2026-02-15T04:27:16.098" v="3768" actId="478"/>
+          <ac:picMkLst>
+            <pc:docMk/>
+            <pc:sldMk cId="3162223427" sldId="269"/>
+            <ac:picMk id="43" creationId="{5E0B986D-2407-F0BD-6445-8041BB7752FA}"/>
+          </ac:picMkLst>
+        </pc:picChg>
+        <pc:picChg chg="mod">
+          <ac:chgData name="Kadelka, Claus [MATH]" userId="3587954921_tp_box_2" providerId="OAuth2" clId="{3A5D34D3-13CC-588F-87D8-4157F9E149E9}" dt="2026-02-15T04:29:12.280" v="3781" actId="1037"/>
+          <ac:picMkLst>
+            <pc:docMk/>
+            <pc:sldMk cId="3162223427" sldId="269"/>
+            <ac:picMk id="45" creationId="{2C6552EB-7F4D-96A1-041F-B14C6FEF543D}"/>
+          </ac:picMkLst>
+        </pc:picChg>
       </pc:sldChg>
     </pc:docChg>
   </pc:docChgLst>
 </pc:chgInfo>
+</file>
+
+<file path=ppt/notesMasters/notesMaster1.xml><?xml version="1.0" encoding="utf-8"?>
+<p:notesMaster xmlns:a="http://schemas.openxmlformats.org/drawingml/2006/main" xmlns:r="http://schemas.openxmlformats.org/officeDocument/2006/relationships" xmlns:p="http://schemas.openxmlformats.org/presentationml/2006/main">
+  <p:cSld>
+    <p:bg>
+      <p:bgRef idx="1001">
+        <a:schemeClr val="bg1"/>
+      </p:bgRef>
+    </p:bg>
+    <p:spTree>
+      <p:nvGrpSpPr>
+        <p:cNvPr id="1" name=""/>
+        <p:cNvGrpSpPr/>
+        <p:nvPr/>
+      </p:nvGrpSpPr>
+      <p:grpSpPr>
+        <a:xfrm>
+          <a:off x="0" y="0"/>
+          <a:ext cx="0" cy="0"/>
+          <a:chOff x="0" y="0"/>
+          <a:chExt cx="0" cy="0"/>
+        </a:xfrm>
+      </p:grpSpPr>
+      <p:sp>
+        <p:nvSpPr>
+          <p:cNvPr id="2" name="Header Placeholder 1"/>
+          <p:cNvSpPr>
+            <a:spLocks noGrp="1"/>
+          </p:cNvSpPr>
+          <p:nvPr>
+            <p:ph type="hdr" sz="quarter"/>
+          </p:nvPr>
+        </p:nvSpPr>
+        <p:spPr>
+          <a:xfrm>
+            <a:off x="0" y="0"/>
+            <a:ext cx="2971800" cy="458788"/>
+          </a:xfrm>
+          <a:prstGeom prst="rect">
+            <a:avLst/>
+          </a:prstGeom>
+        </p:spPr>
+        <p:txBody>
+          <a:bodyPr vert="horz" lIns="91440" tIns="45720" rIns="91440" bIns="45720" rtlCol="0"/>
+          <a:lstStyle>
+            <a:lvl1pPr algn="l">
+              <a:defRPr sz="1200"/>
+            </a:lvl1pPr>
+          </a:lstStyle>
+          <a:p>
+            <a:endParaRPr lang="en-US"/>
+          </a:p>
+        </p:txBody>
+      </p:sp>
+      <p:sp>
+        <p:nvSpPr>
+          <p:cNvPr id="3" name="Date Placeholder 2"/>
+          <p:cNvSpPr>
+            <a:spLocks noGrp="1"/>
+          </p:cNvSpPr>
+          <p:nvPr>
+            <p:ph type="dt" idx="1"/>
+          </p:nvPr>
+        </p:nvSpPr>
+        <p:spPr>
+          <a:xfrm>
+            <a:off x="3884613" y="0"/>
+            <a:ext cx="2971800" cy="458788"/>
+          </a:xfrm>
+          <a:prstGeom prst="rect">
+            <a:avLst/>
+          </a:prstGeom>
+        </p:spPr>
+        <p:txBody>
+          <a:bodyPr vert="horz" lIns="91440" tIns="45720" rIns="91440" bIns="45720" rtlCol="0"/>
+          <a:lstStyle>
+            <a:lvl1pPr algn="r">
+              <a:defRPr sz="1200"/>
+            </a:lvl1pPr>
+          </a:lstStyle>
+          <a:p>
+            <a:fld id="{E9DBA412-2C90-714D-BAC1-13E9964E3BE1}" type="datetimeFigureOut">
+              <a:rPr lang="en-US" smtClean="0"/>
+              <a:t>2/13/26</a:t>
+            </a:fld>
+            <a:endParaRPr lang="en-US"/>
+          </a:p>
+        </p:txBody>
+      </p:sp>
+      <p:sp>
+        <p:nvSpPr>
+          <p:cNvPr id="4" name="Slide Image Placeholder 3"/>
+          <p:cNvSpPr>
+            <a:spLocks noGrp="1" noRot="1" noChangeAspect="1"/>
+          </p:cNvSpPr>
+          <p:nvPr>
+            <p:ph type="sldImg" idx="2"/>
+          </p:nvPr>
+        </p:nvSpPr>
+        <p:spPr>
+          <a:xfrm>
+            <a:off x="685800" y="1143000"/>
+            <a:ext cx="5486400" cy="3086100"/>
+          </a:xfrm>
+          <a:prstGeom prst="rect">
+            <a:avLst/>
+          </a:prstGeom>
+          <a:noFill/>
+          <a:ln w="12700">
+            <a:solidFill>
+              <a:prstClr val="black"/>
+            </a:solidFill>
+          </a:ln>
+        </p:spPr>
+        <p:txBody>
+          <a:bodyPr vert="horz" lIns="91440" tIns="45720" rIns="91440" bIns="45720" rtlCol="0" anchor="ctr"/>
+          <a:lstStyle/>
+          <a:p>
+            <a:endParaRPr lang="en-US"/>
+          </a:p>
+        </p:txBody>
+      </p:sp>
+      <p:sp>
+        <p:nvSpPr>
+          <p:cNvPr id="5" name="Notes Placeholder 4"/>
+          <p:cNvSpPr>
+            <a:spLocks noGrp="1"/>
+          </p:cNvSpPr>
+          <p:nvPr>
+            <p:ph type="body" sz="quarter" idx="3"/>
+          </p:nvPr>
+        </p:nvSpPr>
+        <p:spPr>
+          <a:xfrm>
+            <a:off x="685800" y="4400550"/>
+            <a:ext cx="5486400" cy="3600450"/>
+          </a:xfrm>
+          <a:prstGeom prst="rect">
+            <a:avLst/>
+          </a:prstGeom>
+        </p:spPr>
+        <p:txBody>
+          <a:bodyPr vert="horz" lIns="91440" tIns="45720" rIns="91440" bIns="45720" rtlCol="0"/>
+          <a:lstStyle/>
+          <a:p>
+            <a:pPr lvl="0"/>
+            <a:r>
+              <a:rPr lang="en-US"/>
+              <a:t>Click to edit Master text styles</a:t>
+            </a:r>
+          </a:p>
+          <a:p>
+            <a:pPr lvl="1"/>
+            <a:r>
+              <a:rPr lang="en-US"/>
+              <a:t>Second level</a:t>
+            </a:r>
+          </a:p>
+          <a:p>
+            <a:pPr lvl="2"/>
+            <a:r>
+              <a:rPr lang="en-US"/>
+              <a:t>Third level</a:t>
+            </a:r>
+          </a:p>
+          <a:p>
+            <a:pPr lvl="3"/>
+            <a:r>
+              <a:rPr lang="en-US"/>
+              <a:t>Fourth level</a:t>
+            </a:r>
+          </a:p>
+          <a:p>
+            <a:pPr lvl="4"/>
+            <a:r>
+              <a:rPr lang="en-US"/>
+              <a:t>Fifth level</a:t>
+            </a:r>
+          </a:p>
+        </p:txBody>
+      </p:sp>
+      <p:sp>
+        <p:nvSpPr>
+          <p:cNvPr id="6" name="Footer Placeholder 5"/>
+          <p:cNvSpPr>
+            <a:spLocks noGrp="1"/>
+          </p:cNvSpPr>
+          <p:nvPr>
+            <p:ph type="ftr" sz="quarter" idx="4"/>
+          </p:nvPr>
+        </p:nvSpPr>
+        <p:spPr>
+          <a:xfrm>
+            <a:off x="0" y="8685213"/>
+            <a:ext cx="2971800" cy="458787"/>
+          </a:xfrm>
+          <a:prstGeom prst="rect">
+            <a:avLst/>
+          </a:prstGeom>
+        </p:spPr>
+        <p:txBody>
+          <a:bodyPr vert="horz" lIns="91440" tIns="45720" rIns="91440" bIns="45720" rtlCol="0" anchor="b"/>
+          <a:lstStyle>
+            <a:lvl1pPr algn="l">
+              <a:defRPr sz="1200"/>
+            </a:lvl1pPr>
+          </a:lstStyle>
+          <a:p>
+            <a:endParaRPr lang="en-US"/>
+          </a:p>
+        </p:txBody>
+      </p:sp>
+      <p:sp>
+        <p:nvSpPr>
+          <p:cNvPr id="7" name="Slide Number Placeholder 6"/>
+          <p:cNvSpPr>
+            <a:spLocks noGrp="1"/>
+          </p:cNvSpPr>
+          <p:nvPr>
+            <p:ph type="sldNum" sz="quarter" idx="5"/>
+          </p:nvPr>
+        </p:nvSpPr>
+        <p:spPr>
+          <a:xfrm>
+            <a:off x="3884613" y="8685213"/>
+            <a:ext cx="2971800" cy="458787"/>
+          </a:xfrm>
+          <a:prstGeom prst="rect">
+            <a:avLst/>
+          </a:prstGeom>
+        </p:spPr>
+        <p:txBody>
+          <a:bodyPr vert="horz" lIns="91440" tIns="45720" rIns="91440" bIns="45720" rtlCol="0" anchor="b"/>
+          <a:lstStyle>
+            <a:lvl1pPr algn="r">
+              <a:defRPr sz="1200"/>
+            </a:lvl1pPr>
+          </a:lstStyle>
+          <a:p>
+            <a:fld id="{C1B1E1C5-D11A-164E-ACBF-BFC252B2970F}" type="slidenum">
+              <a:rPr lang="en-US" smtClean="0"/>
+              <a:t>‹#›</a:t>
+            </a:fld>
+            <a:endParaRPr lang="en-US"/>
+          </a:p>
+        </p:txBody>
+      </p:sp>
+    </p:spTree>
+    <p:extLst>
+      <p:ext uri="{BB962C8B-B14F-4D97-AF65-F5344CB8AC3E}">
+        <p14:creationId xmlns:p14="http://schemas.microsoft.com/office/powerpoint/2010/main" val="338106456"/>
+      </p:ext>
+    </p:extLst>
+  </p:cSld>
+  <p:clrMap bg1="lt1" tx1="dk1" bg2="lt2" tx2="dk2" accent1="accent1" accent2="accent2" accent3="accent3" accent4="accent4" accent5="accent5" accent6="accent6" hlink="hlink" folHlink="folHlink"/>
+  <p:notesStyle>
+    <a:lvl1pPr marL="0" algn="l" defTabSz="914400" rtl="0" eaLnBrk="1" latinLnBrk="0" hangingPunct="1">
+      <a:defRPr sz="1200" kern="1200">
+        <a:solidFill>
+          <a:schemeClr val="tx1"/>
+        </a:solidFill>
+        <a:latin typeface="+mn-lt"/>
+        <a:ea typeface="+mn-ea"/>
+        <a:cs typeface="+mn-cs"/>
+      </a:defRPr>
+    </a:lvl1pPr>
+    <a:lvl2pPr marL="457200" algn="l" defTabSz="914400" rtl="0" eaLnBrk="1" latinLnBrk="0" hangingPunct="1">
+      <a:defRPr sz="1200" kern="1200">
+        <a:solidFill>
+          <a:schemeClr val="tx1"/>
+        </a:solidFill>
+        <a:latin typeface="+mn-lt"/>
+        <a:ea typeface="+mn-ea"/>
+        <a:cs typeface="+mn-cs"/>
+      </a:defRPr>
+    </a:lvl2pPr>
+    <a:lvl3pPr marL="914400" algn="l" defTabSz="914400" rtl="0" eaLnBrk="1" latinLnBrk="0" hangingPunct="1">
+      <a:defRPr sz="1200" kern="1200">
+        <a:solidFill>
+          <a:schemeClr val="tx1"/>
+        </a:solidFill>
+        <a:latin typeface="+mn-lt"/>
+        <a:ea typeface="+mn-ea"/>
+        <a:cs typeface="+mn-cs"/>
+      </a:defRPr>
+    </a:lvl3pPr>
+    <a:lvl4pPr marL="1371600" algn="l" defTabSz="914400" rtl="0" eaLnBrk="1" latinLnBrk="0" hangingPunct="1">
+      <a:defRPr sz="1200" kern="1200">
+        <a:solidFill>
+          <a:schemeClr val="tx1"/>
+        </a:solidFill>
+        <a:latin typeface="+mn-lt"/>
+        <a:ea typeface="+mn-ea"/>
+        <a:cs typeface="+mn-cs"/>
+      </a:defRPr>
+    </a:lvl4pPr>
+    <a:lvl5pPr marL="1828800" algn="l" defTabSz="914400" rtl="0" eaLnBrk="1" latinLnBrk="0" hangingPunct="1">
+      <a:defRPr sz="1200" kern="1200">
+        <a:solidFill>
+          <a:schemeClr val="tx1"/>
+        </a:solidFill>
+        <a:latin typeface="+mn-lt"/>
+        <a:ea typeface="+mn-ea"/>
+        <a:cs typeface="+mn-cs"/>
+      </a:defRPr>
+    </a:lvl5pPr>
+    <a:lvl6pPr marL="2286000" algn="l" defTabSz="914400" rtl="0" eaLnBrk="1" latinLnBrk="0" hangingPunct="1">
+      <a:defRPr sz="1200" kern="1200">
+        <a:solidFill>
+          <a:schemeClr val="tx1"/>
+        </a:solidFill>
+        <a:latin typeface="+mn-lt"/>
+        <a:ea typeface="+mn-ea"/>
+        <a:cs typeface="+mn-cs"/>
+      </a:defRPr>
+    </a:lvl6pPr>
+    <a:lvl7pPr marL="2743200" algn="l" defTabSz="914400" rtl="0" eaLnBrk="1" latinLnBrk="0" hangingPunct="1">
+      <a:defRPr sz="1200" kern="1200">
+        <a:solidFill>
+          <a:schemeClr val="tx1"/>
+        </a:solidFill>
+        <a:latin typeface="+mn-lt"/>
+        <a:ea typeface="+mn-ea"/>
+        <a:cs typeface="+mn-cs"/>
+      </a:defRPr>
+    </a:lvl7pPr>
+    <a:lvl8pPr marL="3200400" algn="l" defTabSz="914400" rtl="0" eaLnBrk="1" latinLnBrk="0" hangingPunct="1">
+      <a:defRPr sz="1200" kern="1200">
+        <a:solidFill>
+          <a:schemeClr val="tx1"/>
+        </a:solidFill>
+        <a:latin typeface="+mn-lt"/>
+        <a:ea typeface="+mn-ea"/>
+        <a:cs typeface="+mn-cs"/>
+      </a:defRPr>
+    </a:lvl8pPr>
+    <a:lvl9pPr marL="3657600" algn="l" defTabSz="914400" rtl="0" eaLnBrk="1" latinLnBrk="0" hangingPunct="1">
+      <a:defRPr sz="1200" kern="1200">
+        <a:solidFill>
+          <a:schemeClr val="tx1"/>
+        </a:solidFill>
+        <a:latin typeface="+mn-lt"/>
+        <a:ea typeface="+mn-ea"/>
+        <a:cs typeface="+mn-cs"/>
+      </a:defRPr>
+    </a:lvl9pPr>
+  </p:notesStyle>
+</p:notesMaster>
+</file>
+
+<file path=ppt/notesSlides/notesSlide1.xml><?xml version="1.0" encoding="utf-8"?>
+<p:notes xmlns:a="http://schemas.openxmlformats.org/drawingml/2006/main" xmlns:r="http://schemas.openxmlformats.org/officeDocument/2006/relationships" xmlns:p="http://schemas.openxmlformats.org/presentationml/2006/main">
+  <p:cSld>
+    <p:spTree>
+      <p:nvGrpSpPr>
+        <p:cNvPr id="1" name=""/>
+        <p:cNvGrpSpPr/>
+        <p:nvPr/>
+      </p:nvGrpSpPr>
+      <p:grpSpPr>
+        <a:xfrm>
+          <a:off x="0" y="0"/>
+          <a:ext cx="0" cy="0"/>
+          <a:chOff x="0" y="0"/>
+          <a:chExt cx="0" cy="0"/>
+        </a:xfrm>
+      </p:grpSpPr>
+      <p:sp>
+        <p:nvSpPr>
+          <p:cNvPr id="2" name="Slide Image Placeholder 1"/>
+          <p:cNvSpPr>
+            <a:spLocks noGrp="1" noRot="1" noChangeAspect="1"/>
+          </p:cNvSpPr>
+          <p:nvPr>
+            <p:ph type="sldImg"/>
+          </p:nvPr>
+        </p:nvSpPr>
+        <p:spPr/>
+      </p:sp>
+      <p:sp>
+        <p:nvSpPr>
+          <p:cNvPr id="3" name="Notes Placeholder 2"/>
+          <p:cNvSpPr>
+            <a:spLocks noGrp="1"/>
+          </p:cNvSpPr>
+          <p:nvPr>
+            <p:ph type="body" idx="1"/>
+          </p:nvPr>
+        </p:nvSpPr>
+        <p:spPr/>
+        <p:txBody>
+          <a:bodyPr/>
+          <a:lstStyle/>
+          <a:p>
+            <a:endParaRPr lang="en-US" dirty="0"/>
+          </a:p>
+        </p:txBody>
+      </p:sp>
+      <p:sp>
+        <p:nvSpPr>
+          <p:cNvPr id="4" name="Slide Number Placeholder 3"/>
+          <p:cNvSpPr>
+            <a:spLocks noGrp="1"/>
+          </p:cNvSpPr>
+          <p:nvPr>
+            <p:ph type="sldNum" sz="quarter" idx="5"/>
+          </p:nvPr>
+        </p:nvSpPr>
+        <p:spPr/>
+        <p:txBody>
+          <a:bodyPr/>
+          <a:lstStyle/>
+          <a:p>
+            <a:fld id="{C1B1E1C5-D11A-164E-ACBF-BFC252B2970F}" type="slidenum">
+              <a:rPr lang="en-US" smtClean="0"/>
+              <a:t>11</a:t>
+            </a:fld>
+            <a:endParaRPr lang="en-US"/>
+          </a:p>
+        </p:txBody>
+      </p:sp>
+    </p:spTree>
+    <p:extLst>
+      <p:ext uri="{BB962C8B-B14F-4D97-AF65-F5344CB8AC3E}">
+        <p14:creationId xmlns:p14="http://schemas.microsoft.com/office/powerpoint/2010/main" val="2927335906"/>
+      </p:ext>
+    </p:extLst>
+  </p:cSld>
+  <p:clrMapOvr>
+    <a:masterClrMapping/>
+  </p:clrMapOvr>
+</p:notes>
+</file>
+
+<file path=ppt/notesSlides/notesSlide2.xml><?xml version="1.0" encoding="utf-8"?>
+<p:notes xmlns:a="http://schemas.openxmlformats.org/drawingml/2006/main" xmlns:r="http://schemas.openxmlformats.org/officeDocument/2006/relationships" xmlns:p="http://schemas.openxmlformats.org/presentationml/2006/main">
+  <p:cSld>
+    <p:spTree>
+      <p:nvGrpSpPr>
+        <p:cNvPr id="1" name="">
+          <a:extLst>
+            <a:ext uri="{FF2B5EF4-FFF2-40B4-BE49-F238E27FC236}">
+              <a16:creationId xmlns:a16="http://schemas.microsoft.com/office/drawing/2014/main" id="{4DD1B669-5483-BB59-7710-5F84169282B4}"/>
+            </a:ext>
+          </a:extLst>
+        </p:cNvPr>
+        <p:cNvGrpSpPr/>
+        <p:nvPr/>
+      </p:nvGrpSpPr>
+      <p:grpSpPr>
+        <a:xfrm>
+          <a:off x="0" y="0"/>
+          <a:ext cx="0" cy="0"/>
+          <a:chOff x="0" y="0"/>
+          <a:chExt cx="0" cy="0"/>
+        </a:xfrm>
+      </p:grpSpPr>
+      <p:sp>
+        <p:nvSpPr>
+          <p:cNvPr id="2" name="Slide Image Placeholder 1">
+            <a:extLst>
+              <a:ext uri="{FF2B5EF4-FFF2-40B4-BE49-F238E27FC236}">
+                <a16:creationId xmlns:a16="http://schemas.microsoft.com/office/drawing/2014/main" id="{2F19F1B1-67DB-7D51-118B-E13D0DB99CFB}"/>
+              </a:ext>
+            </a:extLst>
+          </p:cNvPr>
+          <p:cNvSpPr>
+            <a:spLocks noGrp="1" noRot="1" noChangeAspect="1"/>
+          </p:cNvSpPr>
+          <p:nvPr>
+            <p:ph type="sldImg"/>
+          </p:nvPr>
+        </p:nvSpPr>
+        <p:spPr/>
+      </p:sp>
+      <p:sp>
+        <p:nvSpPr>
+          <p:cNvPr id="3" name="Notes Placeholder 2">
+            <a:extLst>
+              <a:ext uri="{FF2B5EF4-FFF2-40B4-BE49-F238E27FC236}">
+                <a16:creationId xmlns:a16="http://schemas.microsoft.com/office/drawing/2014/main" id="{3A660875-1B64-B17D-1EF8-C275206E2F12}"/>
+              </a:ext>
+            </a:extLst>
+          </p:cNvPr>
+          <p:cNvSpPr>
+            <a:spLocks noGrp="1"/>
+          </p:cNvSpPr>
+          <p:nvPr>
+            <p:ph type="body" idx="1"/>
+          </p:nvPr>
+        </p:nvSpPr>
+        <p:spPr/>
+        <p:txBody>
+          <a:bodyPr/>
+          <a:lstStyle/>
+          <a:p>
+            <a:endParaRPr lang="en-US" dirty="0"/>
+          </a:p>
+        </p:txBody>
+      </p:sp>
+      <p:sp>
+        <p:nvSpPr>
+          <p:cNvPr id="4" name="Slide Number Placeholder 3">
+            <a:extLst>
+              <a:ext uri="{FF2B5EF4-FFF2-40B4-BE49-F238E27FC236}">
+                <a16:creationId xmlns:a16="http://schemas.microsoft.com/office/drawing/2014/main" id="{205CEAFA-8701-B36B-8E10-2F0DCDBACCF0}"/>
+              </a:ext>
+            </a:extLst>
+          </p:cNvPr>
+          <p:cNvSpPr>
+            <a:spLocks noGrp="1"/>
+          </p:cNvSpPr>
+          <p:nvPr>
+            <p:ph type="sldNum" sz="quarter" idx="5"/>
+          </p:nvPr>
+        </p:nvSpPr>
+        <p:spPr/>
+        <p:txBody>
+          <a:bodyPr/>
+          <a:lstStyle/>
+          <a:p>
+            <a:fld id="{C1B1E1C5-D11A-164E-ACBF-BFC252B2970F}" type="slidenum">
+              <a:rPr lang="en-US" smtClean="0"/>
+              <a:t>12</a:t>
+            </a:fld>
+            <a:endParaRPr lang="en-US"/>
+          </a:p>
+        </p:txBody>
+      </p:sp>
+    </p:spTree>
+    <p:extLst>
+      <p:ext uri="{BB962C8B-B14F-4D97-AF65-F5344CB8AC3E}">
+        <p14:creationId xmlns:p14="http://schemas.microsoft.com/office/powerpoint/2010/main" val="1038746017"/>
+      </p:ext>
+    </p:extLst>
+  </p:cSld>
+  <p:clrMapOvr>
+    <a:masterClrMapping/>
+  </p:clrMapOvr>
+</p:notes>
 </file>
 
 <file path=ppt/slideLayouts/slideLayout1.xml><?xml version="1.0" encoding="utf-8"?>
@@ -4107,6 +5635,3257 @@
 </p:sld>
 </file>
 
+<file path=ppt/slides/slide10.xml><?xml version="1.0" encoding="utf-8"?>
+<p:sld xmlns:a="http://schemas.openxmlformats.org/drawingml/2006/main" xmlns:r="http://schemas.openxmlformats.org/officeDocument/2006/relationships" xmlns:p="http://schemas.openxmlformats.org/presentationml/2006/main">
+  <p:cSld>
+    <p:spTree>
+      <p:nvGrpSpPr>
+        <p:cNvPr id="1" name="">
+          <a:extLst>
+            <a:ext uri="{FF2B5EF4-FFF2-40B4-BE49-F238E27FC236}">
+              <a16:creationId xmlns:a16="http://schemas.microsoft.com/office/drawing/2014/main" id="{0CC34C79-07B4-59F9-3A28-D83B5D6D963B}"/>
+            </a:ext>
+          </a:extLst>
+        </p:cNvPr>
+        <p:cNvGrpSpPr/>
+        <p:nvPr/>
+      </p:nvGrpSpPr>
+      <p:grpSpPr>
+        <a:xfrm>
+          <a:off x="0" y="0"/>
+          <a:ext cx="0" cy="0"/>
+          <a:chOff x="0" y="0"/>
+          <a:chExt cx="0" cy="0"/>
+        </a:xfrm>
+      </p:grpSpPr>
+      <p:sp>
+        <p:nvSpPr>
+          <p:cNvPr id="2" name="TextBox 1">
+            <a:extLst>
+              <a:ext uri="{FF2B5EF4-FFF2-40B4-BE49-F238E27FC236}">
+                <a16:creationId xmlns:a16="http://schemas.microsoft.com/office/drawing/2014/main" id="{36D0AC01-FE54-4085-1975-447DEA318C94}"/>
+              </a:ext>
+            </a:extLst>
+          </p:cNvPr>
+          <p:cNvSpPr txBox="1"/>
+          <p:nvPr/>
+        </p:nvSpPr>
+        <p:spPr>
+          <a:xfrm>
+            <a:off x="2562327" y="2129598"/>
+            <a:ext cx="2695474" cy="817245"/>
+          </a:xfrm>
+          <a:prstGeom prst="roundRect">
+            <a:avLst/>
+          </a:prstGeom>
+          <a:noFill/>
+        </p:spPr>
+        <p:style>
+          <a:lnRef idx="2">
+            <a:schemeClr val="accent1"/>
+          </a:lnRef>
+          <a:fillRef idx="1">
+            <a:schemeClr val="lt1"/>
+          </a:fillRef>
+          <a:effectRef idx="0">
+            <a:schemeClr val="accent1"/>
+          </a:effectRef>
+          <a:fontRef idx="minor">
+            <a:schemeClr val="dk1"/>
+          </a:fontRef>
+        </p:style>
+        <p:txBody>
+          <a:bodyPr wrap="square" rtlCol="0">
+            <a:spAutoFit/>
+          </a:bodyPr>
+          <a:lstStyle/>
+          <a:p>
+            <a:r>
+              <a:rPr lang="en-US" sz="1000" b="1" u="sng" dirty="0"/>
+              <a:t>User Input</a:t>
+            </a:r>
+          </a:p>
+          <a:p>
+            <a:pPr marL="171450" indent="-171450">
+              <a:buFont typeface="Wingdings" pitchFamily="2" charset="2"/>
+              <a:buChar char="v"/>
+            </a:pPr>
+            <a:r>
+              <a:rPr lang="en-US" sz="800" dirty="0"/>
+              <a:t>Network parameters</a:t>
+            </a:r>
+          </a:p>
+          <a:p>
+            <a:pPr marL="171450" indent="-171450">
+              <a:buFont typeface="Wingdings" pitchFamily="2" charset="2"/>
+              <a:buChar char="v"/>
+            </a:pPr>
+            <a:r>
+              <a:rPr lang="en-US" sz="800" dirty="0"/>
+              <a:t>Constraints on topology</a:t>
+            </a:r>
+          </a:p>
+          <a:p>
+            <a:pPr marL="171450" indent="-171450">
+              <a:buFont typeface="Wingdings" pitchFamily="2" charset="2"/>
+              <a:buChar char="v"/>
+            </a:pPr>
+            <a:r>
+              <a:rPr lang="en-US" sz="800" dirty="0"/>
+              <a:t>Constraints on functions</a:t>
+            </a:r>
+          </a:p>
+          <a:p>
+            <a:pPr marL="171450" indent="-171450">
+              <a:buFont typeface="Wingdings" pitchFamily="2" charset="2"/>
+              <a:buChar char="v"/>
+            </a:pPr>
+            <a:r>
+              <a:rPr lang="en-US" sz="800" dirty="0"/>
+              <a:t>Optional: Boolean network for null model matching</a:t>
+            </a:r>
+          </a:p>
+        </p:txBody>
+      </p:sp>
+      <p:sp>
+        <p:nvSpPr>
+          <p:cNvPr id="17" name="TextBox 16">
+            <a:extLst>
+              <a:ext uri="{FF2B5EF4-FFF2-40B4-BE49-F238E27FC236}">
+                <a16:creationId xmlns:a16="http://schemas.microsoft.com/office/drawing/2014/main" id="{DCE35789-5F2F-7726-7B85-FDB12FE10BE2}"/>
+              </a:ext>
+            </a:extLst>
+          </p:cNvPr>
+          <p:cNvSpPr txBox="1"/>
+          <p:nvPr/>
+        </p:nvSpPr>
+        <p:spPr>
+          <a:xfrm>
+            <a:off x="5591791" y="2129598"/>
+            <a:ext cx="2695473" cy="1362075"/>
+          </a:xfrm>
+          <a:prstGeom prst="roundRect">
+            <a:avLst/>
+          </a:prstGeom>
+          <a:noFill/>
+        </p:spPr>
+        <p:style>
+          <a:lnRef idx="2">
+            <a:schemeClr val="accent1"/>
+          </a:lnRef>
+          <a:fillRef idx="1">
+            <a:schemeClr val="lt1"/>
+          </a:fillRef>
+          <a:effectRef idx="0">
+            <a:schemeClr val="accent1"/>
+          </a:effectRef>
+          <a:fontRef idx="minor">
+            <a:schemeClr val="dk1"/>
+          </a:fontRef>
+        </p:style>
+        <p:txBody>
+          <a:bodyPr wrap="square" rtlCol="0">
+            <a:spAutoFit/>
+          </a:bodyPr>
+          <a:lstStyle/>
+          <a:p>
+            <a:r>
+              <a:rPr lang="en-US" sz="1000" b="1" u="sng" dirty="0"/>
+              <a:t>Generation</a:t>
+            </a:r>
+            <a:r>
+              <a:rPr lang="en-US" sz="800" dirty="0"/>
+              <a:t> </a:t>
+            </a:r>
+          </a:p>
+          <a:p>
+            <a:pPr marL="171450" indent="-171450">
+              <a:buFont typeface="Wingdings" pitchFamily="2" charset="2"/>
+              <a:buChar char="v"/>
+            </a:pPr>
+            <a:r>
+              <a:rPr lang="en-US" sz="800" b="1" dirty="0"/>
+              <a:t>Random Boolean Function Generators </a:t>
+            </a:r>
+            <a:br>
+              <a:rPr lang="en-US" sz="800" dirty="0"/>
+            </a:br>
+            <a:r>
+              <a:rPr lang="en-US" sz="800" i="1" dirty="0"/>
+              <a:t>Sample functions </a:t>
+            </a:r>
+            <a:r>
+              <a:rPr lang="en-US" sz="800" b="1" dirty="0"/>
+              <a:t>uniformly</a:t>
+            </a:r>
+            <a:r>
+              <a:rPr lang="en-US" sz="800" i="1" dirty="0"/>
+              <a:t> with prescribed canalizing depth, layer structure, bias, …</a:t>
+            </a:r>
+          </a:p>
+          <a:p>
+            <a:pPr marL="171450" indent="-171450">
+              <a:buFont typeface="Wingdings" pitchFamily="2" charset="2"/>
+              <a:buChar char="v"/>
+            </a:pPr>
+            <a:r>
+              <a:rPr lang="en-US" sz="800" b="1" dirty="0"/>
+              <a:t>Random Boolean Network Generators</a:t>
+            </a:r>
+            <a:br>
+              <a:rPr lang="en-US" sz="800" dirty="0"/>
+            </a:br>
+            <a:r>
+              <a:rPr lang="en-US" sz="800" i="1" dirty="0"/>
+              <a:t>Generate networks with controlled topology and  function-level constraints:</a:t>
+            </a:r>
+            <a:br>
+              <a:rPr lang="en-US" sz="800" i="1" dirty="0"/>
+            </a:br>
+            <a:r>
+              <a:rPr lang="en-US" sz="800" i="1" dirty="0"/>
+              <a:t>degree distribution or specific wiring diagram, </a:t>
+            </a:r>
+            <a:br>
+              <a:rPr lang="en-US" sz="800" i="1" dirty="0"/>
+            </a:br>
+            <a:r>
+              <a:rPr lang="en-US" sz="800" i="1" dirty="0"/>
+              <a:t>bias, canalizing properties, …</a:t>
+            </a:r>
+          </a:p>
+        </p:txBody>
+      </p:sp>
+      <p:sp>
+        <p:nvSpPr>
+          <p:cNvPr id="18" name="TextBox 17">
+            <a:extLst>
+              <a:ext uri="{FF2B5EF4-FFF2-40B4-BE49-F238E27FC236}">
+                <a16:creationId xmlns:a16="http://schemas.microsoft.com/office/drawing/2014/main" id="{FCE41792-2E31-D344-F837-D9E5F1917539}"/>
+              </a:ext>
+            </a:extLst>
+          </p:cNvPr>
+          <p:cNvSpPr txBox="1"/>
+          <p:nvPr/>
+        </p:nvSpPr>
+        <p:spPr>
+          <a:xfrm>
+            <a:off x="5591792" y="3742152"/>
+            <a:ext cx="2695472" cy="1225868"/>
+          </a:xfrm>
+          <a:prstGeom prst="roundRect">
+            <a:avLst/>
+          </a:prstGeom>
+          <a:noFill/>
+        </p:spPr>
+        <p:style>
+          <a:lnRef idx="2">
+            <a:schemeClr val="accent1"/>
+          </a:lnRef>
+          <a:fillRef idx="1">
+            <a:schemeClr val="lt1"/>
+          </a:fillRef>
+          <a:effectRef idx="0">
+            <a:schemeClr val="accent1"/>
+          </a:effectRef>
+          <a:fontRef idx="minor">
+            <a:schemeClr val="dk1"/>
+          </a:fontRef>
+        </p:style>
+        <p:txBody>
+          <a:bodyPr wrap="square" rtlCol="0">
+            <a:spAutoFit/>
+          </a:bodyPr>
+          <a:lstStyle/>
+          <a:p>
+            <a:r>
+              <a:rPr lang="en-US" sz="1000" b="1" u="sng" dirty="0"/>
+              <a:t>Analysis</a:t>
+            </a:r>
+            <a:r>
+              <a:rPr lang="en-US" sz="800" dirty="0"/>
+              <a:t> </a:t>
+            </a:r>
+          </a:p>
+          <a:p>
+            <a:pPr marL="171450" indent="-171450">
+              <a:buFont typeface="Wingdings" pitchFamily="2" charset="2"/>
+              <a:buChar char="v"/>
+            </a:pPr>
+            <a:r>
+              <a:rPr lang="en-US" sz="800" b="1" dirty="0"/>
+              <a:t>Function-level metrics </a:t>
+            </a:r>
+            <a:br>
+              <a:rPr lang="en-US" sz="800" dirty="0"/>
+            </a:br>
+            <a:r>
+              <a:rPr lang="en-US" sz="800" i="1" dirty="0"/>
+              <a:t>canalization, redundancy, symmetry, sensitivity, monotonicity, …</a:t>
+            </a:r>
+          </a:p>
+          <a:p>
+            <a:pPr marL="171450" indent="-171450">
+              <a:buFont typeface="Wingdings" pitchFamily="2" charset="2"/>
+              <a:buChar char="v"/>
+            </a:pPr>
+            <a:r>
+              <a:rPr lang="en-US" sz="800" b="1" dirty="0"/>
+              <a:t>Structural network-level metrics </a:t>
+            </a:r>
+            <a:br>
+              <a:rPr lang="en-US" sz="800" dirty="0"/>
+            </a:br>
+            <a:r>
+              <a:rPr lang="en-US" sz="800" dirty="0"/>
+              <a:t>recurring motifs, modularity, …</a:t>
+            </a:r>
+          </a:p>
+          <a:p>
+            <a:pPr marL="171450" indent="-171450">
+              <a:buFont typeface="Wingdings" pitchFamily="2" charset="2"/>
+              <a:buChar char="v"/>
+            </a:pPr>
+            <a:r>
+              <a:rPr lang="en-US" sz="800" b="1" i="1" dirty="0"/>
+              <a:t>Network dynamics metrics</a:t>
+            </a:r>
+            <a:br>
+              <a:rPr lang="en-US" sz="800" i="1" dirty="0"/>
+            </a:br>
+            <a:r>
+              <a:rPr lang="en-US" sz="800" i="1" dirty="0"/>
+              <a:t>attractors, stability to perturbation, …</a:t>
+            </a:r>
+          </a:p>
+        </p:txBody>
+      </p:sp>
+      <p:sp>
+        <p:nvSpPr>
+          <p:cNvPr id="19" name="TextBox 18">
+            <a:extLst>
+              <a:ext uri="{FF2B5EF4-FFF2-40B4-BE49-F238E27FC236}">
+                <a16:creationId xmlns:a16="http://schemas.microsoft.com/office/drawing/2014/main" id="{760B4262-C410-82C9-7060-8A4B80A5DCAD}"/>
+              </a:ext>
+            </a:extLst>
+          </p:cNvPr>
+          <p:cNvSpPr txBox="1"/>
+          <p:nvPr/>
+        </p:nvSpPr>
+        <p:spPr>
+          <a:xfrm>
+            <a:off x="2562327" y="3200493"/>
+            <a:ext cx="2695473" cy="1770698"/>
+          </a:xfrm>
+          <a:prstGeom prst="roundRect">
+            <a:avLst/>
+          </a:prstGeom>
+          <a:noFill/>
+        </p:spPr>
+        <p:style>
+          <a:lnRef idx="2">
+            <a:schemeClr val="accent1"/>
+          </a:lnRef>
+          <a:fillRef idx="1">
+            <a:schemeClr val="lt1"/>
+          </a:fillRef>
+          <a:effectRef idx="0">
+            <a:schemeClr val="accent1"/>
+          </a:effectRef>
+          <a:fontRef idx="minor">
+            <a:schemeClr val="dk1"/>
+          </a:fontRef>
+        </p:style>
+        <p:txBody>
+          <a:bodyPr wrap="square" rtlCol="0">
+            <a:spAutoFit/>
+          </a:bodyPr>
+          <a:lstStyle/>
+          <a:p>
+            <a:r>
+              <a:rPr lang="en-US" sz="1000" b="1" u="sng" dirty="0"/>
+              <a:t>Ensemble experiments</a:t>
+            </a:r>
+          </a:p>
+          <a:p>
+            <a:pPr marL="171450" indent="-171450">
+              <a:buFont typeface="Wingdings" pitchFamily="2" charset="2"/>
+              <a:buChar char="v"/>
+            </a:pPr>
+            <a:r>
+              <a:rPr lang="en-US" sz="800" b="1" dirty="0"/>
+              <a:t>Function-level characterization (Fig 2A)</a:t>
+            </a:r>
+            <a:br>
+              <a:rPr lang="en-US" sz="800" dirty="0"/>
+            </a:br>
+            <a:r>
+              <a:rPr lang="en-US" sz="800" dirty="0"/>
+              <a:t>Compare 5,000+ biological Boolean functions with constraint-matched random ensembles to uncover structural design principles</a:t>
+            </a:r>
+          </a:p>
+          <a:p>
+            <a:pPr marL="171450" indent="-171450">
+              <a:buFont typeface="Wingdings" pitchFamily="2" charset="2"/>
+              <a:buChar char="v"/>
+            </a:pPr>
+            <a:r>
+              <a:rPr lang="en-US" sz="800" b="1" dirty="0"/>
+              <a:t>Parameter space exploration (Fig 2B)</a:t>
+            </a:r>
+            <a:br>
+              <a:rPr lang="en-US" sz="800" dirty="0"/>
+            </a:br>
+            <a:r>
+              <a:rPr lang="en-US" sz="800" dirty="0"/>
+              <a:t>Systematically quantify how function-level and topological parameters shape network dynamics</a:t>
+            </a:r>
+          </a:p>
+          <a:p>
+            <a:pPr marL="171450" indent="-171450">
+              <a:buFont typeface="Wingdings" pitchFamily="2" charset="2"/>
+              <a:buChar char="v"/>
+            </a:pPr>
+            <a:r>
+              <a:rPr lang="en-US" sz="800" b="1" dirty="0"/>
+              <a:t>Null model hypothesis testing (Fig 2C)</a:t>
+            </a:r>
+            <a:br>
+              <a:rPr lang="en-US" sz="800" dirty="0"/>
+            </a:br>
+            <a:r>
+              <a:rPr lang="en-US" sz="800" dirty="0"/>
+              <a:t>Assess the statistical significance of structural and dynamical features in biological networks using ensembles of matched null models</a:t>
+            </a:r>
+          </a:p>
+        </p:txBody>
+      </p:sp>
+      <p:cxnSp>
+        <p:nvCxnSpPr>
+          <p:cNvPr id="20" name="Straight Arrow Connector 19">
+            <a:extLst>
+              <a:ext uri="{FF2B5EF4-FFF2-40B4-BE49-F238E27FC236}">
+                <a16:creationId xmlns:a16="http://schemas.microsoft.com/office/drawing/2014/main" id="{D9E1893C-10B0-4EB4-271E-36DB21C0759D}"/>
+              </a:ext>
+            </a:extLst>
+          </p:cNvPr>
+          <p:cNvCxnSpPr>
+            <a:cxnSpLocks/>
+            <a:stCxn id="2" idx="3"/>
+          </p:cNvCxnSpPr>
+          <p:nvPr/>
+        </p:nvCxnSpPr>
+        <p:spPr>
+          <a:xfrm flipV="1">
+            <a:off x="5257801" y="2538220"/>
+            <a:ext cx="333991" cy="1"/>
+          </a:xfrm>
+          <a:prstGeom prst="straightConnector1">
+            <a:avLst/>
+          </a:prstGeom>
+          <a:ln>
+            <a:tailEnd type="triangle" w="lg" len="lg"/>
+          </a:ln>
+        </p:spPr>
+        <p:style>
+          <a:lnRef idx="2">
+            <a:schemeClr val="accent1"/>
+          </a:lnRef>
+          <a:fillRef idx="0">
+            <a:schemeClr val="accent1"/>
+          </a:fillRef>
+          <a:effectRef idx="1">
+            <a:schemeClr val="accent1"/>
+          </a:effectRef>
+          <a:fontRef idx="minor">
+            <a:schemeClr val="tx1"/>
+          </a:fontRef>
+        </p:style>
+      </p:cxnSp>
+      <p:cxnSp>
+        <p:nvCxnSpPr>
+          <p:cNvPr id="24" name="Straight Arrow Connector 23">
+            <a:extLst>
+              <a:ext uri="{FF2B5EF4-FFF2-40B4-BE49-F238E27FC236}">
+                <a16:creationId xmlns:a16="http://schemas.microsoft.com/office/drawing/2014/main" id="{9B758DCF-4FFB-E8A7-F4B1-F970AFEE391E}"/>
+              </a:ext>
+            </a:extLst>
+          </p:cNvPr>
+          <p:cNvCxnSpPr>
+            <a:cxnSpLocks/>
+            <a:stCxn id="17" idx="2"/>
+            <a:endCxn id="18" idx="0"/>
+          </p:cNvCxnSpPr>
+          <p:nvPr/>
+        </p:nvCxnSpPr>
+        <p:spPr>
+          <a:xfrm>
+            <a:off x="6939528" y="3491673"/>
+            <a:ext cx="0" cy="250479"/>
+          </a:xfrm>
+          <a:prstGeom prst="straightConnector1">
+            <a:avLst/>
+          </a:prstGeom>
+          <a:ln>
+            <a:tailEnd type="triangle" w="lg" len="lg"/>
+          </a:ln>
+        </p:spPr>
+        <p:style>
+          <a:lnRef idx="2">
+            <a:schemeClr val="accent1"/>
+          </a:lnRef>
+          <a:fillRef idx="0">
+            <a:schemeClr val="accent1"/>
+          </a:fillRef>
+          <a:effectRef idx="1">
+            <a:schemeClr val="accent1"/>
+          </a:effectRef>
+          <a:fontRef idx="minor">
+            <a:schemeClr val="tx1"/>
+          </a:fontRef>
+        </p:style>
+      </p:cxnSp>
+      <p:cxnSp>
+        <p:nvCxnSpPr>
+          <p:cNvPr id="29" name="Straight Arrow Connector 28">
+            <a:extLst>
+              <a:ext uri="{FF2B5EF4-FFF2-40B4-BE49-F238E27FC236}">
+                <a16:creationId xmlns:a16="http://schemas.microsoft.com/office/drawing/2014/main" id="{45BBD938-382A-FF54-6DE7-145EB8C52946}"/>
+              </a:ext>
+            </a:extLst>
+          </p:cNvPr>
+          <p:cNvCxnSpPr>
+            <a:cxnSpLocks/>
+            <a:stCxn id="18" idx="1"/>
+          </p:cNvCxnSpPr>
+          <p:nvPr/>
+        </p:nvCxnSpPr>
+        <p:spPr>
+          <a:xfrm flipH="1">
+            <a:off x="5257800" y="4355086"/>
+            <a:ext cx="333992" cy="0"/>
+          </a:xfrm>
+          <a:prstGeom prst="straightConnector1">
+            <a:avLst/>
+          </a:prstGeom>
+          <a:ln>
+            <a:tailEnd type="triangle" w="lg" len="lg"/>
+          </a:ln>
+        </p:spPr>
+        <p:style>
+          <a:lnRef idx="2">
+            <a:schemeClr val="accent1"/>
+          </a:lnRef>
+          <a:fillRef idx="0">
+            <a:schemeClr val="accent1"/>
+          </a:fillRef>
+          <a:effectRef idx="1">
+            <a:schemeClr val="accent1"/>
+          </a:effectRef>
+          <a:fontRef idx="minor">
+            <a:schemeClr val="tx1"/>
+          </a:fontRef>
+        </p:style>
+      </p:cxnSp>
+    </p:spTree>
+    <p:extLst>
+      <p:ext uri="{BB962C8B-B14F-4D97-AF65-F5344CB8AC3E}">
+        <p14:creationId xmlns:p14="http://schemas.microsoft.com/office/powerpoint/2010/main" val="1259902216"/>
+      </p:ext>
+    </p:extLst>
+  </p:cSld>
+  <p:clrMapOvr>
+    <a:masterClrMapping/>
+  </p:clrMapOvr>
+</p:sld>
+</file>
+
+<file path=ppt/slides/slide11.xml><?xml version="1.0" encoding="utf-8"?>
+<p:sld xmlns:a="http://schemas.openxmlformats.org/drawingml/2006/main" xmlns:r="http://schemas.openxmlformats.org/officeDocument/2006/relationships" xmlns:p="http://schemas.openxmlformats.org/presentationml/2006/main">
+  <p:cSld>
+    <p:spTree>
+      <p:nvGrpSpPr>
+        <p:cNvPr id="1" name="">
+          <a:extLst>
+            <a:ext uri="{FF2B5EF4-FFF2-40B4-BE49-F238E27FC236}">
+              <a16:creationId xmlns:a16="http://schemas.microsoft.com/office/drawing/2014/main" id="{BD7836A5-0E2E-4EEF-64D1-7741FE574E88}"/>
+            </a:ext>
+          </a:extLst>
+        </p:cNvPr>
+        <p:cNvGrpSpPr/>
+        <p:nvPr/>
+      </p:nvGrpSpPr>
+      <p:grpSpPr>
+        <a:xfrm>
+          <a:off x="0" y="0"/>
+          <a:ext cx="0" cy="0"/>
+          <a:chOff x="0" y="0"/>
+          <a:chExt cx="0" cy="0"/>
+        </a:xfrm>
+      </p:grpSpPr>
+      <p:pic>
+        <p:nvPicPr>
+          <p:cNvPr id="76" name="Picture 75">
+            <a:extLst>
+              <a:ext uri="{FF2B5EF4-FFF2-40B4-BE49-F238E27FC236}">
+                <a16:creationId xmlns:a16="http://schemas.microsoft.com/office/drawing/2014/main" id="{BDEA4C74-EAE5-68AB-D3AA-C4D815969BB6}"/>
+              </a:ext>
+            </a:extLst>
+          </p:cNvPr>
+          <p:cNvPicPr>
+            <a:picLocks noChangeAspect="1"/>
+          </p:cNvPicPr>
+          <p:nvPr/>
+        </p:nvPicPr>
+        <p:blipFill>
+          <a:blip r:embed="rId3"/>
+          <a:srcRect t="19933"/>
+          <a:stretch>
+            <a:fillRect/>
+          </a:stretch>
+        </p:blipFill>
+        <p:spPr>
+          <a:xfrm>
+            <a:off x="494876" y="2201883"/>
+            <a:ext cx="3095399" cy="3039271"/>
+          </a:xfrm>
+          <a:prstGeom prst="rect">
+            <a:avLst/>
+          </a:prstGeom>
+        </p:spPr>
+      </p:pic>
+      <p:pic>
+        <p:nvPicPr>
+          <p:cNvPr id="22" name="Picture 21" descr="A table with a list of different degrees&#10;&#10;AI-generated content may be incorrect.">
+            <a:extLst>
+              <a:ext uri="{FF2B5EF4-FFF2-40B4-BE49-F238E27FC236}">
+                <a16:creationId xmlns:a16="http://schemas.microsoft.com/office/drawing/2014/main" id="{033A2937-DAA1-04A9-3BAC-58541A026B26}"/>
+              </a:ext>
+            </a:extLst>
+          </p:cNvPr>
+          <p:cNvPicPr>
+            <a:picLocks noChangeAspect="1"/>
+          </p:cNvPicPr>
+          <p:nvPr/>
+        </p:nvPicPr>
+        <p:blipFill>
+          <a:blip r:embed="rId4"/>
+          <a:stretch>
+            <a:fillRect/>
+          </a:stretch>
+        </p:blipFill>
+        <p:spPr>
+          <a:xfrm>
+            <a:off x="7882791" y="4234745"/>
+            <a:ext cx="3121074" cy="1101841"/>
+          </a:xfrm>
+          <a:prstGeom prst="rect">
+            <a:avLst/>
+          </a:prstGeom>
+        </p:spPr>
+      </p:pic>
+      <p:grpSp>
+        <p:nvGrpSpPr>
+          <p:cNvPr id="48" name="Group 47">
+            <a:extLst>
+              <a:ext uri="{FF2B5EF4-FFF2-40B4-BE49-F238E27FC236}">
+                <a16:creationId xmlns:a16="http://schemas.microsoft.com/office/drawing/2014/main" id="{B1400C4D-310A-AA57-EC29-A25F552824B5}"/>
+              </a:ext>
+            </a:extLst>
+          </p:cNvPr>
+          <p:cNvGrpSpPr/>
+          <p:nvPr/>
+        </p:nvGrpSpPr>
+        <p:grpSpPr>
+          <a:xfrm>
+            <a:off x="4052136" y="1535196"/>
+            <a:ext cx="3203178" cy="3712618"/>
+            <a:chOff x="4248905" y="3024136"/>
+            <a:chExt cx="3203178" cy="3712618"/>
+          </a:xfrm>
+        </p:grpSpPr>
+        <p:grpSp>
+          <p:nvGrpSpPr>
+            <p:cNvPr id="39" name="Group 38">
+              <a:extLst>
+                <a:ext uri="{FF2B5EF4-FFF2-40B4-BE49-F238E27FC236}">
+                  <a16:creationId xmlns:a16="http://schemas.microsoft.com/office/drawing/2014/main" id="{8C1D2C70-D422-9BB2-3C35-B127ABEC36EF}"/>
+                </a:ext>
+              </a:extLst>
+            </p:cNvPr>
+            <p:cNvGrpSpPr/>
+            <p:nvPr/>
+          </p:nvGrpSpPr>
+          <p:grpSpPr>
+            <a:xfrm>
+              <a:off x="4248905" y="3581699"/>
+              <a:ext cx="3203178" cy="3155055"/>
+              <a:chOff x="3741454" y="2271479"/>
+              <a:chExt cx="3494063" cy="3219533"/>
+            </a:xfrm>
+          </p:grpSpPr>
+          <p:grpSp>
+            <p:nvGrpSpPr>
+              <p:cNvPr id="10" name="Group 9">
+                <a:extLst>
+                  <a:ext uri="{FF2B5EF4-FFF2-40B4-BE49-F238E27FC236}">
+                    <a16:creationId xmlns:a16="http://schemas.microsoft.com/office/drawing/2014/main" id="{26F90DE5-C098-4DBB-D4DB-170DF595F6F9}"/>
+                  </a:ext>
+                </a:extLst>
+              </p:cNvPr>
+              <p:cNvGrpSpPr>
+                <a:grpSpLocks noChangeAspect="1"/>
+              </p:cNvGrpSpPr>
+              <p:nvPr/>
+            </p:nvGrpSpPr>
+            <p:grpSpPr>
+              <a:xfrm>
+                <a:off x="3741454" y="2382833"/>
+                <a:ext cx="3494063" cy="3108179"/>
+                <a:chOff x="3701301" y="2814589"/>
+                <a:chExt cx="3799100" cy="3379528"/>
+              </a:xfrm>
+            </p:grpSpPr>
+            <p:pic>
+              <p:nvPicPr>
+                <p:cNvPr id="4" name="Picture 3" descr="A graph of different sizes and colors&#10;&#10;AI-generated content may be incorrect.">
+                  <a:extLst>
+                    <a:ext uri="{FF2B5EF4-FFF2-40B4-BE49-F238E27FC236}">
+                      <a16:creationId xmlns:a16="http://schemas.microsoft.com/office/drawing/2014/main" id="{B8A2E544-5711-3568-286D-4624EB7E5AD5}"/>
+                    </a:ext>
+                  </a:extLst>
+                </p:cNvPr>
+                <p:cNvPicPr>
+                  <a:picLocks noChangeAspect="1"/>
+                </p:cNvPicPr>
+                <p:nvPr/>
+              </p:nvPicPr>
+              <p:blipFill>
+                <a:blip r:embed="rId5"/>
+                <a:srcRect l="8506" r="84179"/>
+                <a:stretch>
+                  <a:fillRect/>
+                </a:stretch>
+              </p:blipFill>
+              <p:spPr>
+                <a:xfrm>
+                  <a:off x="4067827" y="2814589"/>
+                  <a:ext cx="522382" cy="3379528"/>
+                </a:xfrm>
+                <a:prstGeom prst="rect">
+                  <a:avLst/>
+                </a:prstGeom>
+              </p:spPr>
+            </p:pic>
+            <p:pic>
+              <p:nvPicPr>
+                <p:cNvPr id="5" name="Picture 4" descr="A graph of different sizes and colors&#10;&#10;AI-generated content may be incorrect.">
+                  <a:extLst>
+                    <a:ext uri="{FF2B5EF4-FFF2-40B4-BE49-F238E27FC236}">
+                      <a16:creationId xmlns:a16="http://schemas.microsoft.com/office/drawing/2014/main" id="{C9F8EB2C-EBD8-EE54-53F2-21E9A89DEDE6}"/>
+                    </a:ext>
+                  </a:extLst>
+                </p:cNvPr>
+                <p:cNvPicPr>
+                  <a:picLocks noChangeAspect="1"/>
+                </p:cNvPicPr>
+                <p:nvPr/>
+              </p:nvPicPr>
+              <p:blipFill>
+                <a:blip r:embed="rId5"/>
+                <a:srcRect l="59466"/>
+                <a:stretch>
+                  <a:fillRect/>
+                </a:stretch>
+              </p:blipFill>
+              <p:spPr>
+                <a:xfrm>
+                  <a:off x="4605711" y="2814589"/>
+                  <a:ext cx="2894690" cy="3379527"/>
+                </a:xfrm>
+                <a:prstGeom prst="rect">
+                  <a:avLst/>
+                </a:prstGeom>
+              </p:spPr>
+            </p:pic>
+            <p:pic>
+              <p:nvPicPr>
+                <p:cNvPr id="6" name="Picture 5" descr="A graph of different sizes and colors&#10;&#10;AI-generated content may be incorrect.">
+                  <a:extLst>
+                    <a:ext uri="{FF2B5EF4-FFF2-40B4-BE49-F238E27FC236}">
+                      <a16:creationId xmlns:a16="http://schemas.microsoft.com/office/drawing/2014/main" id="{478A1481-D713-2A5B-4F72-6C1583451A48}"/>
+                    </a:ext>
+                  </a:extLst>
+                </p:cNvPr>
+                <p:cNvPicPr>
+                  <a:picLocks noChangeAspect="1"/>
+                </p:cNvPicPr>
+                <p:nvPr/>
+              </p:nvPicPr>
+              <p:blipFill>
+                <a:blip r:embed="rId5"/>
+                <a:srcRect t="14179" r="95015"/>
+                <a:stretch>
+                  <a:fillRect/>
+                </a:stretch>
+              </p:blipFill>
+              <p:spPr>
+                <a:xfrm>
+                  <a:off x="3701301" y="3307978"/>
+                  <a:ext cx="338903" cy="2761346"/>
+                </a:xfrm>
+                <a:prstGeom prst="rect">
+                  <a:avLst/>
+                </a:prstGeom>
+              </p:spPr>
+            </p:pic>
+          </p:grpSp>
+          <p:sp>
+            <p:nvSpPr>
+              <p:cNvPr id="37" name="Rectangle 36">
+                <a:extLst>
+                  <a:ext uri="{FF2B5EF4-FFF2-40B4-BE49-F238E27FC236}">
+                    <a16:creationId xmlns:a16="http://schemas.microsoft.com/office/drawing/2014/main" id="{B945F9C1-5CEF-3EFF-E473-8E8CCE8BBFBA}"/>
+                  </a:ext>
+                </a:extLst>
+              </p:cNvPr>
+              <p:cNvSpPr/>
+              <p:nvPr/>
+            </p:nvSpPr>
+            <p:spPr>
+              <a:xfrm>
+                <a:off x="4573246" y="2389183"/>
+                <a:ext cx="2634378" cy="172108"/>
+              </a:xfrm>
+              <a:prstGeom prst="rect">
+                <a:avLst/>
+              </a:prstGeom>
+              <a:solidFill>
+                <a:schemeClr val="bg1"/>
+              </a:solidFill>
+              <a:ln>
+                <a:noFill/>
+              </a:ln>
+            </p:spPr>
+            <p:style>
+              <a:lnRef idx="2">
+                <a:schemeClr val="accent1">
+                  <a:shade val="15000"/>
+                </a:schemeClr>
+              </a:lnRef>
+              <a:fillRef idx="1">
+                <a:schemeClr val="accent1"/>
+              </a:fillRef>
+              <a:effectRef idx="0">
+                <a:schemeClr val="accent1"/>
+              </a:effectRef>
+              <a:fontRef idx="minor">
+                <a:schemeClr val="lt1"/>
+              </a:fontRef>
+            </p:style>
+            <p:txBody>
+              <a:bodyPr rtlCol="0" anchor="ctr"/>
+              <a:lstStyle/>
+              <a:p>
+                <a:pPr algn="ctr"/>
+                <a:endParaRPr lang="en-US"/>
+              </a:p>
+            </p:txBody>
+          </p:sp>
+          <p:sp>
+            <p:nvSpPr>
+              <p:cNvPr id="38" name="Rectangle 37">
+                <a:extLst>
+                  <a:ext uri="{FF2B5EF4-FFF2-40B4-BE49-F238E27FC236}">
+                    <a16:creationId xmlns:a16="http://schemas.microsoft.com/office/drawing/2014/main" id="{68F4EB2E-74E3-76DC-FD09-BDF426F85D80}"/>
+                  </a:ext>
+                </a:extLst>
+              </p:cNvPr>
+              <p:cNvSpPr/>
+              <p:nvPr/>
+            </p:nvSpPr>
+            <p:spPr>
+              <a:xfrm rot="16200000">
+                <a:off x="5781514" y="3502614"/>
+                <a:ext cx="2634378" cy="172108"/>
+              </a:xfrm>
+              <a:prstGeom prst="rect">
+                <a:avLst/>
+              </a:prstGeom>
+              <a:solidFill>
+                <a:schemeClr val="bg1"/>
+              </a:solidFill>
+              <a:ln>
+                <a:noFill/>
+              </a:ln>
+            </p:spPr>
+            <p:style>
+              <a:lnRef idx="2">
+                <a:schemeClr val="accent1">
+                  <a:shade val="15000"/>
+                </a:schemeClr>
+              </a:lnRef>
+              <a:fillRef idx="1">
+                <a:schemeClr val="accent1"/>
+              </a:fillRef>
+              <a:effectRef idx="0">
+                <a:schemeClr val="accent1"/>
+              </a:effectRef>
+              <a:fontRef idx="minor">
+                <a:schemeClr val="lt1"/>
+              </a:fontRef>
+            </p:style>
+            <p:txBody>
+              <a:bodyPr rtlCol="0" anchor="ctr"/>
+              <a:lstStyle/>
+              <a:p>
+                <a:pPr algn="ctr"/>
+                <a:endParaRPr lang="en-US"/>
+              </a:p>
+            </p:txBody>
+          </p:sp>
+        </p:grpSp>
+        <p:pic>
+          <p:nvPicPr>
+            <p:cNvPr id="45" name="Picture 44">
+              <a:extLst>
+                <a:ext uri="{FF2B5EF4-FFF2-40B4-BE49-F238E27FC236}">
+                  <a16:creationId xmlns:a16="http://schemas.microsoft.com/office/drawing/2014/main" id="{F5B7A53E-C96F-CC75-8D8C-0272B1423DD8}"/>
+                </a:ext>
+              </a:extLst>
+            </p:cNvPr>
+            <p:cNvPicPr>
+              <a:picLocks noChangeAspect="1"/>
+            </p:cNvPicPr>
+            <p:nvPr/>
+          </p:nvPicPr>
+          <p:blipFill>
+            <a:blip r:embed="rId6"/>
+            <a:srcRect l="63306" t="52315"/>
+            <a:stretch>
+              <a:fillRect/>
+            </a:stretch>
+          </p:blipFill>
+          <p:spPr>
+            <a:xfrm>
+              <a:off x="5043018" y="3592005"/>
+              <a:ext cx="1537979" cy="238714"/>
+            </a:xfrm>
+            <a:prstGeom prst="rect">
+              <a:avLst/>
+            </a:prstGeom>
+          </p:spPr>
+        </p:pic>
+        <p:pic>
+          <p:nvPicPr>
+            <p:cNvPr id="46" name="Picture 45">
+              <a:extLst>
+                <a:ext uri="{FF2B5EF4-FFF2-40B4-BE49-F238E27FC236}">
+                  <a16:creationId xmlns:a16="http://schemas.microsoft.com/office/drawing/2014/main" id="{1E61C540-0E45-59F5-3212-1A7A29D09FD9}"/>
+                </a:ext>
+              </a:extLst>
+            </p:cNvPr>
+            <p:cNvPicPr>
+              <a:picLocks noChangeAspect="1"/>
+            </p:cNvPicPr>
+            <p:nvPr/>
+          </p:nvPicPr>
+          <p:blipFill>
+            <a:blip r:embed="rId6"/>
+            <a:srcRect t="43500" r="43133"/>
+            <a:stretch>
+              <a:fillRect/>
+            </a:stretch>
+          </p:blipFill>
+          <p:spPr>
+            <a:xfrm>
+              <a:off x="5043018" y="3293004"/>
+              <a:ext cx="2383494" cy="282840"/>
+            </a:xfrm>
+            <a:prstGeom prst="rect">
+              <a:avLst/>
+            </a:prstGeom>
+          </p:spPr>
+        </p:pic>
+        <p:sp>
+          <p:nvSpPr>
+            <p:cNvPr id="47" name="TextBox 46">
+              <a:extLst>
+                <a:ext uri="{FF2B5EF4-FFF2-40B4-BE49-F238E27FC236}">
+                  <a16:creationId xmlns:a16="http://schemas.microsoft.com/office/drawing/2014/main" id="{F47B4280-0D5A-295A-B080-5052EB8749A3}"/>
+                </a:ext>
+              </a:extLst>
+            </p:cNvPr>
+            <p:cNvSpPr txBox="1"/>
+            <p:nvPr/>
+          </p:nvSpPr>
+          <p:spPr>
+            <a:xfrm>
+              <a:off x="5603209" y="3024136"/>
+              <a:ext cx="1486625" cy="323165"/>
+            </a:xfrm>
+            <a:prstGeom prst="rect">
+              <a:avLst/>
+            </a:prstGeom>
+            <a:noFill/>
+          </p:spPr>
+          <p:txBody>
+            <a:bodyPr wrap="none" rtlCol="0">
+              <a:spAutoFit/>
+            </a:bodyPr>
+            <a:lstStyle/>
+            <a:p>
+              <a:r>
+                <a:rPr lang="en-US" sz="1500" dirty="0"/>
+                <a:t>Network degree</a:t>
+              </a:r>
+            </a:p>
+          </p:txBody>
+        </p:sp>
+      </p:grpSp>
+      <p:sp>
+        <p:nvSpPr>
+          <p:cNvPr id="51" name="Frame 50">
+            <a:extLst>
+              <a:ext uri="{FF2B5EF4-FFF2-40B4-BE49-F238E27FC236}">
+                <a16:creationId xmlns:a16="http://schemas.microsoft.com/office/drawing/2014/main" id="{266DE118-998B-5FAA-4E26-07B60CD83234}"/>
+              </a:ext>
+            </a:extLst>
+          </p:cNvPr>
+          <p:cNvSpPr/>
+          <p:nvPr/>
+        </p:nvSpPr>
+        <p:spPr>
+          <a:xfrm>
+            <a:off x="4002713" y="833718"/>
+            <a:ext cx="3530278" cy="4586993"/>
+          </a:xfrm>
+          <a:prstGeom prst="frame">
+            <a:avLst>
+              <a:gd name="adj1" fmla="val 369"/>
+            </a:avLst>
+          </a:prstGeom>
+          <a:ln cap="flat">
+            <a:miter lim="800000"/>
+          </a:ln>
+          <a:effectLst/>
+        </p:spPr>
+        <p:style>
+          <a:lnRef idx="2">
+            <a:schemeClr val="accent1">
+              <a:shade val="15000"/>
+            </a:schemeClr>
+          </a:lnRef>
+          <a:fillRef idx="1">
+            <a:schemeClr val="accent1"/>
+          </a:fillRef>
+          <a:effectRef idx="0">
+            <a:schemeClr val="accent1"/>
+          </a:effectRef>
+          <a:fontRef idx="minor">
+            <a:schemeClr val="lt1"/>
+          </a:fontRef>
+        </p:style>
+        <p:txBody>
+          <a:bodyPr rtlCol="0" anchor="ctr"/>
+          <a:lstStyle/>
+          <a:p>
+            <a:pPr algn="ctr"/>
+            <a:endParaRPr lang="en-US">
+              <a:solidFill>
+                <a:schemeClr val="tx1"/>
+              </a:solidFill>
+            </a:endParaRPr>
+          </a:p>
+        </p:txBody>
+      </p:sp>
+      <p:sp>
+        <p:nvSpPr>
+          <p:cNvPr id="52" name="Frame 51">
+            <a:extLst>
+              <a:ext uri="{FF2B5EF4-FFF2-40B4-BE49-F238E27FC236}">
+                <a16:creationId xmlns:a16="http://schemas.microsoft.com/office/drawing/2014/main" id="{C5244DB0-CD46-E988-A775-889C8ECFF9EE}"/>
+              </a:ext>
+            </a:extLst>
+          </p:cNvPr>
+          <p:cNvSpPr/>
+          <p:nvPr/>
+        </p:nvSpPr>
+        <p:spPr>
+          <a:xfrm>
+            <a:off x="7648393" y="833718"/>
+            <a:ext cx="3530278" cy="4586993"/>
+          </a:xfrm>
+          <a:prstGeom prst="frame">
+            <a:avLst>
+              <a:gd name="adj1" fmla="val 369"/>
+            </a:avLst>
+          </a:prstGeom>
+          <a:ln cap="flat">
+            <a:miter lim="800000"/>
+          </a:ln>
+          <a:effectLst/>
+        </p:spPr>
+        <p:style>
+          <a:lnRef idx="2">
+            <a:schemeClr val="accent1">
+              <a:shade val="15000"/>
+            </a:schemeClr>
+          </a:lnRef>
+          <a:fillRef idx="1">
+            <a:schemeClr val="accent1"/>
+          </a:fillRef>
+          <a:effectRef idx="0">
+            <a:schemeClr val="accent1"/>
+          </a:effectRef>
+          <a:fontRef idx="minor">
+            <a:schemeClr val="lt1"/>
+          </a:fontRef>
+        </p:style>
+        <p:txBody>
+          <a:bodyPr rtlCol="0" anchor="ctr"/>
+          <a:lstStyle/>
+          <a:p>
+            <a:pPr algn="ctr"/>
+            <a:endParaRPr lang="en-US">
+              <a:solidFill>
+                <a:schemeClr val="tx1"/>
+              </a:solidFill>
+            </a:endParaRPr>
+          </a:p>
+        </p:txBody>
+      </p:sp>
+      <p:sp>
+        <p:nvSpPr>
+          <p:cNvPr id="53" name="Frame 52">
+            <a:extLst>
+              <a:ext uri="{FF2B5EF4-FFF2-40B4-BE49-F238E27FC236}">
+                <a16:creationId xmlns:a16="http://schemas.microsoft.com/office/drawing/2014/main" id="{AEB96B36-A652-B35B-F6A4-A225C3BEC564}"/>
+              </a:ext>
+            </a:extLst>
+          </p:cNvPr>
+          <p:cNvSpPr/>
+          <p:nvPr/>
+        </p:nvSpPr>
+        <p:spPr>
+          <a:xfrm>
+            <a:off x="357033" y="833718"/>
+            <a:ext cx="3530278" cy="4586993"/>
+          </a:xfrm>
+          <a:prstGeom prst="frame">
+            <a:avLst>
+              <a:gd name="adj1" fmla="val 369"/>
+            </a:avLst>
+          </a:prstGeom>
+          <a:ln cap="flat">
+            <a:miter lim="800000"/>
+          </a:ln>
+          <a:effectLst/>
+        </p:spPr>
+        <p:style>
+          <a:lnRef idx="2">
+            <a:schemeClr val="accent1">
+              <a:shade val="15000"/>
+            </a:schemeClr>
+          </a:lnRef>
+          <a:fillRef idx="1">
+            <a:schemeClr val="accent1"/>
+          </a:fillRef>
+          <a:effectRef idx="0">
+            <a:schemeClr val="accent1"/>
+          </a:effectRef>
+          <a:fontRef idx="minor">
+            <a:schemeClr val="lt1"/>
+          </a:fontRef>
+        </p:style>
+        <p:txBody>
+          <a:bodyPr rtlCol="0" anchor="ctr"/>
+          <a:lstStyle/>
+          <a:p>
+            <a:pPr algn="ctr"/>
+            <a:endParaRPr lang="en-US">
+              <a:solidFill>
+                <a:schemeClr val="tx1"/>
+              </a:solidFill>
+            </a:endParaRPr>
+          </a:p>
+        </p:txBody>
+      </p:sp>
+      <p:sp>
+        <p:nvSpPr>
+          <p:cNvPr id="54" name="TextBox 53">
+            <a:extLst>
+              <a:ext uri="{FF2B5EF4-FFF2-40B4-BE49-F238E27FC236}">
+                <a16:creationId xmlns:a16="http://schemas.microsoft.com/office/drawing/2014/main" id="{0A4274D3-4387-9EC2-E996-40E01D28DBEF}"/>
+              </a:ext>
+            </a:extLst>
+          </p:cNvPr>
+          <p:cNvSpPr txBox="1"/>
+          <p:nvPr/>
+        </p:nvSpPr>
+        <p:spPr>
+          <a:xfrm>
+            <a:off x="344509" y="890938"/>
+            <a:ext cx="327334" cy="369332"/>
+          </a:xfrm>
+          <a:prstGeom prst="rect">
+            <a:avLst/>
+          </a:prstGeom>
+          <a:noFill/>
+        </p:spPr>
+        <p:txBody>
+          <a:bodyPr wrap="none" rtlCol="0">
+            <a:spAutoFit/>
+          </a:bodyPr>
+          <a:lstStyle/>
+          <a:p>
+            <a:r>
+              <a:rPr lang="en-US" b="1" dirty="0"/>
+              <a:t>A</a:t>
+            </a:r>
+          </a:p>
+        </p:txBody>
+      </p:sp>
+      <p:sp>
+        <p:nvSpPr>
+          <p:cNvPr id="55" name="TextBox 54">
+            <a:extLst>
+              <a:ext uri="{FF2B5EF4-FFF2-40B4-BE49-F238E27FC236}">
+                <a16:creationId xmlns:a16="http://schemas.microsoft.com/office/drawing/2014/main" id="{F69C56C5-144C-FD08-DDF9-B0EA26B33740}"/>
+              </a:ext>
+            </a:extLst>
+          </p:cNvPr>
+          <p:cNvSpPr txBox="1"/>
+          <p:nvPr/>
+        </p:nvSpPr>
+        <p:spPr>
+          <a:xfrm>
+            <a:off x="4016958" y="890938"/>
+            <a:ext cx="327334" cy="369332"/>
+          </a:xfrm>
+          <a:prstGeom prst="rect">
+            <a:avLst/>
+          </a:prstGeom>
+          <a:noFill/>
+        </p:spPr>
+        <p:txBody>
+          <a:bodyPr wrap="none" rtlCol="0">
+            <a:spAutoFit/>
+          </a:bodyPr>
+          <a:lstStyle/>
+          <a:p>
+            <a:r>
+              <a:rPr lang="en-US" b="1" dirty="0"/>
+              <a:t>B</a:t>
+            </a:r>
+          </a:p>
+        </p:txBody>
+      </p:sp>
+      <p:sp>
+        <p:nvSpPr>
+          <p:cNvPr id="56" name="TextBox 55">
+            <a:extLst>
+              <a:ext uri="{FF2B5EF4-FFF2-40B4-BE49-F238E27FC236}">
+                <a16:creationId xmlns:a16="http://schemas.microsoft.com/office/drawing/2014/main" id="{EAF82B84-58B5-FA6D-8D7C-E8E7C454C28D}"/>
+              </a:ext>
+            </a:extLst>
+          </p:cNvPr>
+          <p:cNvSpPr txBox="1"/>
+          <p:nvPr/>
+        </p:nvSpPr>
+        <p:spPr>
+          <a:xfrm>
+            <a:off x="7653039" y="890938"/>
+            <a:ext cx="344966" cy="369332"/>
+          </a:xfrm>
+          <a:prstGeom prst="rect">
+            <a:avLst/>
+          </a:prstGeom>
+          <a:noFill/>
+        </p:spPr>
+        <p:txBody>
+          <a:bodyPr wrap="none" rtlCol="0">
+            <a:spAutoFit/>
+          </a:bodyPr>
+          <a:lstStyle/>
+          <a:p>
+            <a:r>
+              <a:rPr lang="en-US" b="1" dirty="0"/>
+              <a:t>C</a:t>
+            </a:r>
+          </a:p>
+        </p:txBody>
+      </p:sp>
+      <p:grpSp>
+        <p:nvGrpSpPr>
+          <p:cNvPr id="59" name="Group 58">
+            <a:extLst>
+              <a:ext uri="{FF2B5EF4-FFF2-40B4-BE49-F238E27FC236}">
+                <a16:creationId xmlns:a16="http://schemas.microsoft.com/office/drawing/2014/main" id="{155FAC3B-1467-7B95-DDD0-7BC68F32E7F5}"/>
+              </a:ext>
+            </a:extLst>
+          </p:cNvPr>
+          <p:cNvGrpSpPr/>
+          <p:nvPr/>
+        </p:nvGrpSpPr>
+        <p:grpSpPr>
+          <a:xfrm>
+            <a:off x="7856379" y="1283294"/>
+            <a:ext cx="2906145" cy="3114663"/>
+            <a:chOff x="7856379" y="1283294"/>
+            <a:chExt cx="2906145" cy="3114663"/>
+          </a:xfrm>
+        </p:grpSpPr>
+        <p:pic>
+          <p:nvPicPr>
+            <p:cNvPr id="9" name="Picture 8" descr="A diagram of a number of data&#10;&#10;AI-generated content may be incorrect.">
+              <a:extLst>
+                <a:ext uri="{FF2B5EF4-FFF2-40B4-BE49-F238E27FC236}">
+                  <a16:creationId xmlns:a16="http://schemas.microsoft.com/office/drawing/2014/main" id="{7337774E-51DF-27FD-E0FA-A7E000912091}"/>
+                </a:ext>
+              </a:extLst>
+            </p:cNvPr>
+            <p:cNvPicPr>
+              <a:picLocks noChangeAspect="1"/>
+            </p:cNvPicPr>
+            <p:nvPr/>
+          </p:nvPicPr>
+          <p:blipFill>
+            <a:blip r:embed="rId7"/>
+            <a:srcRect l="3304" t="28590" r="61652" b="14476"/>
+            <a:stretch>
+              <a:fillRect/>
+            </a:stretch>
+          </p:blipFill>
+          <p:spPr>
+            <a:xfrm>
+              <a:off x="8199764" y="1858361"/>
+              <a:ext cx="2562760" cy="2400040"/>
+            </a:xfrm>
+            <a:prstGeom prst="rect">
+              <a:avLst/>
+            </a:prstGeom>
+          </p:spPr>
+        </p:pic>
+        <p:sp>
+          <p:nvSpPr>
+            <p:cNvPr id="36" name="TextBox 35">
+              <a:extLst>
+                <a:ext uri="{FF2B5EF4-FFF2-40B4-BE49-F238E27FC236}">
+                  <a16:creationId xmlns:a16="http://schemas.microsoft.com/office/drawing/2014/main" id="{131ACEFB-B5E1-2746-DCB1-B4C31FDC71D8}"/>
+                </a:ext>
+              </a:extLst>
+            </p:cNvPr>
+            <p:cNvSpPr txBox="1"/>
+            <p:nvPr/>
+          </p:nvSpPr>
+          <p:spPr>
+            <a:xfrm rot="16200000">
+              <a:off x="6657205" y="2875617"/>
+              <a:ext cx="2721514" cy="323165"/>
+            </a:xfrm>
+            <a:prstGeom prst="rect">
+              <a:avLst/>
+            </a:prstGeom>
+            <a:noFill/>
+          </p:spPr>
+          <p:txBody>
+            <a:bodyPr wrap="none" rtlCol="0">
+              <a:spAutoFit/>
+            </a:bodyPr>
+            <a:lstStyle/>
+            <a:p>
+              <a:r>
+                <a:rPr lang="en-US" sz="1500" dirty="0"/>
+                <a:t>First-order approximation error</a:t>
+              </a:r>
+            </a:p>
+          </p:txBody>
+        </p:sp>
+        <p:pic>
+          <p:nvPicPr>
+            <p:cNvPr id="58" name="Picture 57">
+              <a:extLst>
+                <a:ext uri="{FF2B5EF4-FFF2-40B4-BE49-F238E27FC236}">
+                  <a16:creationId xmlns:a16="http://schemas.microsoft.com/office/drawing/2014/main" id="{03DA70CE-505C-172E-40ED-997C44F92CCA}"/>
+                </a:ext>
+              </a:extLst>
+            </p:cNvPr>
+            <p:cNvPicPr>
+              <a:picLocks noChangeAspect="1"/>
+            </p:cNvPicPr>
+            <p:nvPr/>
+          </p:nvPicPr>
+          <p:blipFill>
+            <a:blip r:embed="rId8"/>
+            <a:stretch>
+              <a:fillRect/>
+            </a:stretch>
+          </p:blipFill>
+          <p:spPr>
+            <a:xfrm>
+              <a:off x="8910668" y="1283294"/>
+              <a:ext cx="1699062" cy="803610"/>
+            </a:xfrm>
+            <a:prstGeom prst="rect">
+              <a:avLst/>
+            </a:prstGeom>
+          </p:spPr>
+        </p:pic>
+      </p:grpSp>
+      <p:sp>
+        <p:nvSpPr>
+          <p:cNvPr id="60" name="TextBox 59">
+            <a:extLst>
+              <a:ext uri="{FF2B5EF4-FFF2-40B4-BE49-F238E27FC236}">
+                <a16:creationId xmlns:a16="http://schemas.microsoft.com/office/drawing/2014/main" id="{E5A1A7DD-9DB7-E932-3880-3AC817E012BD}"/>
+              </a:ext>
+            </a:extLst>
+          </p:cNvPr>
+          <p:cNvSpPr txBox="1"/>
+          <p:nvPr/>
+        </p:nvSpPr>
+        <p:spPr>
+          <a:xfrm>
+            <a:off x="786153" y="905420"/>
+            <a:ext cx="3095399" cy="338554"/>
+          </a:xfrm>
+          <a:prstGeom prst="rect">
+            <a:avLst/>
+          </a:prstGeom>
+          <a:noFill/>
+        </p:spPr>
+        <p:txBody>
+          <a:bodyPr wrap="none" rtlCol="0">
+            <a:spAutoFit/>
+          </a:bodyPr>
+          <a:lstStyle/>
+          <a:p>
+            <a:r>
+              <a:rPr lang="en-US" sz="1600" b="1" dirty="0"/>
+              <a:t>Function-level characterization</a:t>
+            </a:r>
+          </a:p>
+        </p:txBody>
+      </p:sp>
+      <p:sp>
+        <p:nvSpPr>
+          <p:cNvPr id="62" name="TextBox 61">
+            <a:extLst>
+              <a:ext uri="{FF2B5EF4-FFF2-40B4-BE49-F238E27FC236}">
+                <a16:creationId xmlns:a16="http://schemas.microsoft.com/office/drawing/2014/main" id="{0CCB232B-36D2-B648-1A2C-8CA41ED16F0B}"/>
+              </a:ext>
+            </a:extLst>
+          </p:cNvPr>
+          <p:cNvSpPr txBox="1"/>
+          <p:nvPr/>
+        </p:nvSpPr>
+        <p:spPr>
+          <a:xfrm>
+            <a:off x="4660196" y="921716"/>
+            <a:ext cx="2856709" cy="338554"/>
+          </a:xfrm>
+          <a:prstGeom prst="rect">
+            <a:avLst/>
+          </a:prstGeom>
+          <a:noFill/>
+        </p:spPr>
+        <p:txBody>
+          <a:bodyPr wrap="square">
+            <a:spAutoFit/>
+          </a:bodyPr>
+          <a:lstStyle/>
+          <a:p>
+            <a:r>
+              <a:rPr lang="en-US" sz="1600" b="1" dirty="0"/>
+              <a:t>Parameter space exploration </a:t>
+            </a:r>
+            <a:endParaRPr lang="en-US" sz="1600" dirty="0"/>
+          </a:p>
+        </p:txBody>
+      </p:sp>
+      <p:sp>
+        <p:nvSpPr>
+          <p:cNvPr id="63" name="TextBox 62">
+            <a:extLst>
+              <a:ext uri="{FF2B5EF4-FFF2-40B4-BE49-F238E27FC236}">
+                <a16:creationId xmlns:a16="http://schemas.microsoft.com/office/drawing/2014/main" id="{9ECA746E-418E-C1B1-F936-22F64F2AF81B}"/>
+              </a:ext>
+            </a:extLst>
+          </p:cNvPr>
+          <p:cNvSpPr txBox="1"/>
+          <p:nvPr/>
+        </p:nvSpPr>
+        <p:spPr>
+          <a:xfrm>
+            <a:off x="8207536" y="889229"/>
+            <a:ext cx="2964722" cy="338554"/>
+          </a:xfrm>
+          <a:prstGeom prst="rect">
+            <a:avLst/>
+          </a:prstGeom>
+          <a:noFill/>
+        </p:spPr>
+        <p:txBody>
+          <a:bodyPr wrap="none" rtlCol="0">
+            <a:spAutoFit/>
+          </a:bodyPr>
+          <a:lstStyle/>
+          <a:p>
+            <a:r>
+              <a:rPr lang="en-US" sz="1600" b="1" dirty="0"/>
+              <a:t>Null model hypothesis testing</a:t>
+            </a:r>
+          </a:p>
+        </p:txBody>
+      </p:sp>
+      <p:sp>
+        <p:nvSpPr>
+          <p:cNvPr id="65" name="TextBox 64">
+            <a:extLst>
+              <a:ext uri="{FF2B5EF4-FFF2-40B4-BE49-F238E27FC236}">
+                <a16:creationId xmlns:a16="http://schemas.microsoft.com/office/drawing/2014/main" id="{9D5E9689-B409-C04C-CCB1-1A01D2CFDABD}"/>
+              </a:ext>
+            </a:extLst>
+          </p:cNvPr>
+          <p:cNvSpPr txBox="1"/>
+          <p:nvPr/>
+        </p:nvSpPr>
+        <p:spPr>
+          <a:xfrm>
+            <a:off x="1990335" y="2338417"/>
+            <a:ext cx="1788438" cy="323165"/>
+          </a:xfrm>
+          <a:prstGeom prst="rect">
+            <a:avLst/>
+          </a:prstGeom>
+          <a:noFill/>
+        </p:spPr>
+        <p:txBody>
+          <a:bodyPr wrap="none" rtlCol="0">
+            <a:spAutoFit/>
+          </a:bodyPr>
+          <a:lstStyle/>
+          <a:p>
+            <a:r>
+              <a:rPr lang="en-US" sz="1500" dirty="0">
+                <a:solidFill>
+                  <a:srgbClr val="E6550E"/>
+                </a:solidFill>
+              </a:rPr>
+              <a:t>biological networks</a:t>
+            </a:r>
+          </a:p>
+        </p:txBody>
+      </p:sp>
+      <p:sp>
+        <p:nvSpPr>
+          <p:cNvPr id="68" name="TextBox 67">
+            <a:extLst>
+              <a:ext uri="{FF2B5EF4-FFF2-40B4-BE49-F238E27FC236}">
+                <a16:creationId xmlns:a16="http://schemas.microsoft.com/office/drawing/2014/main" id="{A04EBBE0-AD4F-1313-9DD7-3B41CA465944}"/>
+              </a:ext>
+            </a:extLst>
+          </p:cNvPr>
+          <p:cNvSpPr txBox="1"/>
+          <p:nvPr/>
+        </p:nvSpPr>
+        <p:spPr>
+          <a:xfrm>
+            <a:off x="2135401" y="3843959"/>
+            <a:ext cx="1764329" cy="553998"/>
+          </a:xfrm>
+          <a:prstGeom prst="rect">
+            <a:avLst/>
+          </a:prstGeom>
+          <a:noFill/>
+        </p:spPr>
+        <p:txBody>
+          <a:bodyPr wrap="none" rtlCol="0">
+            <a:spAutoFit/>
+          </a:bodyPr>
+          <a:lstStyle/>
+          <a:p>
+            <a:pPr algn="ctr"/>
+            <a:r>
+              <a:rPr lang="en-US" sz="1500" dirty="0">
+                <a:solidFill>
+                  <a:schemeClr val="tx2">
+                    <a:lumMod val="75000"/>
+                    <a:lumOff val="25000"/>
+                  </a:schemeClr>
+                </a:solidFill>
+              </a:rPr>
+              <a:t>expectation</a:t>
+            </a:r>
+            <a:br>
+              <a:rPr lang="en-US" sz="1500" dirty="0">
+                <a:solidFill>
+                  <a:schemeClr val="tx2">
+                    <a:lumMod val="75000"/>
+                    <a:lumOff val="25000"/>
+                  </a:schemeClr>
+                </a:solidFill>
+              </a:rPr>
+            </a:br>
+            <a:r>
+              <a:rPr lang="en-US" sz="1500" dirty="0">
+                <a:solidFill>
+                  <a:schemeClr val="tx2">
+                    <a:lumMod val="75000"/>
+                    <a:lumOff val="25000"/>
+                  </a:schemeClr>
+                </a:solidFill>
+              </a:rPr>
+              <a:t>(random functions)</a:t>
+            </a:r>
+          </a:p>
+        </p:txBody>
+      </p:sp>
+    </p:spTree>
+    <p:extLst>
+      <p:ext uri="{BB962C8B-B14F-4D97-AF65-F5344CB8AC3E}">
+        <p14:creationId xmlns:p14="http://schemas.microsoft.com/office/powerpoint/2010/main" val="3969123646"/>
+      </p:ext>
+    </p:extLst>
+  </p:cSld>
+  <p:clrMapOvr>
+    <a:masterClrMapping/>
+  </p:clrMapOvr>
+</p:sld>
+</file>
+
+<file path=ppt/slides/slide12.xml><?xml version="1.0" encoding="utf-8"?>
+<p:sld xmlns:a="http://schemas.openxmlformats.org/drawingml/2006/main" xmlns:r="http://schemas.openxmlformats.org/officeDocument/2006/relationships" xmlns:p="http://schemas.openxmlformats.org/presentationml/2006/main">
+  <p:cSld>
+    <p:spTree>
+      <p:nvGrpSpPr>
+        <p:cNvPr id="1" name="">
+          <a:extLst>
+            <a:ext uri="{FF2B5EF4-FFF2-40B4-BE49-F238E27FC236}">
+              <a16:creationId xmlns:a16="http://schemas.microsoft.com/office/drawing/2014/main" id="{507BFDF6-EF9D-BCEC-8B81-4E75B61EBB20}"/>
+            </a:ext>
+          </a:extLst>
+        </p:cNvPr>
+        <p:cNvGrpSpPr/>
+        <p:nvPr/>
+      </p:nvGrpSpPr>
+      <p:grpSpPr>
+        <a:xfrm>
+          <a:off x="0" y="0"/>
+          <a:ext cx="0" cy="0"/>
+          <a:chOff x="0" y="0"/>
+          <a:chExt cx="0" cy="0"/>
+        </a:xfrm>
+      </p:grpSpPr>
+      <p:pic>
+        <p:nvPicPr>
+          <p:cNvPr id="13" name="Picture 12">
+            <a:extLst>
+              <a:ext uri="{FF2B5EF4-FFF2-40B4-BE49-F238E27FC236}">
+                <a16:creationId xmlns:a16="http://schemas.microsoft.com/office/drawing/2014/main" id="{6950CB7C-7B4E-B27A-913F-AD37BF6EDF83}"/>
+              </a:ext>
+            </a:extLst>
+          </p:cNvPr>
+          <p:cNvPicPr>
+            <a:picLocks noChangeAspect="1"/>
+          </p:cNvPicPr>
+          <p:nvPr/>
+        </p:nvPicPr>
+        <p:blipFill>
+          <a:blip r:embed="rId3"/>
+          <a:srcRect t="21881"/>
+          <a:stretch>
+            <a:fillRect/>
+          </a:stretch>
+        </p:blipFill>
+        <p:spPr>
+          <a:xfrm>
+            <a:off x="714729" y="2338417"/>
+            <a:ext cx="2993408" cy="2867642"/>
+          </a:xfrm>
+          <a:prstGeom prst="rect">
+            <a:avLst/>
+          </a:prstGeom>
+        </p:spPr>
+      </p:pic>
+      <p:sp>
+        <p:nvSpPr>
+          <p:cNvPr id="3" name="TextBox 2">
+            <a:extLst>
+              <a:ext uri="{FF2B5EF4-FFF2-40B4-BE49-F238E27FC236}">
+                <a16:creationId xmlns:a16="http://schemas.microsoft.com/office/drawing/2014/main" id="{FFD36978-2F52-9BDA-24D8-EA3DEC8724EF}"/>
+              </a:ext>
+            </a:extLst>
+          </p:cNvPr>
+          <p:cNvSpPr txBox="1"/>
+          <p:nvPr/>
+        </p:nvSpPr>
+        <p:spPr>
+          <a:xfrm>
+            <a:off x="7688407" y="912002"/>
+            <a:ext cx="3521864" cy="4476452"/>
+          </a:xfrm>
+          <a:prstGeom prst="roundRect">
+            <a:avLst>
+              <a:gd name="adj" fmla="val 7885"/>
+            </a:avLst>
+          </a:prstGeom>
+          <a:noFill/>
+        </p:spPr>
+        <p:style>
+          <a:lnRef idx="2">
+            <a:schemeClr val="accent1"/>
+          </a:lnRef>
+          <a:fillRef idx="1">
+            <a:schemeClr val="lt1"/>
+          </a:fillRef>
+          <a:effectRef idx="0">
+            <a:schemeClr val="accent1"/>
+          </a:effectRef>
+          <a:fontRef idx="minor">
+            <a:schemeClr val="dk1"/>
+          </a:fontRef>
+        </p:style>
+        <p:txBody>
+          <a:bodyPr wrap="square" rtlCol="0">
+            <a:spAutoFit/>
+          </a:bodyPr>
+          <a:lstStyle/>
+          <a:p>
+            <a:endParaRPr lang="en-US" sz="800" dirty="0"/>
+          </a:p>
+          <a:p>
+            <a:endParaRPr lang="en-US" sz="800" dirty="0"/>
+          </a:p>
+          <a:p>
+            <a:endParaRPr lang="en-US" sz="800" dirty="0"/>
+          </a:p>
+          <a:p>
+            <a:endParaRPr lang="en-US" sz="800" dirty="0"/>
+          </a:p>
+          <a:p>
+            <a:endParaRPr lang="en-US" sz="800" dirty="0"/>
+          </a:p>
+          <a:p>
+            <a:endParaRPr lang="en-US" sz="800" dirty="0"/>
+          </a:p>
+          <a:p>
+            <a:endParaRPr lang="en-US" sz="800" dirty="0"/>
+          </a:p>
+          <a:p>
+            <a:endParaRPr lang="en-US" sz="800" dirty="0"/>
+          </a:p>
+          <a:p>
+            <a:endParaRPr lang="en-US" sz="800" dirty="0"/>
+          </a:p>
+          <a:p>
+            <a:endParaRPr lang="en-US" sz="800" dirty="0"/>
+          </a:p>
+          <a:p>
+            <a:endParaRPr lang="en-US" sz="800" dirty="0"/>
+          </a:p>
+          <a:p>
+            <a:endParaRPr lang="en-US" sz="800" dirty="0"/>
+          </a:p>
+          <a:p>
+            <a:endParaRPr lang="en-US" sz="800" dirty="0"/>
+          </a:p>
+          <a:p>
+            <a:endParaRPr lang="en-US" sz="800" dirty="0"/>
+          </a:p>
+          <a:p>
+            <a:endParaRPr lang="en-US" sz="800" dirty="0"/>
+          </a:p>
+          <a:p>
+            <a:endParaRPr lang="en-US" sz="800" dirty="0"/>
+          </a:p>
+          <a:p>
+            <a:endParaRPr lang="en-US" sz="800" dirty="0"/>
+          </a:p>
+          <a:p>
+            <a:endParaRPr lang="en-US" sz="800" dirty="0"/>
+          </a:p>
+          <a:p>
+            <a:endParaRPr lang="en-US" sz="800" dirty="0"/>
+          </a:p>
+          <a:p>
+            <a:endParaRPr lang="en-US" sz="800" dirty="0"/>
+          </a:p>
+          <a:p>
+            <a:endParaRPr lang="en-US" sz="800" dirty="0"/>
+          </a:p>
+          <a:p>
+            <a:endParaRPr lang="en-US" sz="800" dirty="0"/>
+          </a:p>
+          <a:p>
+            <a:endParaRPr lang="en-US" sz="800" dirty="0"/>
+          </a:p>
+          <a:p>
+            <a:endParaRPr lang="en-US" sz="800" dirty="0"/>
+          </a:p>
+          <a:p>
+            <a:endParaRPr lang="en-US" sz="800" dirty="0"/>
+          </a:p>
+          <a:p>
+            <a:endParaRPr lang="en-US" sz="800" dirty="0"/>
+          </a:p>
+          <a:p>
+            <a:endParaRPr lang="en-US" sz="800" dirty="0"/>
+          </a:p>
+          <a:p>
+            <a:endParaRPr lang="en-US" sz="800" dirty="0"/>
+          </a:p>
+          <a:p>
+            <a:endParaRPr lang="en-US" sz="800" dirty="0"/>
+          </a:p>
+          <a:p>
+            <a:endParaRPr lang="en-US" sz="800" dirty="0"/>
+          </a:p>
+          <a:p>
+            <a:endParaRPr lang="en-US" sz="800" dirty="0"/>
+          </a:p>
+          <a:p>
+            <a:endParaRPr lang="en-US" sz="800" dirty="0"/>
+          </a:p>
+          <a:p>
+            <a:endParaRPr lang="en-US" sz="800" dirty="0"/>
+          </a:p>
+        </p:txBody>
+      </p:sp>
+      <p:sp>
+        <p:nvSpPr>
+          <p:cNvPr id="60" name="TextBox 59">
+            <a:extLst>
+              <a:ext uri="{FF2B5EF4-FFF2-40B4-BE49-F238E27FC236}">
+                <a16:creationId xmlns:a16="http://schemas.microsoft.com/office/drawing/2014/main" id="{08910065-785D-152B-2397-AEF3339E2453}"/>
+              </a:ext>
+            </a:extLst>
+          </p:cNvPr>
+          <p:cNvSpPr txBox="1"/>
+          <p:nvPr/>
+        </p:nvSpPr>
+        <p:spPr>
+          <a:xfrm>
+            <a:off x="826494" y="921716"/>
+            <a:ext cx="3095399" cy="338554"/>
+          </a:xfrm>
+          <a:prstGeom prst="rect">
+            <a:avLst/>
+          </a:prstGeom>
+          <a:noFill/>
+        </p:spPr>
+        <p:txBody>
+          <a:bodyPr wrap="none" rtlCol="0">
+            <a:spAutoFit/>
+          </a:bodyPr>
+          <a:lstStyle/>
+          <a:p>
+            <a:r>
+              <a:rPr lang="en-US" sz="1600" b="1" dirty="0"/>
+              <a:t>Function-level characterization</a:t>
+            </a:r>
+          </a:p>
+        </p:txBody>
+      </p:sp>
+      <p:sp>
+        <p:nvSpPr>
+          <p:cNvPr id="62" name="TextBox 61">
+            <a:extLst>
+              <a:ext uri="{FF2B5EF4-FFF2-40B4-BE49-F238E27FC236}">
+                <a16:creationId xmlns:a16="http://schemas.microsoft.com/office/drawing/2014/main" id="{126B8307-9282-5407-F5DD-9F3424F89B25}"/>
+              </a:ext>
+            </a:extLst>
+          </p:cNvPr>
+          <p:cNvSpPr txBox="1"/>
+          <p:nvPr/>
+        </p:nvSpPr>
+        <p:spPr>
+          <a:xfrm>
+            <a:off x="4606408" y="921716"/>
+            <a:ext cx="2856709" cy="338554"/>
+          </a:xfrm>
+          <a:prstGeom prst="rect">
+            <a:avLst/>
+          </a:prstGeom>
+          <a:noFill/>
+        </p:spPr>
+        <p:txBody>
+          <a:bodyPr wrap="square">
+            <a:spAutoFit/>
+          </a:bodyPr>
+          <a:lstStyle/>
+          <a:p>
+            <a:r>
+              <a:rPr lang="en-US" sz="1600" b="1" dirty="0"/>
+              <a:t>Parameter space exploration </a:t>
+            </a:r>
+            <a:endParaRPr lang="en-US" sz="1600" dirty="0"/>
+          </a:p>
+        </p:txBody>
+      </p:sp>
+      <p:sp>
+        <p:nvSpPr>
+          <p:cNvPr id="69" name="TextBox 68">
+            <a:extLst>
+              <a:ext uri="{FF2B5EF4-FFF2-40B4-BE49-F238E27FC236}">
+                <a16:creationId xmlns:a16="http://schemas.microsoft.com/office/drawing/2014/main" id="{7C8B8A7B-878F-CF7F-E31B-6D3821A1A314}"/>
+              </a:ext>
+            </a:extLst>
+          </p:cNvPr>
+          <p:cNvSpPr txBox="1"/>
+          <p:nvPr/>
+        </p:nvSpPr>
+        <p:spPr>
+          <a:xfrm>
+            <a:off x="369367" y="921716"/>
+            <a:ext cx="3521864" cy="4476452"/>
+          </a:xfrm>
+          <a:prstGeom prst="roundRect">
+            <a:avLst>
+              <a:gd name="adj" fmla="val 7885"/>
+            </a:avLst>
+          </a:prstGeom>
+          <a:noFill/>
+        </p:spPr>
+        <p:style>
+          <a:lnRef idx="2">
+            <a:schemeClr val="accent1"/>
+          </a:lnRef>
+          <a:fillRef idx="1">
+            <a:schemeClr val="lt1"/>
+          </a:fillRef>
+          <a:effectRef idx="0">
+            <a:schemeClr val="accent1"/>
+          </a:effectRef>
+          <a:fontRef idx="minor">
+            <a:schemeClr val="dk1"/>
+          </a:fontRef>
+        </p:style>
+        <p:txBody>
+          <a:bodyPr wrap="square" rtlCol="0">
+            <a:spAutoFit/>
+          </a:bodyPr>
+          <a:lstStyle/>
+          <a:p>
+            <a:endParaRPr lang="en-US" sz="800" dirty="0"/>
+          </a:p>
+          <a:p>
+            <a:endParaRPr lang="en-US" sz="800" dirty="0"/>
+          </a:p>
+          <a:p>
+            <a:endParaRPr lang="en-US" sz="800" dirty="0"/>
+          </a:p>
+          <a:p>
+            <a:endParaRPr lang="en-US" sz="800" dirty="0"/>
+          </a:p>
+          <a:p>
+            <a:endParaRPr lang="en-US" sz="800" dirty="0"/>
+          </a:p>
+          <a:p>
+            <a:endParaRPr lang="en-US" sz="800" dirty="0"/>
+          </a:p>
+          <a:p>
+            <a:endParaRPr lang="en-US" sz="800" dirty="0"/>
+          </a:p>
+          <a:p>
+            <a:endParaRPr lang="en-US" sz="800" dirty="0"/>
+          </a:p>
+          <a:p>
+            <a:endParaRPr lang="en-US" sz="800" dirty="0"/>
+          </a:p>
+          <a:p>
+            <a:endParaRPr lang="en-US" sz="800" dirty="0"/>
+          </a:p>
+          <a:p>
+            <a:endParaRPr lang="en-US" sz="800" dirty="0"/>
+          </a:p>
+          <a:p>
+            <a:endParaRPr lang="en-US" sz="800" dirty="0"/>
+          </a:p>
+          <a:p>
+            <a:endParaRPr lang="en-US" sz="800" dirty="0"/>
+          </a:p>
+          <a:p>
+            <a:endParaRPr lang="en-US" sz="800" dirty="0"/>
+          </a:p>
+          <a:p>
+            <a:endParaRPr lang="en-US" sz="800" dirty="0"/>
+          </a:p>
+          <a:p>
+            <a:endParaRPr lang="en-US" sz="800" dirty="0"/>
+          </a:p>
+          <a:p>
+            <a:endParaRPr lang="en-US" sz="800" dirty="0"/>
+          </a:p>
+          <a:p>
+            <a:endParaRPr lang="en-US" sz="800" dirty="0"/>
+          </a:p>
+          <a:p>
+            <a:endParaRPr lang="en-US" sz="800" dirty="0"/>
+          </a:p>
+          <a:p>
+            <a:endParaRPr lang="en-US" sz="800" dirty="0"/>
+          </a:p>
+          <a:p>
+            <a:endParaRPr lang="en-US" sz="800" dirty="0"/>
+          </a:p>
+          <a:p>
+            <a:endParaRPr lang="en-US" sz="800" dirty="0"/>
+          </a:p>
+          <a:p>
+            <a:endParaRPr lang="en-US" sz="800" dirty="0"/>
+          </a:p>
+          <a:p>
+            <a:endParaRPr lang="en-US" sz="800" dirty="0"/>
+          </a:p>
+          <a:p>
+            <a:endParaRPr lang="en-US" sz="800" dirty="0"/>
+          </a:p>
+          <a:p>
+            <a:endParaRPr lang="en-US" sz="800" dirty="0"/>
+          </a:p>
+          <a:p>
+            <a:endParaRPr lang="en-US" sz="800" dirty="0"/>
+          </a:p>
+          <a:p>
+            <a:endParaRPr lang="en-US" sz="800" dirty="0"/>
+          </a:p>
+          <a:p>
+            <a:endParaRPr lang="en-US" sz="800" dirty="0"/>
+          </a:p>
+          <a:p>
+            <a:endParaRPr lang="en-US" sz="800" dirty="0"/>
+          </a:p>
+          <a:p>
+            <a:endParaRPr lang="en-US" sz="800" dirty="0"/>
+          </a:p>
+          <a:p>
+            <a:endParaRPr lang="en-US" sz="800" dirty="0"/>
+          </a:p>
+          <a:p>
+            <a:endParaRPr lang="en-US" sz="800" dirty="0"/>
+          </a:p>
+        </p:txBody>
+      </p:sp>
+      <p:sp>
+        <p:nvSpPr>
+          <p:cNvPr id="63" name="TextBox 62">
+            <a:extLst>
+              <a:ext uri="{FF2B5EF4-FFF2-40B4-BE49-F238E27FC236}">
+                <a16:creationId xmlns:a16="http://schemas.microsoft.com/office/drawing/2014/main" id="{9C7CB346-79F3-6D54-98C8-7C8C562C9FD5}"/>
+              </a:ext>
+            </a:extLst>
+          </p:cNvPr>
+          <p:cNvSpPr txBox="1"/>
+          <p:nvPr/>
+        </p:nvSpPr>
+        <p:spPr>
+          <a:xfrm>
+            <a:off x="8059619" y="921716"/>
+            <a:ext cx="2964722" cy="338554"/>
+          </a:xfrm>
+          <a:prstGeom prst="rect">
+            <a:avLst/>
+          </a:prstGeom>
+          <a:noFill/>
+        </p:spPr>
+        <p:txBody>
+          <a:bodyPr wrap="none" rtlCol="0">
+            <a:spAutoFit/>
+          </a:bodyPr>
+          <a:lstStyle/>
+          <a:p>
+            <a:r>
+              <a:rPr lang="en-US" sz="1600" b="1" dirty="0"/>
+              <a:t>Null model hypothesis testing</a:t>
+            </a:r>
+          </a:p>
+        </p:txBody>
+      </p:sp>
+      <p:sp>
+        <p:nvSpPr>
+          <p:cNvPr id="2" name="TextBox 1">
+            <a:extLst>
+              <a:ext uri="{FF2B5EF4-FFF2-40B4-BE49-F238E27FC236}">
+                <a16:creationId xmlns:a16="http://schemas.microsoft.com/office/drawing/2014/main" id="{1C75393A-D68B-FAA7-E82F-EC538291B8B8}"/>
+              </a:ext>
+            </a:extLst>
+          </p:cNvPr>
+          <p:cNvSpPr txBox="1"/>
+          <p:nvPr/>
+        </p:nvSpPr>
+        <p:spPr>
+          <a:xfrm>
+            <a:off x="4056110" y="910604"/>
+            <a:ext cx="3521864" cy="4476452"/>
+          </a:xfrm>
+          <a:prstGeom prst="roundRect">
+            <a:avLst>
+              <a:gd name="adj" fmla="val 7885"/>
+            </a:avLst>
+          </a:prstGeom>
+          <a:noFill/>
+        </p:spPr>
+        <p:style>
+          <a:lnRef idx="2">
+            <a:schemeClr val="accent1"/>
+          </a:lnRef>
+          <a:fillRef idx="1">
+            <a:schemeClr val="lt1"/>
+          </a:fillRef>
+          <a:effectRef idx="0">
+            <a:schemeClr val="accent1"/>
+          </a:effectRef>
+          <a:fontRef idx="minor">
+            <a:schemeClr val="dk1"/>
+          </a:fontRef>
+        </p:style>
+        <p:txBody>
+          <a:bodyPr wrap="square" rtlCol="0">
+            <a:spAutoFit/>
+          </a:bodyPr>
+          <a:lstStyle/>
+          <a:p>
+            <a:endParaRPr lang="en-US" sz="800" dirty="0"/>
+          </a:p>
+          <a:p>
+            <a:endParaRPr lang="en-US" sz="800" dirty="0"/>
+          </a:p>
+          <a:p>
+            <a:endParaRPr lang="en-US" sz="800" dirty="0"/>
+          </a:p>
+          <a:p>
+            <a:endParaRPr lang="en-US" sz="800" dirty="0"/>
+          </a:p>
+          <a:p>
+            <a:endParaRPr lang="en-US" sz="800" dirty="0"/>
+          </a:p>
+          <a:p>
+            <a:endParaRPr lang="en-US" sz="800" dirty="0"/>
+          </a:p>
+          <a:p>
+            <a:endParaRPr lang="en-US" sz="800" dirty="0"/>
+          </a:p>
+          <a:p>
+            <a:endParaRPr lang="en-US" sz="800" dirty="0"/>
+          </a:p>
+          <a:p>
+            <a:endParaRPr lang="en-US" sz="800" dirty="0"/>
+          </a:p>
+          <a:p>
+            <a:endParaRPr lang="en-US" sz="800" dirty="0"/>
+          </a:p>
+          <a:p>
+            <a:endParaRPr lang="en-US" sz="800" dirty="0"/>
+          </a:p>
+          <a:p>
+            <a:endParaRPr lang="en-US" sz="800" dirty="0"/>
+          </a:p>
+          <a:p>
+            <a:endParaRPr lang="en-US" sz="800" dirty="0"/>
+          </a:p>
+          <a:p>
+            <a:endParaRPr lang="en-US" sz="800" dirty="0"/>
+          </a:p>
+          <a:p>
+            <a:endParaRPr lang="en-US" sz="800" dirty="0"/>
+          </a:p>
+          <a:p>
+            <a:endParaRPr lang="en-US" sz="800" dirty="0"/>
+          </a:p>
+          <a:p>
+            <a:endParaRPr lang="en-US" sz="800" dirty="0"/>
+          </a:p>
+          <a:p>
+            <a:endParaRPr lang="en-US" sz="800" dirty="0"/>
+          </a:p>
+          <a:p>
+            <a:endParaRPr lang="en-US" sz="800" dirty="0"/>
+          </a:p>
+          <a:p>
+            <a:endParaRPr lang="en-US" sz="800" dirty="0"/>
+          </a:p>
+          <a:p>
+            <a:endParaRPr lang="en-US" sz="800" dirty="0"/>
+          </a:p>
+          <a:p>
+            <a:endParaRPr lang="en-US" sz="800" dirty="0"/>
+          </a:p>
+          <a:p>
+            <a:endParaRPr lang="en-US" sz="800" dirty="0"/>
+          </a:p>
+          <a:p>
+            <a:endParaRPr lang="en-US" sz="800" dirty="0"/>
+          </a:p>
+          <a:p>
+            <a:endParaRPr lang="en-US" sz="800" dirty="0"/>
+          </a:p>
+          <a:p>
+            <a:endParaRPr lang="en-US" sz="800" dirty="0"/>
+          </a:p>
+          <a:p>
+            <a:endParaRPr lang="en-US" sz="800" dirty="0"/>
+          </a:p>
+          <a:p>
+            <a:endParaRPr lang="en-US" sz="800" dirty="0"/>
+          </a:p>
+          <a:p>
+            <a:endParaRPr lang="en-US" sz="800" dirty="0"/>
+          </a:p>
+          <a:p>
+            <a:endParaRPr lang="en-US" sz="800" dirty="0"/>
+          </a:p>
+          <a:p>
+            <a:endParaRPr lang="en-US" sz="800" dirty="0"/>
+          </a:p>
+          <a:p>
+            <a:endParaRPr lang="en-US" sz="800" dirty="0"/>
+          </a:p>
+          <a:p>
+            <a:endParaRPr lang="en-US" sz="800" dirty="0"/>
+          </a:p>
+        </p:txBody>
+      </p:sp>
+      <p:pic>
+        <p:nvPicPr>
+          <p:cNvPr id="22" name="Picture 21" descr="A table with a list of different degrees&#10;&#10;AI-generated content may be incorrect.">
+            <a:extLst>
+              <a:ext uri="{FF2B5EF4-FFF2-40B4-BE49-F238E27FC236}">
+                <a16:creationId xmlns:a16="http://schemas.microsoft.com/office/drawing/2014/main" id="{A7814195-DAFB-B146-A8FA-B9CF176BAC8C}"/>
+              </a:ext>
+            </a:extLst>
+          </p:cNvPr>
+          <p:cNvPicPr>
+            <a:picLocks noChangeAspect="1"/>
+          </p:cNvPicPr>
+          <p:nvPr/>
+        </p:nvPicPr>
+        <p:blipFill>
+          <a:blip r:embed="rId4"/>
+          <a:stretch>
+            <a:fillRect/>
+          </a:stretch>
+        </p:blipFill>
+        <p:spPr>
+          <a:xfrm>
+            <a:off x="7855897" y="4217227"/>
+            <a:ext cx="3208785" cy="1132806"/>
+          </a:xfrm>
+          <a:prstGeom prst="rect">
+            <a:avLst/>
+          </a:prstGeom>
+        </p:spPr>
+      </p:pic>
+      <p:grpSp>
+        <p:nvGrpSpPr>
+          <p:cNvPr id="48" name="Group 47">
+            <a:extLst>
+              <a:ext uri="{FF2B5EF4-FFF2-40B4-BE49-F238E27FC236}">
+                <a16:creationId xmlns:a16="http://schemas.microsoft.com/office/drawing/2014/main" id="{4791505F-F5BE-5E96-FA79-F5B3726EEFF1}"/>
+              </a:ext>
+            </a:extLst>
+          </p:cNvPr>
+          <p:cNvGrpSpPr/>
+          <p:nvPr/>
+        </p:nvGrpSpPr>
+        <p:grpSpPr>
+          <a:xfrm>
+            <a:off x="4132817" y="1523516"/>
+            <a:ext cx="3232824" cy="3724298"/>
+            <a:chOff x="4235457" y="3012456"/>
+            <a:chExt cx="3232824" cy="3724298"/>
+          </a:xfrm>
+        </p:grpSpPr>
+        <p:grpSp>
+          <p:nvGrpSpPr>
+            <p:cNvPr id="39" name="Group 38">
+              <a:extLst>
+                <a:ext uri="{FF2B5EF4-FFF2-40B4-BE49-F238E27FC236}">
+                  <a16:creationId xmlns:a16="http://schemas.microsoft.com/office/drawing/2014/main" id="{3069D2F8-A682-EE36-B8DA-663A3FE3073E}"/>
+                </a:ext>
+              </a:extLst>
+            </p:cNvPr>
+            <p:cNvGrpSpPr/>
+            <p:nvPr/>
+          </p:nvGrpSpPr>
+          <p:grpSpPr>
+            <a:xfrm>
+              <a:off x="4235457" y="3581699"/>
+              <a:ext cx="3216625" cy="3155055"/>
+              <a:chOff x="3726785" y="2271479"/>
+              <a:chExt cx="3508731" cy="3219533"/>
+            </a:xfrm>
+          </p:grpSpPr>
+          <p:grpSp>
+            <p:nvGrpSpPr>
+              <p:cNvPr id="10" name="Group 9">
+                <a:extLst>
+                  <a:ext uri="{FF2B5EF4-FFF2-40B4-BE49-F238E27FC236}">
+                    <a16:creationId xmlns:a16="http://schemas.microsoft.com/office/drawing/2014/main" id="{76AC6B99-F01D-01B2-F1CC-62BD24497EA4}"/>
+                  </a:ext>
+                </a:extLst>
+              </p:cNvPr>
+              <p:cNvGrpSpPr>
+                <a:grpSpLocks noChangeAspect="1"/>
+              </p:cNvGrpSpPr>
+              <p:nvPr/>
+            </p:nvGrpSpPr>
+            <p:grpSpPr>
+              <a:xfrm>
+                <a:off x="3726785" y="2382833"/>
+                <a:ext cx="3508731" cy="3108179"/>
+                <a:chOff x="3685352" y="2814589"/>
+                <a:chExt cx="3815049" cy="3379528"/>
+              </a:xfrm>
+            </p:grpSpPr>
+            <p:pic>
+              <p:nvPicPr>
+                <p:cNvPr id="4" name="Picture 3" descr="A graph of different sizes and colors&#10;&#10;AI-generated content may be incorrect.">
+                  <a:extLst>
+                    <a:ext uri="{FF2B5EF4-FFF2-40B4-BE49-F238E27FC236}">
+                      <a16:creationId xmlns:a16="http://schemas.microsoft.com/office/drawing/2014/main" id="{56CD5707-742F-DC60-39B1-A266DA5DFA64}"/>
+                    </a:ext>
+                  </a:extLst>
+                </p:cNvPr>
+                <p:cNvPicPr>
+                  <a:picLocks noChangeAspect="1"/>
+                </p:cNvPicPr>
+                <p:nvPr/>
+              </p:nvPicPr>
+              <p:blipFill>
+                <a:blip r:embed="rId5"/>
+                <a:srcRect l="8506" r="84179"/>
+                <a:stretch>
+                  <a:fillRect/>
+                </a:stretch>
+              </p:blipFill>
+              <p:spPr>
+                <a:xfrm>
+                  <a:off x="4067827" y="2814589"/>
+                  <a:ext cx="522382" cy="3379528"/>
+                </a:xfrm>
+                <a:prstGeom prst="rect">
+                  <a:avLst/>
+                </a:prstGeom>
+              </p:spPr>
+            </p:pic>
+            <p:pic>
+              <p:nvPicPr>
+                <p:cNvPr id="5" name="Picture 4" descr="A graph of different sizes and colors&#10;&#10;AI-generated content may be incorrect.">
+                  <a:extLst>
+                    <a:ext uri="{FF2B5EF4-FFF2-40B4-BE49-F238E27FC236}">
+                      <a16:creationId xmlns:a16="http://schemas.microsoft.com/office/drawing/2014/main" id="{CF6E992C-F33D-B87C-A3EF-0670C64D01C5}"/>
+                    </a:ext>
+                  </a:extLst>
+                </p:cNvPr>
+                <p:cNvPicPr>
+                  <a:picLocks noChangeAspect="1"/>
+                </p:cNvPicPr>
+                <p:nvPr/>
+              </p:nvPicPr>
+              <p:blipFill>
+                <a:blip r:embed="rId5"/>
+                <a:srcRect l="59466"/>
+                <a:stretch>
+                  <a:fillRect/>
+                </a:stretch>
+              </p:blipFill>
+              <p:spPr>
+                <a:xfrm>
+                  <a:off x="4605711" y="2814589"/>
+                  <a:ext cx="2894690" cy="3379527"/>
+                </a:xfrm>
+                <a:prstGeom prst="rect">
+                  <a:avLst/>
+                </a:prstGeom>
+              </p:spPr>
+            </p:pic>
+            <p:pic>
+              <p:nvPicPr>
+                <p:cNvPr id="6" name="Picture 5" descr="A graph of different sizes and colors&#10;&#10;AI-generated content may be incorrect.">
+                  <a:extLst>
+                    <a:ext uri="{FF2B5EF4-FFF2-40B4-BE49-F238E27FC236}">
+                      <a16:creationId xmlns:a16="http://schemas.microsoft.com/office/drawing/2014/main" id="{5D7F8D4C-68A0-009E-C65D-72E7A4D3B0A6}"/>
+                    </a:ext>
+                  </a:extLst>
+                </p:cNvPr>
+                <p:cNvPicPr>
+                  <a:picLocks noChangeAspect="1"/>
+                </p:cNvPicPr>
+                <p:nvPr/>
+              </p:nvPicPr>
+              <p:blipFill>
+                <a:blip r:embed="rId5"/>
+                <a:srcRect t="14179" r="95015"/>
+                <a:stretch>
+                  <a:fillRect/>
+                </a:stretch>
+              </p:blipFill>
+              <p:spPr>
+                <a:xfrm>
+                  <a:off x="3685352" y="3307978"/>
+                  <a:ext cx="338903" cy="2761346"/>
+                </a:xfrm>
+                <a:prstGeom prst="rect">
+                  <a:avLst/>
+                </a:prstGeom>
+              </p:spPr>
+            </p:pic>
+          </p:grpSp>
+          <p:sp>
+            <p:nvSpPr>
+              <p:cNvPr id="37" name="Rectangle 36">
+                <a:extLst>
+                  <a:ext uri="{FF2B5EF4-FFF2-40B4-BE49-F238E27FC236}">
+                    <a16:creationId xmlns:a16="http://schemas.microsoft.com/office/drawing/2014/main" id="{BACD4A53-A4F0-C0E2-E097-E140360DF0E2}"/>
+                  </a:ext>
+                </a:extLst>
+              </p:cNvPr>
+              <p:cNvSpPr/>
+              <p:nvPr/>
+            </p:nvSpPr>
+            <p:spPr>
+              <a:xfrm>
+                <a:off x="4573246" y="2389183"/>
+                <a:ext cx="2634378" cy="172108"/>
+              </a:xfrm>
+              <a:prstGeom prst="rect">
+                <a:avLst/>
+              </a:prstGeom>
+              <a:solidFill>
+                <a:schemeClr val="bg1"/>
+              </a:solidFill>
+              <a:ln>
+                <a:noFill/>
+              </a:ln>
+            </p:spPr>
+            <p:style>
+              <a:lnRef idx="2">
+                <a:schemeClr val="accent1">
+                  <a:shade val="15000"/>
+                </a:schemeClr>
+              </a:lnRef>
+              <a:fillRef idx="1">
+                <a:schemeClr val="accent1"/>
+              </a:fillRef>
+              <a:effectRef idx="0">
+                <a:schemeClr val="accent1"/>
+              </a:effectRef>
+              <a:fontRef idx="minor">
+                <a:schemeClr val="lt1"/>
+              </a:fontRef>
+            </p:style>
+            <p:txBody>
+              <a:bodyPr rtlCol="0" anchor="ctr"/>
+              <a:lstStyle/>
+              <a:p>
+                <a:pPr algn="ctr"/>
+                <a:endParaRPr lang="en-US"/>
+              </a:p>
+            </p:txBody>
+          </p:sp>
+          <p:sp>
+            <p:nvSpPr>
+              <p:cNvPr id="38" name="Rectangle 37">
+                <a:extLst>
+                  <a:ext uri="{FF2B5EF4-FFF2-40B4-BE49-F238E27FC236}">
+                    <a16:creationId xmlns:a16="http://schemas.microsoft.com/office/drawing/2014/main" id="{91191CD8-F38C-2CEA-01C9-E9682DAF8D72}"/>
+                  </a:ext>
+                </a:extLst>
+              </p:cNvPr>
+              <p:cNvSpPr/>
+              <p:nvPr/>
+            </p:nvSpPr>
+            <p:spPr>
+              <a:xfrm rot="16200000">
+                <a:off x="5781514" y="3502614"/>
+                <a:ext cx="2634378" cy="172108"/>
+              </a:xfrm>
+              <a:prstGeom prst="rect">
+                <a:avLst/>
+              </a:prstGeom>
+              <a:solidFill>
+                <a:schemeClr val="bg1"/>
+              </a:solidFill>
+              <a:ln>
+                <a:noFill/>
+              </a:ln>
+            </p:spPr>
+            <p:style>
+              <a:lnRef idx="2">
+                <a:schemeClr val="accent1">
+                  <a:shade val="15000"/>
+                </a:schemeClr>
+              </a:lnRef>
+              <a:fillRef idx="1">
+                <a:schemeClr val="accent1"/>
+              </a:fillRef>
+              <a:effectRef idx="0">
+                <a:schemeClr val="accent1"/>
+              </a:effectRef>
+              <a:fontRef idx="minor">
+                <a:schemeClr val="lt1"/>
+              </a:fontRef>
+            </p:style>
+            <p:txBody>
+              <a:bodyPr rtlCol="0" anchor="ctr"/>
+              <a:lstStyle/>
+              <a:p>
+                <a:pPr algn="ctr"/>
+                <a:endParaRPr lang="en-US"/>
+              </a:p>
+            </p:txBody>
+          </p:sp>
+        </p:grpSp>
+        <p:pic>
+          <p:nvPicPr>
+            <p:cNvPr id="45" name="Picture 44">
+              <a:extLst>
+                <a:ext uri="{FF2B5EF4-FFF2-40B4-BE49-F238E27FC236}">
+                  <a16:creationId xmlns:a16="http://schemas.microsoft.com/office/drawing/2014/main" id="{2C6552EB-7F4D-96A1-041F-B14C6FEF543D}"/>
+                </a:ext>
+              </a:extLst>
+            </p:cNvPr>
+            <p:cNvPicPr>
+              <a:picLocks noChangeAspect="1"/>
+            </p:cNvPicPr>
+            <p:nvPr/>
+          </p:nvPicPr>
+          <p:blipFill>
+            <a:blip r:embed="rId6"/>
+            <a:srcRect l="63306" t="52315"/>
+            <a:stretch>
+              <a:fillRect/>
+            </a:stretch>
+          </p:blipFill>
+          <p:spPr>
+            <a:xfrm>
+              <a:off x="5930302" y="3616169"/>
+              <a:ext cx="1537979" cy="238714"/>
+            </a:xfrm>
+            <a:prstGeom prst="rect">
+              <a:avLst/>
+            </a:prstGeom>
+          </p:spPr>
+        </p:pic>
+        <p:pic>
+          <p:nvPicPr>
+            <p:cNvPr id="46" name="Picture 45">
+              <a:extLst>
+                <a:ext uri="{FF2B5EF4-FFF2-40B4-BE49-F238E27FC236}">
+                  <a16:creationId xmlns:a16="http://schemas.microsoft.com/office/drawing/2014/main" id="{7837D6B2-2741-CA8F-03C9-237CF5BDEC7E}"/>
+                </a:ext>
+              </a:extLst>
+            </p:cNvPr>
+            <p:cNvPicPr>
+              <a:picLocks noChangeAspect="1"/>
+            </p:cNvPicPr>
+            <p:nvPr/>
+          </p:nvPicPr>
+          <p:blipFill>
+            <a:blip r:embed="rId6"/>
+            <a:srcRect t="43500" r="43133"/>
+            <a:stretch>
+              <a:fillRect/>
+            </a:stretch>
+          </p:blipFill>
+          <p:spPr>
+            <a:xfrm>
+              <a:off x="5043018" y="3293004"/>
+              <a:ext cx="2383494" cy="282840"/>
+            </a:xfrm>
+            <a:prstGeom prst="rect">
+              <a:avLst/>
+            </a:prstGeom>
+          </p:spPr>
+        </p:pic>
+        <p:sp>
+          <p:nvSpPr>
+            <p:cNvPr id="47" name="TextBox 46">
+              <a:extLst>
+                <a:ext uri="{FF2B5EF4-FFF2-40B4-BE49-F238E27FC236}">
+                  <a16:creationId xmlns:a16="http://schemas.microsoft.com/office/drawing/2014/main" id="{097B63C5-14A5-B148-DC44-26176E6F7DD9}"/>
+                </a:ext>
+              </a:extLst>
+            </p:cNvPr>
+            <p:cNvSpPr txBox="1"/>
+            <p:nvPr/>
+          </p:nvSpPr>
+          <p:spPr>
+            <a:xfrm>
+              <a:off x="5481888" y="3012456"/>
+              <a:ext cx="1743041" cy="323165"/>
+            </a:xfrm>
+            <a:prstGeom prst="rect">
+              <a:avLst/>
+            </a:prstGeom>
+            <a:noFill/>
+          </p:spPr>
+          <p:txBody>
+            <a:bodyPr wrap="none" rtlCol="0">
+              <a:spAutoFit/>
+            </a:bodyPr>
+            <a:lstStyle/>
+            <a:p>
+              <a:r>
+                <a:rPr lang="en-US" sz="1500" dirty="0"/>
+                <a:t>constant in-degree</a:t>
+              </a:r>
+            </a:p>
+          </p:txBody>
+        </p:sp>
+      </p:grpSp>
+      <p:sp>
+        <p:nvSpPr>
+          <p:cNvPr id="54" name="TextBox 53">
+            <a:extLst>
+              <a:ext uri="{FF2B5EF4-FFF2-40B4-BE49-F238E27FC236}">
+                <a16:creationId xmlns:a16="http://schemas.microsoft.com/office/drawing/2014/main" id="{DCDD72F6-F348-9F5B-B442-6CFA46160C7E}"/>
+              </a:ext>
+            </a:extLst>
+          </p:cNvPr>
+          <p:cNvSpPr txBox="1"/>
+          <p:nvPr/>
+        </p:nvSpPr>
+        <p:spPr>
+          <a:xfrm>
+            <a:off x="505873" y="890938"/>
+            <a:ext cx="327334" cy="369332"/>
+          </a:xfrm>
+          <a:prstGeom prst="rect">
+            <a:avLst/>
+          </a:prstGeom>
+          <a:noFill/>
+        </p:spPr>
+        <p:txBody>
+          <a:bodyPr wrap="none" rtlCol="0">
+            <a:spAutoFit/>
+          </a:bodyPr>
+          <a:lstStyle/>
+          <a:p>
+            <a:r>
+              <a:rPr lang="en-US" b="1" dirty="0"/>
+              <a:t>A</a:t>
+            </a:r>
+          </a:p>
+        </p:txBody>
+      </p:sp>
+      <p:sp>
+        <p:nvSpPr>
+          <p:cNvPr id="55" name="TextBox 54">
+            <a:extLst>
+              <a:ext uri="{FF2B5EF4-FFF2-40B4-BE49-F238E27FC236}">
+                <a16:creationId xmlns:a16="http://schemas.microsoft.com/office/drawing/2014/main" id="{8598C547-479B-5180-5D7B-0FFF61DFE239}"/>
+              </a:ext>
+            </a:extLst>
+          </p:cNvPr>
+          <p:cNvSpPr txBox="1"/>
+          <p:nvPr/>
+        </p:nvSpPr>
+        <p:spPr>
+          <a:xfrm>
+            <a:off x="4124534" y="890938"/>
+            <a:ext cx="327334" cy="369332"/>
+          </a:xfrm>
+          <a:prstGeom prst="rect">
+            <a:avLst/>
+          </a:prstGeom>
+          <a:noFill/>
+        </p:spPr>
+        <p:txBody>
+          <a:bodyPr wrap="none" rtlCol="0">
+            <a:spAutoFit/>
+          </a:bodyPr>
+          <a:lstStyle/>
+          <a:p>
+            <a:r>
+              <a:rPr lang="en-US" b="1" dirty="0"/>
+              <a:t>B</a:t>
+            </a:r>
+          </a:p>
+        </p:txBody>
+      </p:sp>
+      <p:sp>
+        <p:nvSpPr>
+          <p:cNvPr id="56" name="TextBox 55">
+            <a:extLst>
+              <a:ext uri="{FF2B5EF4-FFF2-40B4-BE49-F238E27FC236}">
+                <a16:creationId xmlns:a16="http://schemas.microsoft.com/office/drawing/2014/main" id="{F0C64C76-D9EF-6A87-0C7D-42E0A292EF24}"/>
+              </a:ext>
+            </a:extLst>
+          </p:cNvPr>
+          <p:cNvSpPr txBox="1"/>
+          <p:nvPr/>
+        </p:nvSpPr>
+        <p:spPr>
+          <a:xfrm>
+            <a:off x="7733721" y="890938"/>
+            <a:ext cx="344966" cy="369332"/>
+          </a:xfrm>
+          <a:prstGeom prst="rect">
+            <a:avLst/>
+          </a:prstGeom>
+          <a:noFill/>
+        </p:spPr>
+        <p:txBody>
+          <a:bodyPr wrap="none" rtlCol="0">
+            <a:spAutoFit/>
+          </a:bodyPr>
+          <a:lstStyle/>
+          <a:p>
+            <a:r>
+              <a:rPr lang="en-US" b="1" dirty="0"/>
+              <a:t>C</a:t>
+            </a:r>
+          </a:p>
+        </p:txBody>
+      </p:sp>
+      <p:grpSp>
+        <p:nvGrpSpPr>
+          <p:cNvPr id="59" name="Group 58">
+            <a:extLst>
+              <a:ext uri="{FF2B5EF4-FFF2-40B4-BE49-F238E27FC236}">
+                <a16:creationId xmlns:a16="http://schemas.microsoft.com/office/drawing/2014/main" id="{36F3556B-48FB-1B00-0EFA-BC952FA012B7}"/>
+              </a:ext>
+            </a:extLst>
+          </p:cNvPr>
+          <p:cNvGrpSpPr/>
+          <p:nvPr/>
+        </p:nvGrpSpPr>
+        <p:grpSpPr>
+          <a:xfrm>
+            <a:off x="7762250" y="1283294"/>
+            <a:ext cx="2906145" cy="3114663"/>
+            <a:chOff x="7856379" y="1283294"/>
+            <a:chExt cx="2906145" cy="3114663"/>
+          </a:xfrm>
+        </p:grpSpPr>
+        <p:pic>
+          <p:nvPicPr>
+            <p:cNvPr id="9" name="Picture 8" descr="A diagram of a number of data&#10;&#10;AI-generated content may be incorrect.">
+              <a:extLst>
+                <a:ext uri="{FF2B5EF4-FFF2-40B4-BE49-F238E27FC236}">
+                  <a16:creationId xmlns:a16="http://schemas.microsoft.com/office/drawing/2014/main" id="{F6ED234B-0020-0FCE-5A91-2E9F09DB92B1}"/>
+                </a:ext>
+              </a:extLst>
+            </p:cNvPr>
+            <p:cNvPicPr>
+              <a:picLocks noChangeAspect="1"/>
+            </p:cNvPicPr>
+            <p:nvPr/>
+          </p:nvPicPr>
+          <p:blipFill>
+            <a:blip r:embed="rId7"/>
+            <a:srcRect l="3304" t="28590" r="61652" b="14476"/>
+            <a:stretch>
+              <a:fillRect/>
+            </a:stretch>
+          </p:blipFill>
+          <p:spPr>
+            <a:xfrm>
+              <a:off x="8199764" y="1858361"/>
+              <a:ext cx="2562760" cy="2400040"/>
+            </a:xfrm>
+            <a:prstGeom prst="rect">
+              <a:avLst/>
+            </a:prstGeom>
+          </p:spPr>
+        </p:pic>
+        <p:sp>
+          <p:nvSpPr>
+            <p:cNvPr id="36" name="TextBox 35">
+              <a:extLst>
+                <a:ext uri="{FF2B5EF4-FFF2-40B4-BE49-F238E27FC236}">
+                  <a16:creationId xmlns:a16="http://schemas.microsoft.com/office/drawing/2014/main" id="{1B035742-A9E0-1607-3A21-7A677242D163}"/>
+                </a:ext>
+              </a:extLst>
+            </p:cNvPr>
+            <p:cNvSpPr txBox="1"/>
+            <p:nvPr/>
+          </p:nvSpPr>
+          <p:spPr>
+            <a:xfrm rot="16200000">
+              <a:off x="6657205" y="2875617"/>
+              <a:ext cx="2721514" cy="323165"/>
+            </a:xfrm>
+            <a:prstGeom prst="rect">
+              <a:avLst/>
+            </a:prstGeom>
+            <a:noFill/>
+          </p:spPr>
+          <p:txBody>
+            <a:bodyPr wrap="none" rtlCol="0">
+              <a:spAutoFit/>
+            </a:bodyPr>
+            <a:lstStyle/>
+            <a:p>
+              <a:r>
+                <a:rPr lang="en-US" sz="1500" dirty="0"/>
+                <a:t>First-order approximation error</a:t>
+              </a:r>
+            </a:p>
+          </p:txBody>
+        </p:sp>
+        <p:pic>
+          <p:nvPicPr>
+            <p:cNvPr id="58" name="Picture 57">
+              <a:extLst>
+                <a:ext uri="{FF2B5EF4-FFF2-40B4-BE49-F238E27FC236}">
+                  <a16:creationId xmlns:a16="http://schemas.microsoft.com/office/drawing/2014/main" id="{7D4256BB-F565-9F76-420A-432D423BB0E0}"/>
+                </a:ext>
+              </a:extLst>
+            </p:cNvPr>
+            <p:cNvPicPr>
+              <a:picLocks noChangeAspect="1"/>
+            </p:cNvPicPr>
+            <p:nvPr/>
+          </p:nvPicPr>
+          <p:blipFill>
+            <a:blip r:embed="rId8"/>
+            <a:stretch>
+              <a:fillRect/>
+            </a:stretch>
+          </p:blipFill>
+          <p:spPr>
+            <a:xfrm>
+              <a:off x="8910668" y="1283294"/>
+              <a:ext cx="1699062" cy="803610"/>
+            </a:xfrm>
+            <a:prstGeom prst="rect">
+              <a:avLst/>
+            </a:prstGeom>
+          </p:spPr>
+        </p:pic>
+      </p:grpSp>
+      <p:sp>
+        <p:nvSpPr>
+          <p:cNvPr id="8" name="TextBox 7">
+            <a:extLst>
+              <a:ext uri="{FF2B5EF4-FFF2-40B4-BE49-F238E27FC236}">
+                <a16:creationId xmlns:a16="http://schemas.microsoft.com/office/drawing/2014/main" id="{92E97A4B-9EDF-C370-1523-722C9B41B650}"/>
+              </a:ext>
+            </a:extLst>
+          </p:cNvPr>
+          <p:cNvSpPr txBox="1"/>
+          <p:nvPr/>
+        </p:nvSpPr>
+        <p:spPr>
+          <a:xfrm>
+            <a:off x="1990335" y="2338417"/>
+            <a:ext cx="1788438" cy="323165"/>
+          </a:xfrm>
+          <a:prstGeom prst="rect">
+            <a:avLst/>
+          </a:prstGeom>
+          <a:noFill/>
+        </p:spPr>
+        <p:txBody>
+          <a:bodyPr wrap="none" rtlCol="0">
+            <a:spAutoFit/>
+          </a:bodyPr>
+          <a:lstStyle/>
+          <a:p>
+            <a:r>
+              <a:rPr lang="en-US" sz="1500" dirty="0">
+                <a:solidFill>
+                  <a:srgbClr val="E6550E"/>
+                </a:solidFill>
+              </a:rPr>
+              <a:t>biological networks</a:t>
+            </a:r>
+          </a:p>
+        </p:txBody>
+      </p:sp>
+      <p:sp>
+        <p:nvSpPr>
+          <p:cNvPr id="11" name="TextBox 10">
+            <a:extLst>
+              <a:ext uri="{FF2B5EF4-FFF2-40B4-BE49-F238E27FC236}">
+                <a16:creationId xmlns:a16="http://schemas.microsoft.com/office/drawing/2014/main" id="{C929C0AB-4AA7-59E4-717A-A7B3DC6DB4D2}"/>
+              </a:ext>
+            </a:extLst>
+          </p:cNvPr>
+          <p:cNvSpPr txBox="1"/>
+          <p:nvPr/>
+        </p:nvSpPr>
+        <p:spPr>
+          <a:xfrm>
+            <a:off x="2135401" y="3843959"/>
+            <a:ext cx="1764329" cy="553998"/>
+          </a:xfrm>
+          <a:prstGeom prst="rect">
+            <a:avLst/>
+          </a:prstGeom>
+          <a:noFill/>
+        </p:spPr>
+        <p:txBody>
+          <a:bodyPr wrap="none" rtlCol="0">
+            <a:spAutoFit/>
+          </a:bodyPr>
+          <a:lstStyle/>
+          <a:p>
+            <a:pPr algn="ctr"/>
+            <a:r>
+              <a:rPr lang="en-US" sz="1500" dirty="0">
+                <a:solidFill>
+                  <a:schemeClr val="tx2">
+                    <a:lumMod val="75000"/>
+                    <a:lumOff val="25000"/>
+                  </a:schemeClr>
+                </a:solidFill>
+              </a:rPr>
+              <a:t>expectation</a:t>
+            </a:r>
+            <a:br>
+              <a:rPr lang="en-US" sz="1500" dirty="0">
+                <a:solidFill>
+                  <a:schemeClr val="tx2">
+                    <a:lumMod val="75000"/>
+                    <a:lumOff val="25000"/>
+                  </a:schemeClr>
+                </a:solidFill>
+              </a:rPr>
+            </a:br>
+            <a:r>
+              <a:rPr lang="en-US" sz="1500" dirty="0">
+                <a:solidFill>
+                  <a:schemeClr val="tx2">
+                    <a:lumMod val="75000"/>
+                    <a:lumOff val="25000"/>
+                  </a:schemeClr>
+                </a:solidFill>
+              </a:rPr>
+              <a:t>(random functions)</a:t>
+            </a:r>
+          </a:p>
+        </p:txBody>
+      </p:sp>
+    </p:spTree>
+    <p:extLst>
+      <p:ext uri="{BB962C8B-B14F-4D97-AF65-F5344CB8AC3E}">
+        <p14:creationId xmlns:p14="http://schemas.microsoft.com/office/powerpoint/2010/main" val="3162223427"/>
+      </p:ext>
+    </p:extLst>
+  </p:cSld>
+  <p:clrMapOvr>
+    <a:masterClrMapping/>
+  </p:clrMapOvr>
+</p:sld>
+</file>
+
+<file path=ppt/slides/slide13.xml><?xml version="1.0" encoding="utf-8"?>
+<p:sld xmlns:a="http://schemas.openxmlformats.org/drawingml/2006/main" xmlns:r="http://schemas.openxmlformats.org/officeDocument/2006/relationships" xmlns:p="http://schemas.openxmlformats.org/presentationml/2006/main">
+  <p:cSld>
+    <p:spTree>
+      <p:nvGrpSpPr>
+        <p:cNvPr id="1" name="">
+          <a:extLst>
+            <a:ext uri="{FF2B5EF4-FFF2-40B4-BE49-F238E27FC236}">
+              <a16:creationId xmlns:a16="http://schemas.microsoft.com/office/drawing/2014/main" id="{E42B13B2-35D4-00E1-F8CD-40A269CEC9BD}"/>
+            </a:ext>
+          </a:extLst>
+        </p:cNvPr>
+        <p:cNvGrpSpPr/>
+        <p:nvPr/>
+      </p:nvGrpSpPr>
+      <p:grpSpPr>
+        <a:xfrm>
+          <a:off x="0" y="0"/>
+          <a:ext cx="0" cy="0"/>
+          <a:chOff x="0" y="0"/>
+          <a:chExt cx="0" cy="0"/>
+        </a:xfrm>
+      </p:grpSpPr>
+      <p:sp>
+        <p:nvSpPr>
+          <p:cNvPr id="3" name="TextBox 2">
+            <a:extLst>
+              <a:ext uri="{FF2B5EF4-FFF2-40B4-BE49-F238E27FC236}">
+                <a16:creationId xmlns:a16="http://schemas.microsoft.com/office/drawing/2014/main" id="{60F3A772-A2C7-01E5-95CF-B6FC792A1454}"/>
+              </a:ext>
+            </a:extLst>
+          </p:cNvPr>
+          <p:cNvSpPr txBox="1"/>
+          <p:nvPr/>
+        </p:nvSpPr>
+        <p:spPr>
+          <a:xfrm>
+            <a:off x="457201" y="1909482"/>
+            <a:ext cx="3942939" cy="369332"/>
+          </a:xfrm>
+          <a:prstGeom prst="rect">
+            <a:avLst/>
+          </a:prstGeom>
+          <a:noFill/>
+        </p:spPr>
+        <p:txBody>
+          <a:bodyPr wrap="none" rtlCol="0">
+            <a:spAutoFit/>
+          </a:bodyPr>
+          <a:lstStyle/>
+          <a:p>
+            <a:r>
+              <a:rPr lang="en-US" dirty="0"/>
+              <a:t>Load 122 published biological models</a:t>
+            </a:r>
+          </a:p>
+        </p:txBody>
+      </p:sp>
+      <p:sp>
+        <p:nvSpPr>
+          <p:cNvPr id="4" name="TextBox 3">
+            <a:extLst>
+              <a:ext uri="{FF2B5EF4-FFF2-40B4-BE49-F238E27FC236}">
+                <a16:creationId xmlns:a16="http://schemas.microsoft.com/office/drawing/2014/main" id="{7FBAC9DB-401B-87D0-D304-E9CD4FFEA054}"/>
+              </a:ext>
+            </a:extLst>
+          </p:cNvPr>
+          <p:cNvSpPr txBox="1"/>
+          <p:nvPr/>
+        </p:nvSpPr>
+        <p:spPr>
+          <a:xfrm>
+            <a:off x="457201" y="2669241"/>
+            <a:ext cx="3138873" cy="369332"/>
+          </a:xfrm>
+          <a:prstGeom prst="rect">
+            <a:avLst/>
+          </a:prstGeom>
+          <a:noFill/>
+        </p:spPr>
+        <p:txBody>
+          <a:bodyPr wrap="none" rtlCol="0">
+            <a:spAutoFit/>
+          </a:bodyPr>
+          <a:lstStyle/>
+          <a:p>
+            <a:r>
+              <a:rPr lang="en-US" dirty="0"/>
+              <a:t>Extract &gt;5000 regulatory rules</a:t>
+            </a:r>
+          </a:p>
+        </p:txBody>
+      </p:sp>
+      <p:sp>
+        <p:nvSpPr>
+          <p:cNvPr id="6" name="TextBox 5">
+            <a:extLst>
+              <a:ext uri="{FF2B5EF4-FFF2-40B4-BE49-F238E27FC236}">
+                <a16:creationId xmlns:a16="http://schemas.microsoft.com/office/drawing/2014/main" id="{6E2F1E61-07CB-A9B6-192C-5D856BEB279B}"/>
+              </a:ext>
+            </a:extLst>
+          </p:cNvPr>
+          <p:cNvSpPr txBox="1"/>
+          <p:nvPr/>
+        </p:nvSpPr>
+        <p:spPr>
+          <a:xfrm>
+            <a:off x="3010591" y="3607839"/>
+            <a:ext cx="4003019" cy="369332"/>
+          </a:xfrm>
+          <a:prstGeom prst="rect">
+            <a:avLst/>
+          </a:prstGeom>
+          <a:noFill/>
+        </p:spPr>
+        <p:txBody>
+          <a:bodyPr wrap="none" rtlCol="0">
+            <a:spAutoFit/>
+          </a:bodyPr>
+          <a:lstStyle/>
+          <a:p>
+            <a:r>
+              <a:rPr lang="en-US" dirty="0"/>
+              <a:t>Analyze the abundance of canalization</a:t>
+            </a:r>
+          </a:p>
+        </p:txBody>
+      </p:sp>
+      <p:sp>
+        <p:nvSpPr>
+          <p:cNvPr id="7" name="TextBox 6">
+            <a:extLst>
+              <a:ext uri="{FF2B5EF4-FFF2-40B4-BE49-F238E27FC236}">
+                <a16:creationId xmlns:a16="http://schemas.microsoft.com/office/drawing/2014/main" id="{B109F9C5-CD3C-6F8D-4102-05DBE9D49E80}"/>
+              </a:ext>
+            </a:extLst>
+          </p:cNvPr>
+          <p:cNvSpPr txBox="1"/>
+          <p:nvPr/>
+        </p:nvSpPr>
+        <p:spPr>
+          <a:xfrm>
+            <a:off x="4687367" y="1928319"/>
+            <a:ext cx="5767733" cy="369332"/>
+          </a:xfrm>
+          <a:prstGeom prst="rect">
+            <a:avLst/>
+          </a:prstGeom>
+          <a:noFill/>
+        </p:spPr>
+        <p:txBody>
+          <a:bodyPr wrap="none" rtlCol="0">
+            <a:spAutoFit/>
+          </a:bodyPr>
+          <a:lstStyle/>
+          <a:p>
+            <a:r>
+              <a:rPr lang="en-US" dirty="0"/>
+              <a:t>Generate a large ensemble of random Boolean functions</a:t>
+            </a:r>
+          </a:p>
+        </p:txBody>
+      </p:sp>
+      <p:sp>
+        <p:nvSpPr>
+          <p:cNvPr id="8" name="TextBox 7">
+            <a:extLst>
+              <a:ext uri="{FF2B5EF4-FFF2-40B4-BE49-F238E27FC236}">
+                <a16:creationId xmlns:a16="http://schemas.microsoft.com/office/drawing/2014/main" id="{9D6A2D28-B59E-CB79-79A4-5C7011DBAB95}"/>
+              </a:ext>
+            </a:extLst>
+          </p:cNvPr>
+          <p:cNvSpPr txBox="1"/>
+          <p:nvPr/>
+        </p:nvSpPr>
+        <p:spPr>
+          <a:xfrm>
+            <a:off x="470647" y="5100028"/>
+            <a:ext cx="10260629" cy="369332"/>
+          </a:xfrm>
+          <a:prstGeom prst="rect">
+            <a:avLst/>
+          </a:prstGeom>
+          <a:noFill/>
+        </p:spPr>
+        <p:txBody>
+          <a:bodyPr wrap="none" rtlCol="0">
+            <a:spAutoFit/>
+          </a:bodyPr>
+          <a:lstStyle/>
+          <a:p>
+            <a:r>
+              <a:rPr lang="en-US" dirty="0"/>
+              <a:t>Statistical analysis yields finding: bio networks are massively enriched for nested canalizing functions</a:t>
+            </a:r>
+          </a:p>
+        </p:txBody>
+      </p:sp>
+      <p:sp>
+        <p:nvSpPr>
+          <p:cNvPr id="9" name="TextBox 8">
+            <a:extLst>
+              <a:ext uri="{FF2B5EF4-FFF2-40B4-BE49-F238E27FC236}">
+                <a16:creationId xmlns:a16="http://schemas.microsoft.com/office/drawing/2014/main" id="{78D4F520-DE3C-2AC9-ED94-3684C37AF8C5}"/>
+              </a:ext>
+            </a:extLst>
+          </p:cNvPr>
+          <p:cNvSpPr txBox="1"/>
+          <p:nvPr/>
+        </p:nvSpPr>
+        <p:spPr>
+          <a:xfrm>
+            <a:off x="937985" y="436130"/>
+            <a:ext cx="7909538" cy="369332"/>
+          </a:xfrm>
+          <a:prstGeom prst="rect">
+            <a:avLst/>
+          </a:prstGeom>
+          <a:noFill/>
+        </p:spPr>
+        <p:txBody>
+          <a:bodyPr wrap="none" rtlCol="0">
+            <a:spAutoFit/>
+          </a:bodyPr>
+          <a:lstStyle/>
+          <a:p>
+            <a:r>
+              <a:rPr lang="en-US" dirty="0"/>
+              <a:t>Extract and analyze Boolean functions to identify anomalies/design principles</a:t>
+            </a:r>
+          </a:p>
+        </p:txBody>
+      </p:sp>
+    </p:spTree>
+    <p:extLst>
+      <p:ext uri="{BB962C8B-B14F-4D97-AF65-F5344CB8AC3E}">
+        <p14:creationId xmlns:p14="http://schemas.microsoft.com/office/powerpoint/2010/main" val="401518677"/>
+      </p:ext>
+    </p:extLst>
+  </p:cSld>
+  <p:clrMapOvr>
+    <a:masterClrMapping/>
+  </p:clrMapOvr>
+</p:sld>
+</file>
+
+<file path=ppt/slides/slide14.xml><?xml version="1.0" encoding="utf-8"?>
+<p:sld xmlns:a="http://schemas.openxmlformats.org/drawingml/2006/main" xmlns:r="http://schemas.openxmlformats.org/officeDocument/2006/relationships" xmlns:p="http://schemas.openxmlformats.org/presentationml/2006/main">
+  <p:cSld>
+    <p:spTree>
+      <p:nvGrpSpPr>
+        <p:cNvPr id="1" name="">
+          <a:extLst>
+            <a:ext uri="{FF2B5EF4-FFF2-40B4-BE49-F238E27FC236}">
+              <a16:creationId xmlns:a16="http://schemas.microsoft.com/office/drawing/2014/main" id="{C420D7A8-B395-430F-5645-255CEE0026B7}"/>
+            </a:ext>
+          </a:extLst>
+        </p:cNvPr>
+        <p:cNvGrpSpPr/>
+        <p:nvPr/>
+      </p:nvGrpSpPr>
+      <p:grpSpPr>
+        <a:xfrm>
+          <a:off x="0" y="0"/>
+          <a:ext cx="0" cy="0"/>
+          <a:chOff x="0" y="0"/>
+          <a:chExt cx="0" cy="0"/>
+        </a:xfrm>
+      </p:grpSpPr>
+      <p:pic>
+        <p:nvPicPr>
+          <p:cNvPr id="5" name="Picture 4">
+            <a:extLst>
+              <a:ext uri="{FF2B5EF4-FFF2-40B4-BE49-F238E27FC236}">
+                <a16:creationId xmlns:a16="http://schemas.microsoft.com/office/drawing/2014/main" id="{D6B92E9B-2B62-9813-9B2E-E99C5A75D26E}"/>
+              </a:ext>
+            </a:extLst>
+          </p:cNvPr>
+          <p:cNvPicPr>
+            <a:picLocks noChangeAspect="1"/>
+          </p:cNvPicPr>
+          <p:nvPr/>
+        </p:nvPicPr>
+        <p:blipFill>
+          <a:blip r:embed="rId2"/>
+          <a:stretch>
+            <a:fillRect/>
+          </a:stretch>
+        </p:blipFill>
+        <p:spPr>
+          <a:xfrm>
+            <a:off x="1423550" y="0"/>
+            <a:ext cx="9344900" cy="4809565"/>
+          </a:xfrm>
+          <a:prstGeom prst="rect">
+            <a:avLst/>
+          </a:prstGeom>
+        </p:spPr>
+      </p:pic>
+    </p:spTree>
+    <p:extLst>
+      <p:ext uri="{BB962C8B-B14F-4D97-AF65-F5344CB8AC3E}">
+        <p14:creationId xmlns:p14="http://schemas.microsoft.com/office/powerpoint/2010/main" val="2485313455"/>
+      </p:ext>
+    </p:extLst>
+  </p:cSld>
+  <p:clrMapOvr>
+    <a:masterClrMapping/>
+  </p:clrMapOvr>
+</p:sld>
+</file>
+
 <file path=ppt/slides/slide2.xml><?xml version="1.0" encoding="utf-8"?>
 <p:sld xmlns:a="http://schemas.openxmlformats.org/drawingml/2006/main" xmlns:r="http://schemas.openxmlformats.org/officeDocument/2006/relationships" xmlns:p="http://schemas.openxmlformats.org/presentationml/2006/main">
   <p:cSld>
@@ -10432,126 +15211,10 @@
       </p:grpSpPr>
       <p:sp>
         <p:nvSpPr>
-          <p:cNvPr id="64" name="Rounded Rectangle 63">
-            <a:extLst>
-              <a:ext uri="{FF2B5EF4-FFF2-40B4-BE49-F238E27FC236}">
-                <a16:creationId xmlns:a16="http://schemas.microsoft.com/office/drawing/2014/main" id="{DAE05BDB-37EF-1776-CE64-E37C4D5AB336}"/>
-              </a:ext>
-            </a:extLst>
-          </p:cNvPr>
-          <p:cNvSpPr/>
-          <p:nvPr/>
-        </p:nvSpPr>
-        <p:spPr>
-          <a:xfrm>
-            <a:off x="3716309" y="1061643"/>
-            <a:ext cx="2755941" cy="3705304"/>
-          </a:xfrm>
-          <a:prstGeom prst="roundRect">
-            <a:avLst>
-              <a:gd name="adj" fmla="val 20354"/>
-            </a:avLst>
-          </a:prstGeom>
-          <a:solidFill>
-            <a:schemeClr val="tx2">
-              <a:lumMod val="10000"/>
-              <a:lumOff val="90000"/>
-              <a:alpha val="34000"/>
-            </a:schemeClr>
-          </a:solidFill>
-          <a:ln>
-            <a:noFill/>
-          </a:ln>
-        </p:spPr>
-        <p:style>
-          <a:lnRef idx="2">
-            <a:schemeClr val="accent1">
-              <a:shade val="15000"/>
-            </a:schemeClr>
-          </a:lnRef>
-          <a:fillRef idx="1">
-            <a:schemeClr val="accent1"/>
-          </a:fillRef>
-          <a:effectRef idx="0">
-            <a:schemeClr val="accent1"/>
-          </a:effectRef>
-          <a:fontRef idx="minor">
-            <a:schemeClr val="lt1"/>
-          </a:fontRef>
-        </p:style>
-        <p:txBody>
-          <a:bodyPr rtlCol="0" anchor="ctr"/>
-          <a:lstStyle/>
-          <a:p>
-            <a:pPr algn="ctr"/>
-            <a:endParaRPr lang="en-US"/>
-          </a:p>
-        </p:txBody>
-      </p:sp>
-      <p:sp>
-        <p:nvSpPr>
-          <p:cNvPr id="10" name="Rounded Rectangle 9">
-            <a:extLst>
-              <a:ext uri="{FF2B5EF4-FFF2-40B4-BE49-F238E27FC236}">
-                <a16:creationId xmlns:a16="http://schemas.microsoft.com/office/drawing/2014/main" id="{3EDE5DB8-D1DE-5625-9952-54C8436DF443}"/>
-              </a:ext>
-            </a:extLst>
-          </p:cNvPr>
-          <p:cNvSpPr/>
-          <p:nvPr/>
-        </p:nvSpPr>
-        <p:spPr>
-          <a:xfrm>
-            <a:off x="525739" y="1090217"/>
-            <a:ext cx="2755941" cy="3705304"/>
-          </a:xfrm>
-          <a:prstGeom prst="roundRect">
-            <a:avLst>
-              <a:gd name="adj" fmla="val 20354"/>
-            </a:avLst>
-          </a:prstGeom>
-          <a:solidFill>
-            <a:schemeClr val="tx2">
-              <a:lumMod val="10000"/>
-              <a:lumOff val="90000"/>
-              <a:alpha val="34000"/>
-            </a:schemeClr>
-          </a:solidFill>
-          <a:ln>
-            <a:noFill/>
-          </a:ln>
-        </p:spPr>
-        <p:style>
-          <a:lnRef idx="2">
-            <a:schemeClr val="accent1">
-              <a:shade val="15000"/>
-            </a:schemeClr>
-          </a:lnRef>
-          <a:fillRef idx="1">
-            <a:schemeClr val="accent1"/>
-          </a:fillRef>
-          <a:effectRef idx="0">
-            <a:schemeClr val="accent1"/>
-          </a:effectRef>
-          <a:fontRef idx="minor">
-            <a:schemeClr val="lt1"/>
-          </a:fontRef>
-        </p:style>
-        <p:txBody>
-          <a:bodyPr rtlCol="0" anchor="ctr"/>
-          <a:lstStyle/>
-          <a:p>
-            <a:pPr algn="ctr"/>
-            <a:endParaRPr lang="en-US"/>
-          </a:p>
-        </p:txBody>
-      </p:sp>
-      <p:sp>
-        <p:nvSpPr>
-          <p:cNvPr id="4" name="TextBox 3">
-            <a:extLst>
-              <a:ext uri="{FF2B5EF4-FFF2-40B4-BE49-F238E27FC236}">
-                <a16:creationId xmlns:a16="http://schemas.microsoft.com/office/drawing/2014/main" id="{0369CE56-7B43-38DB-A4D7-2CC68BD4AF2F}"/>
+          <p:cNvPr id="2" name="TextBox 1">
+            <a:extLst>
+              <a:ext uri="{FF2B5EF4-FFF2-40B4-BE49-F238E27FC236}">
+                <a16:creationId xmlns:a16="http://schemas.microsoft.com/office/drawing/2014/main" id="{BBEF3BA4-62FE-10A2-F798-432A682F68A0}"/>
               </a:ext>
             </a:extLst>
           </p:cNvPr>
@@ -10560,8 +15223,8 @@
         </p:nvSpPr>
         <p:spPr>
           <a:xfrm>
-            <a:off x="640505" y="1428274"/>
-            <a:ext cx="2356083" cy="544830"/>
+            <a:off x="2706050" y="2129598"/>
+            <a:ext cx="2551750" cy="817245"/>
           </a:xfrm>
           <a:prstGeom prst="roundRect">
             <a:avLst/>
@@ -10588,24 +15251,58 @@
           <a:lstStyle/>
           <a:p>
             <a:r>
-              <a:rPr lang="en-US" sz="1000" dirty="0"/>
-              <a:t>Random Boolean Function Generators</a:t>
-            </a:r>
-          </a:p>
-          <a:p>
+              <a:rPr lang="en-US" sz="1000" b="1" dirty="0"/>
+              <a:t>User Input</a:t>
+            </a:r>
+          </a:p>
+          <a:p>
+            <a:pPr marL="171450" indent="-171450">
+              <a:buFont typeface="Arial" panose="020B0604020202020204" pitchFamily="34" charset="0"/>
+              <a:buChar char="•"/>
+            </a:pPr>
             <a:r>
               <a:rPr lang="en-US" sz="800" dirty="0"/>
-              <a:t>Sample functions with prescribed structural features uniformly at random</a:t>
-            </a:r>
-          </a:p>
-        </p:txBody>
-      </p:sp>
-      <p:sp>
-        <p:nvSpPr>
-          <p:cNvPr id="5" name="TextBox 4">
-            <a:extLst>
-              <a:ext uri="{FF2B5EF4-FFF2-40B4-BE49-F238E27FC236}">
-                <a16:creationId xmlns:a16="http://schemas.microsoft.com/office/drawing/2014/main" id="{EDBEDA5E-92FC-4ED3-B196-392579CE3D88}"/>
+              <a:t>Network parameters</a:t>
+            </a:r>
+          </a:p>
+          <a:p>
+            <a:pPr marL="171450" indent="-171450">
+              <a:buFont typeface="Arial" panose="020B0604020202020204" pitchFamily="34" charset="0"/>
+              <a:buChar char="•"/>
+            </a:pPr>
+            <a:r>
+              <a:rPr lang="en-US" sz="800" dirty="0"/>
+              <a:t>Constraints on topology</a:t>
+            </a:r>
+          </a:p>
+          <a:p>
+            <a:pPr marL="171450" indent="-171450">
+              <a:buFont typeface="Arial" panose="020B0604020202020204" pitchFamily="34" charset="0"/>
+              <a:buChar char="•"/>
+            </a:pPr>
+            <a:r>
+              <a:rPr lang="en-US" sz="800" dirty="0"/>
+              <a:t>Constraints on functions</a:t>
+            </a:r>
+          </a:p>
+          <a:p>
+            <a:pPr marL="171450" indent="-171450">
+              <a:buFont typeface="Arial" panose="020B0604020202020204" pitchFamily="34" charset="0"/>
+              <a:buChar char="•"/>
+            </a:pPr>
+            <a:r>
+              <a:rPr lang="en-US" sz="800" dirty="0"/>
+              <a:t>Optional: Network for null model matching</a:t>
+            </a:r>
+          </a:p>
+        </p:txBody>
+      </p:sp>
+      <p:sp>
+        <p:nvSpPr>
+          <p:cNvPr id="17" name="TextBox 16">
+            <a:extLst>
+              <a:ext uri="{FF2B5EF4-FFF2-40B4-BE49-F238E27FC236}">
+                <a16:creationId xmlns:a16="http://schemas.microsoft.com/office/drawing/2014/main" id="{A6DFA139-0033-1D87-5965-1612A7046E0A}"/>
               </a:ext>
             </a:extLst>
           </p:cNvPr>
@@ -10614,8 +15311,8 @@
         </p:nvSpPr>
         <p:spPr>
           <a:xfrm>
-            <a:off x="640505" y="3558222"/>
-            <a:ext cx="2346954" cy="544830"/>
+            <a:off x="2706004" y="3840054"/>
+            <a:ext cx="2551796" cy="1362075"/>
           </a:xfrm>
           <a:prstGeom prst="roundRect">
             <a:avLst/>
@@ -10642,25 +15339,63 @@
           <a:lstStyle/>
           <a:p>
             <a:r>
-              <a:rPr lang="en-US" sz="1000" dirty="0"/>
-              <a:t>Boolean Function Analysis</a:t>
+              <a:rPr lang="en-US" sz="1000" b="1" dirty="0"/>
+              <a:t>Generation</a:t>
+            </a:r>
+            <a:r>
+              <a:rPr lang="en-US" sz="800" dirty="0"/>
+              <a:t> </a:t>
+            </a:r>
+          </a:p>
+          <a:p>
+            <a:pPr marL="171450" indent="-171450">
+              <a:buFont typeface="Arial" panose="020B0604020202020204" pitchFamily="34" charset="0"/>
+              <a:buChar char="•"/>
+            </a:pPr>
+            <a:r>
+              <a:rPr lang="en-US" sz="800" b="1" dirty="0"/>
+              <a:t>Random Boolean Function Generators </a:t>
             </a:r>
             <a:br>
-              <a:rPr lang="en-US" sz="1000" dirty="0"/>
+              <a:rPr lang="en-US" sz="800" dirty="0"/>
             </a:br>
             <a:r>
+              <a:rPr lang="en-US" sz="800" i="1" dirty="0"/>
+              <a:t>Generate functions with prescribed features: canalizing depth, layer structure, bias, …</a:t>
+            </a:r>
+          </a:p>
+          <a:p>
+            <a:pPr marL="171450" indent="-171450">
+              <a:buFont typeface="Arial" panose="020B0604020202020204" pitchFamily="34" charset="0"/>
+              <a:buChar char="•"/>
+            </a:pPr>
+            <a:r>
+              <a:rPr lang="en-US" sz="800" b="1" dirty="0"/>
+              <a:t>Random Boolean Network Generators</a:t>
+            </a:r>
+            <a:br>
               <a:rPr lang="en-US" sz="800" dirty="0"/>
-              <a:t>canalization; collective canalization; symmetry; sensitivity; degeneracy; …</a:t>
-            </a:r>
-          </a:p>
-        </p:txBody>
-      </p:sp>
-      <p:sp>
-        <p:nvSpPr>
-          <p:cNvPr id="6" name="TextBox 5">
-            <a:extLst>
-              <a:ext uri="{FF2B5EF4-FFF2-40B4-BE49-F238E27FC236}">
-                <a16:creationId xmlns:a16="http://schemas.microsoft.com/office/drawing/2014/main" id="{073F7244-04F4-800D-28DE-68B66325DF9D}"/>
+            </a:br>
+            <a:r>
+              <a:rPr lang="en-US" sz="800" i="1" dirty="0"/>
+              <a:t>Generate networks with controlled function-level and topological properties:</a:t>
+            </a:r>
+            <a:br>
+              <a:rPr lang="en-US" sz="800" i="1" dirty="0"/>
+            </a:br>
+            <a:r>
+              <a:rPr lang="en-US" sz="800" i="1" dirty="0"/>
+              <a:t>degree distribution, wiring diagram, preserved bias and/or canalizing properties, …</a:t>
+            </a:r>
+          </a:p>
+        </p:txBody>
+      </p:sp>
+      <p:sp>
+        <p:nvSpPr>
+          <p:cNvPr id="18" name="TextBox 17">
+            <a:extLst>
+              <a:ext uri="{FF2B5EF4-FFF2-40B4-BE49-F238E27FC236}">
+                <a16:creationId xmlns:a16="http://schemas.microsoft.com/office/drawing/2014/main" id="{AAE02E2B-C70B-A642-1E2A-F43C49D2DC31}"/>
               </a:ext>
             </a:extLst>
           </p:cNvPr>
@@ -10669,8 +15404,8 @@
         </p:nvSpPr>
         <p:spPr>
           <a:xfrm>
-            <a:off x="3825048" y="3574573"/>
-            <a:ext cx="2538463" cy="544830"/>
+            <a:off x="5613739" y="3976261"/>
+            <a:ext cx="2682768" cy="1225868"/>
           </a:xfrm>
           <a:prstGeom prst="roundRect">
             <a:avLst/>
@@ -10697,24 +15432,73 @@
           <a:lstStyle/>
           <a:p>
             <a:r>
-              <a:rPr lang="en-US" sz="1000" dirty="0"/>
-              <a:t>Boolean Network Analysis</a:t>
-            </a:r>
-          </a:p>
-          <a:p>
+              <a:rPr lang="en-US" sz="1000" b="1" dirty="0"/>
+              <a:t>Analysis</a:t>
+            </a:r>
             <a:r>
               <a:rPr lang="en-US" sz="800" dirty="0"/>
-              <a:t>attractors under synchronous &amp; asynchronous update; network motifs; stability &amp; robustness; …</a:t>
-            </a:r>
-          </a:p>
-        </p:txBody>
-      </p:sp>
-      <p:sp>
-        <p:nvSpPr>
-          <p:cNvPr id="7" name="TextBox 6">
-            <a:extLst>
-              <a:ext uri="{FF2B5EF4-FFF2-40B4-BE49-F238E27FC236}">
-                <a16:creationId xmlns:a16="http://schemas.microsoft.com/office/drawing/2014/main" id="{24FE043E-DFBC-160A-7040-D5B8CD3BEC3C}"/>
+              <a:t> </a:t>
+            </a:r>
+          </a:p>
+          <a:p>
+            <a:pPr marL="171450" indent="-171450">
+              <a:buFont typeface="Arial" panose="020B0604020202020204" pitchFamily="34" charset="0"/>
+              <a:buChar char="•"/>
+            </a:pPr>
+            <a:r>
+              <a:rPr lang="en-US" sz="800" dirty="0"/>
+              <a:t>Function-level metrics </a:t>
+            </a:r>
+            <a:br>
+              <a:rPr lang="en-US" sz="800" dirty="0"/>
+            </a:br>
+            <a:r>
+              <a:rPr lang="en-US" sz="800" i="1" dirty="0"/>
+              <a:t>canalization, redundancy, symmetry, sensitivity, monotonicity, …</a:t>
+            </a:r>
+          </a:p>
+          <a:p>
+            <a:pPr marL="171450" indent="-171450">
+              <a:buFont typeface="Arial" panose="020B0604020202020204" pitchFamily="34" charset="0"/>
+              <a:buChar char="•"/>
+            </a:pPr>
+            <a:r>
+              <a:rPr lang="en-US" sz="800" dirty="0"/>
+              <a:t>Structural network-level metrics </a:t>
+            </a:r>
+            <a:br>
+              <a:rPr lang="en-US" sz="800" dirty="0"/>
+            </a:br>
+            <a:r>
+              <a:rPr lang="en-US" sz="800" dirty="0"/>
+              <a:t>recurring motifs, modularity, …</a:t>
+            </a:r>
+          </a:p>
+          <a:p>
+            <a:pPr marL="171450" indent="-171450">
+              <a:buFont typeface="Arial" panose="020B0604020202020204" pitchFamily="34" charset="0"/>
+              <a:buChar char="•"/>
+            </a:pPr>
+            <a:r>
+              <a:rPr lang="en-US" sz="800" i="1" dirty="0"/>
+              <a:t>Network dynamics metrics</a:t>
+            </a:r>
+            <a:br>
+              <a:rPr lang="en-US" sz="800" i="1" dirty="0"/>
+            </a:br>
+            <a:r>
+              <a:rPr lang="en-US" sz="800" i="1" dirty="0"/>
+              <a:t>attractors, stability to perturbation, …</a:t>
+            </a:r>
+          </a:p>
+        </p:txBody>
+      </p:sp>
+      <p:sp>
+        <p:nvSpPr>
+          <p:cNvPr id="19" name="TextBox 18">
+            <a:extLst>
+              <a:ext uri="{FF2B5EF4-FFF2-40B4-BE49-F238E27FC236}">
+                <a16:creationId xmlns:a16="http://schemas.microsoft.com/office/drawing/2014/main" id="{B127E6E4-2E41-6DC0-D66A-4CF32E7E8EBA}"/>
               </a:ext>
             </a:extLst>
           </p:cNvPr>
@@ -10723,8 +15507,8 @@
         </p:nvSpPr>
         <p:spPr>
           <a:xfrm>
-            <a:off x="3825049" y="1428274"/>
-            <a:ext cx="2538456" cy="851297"/>
+            <a:off x="5613739" y="2115572"/>
+            <a:ext cx="2682768" cy="1532334"/>
           </a:xfrm>
           <a:prstGeom prst="roundRect">
             <a:avLst/>
@@ -10750,95 +15534,63 @@
           </a:bodyPr>
           <a:lstStyle/>
           <a:p>
-            <a:pPr lvl="1"/>
-            <a:r>
-              <a:rPr lang="en-US" sz="1000" dirty="0"/>
-              <a:t>Random Boolean Network Generators</a:t>
-            </a:r>
-          </a:p>
-          <a:p>
-            <a:pPr lvl="1"/>
+            <a:r>
+              <a:rPr lang="en-US" sz="1000" b="1" dirty="0"/>
+              <a:t>Scientific advances through ensemble experiments</a:t>
+            </a:r>
+          </a:p>
+          <a:p>
+            <a:pPr marL="171450" indent="-171450">
+              <a:buFont typeface="Arial" panose="020B0604020202020204" pitchFamily="34" charset="0"/>
+              <a:buChar char="•"/>
+            </a:pPr>
             <a:r>
               <a:rPr lang="en-US" sz="800" dirty="0"/>
-              <a:t>Generate random Boolean networks of defined size, degree distribution, canalizing properties, bias, …</a:t>
-            </a:r>
-          </a:p>
-        </p:txBody>
-      </p:sp>
-      <p:sp>
-        <p:nvSpPr>
-          <p:cNvPr id="8" name="TextBox 7">
-            <a:extLst>
-              <a:ext uri="{FF2B5EF4-FFF2-40B4-BE49-F238E27FC236}">
-                <a16:creationId xmlns:a16="http://schemas.microsoft.com/office/drawing/2014/main" id="{BF352D68-4734-1AC7-EF41-5FF1ED52B734}"/>
-              </a:ext>
-            </a:extLst>
-          </p:cNvPr>
-          <p:cNvSpPr txBox="1"/>
-          <p:nvPr/>
-        </p:nvSpPr>
-        <p:spPr>
-          <a:xfrm>
-            <a:off x="2169720" y="2190509"/>
-            <a:ext cx="2538465" cy="408623"/>
-          </a:xfrm>
-          <a:prstGeom prst="roundRect">
-            <a:avLst/>
-          </a:prstGeom>
-        </p:spPr>
-        <p:style>
-          <a:lnRef idx="2">
-            <a:schemeClr val="accent1"/>
-          </a:lnRef>
-          <a:fillRef idx="1">
-            <a:schemeClr val="lt1"/>
-          </a:fillRef>
-          <a:effectRef idx="0">
-            <a:schemeClr val="accent1"/>
-          </a:effectRef>
-          <a:fontRef idx="minor">
-            <a:schemeClr val="dk1"/>
-          </a:fontRef>
-        </p:style>
-        <p:txBody>
-          <a:bodyPr wrap="square" rtlCol="0">
-            <a:spAutoFit/>
-          </a:bodyPr>
-          <a:lstStyle/>
-          <a:p>
-            <a:r>
-              <a:rPr lang="en-US" sz="1000" dirty="0"/>
-              <a:t>Ensemble Experiments</a:t>
-            </a:r>
-          </a:p>
-          <a:p>
+              <a:t>Compare 5000+ Boolean regulatory functions from published bio models with random functions to reveal design principles</a:t>
+            </a:r>
+          </a:p>
+          <a:p>
+            <a:pPr marL="171450" indent="-171450">
+              <a:buFont typeface="Arial" panose="020B0604020202020204" pitchFamily="34" charset="0"/>
+              <a:buChar char="•"/>
+            </a:pPr>
             <a:r>
               <a:rPr lang="en-US" sz="800" dirty="0"/>
-              <a:t>Systematic analysis of </a:t>
+              <a:t>Explore the impact of function-level and topological parameters on network dynamics</a:t>
+            </a:r>
+          </a:p>
+          <a:p>
+            <a:pPr marL="171450" indent="-171450">
+              <a:buFont typeface="Arial" panose="020B0604020202020204" pitchFamily="34" charset="0"/>
+              <a:buChar char="•"/>
+            </a:pPr>
+            <a:r>
+              <a:rPr lang="en-US" sz="800" dirty="0"/>
+              <a:t>Validate the significance of features in biological networks by comparison to ensemble of matched null models</a:t>
             </a:r>
           </a:p>
         </p:txBody>
       </p:sp>
       <p:cxnSp>
         <p:nvCxnSpPr>
-          <p:cNvPr id="11" name="Straight Arrow Connector 10">
-            <a:extLst>
-              <a:ext uri="{FF2B5EF4-FFF2-40B4-BE49-F238E27FC236}">
-                <a16:creationId xmlns:a16="http://schemas.microsoft.com/office/drawing/2014/main" id="{B835776B-8BD5-A5F9-944D-10ADCB069A1E}"/>
+          <p:cNvPr id="20" name="Straight Arrow Connector 19">
+            <a:extLst>
+              <a:ext uri="{FF2B5EF4-FFF2-40B4-BE49-F238E27FC236}">
+                <a16:creationId xmlns:a16="http://schemas.microsoft.com/office/drawing/2014/main" id="{4BE494B3-1C38-AE25-9A12-52B1E330AB0A}"/>
               </a:ext>
             </a:extLst>
           </p:cNvPr>
           <p:cNvCxnSpPr>
             <a:cxnSpLocks/>
-            <a:stCxn id="4" idx="2"/>
-            <a:endCxn id="5" idx="0"/>
+            <a:stCxn id="2" idx="2"/>
+            <a:endCxn id="17" idx="0"/>
           </p:cNvCxnSpPr>
           <p:nvPr/>
         </p:nvCxnSpPr>
         <p:spPr>
           <a:xfrm flipH="1">
-            <a:off x="1813982" y="1973104"/>
-            <a:ext cx="4565" cy="1585118"/>
+            <a:off x="3981902" y="2946843"/>
+            <a:ext cx="23" cy="893211"/>
           </a:xfrm>
           <a:prstGeom prst="straightConnector1">
             <a:avLst/>
@@ -10864,22 +15616,23 @@
       </p:cxnSp>
       <p:cxnSp>
         <p:nvCxnSpPr>
-          <p:cNvPr id="12" name="Straight Arrow Connector 11">
-            <a:extLst>
-              <a:ext uri="{FF2B5EF4-FFF2-40B4-BE49-F238E27FC236}">
-                <a16:creationId xmlns:a16="http://schemas.microsoft.com/office/drawing/2014/main" id="{44249617-F85A-F2CA-FC1A-9A7F3A914A49}"/>
+          <p:cNvPr id="24" name="Straight Arrow Connector 23">
+            <a:extLst>
+              <a:ext uri="{FF2B5EF4-FFF2-40B4-BE49-F238E27FC236}">
+                <a16:creationId xmlns:a16="http://schemas.microsoft.com/office/drawing/2014/main" id="{77604F8A-E310-3EFD-9412-5D29BE5284C8}"/>
               </a:ext>
             </a:extLst>
           </p:cNvPr>
           <p:cNvCxnSpPr>
             <a:cxnSpLocks/>
+            <a:stCxn id="17" idx="3"/>
           </p:cNvCxnSpPr>
           <p:nvPr/>
         </p:nvCxnSpPr>
         <p:spPr>
           <a:xfrm>
-            <a:off x="5018225" y="2246476"/>
-            <a:ext cx="0" cy="1310787"/>
+            <a:off x="5257800" y="4521092"/>
+            <a:ext cx="355939" cy="0"/>
           </a:xfrm>
           <a:prstGeom prst="straightConnector1">
             <a:avLst/>
@@ -10905,24 +15658,24 @@
       </p:cxnSp>
       <p:cxnSp>
         <p:nvCxnSpPr>
-          <p:cNvPr id="22" name="Straight Arrow Connector 21">
-            <a:extLst>
-              <a:ext uri="{FF2B5EF4-FFF2-40B4-BE49-F238E27FC236}">
-                <a16:creationId xmlns:a16="http://schemas.microsoft.com/office/drawing/2014/main" id="{081F11BA-7BA2-5C58-2F84-994EB087396E}"/>
+          <p:cNvPr id="29" name="Straight Arrow Connector 28">
+            <a:extLst>
+              <a:ext uri="{FF2B5EF4-FFF2-40B4-BE49-F238E27FC236}">
+                <a16:creationId xmlns:a16="http://schemas.microsoft.com/office/drawing/2014/main" id="{C14D94DD-3A07-3830-6ECC-67BD852BF7C0}"/>
               </a:ext>
             </a:extLst>
           </p:cNvPr>
           <p:cNvCxnSpPr>
             <a:cxnSpLocks/>
-            <a:stCxn id="4" idx="3"/>
-            <a:endCxn id="7" idx="1"/>
+            <a:stCxn id="18" idx="0"/>
+            <a:endCxn id="19" idx="2"/>
           </p:cNvCxnSpPr>
           <p:nvPr/>
         </p:nvCxnSpPr>
         <p:spPr>
-          <a:xfrm>
-            <a:off x="2996588" y="1700689"/>
-            <a:ext cx="828461" cy="153234"/>
+          <a:xfrm flipV="1">
+            <a:off x="6955123" y="3647906"/>
+            <a:ext cx="0" cy="328355"/>
           </a:xfrm>
           <a:prstGeom prst="straightConnector1">
             <a:avLst/>
@@ -10946,860 +15699,6 @@
           </a:fontRef>
         </p:style>
       </p:cxnSp>
-      <p:cxnSp>
-        <p:nvCxnSpPr>
-          <p:cNvPr id="25" name="Straight Arrow Connector 24">
-            <a:extLst>
-              <a:ext uri="{FF2B5EF4-FFF2-40B4-BE49-F238E27FC236}">
-                <a16:creationId xmlns:a16="http://schemas.microsoft.com/office/drawing/2014/main" id="{E724C952-B33C-AB8B-42B8-2E3ED9A9A978}"/>
-              </a:ext>
-            </a:extLst>
-          </p:cNvPr>
-          <p:cNvCxnSpPr>
-            <a:cxnSpLocks/>
-            <a:stCxn id="5" idx="3"/>
-            <a:endCxn id="6" idx="1"/>
-          </p:cNvCxnSpPr>
-          <p:nvPr/>
-        </p:nvCxnSpPr>
-        <p:spPr>
-          <a:xfrm>
-            <a:off x="2987459" y="3830637"/>
-            <a:ext cx="837589" cy="16351"/>
-          </a:xfrm>
-          <a:prstGeom prst="straightConnector1">
-            <a:avLst/>
-          </a:prstGeom>
-          <a:ln>
-            <a:tailEnd type="triangle" w="lg" len="lg"/>
-          </a:ln>
-        </p:spPr>
-        <p:style>
-          <a:lnRef idx="2">
-            <a:schemeClr val="accent1"/>
-          </a:lnRef>
-          <a:fillRef idx="0">
-            <a:schemeClr val="accent1"/>
-          </a:fillRef>
-          <a:effectRef idx="1">
-            <a:schemeClr val="accent1"/>
-          </a:effectRef>
-          <a:fontRef idx="minor">
-            <a:schemeClr val="tx1"/>
-          </a:fontRef>
-        </p:style>
-      </p:cxnSp>
-      <p:cxnSp>
-        <p:nvCxnSpPr>
-          <p:cNvPr id="27" name="Straight Arrow Connector 26">
-            <a:extLst>
-              <a:ext uri="{FF2B5EF4-FFF2-40B4-BE49-F238E27FC236}">
-                <a16:creationId xmlns:a16="http://schemas.microsoft.com/office/drawing/2014/main" id="{5C9E2167-B8B5-36AB-956E-44977017B8B5}"/>
-              </a:ext>
-            </a:extLst>
-          </p:cNvPr>
-          <p:cNvCxnSpPr>
-            <a:cxnSpLocks/>
-            <a:stCxn id="4" idx="2"/>
-          </p:cNvCxnSpPr>
-          <p:nvPr/>
-        </p:nvCxnSpPr>
-        <p:spPr>
-          <a:xfrm>
-            <a:off x="1818547" y="1973104"/>
-            <a:ext cx="399520" cy="605968"/>
-          </a:xfrm>
-          <a:prstGeom prst="straightConnector1">
-            <a:avLst/>
-          </a:prstGeom>
-          <a:ln>
-            <a:tailEnd type="triangle" w="lg" len="lg"/>
-          </a:ln>
-        </p:spPr>
-        <p:style>
-          <a:lnRef idx="2">
-            <a:schemeClr val="accent1"/>
-          </a:lnRef>
-          <a:fillRef idx="0">
-            <a:schemeClr val="accent1"/>
-          </a:fillRef>
-          <a:effectRef idx="1">
-            <a:schemeClr val="accent1"/>
-          </a:effectRef>
-          <a:fontRef idx="minor">
-            <a:schemeClr val="tx1"/>
-          </a:fontRef>
-        </p:style>
-      </p:cxnSp>
-      <p:cxnSp>
-        <p:nvCxnSpPr>
-          <p:cNvPr id="30" name="Straight Arrow Connector 29">
-            <a:extLst>
-              <a:ext uri="{FF2B5EF4-FFF2-40B4-BE49-F238E27FC236}">
-                <a16:creationId xmlns:a16="http://schemas.microsoft.com/office/drawing/2014/main" id="{5E37970C-1A2B-A40D-F3A5-1E4D8821A173}"/>
-              </a:ext>
-            </a:extLst>
-          </p:cNvPr>
-          <p:cNvCxnSpPr>
-            <a:cxnSpLocks/>
-            <a:stCxn id="5" idx="0"/>
-          </p:cNvCxnSpPr>
-          <p:nvPr/>
-        </p:nvCxnSpPr>
-        <p:spPr>
-          <a:xfrm flipV="1">
-            <a:off x="1813982" y="3265436"/>
-            <a:ext cx="404085" cy="292786"/>
-          </a:xfrm>
-          <a:prstGeom prst="straightConnector1">
-            <a:avLst/>
-          </a:prstGeom>
-          <a:ln>
-            <a:tailEnd type="triangle" w="lg" len="lg"/>
-          </a:ln>
-        </p:spPr>
-        <p:style>
-          <a:lnRef idx="2">
-            <a:schemeClr val="accent1"/>
-          </a:lnRef>
-          <a:fillRef idx="0">
-            <a:schemeClr val="accent1"/>
-          </a:fillRef>
-          <a:effectRef idx="1">
-            <a:schemeClr val="accent1"/>
-          </a:effectRef>
-          <a:fontRef idx="minor">
-            <a:schemeClr val="tx1"/>
-          </a:fontRef>
-        </p:style>
-      </p:cxnSp>
-      <p:cxnSp>
-        <p:nvCxnSpPr>
-          <p:cNvPr id="34" name="Straight Arrow Connector 33">
-            <a:extLst>
-              <a:ext uri="{FF2B5EF4-FFF2-40B4-BE49-F238E27FC236}">
-                <a16:creationId xmlns:a16="http://schemas.microsoft.com/office/drawing/2014/main" id="{D5B12348-E175-0CDF-9E26-CA48940B3B42}"/>
-              </a:ext>
-            </a:extLst>
-          </p:cNvPr>
-          <p:cNvCxnSpPr>
-            <a:cxnSpLocks/>
-          </p:cNvCxnSpPr>
-          <p:nvPr/>
-        </p:nvCxnSpPr>
-        <p:spPr>
-          <a:xfrm flipH="1" flipV="1">
-            <a:off x="4725699" y="3241020"/>
-            <a:ext cx="299965" cy="338721"/>
-          </a:xfrm>
-          <a:prstGeom prst="straightConnector1">
-            <a:avLst/>
-          </a:prstGeom>
-          <a:ln>
-            <a:tailEnd type="triangle" w="lg" len="lg"/>
-          </a:ln>
-        </p:spPr>
-        <p:style>
-          <a:lnRef idx="2">
-            <a:schemeClr val="accent1"/>
-          </a:lnRef>
-          <a:fillRef idx="0">
-            <a:schemeClr val="accent1"/>
-          </a:fillRef>
-          <a:effectRef idx="1">
-            <a:schemeClr val="accent1"/>
-          </a:effectRef>
-          <a:fontRef idx="minor">
-            <a:schemeClr val="tx1"/>
-          </a:fontRef>
-        </p:style>
-      </p:cxnSp>
-      <p:cxnSp>
-        <p:nvCxnSpPr>
-          <p:cNvPr id="38" name="Straight Arrow Connector 37">
-            <a:extLst>
-              <a:ext uri="{FF2B5EF4-FFF2-40B4-BE49-F238E27FC236}">
-                <a16:creationId xmlns:a16="http://schemas.microsoft.com/office/drawing/2014/main" id="{37F8B623-0783-D5FD-2821-D2A152F65454}"/>
-              </a:ext>
-            </a:extLst>
-          </p:cNvPr>
-          <p:cNvCxnSpPr>
-            <a:cxnSpLocks/>
-          </p:cNvCxnSpPr>
-          <p:nvPr/>
-        </p:nvCxnSpPr>
-        <p:spPr>
-          <a:xfrm flipH="1">
-            <a:off x="4692254" y="2245519"/>
-            <a:ext cx="329366" cy="333553"/>
-          </a:xfrm>
-          <a:prstGeom prst="straightConnector1">
-            <a:avLst/>
-          </a:prstGeom>
-          <a:ln>
-            <a:tailEnd type="triangle" w="lg" len="lg"/>
-          </a:ln>
-        </p:spPr>
-        <p:style>
-          <a:lnRef idx="2">
-            <a:schemeClr val="accent1"/>
-          </a:lnRef>
-          <a:fillRef idx="0">
-            <a:schemeClr val="accent1"/>
-          </a:fillRef>
-          <a:effectRef idx="1">
-            <a:schemeClr val="accent1"/>
-          </a:effectRef>
-          <a:fontRef idx="minor">
-            <a:schemeClr val="tx1"/>
-          </a:fontRef>
-        </p:style>
-      </p:cxnSp>
-      <p:sp>
-        <p:nvSpPr>
-          <p:cNvPr id="3" name="TextBox 2">
-            <a:extLst>
-              <a:ext uri="{FF2B5EF4-FFF2-40B4-BE49-F238E27FC236}">
-                <a16:creationId xmlns:a16="http://schemas.microsoft.com/office/drawing/2014/main" id="{795B80F1-D9E0-8617-5C32-65544A6D8B73}"/>
-              </a:ext>
-            </a:extLst>
-          </p:cNvPr>
-          <p:cNvSpPr txBox="1"/>
-          <p:nvPr/>
-        </p:nvSpPr>
-        <p:spPr>
-          <a:xfrm>
-            <a:off x="3912362" y="1153099"/>
-            <a:ext cx="1431802" cy="246221"/>
-          </a:xfrm>
-          <a:prstGeom prst="rect">
-            <a:avLst/>
-          </a:prstGeom>
-          <a:noFill/>
-        </p:spPr>
-        <p:txBody>
-          <a:bodyPr wrap="none" rtlCol="0">
-            <a:spAutoFit/>
-          </a:bodyPr>
-          <a:lstStyle/>
-          <a:p>
-            <a:r>
-              <a:rPr lang="en-US" sz="1000" dirty="0">
-                <a:solidFill>
-                  <a:schemeClr val="accent1"/>
-                </a:solidFill>
-              </a:rPr>
-              <a:t>class </a:t>
-            </a:r>
-            <a:r>
-              <a:rPr lang="en-US" sz="1000" dirty="0" err="1">
-                <a:solidFill>
-                  <a:schemeClr val="accent1"/>
-                </a:solidFill>
-              </a:rPr>
-              <a:t>BooleanNetwork</a:t>
-            </a:r>
-            <a:endParaRPr lang="en-US" sz="1000" dirty="0">
-              <a:solidFill>
-                <a:schemeClr val="accent1"/>
-              </a:solidFill>
-            </a:endParaRPr>
-          </a:p>
-        </p:txBody>
-      </p:sp>
-      <p:sp>
-        <p:nvSpPr>
-          <p:cNvPr id="9" name="TextBox 8">
-            <a:extLst>
-              <a:ext uri="{FF2B5EF4-FFF2-40B4-BE49-F238E27FC236}">
-                <a16:creationId xmlns:a16="http://schemas.microsoft.com/office/drawing/2014/main" id="{E2B8648D-EE53-7ABF-C3D6-83E81490D0DF}"/>
-              </a:ext>
-            </a:extLst>
-          </p:cNvPr>
-          <p:cNvSpPr txBox="1"/>
-          <p:nvPr/>
-        </p:nvSpPr>
-        <p:spPr>
-          <a:xfrm>
-            <a:off x="715476" y="1153100"/>
-            <a:ext cx="1454244" cy="246221"/>
-          </a:xfrm>
-          <a:prstGeom prst="rect">
-            <a:avLst/>
-          </a:prstGeom>
-          <a:noFill/>
-        </p:spPr>
-        <p:txBody>
-          <a:bodyPr wrap="none" rtlCol="0">
-            <a:spAutoFit/>
-          </a:bodyPr>
-          <a:lstStyle/>
-          <a:p>
-            <a:r>
-              <a:rPr lang="en-US" sz="1000" dirty="0">
-                <a:solidFill>
-                  <a:schemeClr val="accent1"/>
-                </a:solidFill>
-              </a:rPr>
-              <a:t>class </a:t>
-            </a:r>
-            <a:r>
-              <a:rPr lang="en-US" sz="1000" dirty="0" err="1">
-                <a:solidFill>
-                  <a:schemeClr val="accent1"/>
-                </a:solidFill>
-              </a:rPr>
-              <a:t>BooleanFunction</a:t>
-            </a:r>
-            <a:endParaRPr lang="en-US" sz="1000" dirty="0">
-              <a:solidFill>
-                <a:schemeClr val="accent1"/>
-              </a:solidFill>
-            </a:endParaRPr>
-          </a:p>
-        </p:txBody>
-      </p:sp>
-      <p:sp>
-        <p:nvSpPr>
-          <p:cNvPr id="14" name="TextBox 13">
-            <a:extLst>
-              <a:ext uri="{FF2B5EF4-FFF2-40B4-BE49-F238E27FC236}">
-                <a16:creationId xmlns:a16="http://schemas.microsoft.com/office/drawing/2014/main" id="{2C14E69B-95C9-B191-43C8-A733B2A30931}"/>
-              </a:ext>
-            </a:extLst>
-          </p:cNvPr>
-          <p:cNvSpPr txBox="1"/>
-          <p:nvPr/>
-        </p:nvSpPr>
-        <p:spPr>
-          <a:xfrm>
-            <a:off x="5084467" y="2641880"/>
-            <a:ext cx="1279037" cy="544830"/>
-          </a:xfrm>
-          <a:prstGeom prst="roundRect">
-            <a:avLst/>
-          </a:prstGeom>
-        </p:spPr>
-        <p:style>
-          <a:lnRef idx="2">
-            <a:schemeClr val="accent1"/>
-          </a:lnRef>
-          <a:fillRef idx="1">
-            <a:schemeClr val="lt1"/>
-          </a:fillRef>
-          <a:effectRef idx="0">
-            <a:schemeClr val="accent1"/>
-          </a:effectRef>
-          <a:fontRef idx="minor">
-            <a:schemeClr val="dk1"/>
-          </a:fontRef>
-        </p:style>
-        <p:txBody>
-          <a:bodyPr wrap="square" rtlCol="0">
-            <a:spAutoFit/>
-          </a:bodyPr>
-          <a:lstStyle/>
-          <a:p>
-            <a:r>
-              <a:rPr lang="en-US" sz="1000" dirty="0"/>
-              <a:t>Interoperability</a:t>
-            </a:r>
-          </a:p>
-          <a:p>
-            <a:r>
-              <a:rPr lang="en-US" sz="800" dirty="0"/>
-              <a:t>Export/Import </a:t>
-            </a:r>
-            <a:r>
-              <a:rPr lang="en-US" sz="800" dirty="0">
-                <a:sym typeface="Wingdings" pitchFamily="2" charset="2"/>
-              </a:rPr>
-              <a:t></a:t>
-            </a:r>
-            <a:br>
-              <a:rPr lang="en-US" sz="800" dirty="0">
-                <a:sym typeface="Wingdings" pitchFamily="2" charset="2"/>
-              </a:rPr>
-            </a:br>
-            <a:r>
-              <a:rPr lang="en-US" sz="800" dirty="0">
-                <a:sym typeface="Wingdings" pitchFamily="2" charset="2"/>
-              </a:rPr>
-              <a:t>CANA, </a:t>
-            </a:r>
-            <a:r>
-              <a:rPr lang="en-US" sz="800" dirty="0" err="1">
-                <a:sym typeface="Wingdings" pitchFamily="2" charset="2"/>
-              </a:rPr>
-              <a:t>PyBoolNet</a:t>
-            </a:r>
-            <a:r>
-              <a:rPr lang="en-US" sz="800" dirty="0">
-                <a:sym typeface="Wingdings" pitchFamily="2" charset="2"/>
-              </a:rPr>
-              <a:t>, …</a:t>
-            </a:r>
-            <a:endParaRPr lang="en-US" sz="800" dirty="0"/>
-          </a:p>
-        </p:txBody>
-      </p:sp>
-      <p:cxnSp>
-        <p:nvCxnSpPr>
-          <p:cNvPr id="15" name="Straight Arrow Connector 14">
-            <a:extLst>
-              <a:ext uri="{FF2B5EF4-FFF2-40B4-BE49-F238E27FC236}">
-                <a16:creationId xmlns:a16="http://schemas.microsoft.com/office/drawing/2014/main" id="{74C6DA81-A99A-379C-C36C-C58F7162FFC6}"/>
-              </a:ext>
-            </a:extLst>
-          </p:cNvPr>
-          <p:cNvCxnSpPr>
-            <a:cxnSpLocks/>
-            <a:endCxn id="14" idx="0"/>
-          </p:cNvCxnSpPr>
-          <p:nvPr/>
-        </p:nvCxnSpPr>
-        <p:spPr>
-          <a:xfrm>
-            <a:off x="5723986" y="2245519"/>
-            <a:ext cx="0" cy="396361"/>
-          </a:xfrm>
-          <a:prstGeom prst="straightConnector1">
-            <a:avLst/>
-          </a:prstGeom>
-          <a:ln>
-            <a:tailEnd type="triangle" w="lg" len="lg"/>
-          </a:ln>
-        </p:spPr>
-        <p:style>
-          <a:lnRef idx="2">
-            <a:schemeClr val="accent1"/>
-          </a:lnRef>
-          <a:fillRef idx="0">
-            <a:schemeClr val="accent1"/>
-          </a:fillRef>
-          <a:effectRef idx="1">
-            <a:schemeClr val="accent1"/>
-          </a:effectRef>
-          <a:fontRef idx="minor">
-            <a:schemeClr val="tx1"/>
-          </a:fontRef>
-        </p:style>
-      </p:cxnSp>
-      <p:cxnSp>
-        <p:nvCxnSpPr>
-          <p:cNvPr id="59" name="Straight Arrow Connector 58">
-            <a:extLst>
-              <a:ext uri="{FF2B5EF4-FFF2-40B4-BE49-F238E27FC236}">
-                <a16:creationId xmlns:a16="http://schemas.microsoft.com/office/drawing/2014/main" id="{20C0977D-BEE6-D88B-FDCB-5A58A8EBEB63}"/>
-              </a:ext>
-            </a:extLst>
-          </p:cNvPr>
-          <p:cNvCxnSpPr>
-            <a:cxnSpLocks/>
-          </p:cNvCxnSpPr>
-          <p:nvPr/>
-        </p:nvCxnSpPr>
-        <p:spPr>
-          <a:xfrm>
-            <a:off x="5743399" y="3186710"/>
-            <a:ext cx="0" cy="396361"/>
-          </a:xfrm>
-          <a:prstGeom prst="straightConnector1">
-            <a:avLst/>
-          </a:prstGeom>
-          <a:ln>
-            <a:tailEnd type="triangle" w="lg" len="lg"/>
-          </a:ln>
-        </p:spPr>
-        <p:style>
-          <a:lnRef idx="2">
-            <a:schemeClr val="accent1"/>
-          </a:lnRef>
-          <a:fillRef idx="0">
-            <a:schemeClr val="accent1"/>
-          </a:fillRef>
-          <a:effectRef idx="1">
-            <a:schemeClr val="accent1"/>
-          </a:effectRef>
-          <a:fontRef idx="minor">
-            <a:schemeClr val="tx1"/>
-          </a:fontRef>
-        </p:style>
-      </p:cxnSp>
-      <p:sp>
-        <p:nvSpPr>
-          <p:cNvPr id="2" name="TextBox 1">
-            <a:extLst>
-              <a:ext uri="{FF2B5EF4-FFF2-40B4-BE49-F238E27FC236}">
-                <a16:creationId xmlns:a16="http://schemas.microsoft.com/office/drawing/2014/main" id="{BBEF3BA4-62FE-10A2-F798-432A682F68A0}"/>
-              </a:ext>
-            </a:extLst>
-          </p:cNvPr>
-          <p:cNvSpPr txBox="1"/>
-          <p:nvPr/>
-        </p:nvSpPr>
-        <p:spPr>
-          <a:xfrm>
-            <a:off x="6782291" y="2510287"/>
-            <a:ext cx="2356083" cy="817245"/>
-          </a:xfrm>
-          <a:prstGeom prst="roundRect">
-            <a:avLst/>
-          </a:prstGeom>
-        </p:spPr>
-        <p:style>
-          <a:lnRef idx="2">
-            <a:schemeClr val="accent1"/>
-          </a:lnRef>
-          <a:fillRef idx="1">
-            <a:schemeClr val="lt1"/>
-          </a:fillRef>
-          <a:effectRef idx="0">
-            <a:schemeClr val="accent1"/>
-          </a:effectRef>
-          <a:fontRef idx="minor">
-            <a:schemeClr val="dk1"/>
-          </a:fontRef>
-        </p:style>
-        <p:txBody>
-          <a:bodyPr wrap="square" rtlCol="0">
-            <a:spAutoFit/>
-          </a:bodyPr>
-          <a:lstStyle/>
-          <a:p>
-            <a:r>
-              <a:rPr lang="en-US" sz="1000" b="1" dirty="0"/>
-              <a:t>User Input</a:t>
-            </a:r>
-          </a:p>
-          <a:p>
-            <a:pPr marL="171450" indent="-171450">
-              <a:buFont typeface="Arial" panose="020B0604020202020204" pitchFamily="34" charset="0"/>
-              <a:buChar char="•"/>
-            </a:pPr>
-            <a:r>
-              <a:rPr lang="en-US" sz="800" dirty="0"/>
-              <a:t>Network parameters</a:t>
-            </a:r>
-          </a:p>
-          <a:p>
-            <a:pPr marL="171450" indent="-171450">
-              <a:buFont typeface="Arial" panose="020B0604020202020204" pitchFamily="34" charset="0"/>
-              <a:buChar char="•"/>
-            </a:pPr>
-            <a:r>
-              <a:rPr lang="en-US" sz="800" dirty="0"/>
-              <a:t>Constraints on topology</a:t>
-            </a:r>
-          </a:p>
-          <a:p>
-            <a:pPr marL="171450" indent="-171450">
-              <a:buFont typeface="Arial" panose="020B0604020202020204" pitchFamily="34" charset="0"/>
-              <a:buChar char="•"/>
-            </a:pPr>
-            <a:r>
-              <a:rPr lang="en-US" sz="800" dirty="0"/>
-              <a:t>Constraints on functions</a:t>
-            </a:r>
-          </a:p>
-          <a:p>
-            <a:pPr marL="171450" indent="-171450">
-              <a:buFont typeface="Arial" panose="020B0604020202020204" pitchFamily="34" charset="0"/>
-              <a:buChar char="•"/>
-            </a:pPr>
-            <a:r>
-              <a:rPr lang="en-US" sz="800" dirty="0"/>
-              <a:t>Optional: Network for null model matching</a:t>
-            </a:r>
-          </a:p>
-        </p:txBody>
-      </p:sp>
-      <p:sp>
-        <p:nvSpPr>
-          <p:cNvPr id="17" name="TextBox 16">
-            <a:extLst>
-              <a:ext uri="{FF2B5EF4-FFF2-40B4-BE49-F238E27FC236}">
-                <a16:creationId xmlns:a16="http://schemas.microsoft.com/office/drawing/2014/main" id="{A6DFA139-0033-1D87-5965-1612A7046E0A}"/>
-              </a:ext>
-            </a:extLst>
-          </p:cNvPr>
-          <p:cNvSpPr txBox="1"/>
-          <p:nvPr/>
-        </p:nvSpPr>
-        <p:spPr>
-          <a:xfrm>
-            <a:off x="6782290" y="3492690"/>
-            <a:ext cx="2356083" cy="1362075"/>
-          </a:xfrm>
-          <a:prstGeom prst="roundRect">
-            <a:avLst/>
-          </a:prstGeom>
-        </p:spPr>
-        <p:style>
-          <a:lnRef idx="2">
-            <a:schemeClr val="accent1"/>
-          </a:lnRef>
-          <a:fillRef idx="1">
-            <a:schemeClr val="lt1"/>
-          </a:fillRef>
-          <a:effectRef idx="0">
-            <a:schemeClr val="accent1"/>
-          </a:effectRef>
-          <a:fontRef idx="minor">
-            <a:schemeClr val="dk1"/>
-          </a:fontRef>
-        </p:style>
-        <p:txBody>
-          <a:bodyPr wrap="square" rtlCol="0">
-            <a:spAutoFit/>
-          </a:bodyPr>
-          <a:lstStyle/>
-          <a:p>
-            <a:r>
-              <a:rPr lang="en-US" sz="1000" b="1" dirty="0"/>
-              <a:t>Generation</a:t>
-            </a:r>
-            <a:r>
-              <a:rPr lang="en-US" sz="800" dirty="0"/>
-              <a:t> </a:t>
-            </a:r>
-          </a:p>
-          <a:p>
-            <a:pPr marL="171450" indent="-171450">
-              <a:buFont typeface="Arial" panose="020B0604020202020204" pitchFamily="34" charset="0"/>
-              <a:buChar char="•"/>
-            </a:pPr>
-            <a:r>
-              <a:rPr lang="en-US" sz="800" b="1" dirty="0"/>
-              <a:t>Random Boolean Function Generators </a:t>
-            </a:r>
-            <a:br>
-              <a:rPr lang="en-US" sz="800" dirty="0"/>
-            </a:br>
-            <a:r>
-              <a:rPr lang="en-US" sz="800" i="1" dirty="0"/>
-              <a:t>Sample functions with prescribed structural features</a:t>
-            </a:r>
-          </a:p>
-          <a:p>
-            <a:pPr marL="171450" indent="-171450">
-              <a:buFont typeface="Arial" panose="020B0604020202020204" pitchFamily="34" charset="0"/>
-              <a:buChar char="•"/>
-            </a:pPr>
-            <a:r>
-              <a:rPr lang="en-US" sz="800" b="1" dirty="0"/>
-              <a:t>Random Boolean Network Generators</a:t>
-            </a:r>
-            <a:br>
-              <a:rPr lang="en-US" sz="800" dirty="0"/>
-            </a:br>
-            <a:r>
-              <a:rPr lang="en-US" sz="800" i="1" dirty="0"/>
-              <a:t>Generate networks with controlled properties</a:t>
-            </a:r>
-            <a:r>
-              <a:rPr lang="en-US" sz="800" dirty="0"/>
-              <a:t> </a:t>
-            </a:r>
-          </a:p>
-          <a:p>
-            <a:pPr marL="171450" indent="-171450">
-              <a:buFont typeface="Arial" panose="020B0604020202020204" pitchFamily="34" charset="0"/>
-              <a:buChar char="•"/>
-            </a:pPr>
-            <a:r>
-              <a:rPr lang="en-US" sz="800" dirty="0"/>
-              <a:t>Output: Single networks, large ensembles, or customized null models</a:t>
-            </a:r>
-          </a:p>
-        </p:txBody>
-      </p:sp>
-      <p:sp>
-        <p:nvSpPr>
-          <p:cNvPr id="18" name="TextBox 17">
-            <a:extLst>
-              <a:ext uri="{FF2B5EF4-FFF2-40B4-BE49-F238E27FC236}">
-                <a16:creationId xmlns:a16="http://schemas.microsoft.com/office/drawing/2014/main" id="{AAE02E2B-C70B-A642-1E2A-F43C49D2DC31}"/>
-              </a:ext>
-            </a:extLst>
-          </p:cNvPr>
-          <p:cNvSpPr txBox="1"/>
-          <p:nvPr/>
-        </p:nvSpPr>
-        <p:spPr>
-          <a:xfrm>
-            <a:off x="9448370" y="3866458"/>
-            <a:ext cx="2356083" cy="953453"/>
-          </a:xfrm>
-          <a:prstGeom prst="roundRect">
-            <a:avLst/>
-          </a:prstGeom>
-        </p:spPr>
-        <p:style>
-          <a:lnRef idx="2">
-            <a:schemeClr val="accent1"/>
-          </a:lnRef>
-          <a:fillRef idx="1">
-            <a:schemeClr val="lt1"/>
-          </a:fillRef>
-          <a:effectRef idx="0">
-            <a:schemeClr val="accent1"/>
-          </a:effectRef>
-          <a:fontRef idx="minor">
-            <a:schemeClr val="dk1"/>
-          </a:fontRef>
-        </p:style>
-        <p:txBody>
-          <a:bodyPr wrap="square" rtlCol="0">
-            <a:spAutoFit/>
-          </a:bodyPr>
-          <a:lstStyle/>
-          <a:p>
-            <a:r>
-              <a:rPr lang="en-US" sz="1000" b="1" dirty="0"/>
-              <a:t>Analysis</a:t>
-            </a:r>
-            <a:r>
-              <a:rPr lang="en-US" sz="800" dirty="0"/>
-              <a:t> </a:t>
-            </a:r>
-          </a:p>
-          <a:p>
-            <a:pPr marL="171450" indent="-171450">
-              <a:buFont typeface="Arial" panose="020B0604020202020204" pitchFamily="34" charset="0"/>
-              <a:buChar char="•"/>
-            </a:pPr>
-            <a:r>
-              <a:rPr lang="en-US" sz="800" dirty="0"/>
-              <a:t>Function-level metrics </a:t>
-            </a:r>
-            <a:br>
-              <a:rPr lang="en-US" sz="800" dirty="0"/>
-            </a:br>
-            <a:r>
-              <a:rPr lang="en-US" sz="800" i="1" dirty="0"/>
-              <a:t>canalization, redundancy, symmetry, sensitivity</a:t>
-            </a:r>
-          </a:p>
-          <a:p>
-            <a:pPr marL="171450" indent="-171450">
-              <a:buFont typeface="Arial" panose="020B0604020202020204" pitchFamily="34" charset="0"/>
-              <a:buChar char="•"/>
-            </a:pPr>
-            <a:r>
-              <a:rPr lang="en-US" sz="800" dirty="0"/>
-              <a:t>Network-level metrics </a:t>
-            </a:r>
-            <a:br>
-              <a:rPr lang="en-US" sz="800" dirty="0"/>
-            </a:br>
-            <a:r>
-              <a:rPr lang="en-US" sz="800" i="1" dirty="0"/>
-              <a:t>attractors, robustness, motifs, coherence</a:t>
-            </a:r>
-          </a:p>
-        </p:txBody>
-      </p:sp>
-      <p:sp>
-        <p:nvSpPr>
-          <p:cNvPr id="19" name="TextBox 18">
-            <a:extLst>
-              <a:ext uri="{FF2B5EF4-FFF2-40B4-BE49-F238E27FC236}">
-                <a16:creationId xmlns:a16="http://schemas.microsoft.com/office/drawing/2014/main" id="{B127E6E4-2E41-6DC0-D66A-4CF32E7E8EBA}"/>
-              </a:ext>
-            </a:extLst>
-          </p:cNvPr>
-          <p:cNvSpPr txBox="1"/>
-          <p:nvPr/>
-        </p:nvSpPr>
-        <p:spPr>
-          <a:xfrm>
-            <a:off x="9448369" y="2337766"/>
-            <a:ext cx="2356083" cy="1362075"/>
-          </a:xfrm>
-          <a:prstGeom prst="roundRect">
-            <a:avLst/>
-          </a:prstGeom>
-        </p:spPr>
-        <p:style>
-          <a:lnRef idx="2">
-            <a:schemeClr val="accent1"/>
-          </a:lnRef>
-          <a:fillRef idx="1">
-            <a:schemeClr val="lt1"/>
-          </a:fillRef>
-          <a:effectRef idx="0">
-            <a:schemeClr val="accent1"/>
-          </a:effectRef>
-          <a:fontRef idx="minor">
-            <a:schemeClr val="dk1"/>
-          </a:fontRef>
-        </p:style>
-        <p:txBody>
-          <a:bodyPr wrap="square" rtlCol="0">
-            <a:spAutoFit/>
-          </a:bodyPr>
-          <a:lstStyle/>
-          <a:p>
-            <a:r>
-              <a:rPr lang="en-US" sz="1000" b="1" dirty="0"/>
-              <a:t>Generation</a:t>
-            </a:r>
-            <a:r>
-              <a:rPr lang="en-US" sz="800" dirty="0"/>
-              <a:t> </a:t>
-            </a:r>
-          </a:p>
-          <a:p>
-            <a:pPr marL="171450" indent="-171450">
-              <a:buFont typeface="Arial" panose="020B0604020202020204" pitchFamily="34" charset="0"/>
-              <a:buChar char="•"/>
-            </a:pPr>
-            <a:r>
-              <a:rPr lang="en-US" sz="800" b="1" dirty="0"/>
-              <a:t>Random Boolean Function Generators </a:t>
-            </a:r>
-            <a:br>
-              <a:rPr lang="en-US" sz="800" dirty="0"/>
-            </a:br>
-            <a:r>
-              <a:rPr lang="en-US" sz="800" i="1" dirty="0"/>
-              <a:t>Sample functions with prescribed structural features</a:t>
-            </a:r>
-          </a:p>
-          <a:p>
-            <a:pPr marL="171450" indent="-171450">
-              <a:buFont typeface="Arial" panose="020B0604020202020204" pitchFamily="34" charset="0"/>
-              <a:buChar char="•"/>
-            </a:pPr>
-            <a:r>
-              <a:rPr lang="en-US" sz="800" b="1" dirty="0"/>
-              <a:t>Random Boolean Network Generators</a:t>
-            </a:r>
-            <a:br>
-              <a:rPr lang="en-US" sz="800" dirty="0"/>
-            </a:br>
-            <a:r>
-              <a:rPr lang="en-US" sz="800" i="1" dirty="0"/>
-              <a:t>Generate networks with controlled properties</a:t>
-            </a:r>
-            <a:r>
-              <a:rPr lang="en-US" sz="800" dirty="0"/>
-              <a:t> </a:t>
-            </a:r>
-          </a:p>
-          <a:p>
-            <a:pPr marL="171450" indent="-171450">
-              <a:buFont typeface="Arial" panose="020B0604020202020204" pitchFamily="34" charset="0"/>
-              <a:buChar char="•"/>
-            </a:pPr>
-            <a:r>
-              <a:rPr lang="en-US" sz="800" dirty="0"/>
-              <a:t>Output: Single networks, large ensembles, or customized null models</a:t>
-            </a:r>
-          </a:p>
-        </p:txBody>
-      </p:sp>
     </p:spTree>
     <p:extLst>
       <p:ext uri="{BB962C8B-B14F-4D97-AF65-F5344CB8AC3E}">
@@ -12126,4 +16025,319 @@
     </a:ext>
   </a:extLst>
 </a:theme>
+</file>
+
+<file path=ppt/theme/theme2.xml><?xml version="1.0" encoding="utf-8"?>
+<a:theme xmlns:a="http://schemas.openxmlformats.org/drawingml/2006/main" name="Office Theme">
+  <a:themeElements>
+    <a:clrScheme name="Office">
+      <a:dk1>
+        <a:sysClr val="windowText" lastClr="000000"/>
+      </a:dk1>
+      <a:lt1>
+        <a:sysClr val="window" lastClr="FFFFFF"/>
+      </a:lt1>
+      <a:dk2>
+        <a:srgbClr val="0E2841"/>
+      </a:dk2>
+      <a:lt2>
+        <a:srgbClr val="E8E8E8"/>
+      </a:lt2>
+      <a:accent1>
+        <a:srgbClr val="156082"/>
+      </a:accent1>
+      <a:accent2>
+        <a:srgbClr val="E97132"/>
+      </a:accent2>
+      <a:accent3>
+        <a:srgbClr val="196B24"/>
+      </a:accent3>
+      <a:accent4>
+        <a:srgbClr val="0F9ED5"/>
+      </a:accent4>
+      <a:accent5>
+        <a:srgbClr val="A02B93"/>
+      </a:accent5>
+      <a:accent6>
+        <a:srgbClr val="4EA72E"/>
+      </a:accent6>
+      <a:hlink>
+        <a:srgbClr val="467886"/>
+      </a:hlink>
+      <a:folHlink>
+        <a:srgbClr val="96607D"/>
+      </a:folHlink>
+    </a:clrScheme>
+    <a:fontScheme name="Office">
+      <a:majorFont>
+        <a:latin typeface="Aptos Display" panose="02110004020202020204"/>
+        <a:ea typeface=""/>
+        <a:cs typeface=""/>
+        <a:font script="Jpan" typeface="游ゴシック Light"/>
+        <a:font script="Hang" typeface="맑은 고딕"/>
+        <a:font script="Hans" typeface="等线 Light"/>
+        <a:font script="Hant" typeface="新細明體"/>
+        <a:font script="Arab" typeface="Times New Roman"/>
+        <a:font script="Hebr" typeface="Times New Roman"/>
+        <a:font script="Thai" typeface="Angsana New"/>
+        <a:font script="Ethi" typeface="Nyala"/>
+        <a:font script="Beng" typeface="Vrinda"/>
+        <a:font script="Gujr" typeface="Shruti"/>
+        <a:font script="Khmr" typeface="MoolBoran"/>
+        <a:font script="Knda" typeface="Tunga"/>
+        <a:font script="Guru" typeface="Raavi"/>
+        <a:font script="Cans" typeface="Euphemia"/>
+        <a:font script="Cher" typeface="Plantagenet Cherokee"/>
+        <a:font script="Yiii" typeface="Microsoft Yi Baiti"/>
+        <a:font script="Tibt" typeface="Microsoft Himalaya"/>
+        <a:font script="Thaa" typeface="MV Boli"/>
+        <a:font script="Deva" typeface="Mangal"/>
+        <a:font script="Telu" typeface="Gautami"/>
+        <a:font script="Taml" typeface="Latha"/>
+        <a:font script="Syrc" typeface="Estrangelo Edessa"/>
+        <a:font script="Orya" typeface="Kalinga"/>
+        <a:font script="Mlym" typeface="Kartika"/>
+        <a:font script="Laoo" typeface="DokChampa"/>
+        <a:font script="Sinh" typeface="Iskoola Pota"/>
+        <a:font script="Mong" typeface="Mongolian Baiti"/>
+        <a:font script="Viet" typeface="Times New Roman"/>
+        <a:font script="Uigh" typeface="Microsoft Uighur"/>
+        <a:font script="Geor" typeface="Sylfaen"/>
+        <a:font script="Armn" typeface="Arial"/>
+        <a:font script="Bugi" typeface="Leelawadee UI"/>
+        <a:font script="Bopo" typeface="Microsoft JhengHei"/>
+        <a:font script="Java" typeface="Javanese Text"/>
+        <a:font script="Lisu" typeface="Segoe UI"/>
+        <a:font script="Mymr" typeface="Myanmar Text"/>
+        <a:font script="Nkoo" typeface="Ebrima"/>
+        <a:font script="Olck" typeface="Nirmala UI"/>
+        <a:font script="Osma" typeface="Ebrima"/>
+        <a:font script="Phag" typeface="Phagspa"/>
+        <a:font script="Syrn" typeface="Estrangelo Edessa"/>
+        <a:font script="Syrj" typeface="Estrangelo Edessa"/>
+        <a:font script="Syre" typeface="Estrangelo Edessa"/>
+        <a:font script="Sora" typeface="Nirmala UI"/>
+        <a:font script="Tale" typeface="Microsoft Tai Le"/>
+        <a:font script="Talu" typeface="Microsoft New Tai Lue"/>
+        <a:font script="Tfng" typeface="Ebrima"/>
+      </a:majorFont>
+      <a:minorFont>
+        <a:latin typeface="Aptos" panose="02110004020202020204"/>
+        <a:ea typeface=""/>
+        <a:cs typeface=""/>
+        <a:font script="Jpan" typeface="游ゴシック"/>
+        <a:font script="Hang" typeface="맑은 고딕"/>
+        <a:font script="Hans" typeface="等线"/>
+        <a:font script="Hant" typeface="新細明體"/>
+        <a:font script="Arab" typeface="Arial"/>
+        <a:font script="Hebr" typeface="Arial"/>
+        <a:font script="Thai" typeface="Cordia New"/>
+        <a:font script="Ethi" typeface="Nyala"/>
+        <a:font script="Beng" typeface="Vrinda"/>
+        <a:font script="Gujr" typeface="Shruti"/>
+        <a:font script="Khmr" typeface="DaunPenh"/>
+        <a:font script="Knda" typeface="Tunga"/>
+        <a:font script="Guru" typeface="Raavi"/>
+        <a:font script="Cans" typeface="Euphemia"/>
+        <a:font script="Cher" typeface="Plantagenet Cherokee"/>
+        <a:font script="Yiii" typeface="Microsoft Yi Baiti"/>
+        <a:font script="Tibt" typeface="Microsoft Himalaya"/>
+        <a:font script="Thaa" typeface="MV Boli"/>
+        <a:font script="Deva" typeface="Mangal"/>
+        <a:font script="Telu" typeface="Gautami"/>
+        <a:font script="Taml" typeface="Latha"/>
+        <a:font script="Syrc" typeface="Estrangelo Edessa"/>
+        <a:font script="Orya" typeface="Kalinga"/>
+        <a:font script="Mlym" typeface="Kartika"/>
+        <a:font script="Laoo" typeface="DokChampa"/>
+        <a:font script="Sinh" typeface="Iskoola Pota"/>
+        <a:font script="Mong" typeface="Mongolian Baiti"/>
+        <a:font script="Viet" typeface="Arial"/>
+        <a:font script="Uigh" typeface="Microsoft Uighur"/>
+        <a:font script="Geor" typeface="Sylfaen"/>
+        <a:font script="Armn" typeface="Arial"/>
+        <a:font script="Bugi" typeface="Leelawadee UI"/>
+        <a:font script="Bopo" typeface="Microsoft JhengHei"/>
+        <a:font script="Java" typeface="Javanese Text"/>
+        <a:font script="Lisu" typeface="Segoe UI"/>
+        <a:font script="Mymr" typeface="Myanmar Text"/>
+        <a:font script="Nkoo" typeface="Ebrima"/>
+        <a:font script="Olck" typeface="Nirmala UI"/>
+        <a:font script="Osma" typeface="Ebrima"/>
+        <a:font script="Phag" typeface="Phagspa"/>
+        <a:font script="Syrn" typeface="Estrangelo Edessa"/>
+        <a:font script="Syrj" typeface="Estrangelo Edessa"/>
+        <a:font script="Syre" typeface="Estrangelo Edessa"/>
+        <a:font script="Sora" typeface="Nirmala UI"/>
+        <a:font script="Tale" typeface="Microsoft Tai Le"/>
+        <a:font script="Talu" typeface="Microsoft New Tai Lue"/>
+        <a:font script="Tfng" typeface="Ebrima"/>
+      </a:minorFont>
+    </a:fontScheme>
+    <a:fmtScheme name="Office">
+      <a:fillStyleLst>
+        <a:solidFill>
+          <a:schemeClr val="phClr"/>
+        </a:solidFill>
+        <a:gradFill rotWithShape="1">
+          <a:gsLst>
+            <a:gs pos="0">
+              <a:schemeClr val="phClr">
+                <a:lumMod val="110000"/>
+                <a:satMod val="105000"/>
+                <a:tint val="67000"/>
+              </a:schemeClr>
+            </a:gs>
+            <a:gs pos="50000">
+              <a:schemeClr val="phClr">
+                <a:lumMod val="105000"/>
+                <a:satMod val="103000"/>
+                <a:tint val="73000"/>
+              </a:schemeClr>
+            </a:gs>
+            <a:gs pos="100000">
+              <a:schemeClr val="phClr">
+                <a:lumMod val="105000"/>
+                <a:satMod val="109000"/>
+                <a:tint val="81000"/>
+              </a:schemeClr>
+            </a:gs>
+          </a:gsLst>
+          <a:lin ang="5400000" scaled="0"/>
+        </a:gradFill>
+        <a:gradFill rotWithShape="1">
+          <a:gsLst>
+            <a:gs pos="0">
+              <a:schemeClr val="phClr">
+                <a:satMod val="103000"/>
+                <a:lumMod val="102000"/>
+                <a:tint val="94000"/>
+              </a:schemeClr>
+            </a:gs>
+            <a:gs pos="50000">
+              <a:schemeClr val="phClr">
+                <a:satMod val="110000"/>
+                <a:lumMod val="100000"/>
+                <a:shade val="100000"/>
+              </a:schemeClr>
+            </a:gs>
+            <a:gs pos="100000">
+              <a:schemeClr val="phClr">
+                <a:lumMod val="99000"/>
+                <a:satMod val="120000"/>
+                <a:shade val="78000"/>
+              </a:schemeClr>
+            </a:gs>
+          </a:gsLst>
+          <a:lin ang="5400000" scaled="0"/>
+        </a:gradFill>
+      </a:fillStyleLst>
+      <a:lnStyleLst>
+        <a:ln w="12700" cap="flat" cmpd="sng" algn="ctr">
+          <a:solidFill>
+            <a:schemeClr val="phClr"/>
+          </a:solidFill>
+          <a:prstDash val="solid"/>
+          <a:miter lim="800000"/>
+        </a:ln>
+        <a:ln w="19050" cap="flat" cmpd="sng" algn="ctr">
+          <a:solidFill>
+            <a:schemeClr val="phClr"/>
+          </a:solidFill>
+          <a:prstDash val="solid"/>
+          <a:miter lim="800000"/>
+        </a:ln>
+        <a:ln w="25400" cap="flat" cmpd="sng" algn="ctr">
+          <a:solidFill>
+            <a:schemeClr val="phClr"/>
+          </a:solidFill>
+          <a:prstDash val="solid"/>
+          <a:miter lim="800000"/>
+        </a:ln>
+      </a:lnStyleLst>
+      <a:effectStyleLst>
+        <a:effectStyle>
+          <a:effectLst/>
+        </a:effectStyle>
+        <a:effectStyle>
+          <a:effectLst/>
+        </a:effectStyle>
+        <a:effectStyle>
+          <a:effectLst>
+            <a:outerShdw blurRad="57150" dist="19050" dir="5400000" algn="ctr" rotWithShape="0">
+              <a:srgbClr val="000000">
+                <a:alpha val="63000"/>
+              </a:srgbClr>
+            </a:outerShdw>
+          </a:effectLst>
+        </a:effectStyle>
+      </a:effectStyleLst>
+      <a:bgFillStyleLst>
+        <a:solidFill>
+          <a:schemeClr val="phClr"/>
+        </a:solidFill>
+        <a:solidFill>
+          <a:schemeClr val="phClr">
+            <a:tint val="95000"/>
+            <a:satMod val="170000"/>
+          </a:schemeClr>
+        </a:solidFill>
+        <a:gradFill rotWithShape="1">
+          <a:gsLst>
+            <a:gs pos="0">
+              <a:schemeClr val="phClr">
+                <a:tint val="93000"/>
+                <a:satMod val="150000"/>
+                <a:shade val="98000"/>
+                <a:lumMod val="102000"/>
+              </a:schemeClr>
+            </a:gs>
+            <a:gs pos="50000">
+              <a:schemeClr val="phClr">
+                <a:tint val="98000"/>
+                <a:satMod val="130000"/>
+                <a:shade val="90000"/>
+                <a:lumMod val="103000"/>
+              </a:schemeClr>
+            </a:gs>
+            <a:gs pos="100000">
+              <a:schemeClr val="phClr">
+                <a:shade val="63000"/>
+                <a:satMod val="120000"/>
+              </a:schemeClr>
+            </a:gs>
+          </a:gsLst>
+          <a:lin ang="5400000" scaled="0"/>
+        </a:gradFill>
+      </a:bgFillStyleLst>
+    </a:fmtScheme>
+  </a:themeElements>
+  <a:objectDefaults>
+    <a:lnDef>
+      <a:spPr/>
+      <a:bodyPr/>
+      <a:lstStyle/>
+      <a:style>
+        <a:lnRef idx="2">
+          <a:schemeClr val="accent1"/>
+        </a:lnRef>
+        <a:fillRef idx="0">
+          <a:schemeClr val="accent1"/>
+        </a:fillRef>
+        <a:effectRef idx="1">
+          <a:schemeClr val="accent1"/>
+        </a:effectRef>
+        <a:fontRef idx="minor">
+          <a:schemeClr val="tx1"/>
+        </a:fontRef>
+      </a:style>
+    </a:lnDef>
+  </a:objectDefaults>
+  <a:extraClrSchemeLst/>
+  <a:extLst>
+    <a:ext uri="{05A4C25C-085E-4340-85A3-A5531E510DB2}">
+      <thm15:themeFamily xmlns:thm15="http://schemas.microsoft.com/office/thememl/2012/main" name="Office Theme" id="{2E142A2C-CD16-42D6-873A-C26D2A0506FA}" vid="{1BDDFF52-6CD6-40A5-AB3C-68EB2F1E4D0A}"/>
+    </a:ext>
+  </a:extLst>
+</a:theme>
 </file>